--- a/Prezentacja2.pptx
+++ b/Prezentacja2.pptx
@@ -17,7 +17,8 @@
     <p:sldId id="264" r:id="rId11"/>
     <p:sldId id="265" r:id="rId12"/>
     <p:sldId id="266" r:id="rId13"/>
-    <p:sldId id="267" r:id="rId14"/>
+    <p:sldId id="269" r:id="rId14"/>
+    <p:sldId id="267" r:id="rId15"/>
   </p:sldIdLst>
   <p:sldSz cx="12192000" cy="6858000"/>
   <p:notesSz cx="6858000" cy="9144000"/>
@@ -936,7 +937,7 @@
           <a:p>
             <a:fld id="{7CF0BCE0-945C-4FDF-95A1-2149B1FF5B83}" type="datetimeFigureOut">
               <a:rPr lang="en-US" smtClean="0"/>
-              <a:t>1/19/2024</a:t>
+              <a:t>1/20/2024</a:t>
             </a:fld>
             <a:endParaRPr lang="en-US"/>
           </a:p>
@@ -1661,7 +1662,7 @@
           <a:p>
             <a:fld id="{7CF0BCE0-945C-4FDF-95A1-2149B1FF5B83}" type="datetimeFigureOut">
               <a:rPr lang="en-US" smtClean="0"/>
-              <a:t>1/19/2024</a:t>
+              <a:t>1/20/2024</a:t>
             </a:fld>
             <a:endParaRPr lang="en-US"/>
           </a:p>
@@ -2533,7 +2534,7 @@
           <a:p>
             <a:fld id="{7CF0BCE0-945C-4FDF-95A1-2149B1FF5B83}" type="datetimeFigureOut">
               <a:rPr lang="en-US" smtClean="0"/>
-              <a:t>1/19/2024</a:t>
+              <a:t>1/20/2024</a:t>
             </a:fld>
             <a:endParaRPr lang="en-US"/>
           </a:p>
@@ -3235,7 +3236,7 @@
           <a:p>
             <a:fld id="{7CF0BCE0-945C-4FDF-95A1-2149B1FF5B83}" type="datetimeFigureOut">
               <a:rPr lang="en-US" smtClean="0"/>
-              <a:t>1/19/2024</a:t>
+              <a:t>1/20/2024</a:t>
             </a:fld>
             <a:endParaRPr lang="en-US"/>
           </a:p>
@@ -3944,7 +3945,7 @@
           <a:p>
             <a:fld id="{7CF0BCE0-945C-4FDF-95A1-2149B1FF5B83}" type="datetimeFigureOut">
               <a:rPr lang="en-US" smtClean="0"/>
-              <a:t>1/19/2024</a:t>
+              <a:t>1/20/2024</a:t>
             </a:fld>
             <a:endParaRPr lang="en-US"/>
           </a:p>
@@ -4878,7 +4879,7 @@
           <a:p>
             <a:fld id="{7CF0BCE0-945C-4FDF-95A1-2149B1FF5B83}" type="datetimeFigureOut">
               <a:rPr lang="en-US" smtClean="0"/>
-              <a:t>1/19/2024</a:t>
+              <a:t>1/20/2024</a:t>
             </a:fld>
             <a:endParaRPr lang="en-US"/>
           </a:p>
@@ -6095,7 +6096,7 @@
           <a:p>
             <a:fld id="{7CF0BCE0-945C-4FDF-95A1-2149B1FF5B83}" type="datetimeFigureOut">
               <a:rPr lang="en-US" smtClean="0"/>
-              <a:t>1/19/2024</a:t>
+              <a:t>1/20/2024</a:t>
             </a:fld>
             <a:endParaRPr lang="en-US"/>
           </a:p>
@@ -6760,7 +6761,7 @@
           <a:p>
             <a:fld id="{7CF0BCE0-945C-4FDF-95A1-2149B1FF5B83}" type="datetimeFigureOut">
               <a:rPr lang="en-US" smtClean="0"/>
-              <a:t>1/19/2024</a:t>
+              <a:t>1/20/2024</a:t>
             </a:fld>
             <a:endParaRPr lang="en-US"/>
           </a:p>
@@ -7529,7 +7530,7 @@
           <a:p>
             <a:fld id="{7CF0BCE0-945C-4FDF-95A1-2149B1FF5B83}" type="datetimeFigureOut">
               <a:rPr lang="en-US" smtClean="0"/>
-              <a:t>1/19/2024</a:t>
+              <a:t>1/20/2024</a:t>
             </a:fld>
             <a:endParaRPr lang="en-US"/>
           </a:p>
@@ -8639,7 +8640,7 @@
           <a:p>
             <a:fld id="{7CF0BCE0-945C-4FDF-95A1-2149B1FF5B83}" type="datetimeFigureOut">
               <a:rPr lang="en-US" smtClean="0"/>
-              <a:t>1/19/2024</a:t>
+              <a:t>1/20/2024</a:t>
             </a:fld>
             <a:endParaRPr lang="en-US"/>
           </a:p>
@@ -9445,7 +9446,7 @@
           <a:p>
             <a:fld id="{7CF0BCE0-945C-4FDF-95A1-2149B1FF5B83}" type="datetimeFigureOut">
               <a:rPr lang="en-US" smtClean="0"/>
-              <a:t>1/19/2024</a:t>
+              <a:t>1/20/2024</a:t>
             </a:fld>
             <a:endParaRPr lang="en-US"/>
           </a:p>
@@ -9727,7 +9728,7 @@
             <a:fld id="{7CF0BCE0-945C-4FDF-95A1-2149B1FF5B83}" type="datetimeFigureOut">
               <a:rPr lang="en-US" smtClean="0"/>
               <a:pPr algn="r"/>
-              <a:t>1/19/2024</a:t>
+              <a:t>1/20/2024</a:t>
             </a:fld>
             <a:endParaRPr lang="en-US"/>
           </a:p>
@@ -10116,7 +10117,7 @@
                 <a16:creationId xmlns:a16="http://schemas.microsoft.com/office/drawing/2014/main" id="{9C51935E-4A08-4AE4-8E13-F40CD3C4F1C4}"/>
               </a:ext>
               <a:ext uri="{C183D7F6-B498-43B3-948B-1728B52AA6E4}">
-                <adec:decorative xmlns:adec="http://schemas.microsoft.com/office/drawing/2017/decorative" val="1"/>
+                <adec:decorative xmlns:adec="http://schemas.microsoft.com/office/drawing/2017/decorative" xmlns="" val="1"/>
               </a:ext>
             </a:extLst>
           </p:cNvPr>
@@ -10269,6 +10270,10 @@
               <a:rPr lang="pl-PL" err="1"/>
               <a:t>Całkowska</a:t>
             </a:r>
+            <a:r>
+              <a:rPr lang="pl-PL"/>
+              <a:t/>
+            </a:r>
             <a:br>
               <a:rPr lang="pl-PL"/>
             </a:br>
@@ -10287,7 +10292,7 @@
                 <a16:creationId xmlns:a16="http://schemas.microsoft.com/office/drawing/2014/main" id="{A7014575-F0CE-4EAB-917E-3325411BA231}"/>
               </a:ext>
               <a:ext uri="{C183D7F6-B498-43B3-948B-1728B52AA6E4}">
-                <adec:decorative xmlns:adec="http://schemas.microsoft.com/office/drawing/2017/decorative" val="1"/>
+                <adec:decorative xmlns:adec="http://schemas.microsoft.com/office/drawing/2017/decorative" xmlns="" val="1"/>
               </a:ext>
             </a:extLst>
           </p:cNvPr>
@@ -10318,7 +10323,7 @@
                   <a16:creationId xmlns:a16="http://schemas.microsoft.com/office/drawing/2014/main" id="{2DB3702B-264B-4A16-B3FF-E2B1366D5765}"/>
                 </a:ext>
                 <a:ext uri="{C183D7F6-B498-43B3-948B-1728B52AA6E4}">
-                  <adec:decorative xmlns:adec="http://schemas.microsoft.com/office/drawing/2017/decorative" val="1"/>
+                  <adec:decorative xmlns:adec="http://schemas.microsoft.com/office/drawing/2017/decorative" xmlns="" val="1"/>
                 </a:ext>
               </a:extLst>
             </p:cNvPr>
@@ -10386,7 +10391,7 @@
                   <a16:creationId xmlns:a16="http://schemas.microsoft.com/office/drawing/2014/main" id="{92A33E2F-6DB3-47D1-B577-F0D4289E8A38}"/>
                 </a:ext>
                 <a:ext uri="{C183D7F6-B498-43B3-948B-1728B52AA6E4}">
-                  <adec:decorative xmlns:adec="http://schemas.microsoft.com/office/drawing/2017/decorative" val="1"/>
+                  <adec:decorative xmlns:adec="http://schemas.microsoft.com/office/drawing/2017/decorative" xmlns="" val="1"/>
                 </a:ext>
               </a:extLst>
             </p:cNvPr>
@@ -10452,7 +10457,7 @@
                   <a16:creationId xmlns:a16="http://schemas.microsoft.com/office/drawing/2014/main" id="{A4F24FF8-D392-412B-AB34-A7D89311B017}"/>
                 </a:ext>
                 <a:ext uri="{C183D7F6-B498-43B3-948B-1728B52AA6E4}">
-                  <adec:decorative xmlns:adec="http://schemas.microsoft.com/office/drawing/2017/decorative" val="1"/>
+                  <adec:decorative xmlns:adec="http://schemas.microsoft.com/office/drawing/2017/decorative" xmlns="" val="1"/>
                 </a:ext>
               </a:extLst>
             </p:cNvPr>
@@ -10762,7 +10767,7 @@
                 <a16:creationId xmlns:a16="http://schemas.microsoft.com/office/drawing/2014/main" id="{BF4E480B-94D6-46F9-A2B6-B98D311FDC19}"/>
               </a:ext>
               <a:ext uri="{C183D7F6-B498-43B3-948B-1728B52AA6E4}">
-                <adec:decorative xmlns:adec="http://schemas.microsoft.com/office/drawing/2017/decorative" val="1"/>
+                <adec:decorative xmlns:adec="http://schemas.microsoft.com/office/drawing/2017/decorative" xmlns="" val="1"/>
               </a:ext>
             </a:extLst>
           </p:cNvPr>
@@ -10793,7 +10798,7 @@
                   <a16:creationId xmlns:a16="http://schemas.microsoft.com/office/drawing/2014/main" id="{07183CDE-91A1-40C3-8E80-66F89E1C2D53}"/>
                 </a:ext>
                 <a:ext uri="{C183D7F6-B498-43B3-948B-1728B52AA6E4}">
-                  <adec:decorative xmlns:adec="http://schemas.microsoft.com/office/drawing/2017/decorative" val="1"/>
+                  <adec:decorative xmlns:adec="http://schemas.microsoft.com/office/drawing/2017/decorative" xmlns="" val="1"/>
                 </a:ext>
               </a:extLst>
             </p:cNvPr>
@@ -10874,7 +10879,7 @@
                   <a16:creationId xmlns:a16="http://schemas.microsoft.com/office/drawing/2014/main" id="{A6756515-F9AA-46BD-8DD2-AA15BA492AC0}"/>
                 </a:ext>
                 <a:ext uri="{C183D7F6-B498-43B3-948B-1728B52AA6E4}">
-                  <adec:decorative xmlns:adec="http://schemas.microsoft.com/office/drawing/2017/decorative" val="1"/>
+                  <adec:decorative xmlns:adec="http://schemas.microsoft.com/office/drawing/2017/decorative" xmlns="" val="1"/>
                 </a:ext>
               </a:extLst>
             </p:cNvPr>
@@ -10942,7 +10947,7 @@
                   <a16:creationId xmlns:a16="http://schemas.microsoft.com/office/drawing/2014/main" id="{ABA365E2-8B71-408B-9092-0104216AC7AC}"/>
                 </a:ext>
                 <a:ext uri="{C183D7F6-B498-43B3-948B-1728B52AA6E4}">
-                  <adec:decorative xmlns:adec="http://schemas.microsoft.com/office/drawing/2017/decorative" val="1"/>
+                  <adec:decorative xmlns:adec="http://schemas.microsoft.com/office/drawing/2017/decorative" xmlns="" val="1"/>
                 </a:ext>
               </a:extLst>
             </p:cNvPr>
@@ -11010,7 +11015,7 @@
                   <a16:creationId xmlns:a16="http://schemas.microsoft.com/office/drawing/2014/main" id="{BEDB8D7A-1BF6-4CDB-B93A-7736955F5043}"/>
                 </a:ext>
                 <a:ext uri="{C183D7F6-B498-43B3-948B-1728B52AA6E4}">
-                  <adec:decorative xmlns:adec="http://schemas.microsoft.com/office/drawing/2017/decorative" val="1"/>
+                  <adec:decorative xmlns:adec="http://schemas.microsoft.com/office/drawing/2017/decorative" xmlns="" val="1"/>
                 </a:ext>
               </a:extLst>
             </p:cNvPr>
@@ -11041,7 +11046,7 @@
                     <a16:creationId xmlns:a16="http://schemas.microsoft.com/office/drawing/2014/main" id="{5AACD774-5167-46C7-8A62-6E2FE4BE9469}"/>
                   </a:ext>
                   <a:ext uri="{C183D7F6-B498-43B3-948B-1728B52AA6E4}">
-                    <adec:decorative xmlns:adec="http://schemas.microsoft.com/office/drawing/2017/decorative" val="1"/>
+                    <adec:decorative xmlns:adec="http://schemas.microsoft.com/office/drawing/2017/decorative" xmlns="" val="1"/>
                   </a:ext>
                 </a:extLst>
               </p:cNvPr>
@@ -11118,7 +11123,7 @@
                     <a16:creationId xmlns:a16="http://schemas.microsoft.com/office/drawing/2014/main" id="{06E0F2D8-452E-48F9-9912-C47EAEAE1802}"/>
                   </a:ext>
                   <a:ext uri="{C183D7F6-B498-43B3-948B-1728B52AA6E4}">
-                    <adec:decorative xmlns:adec="http://schemas.microsoft.com/office/drawing/2017/decorative" val="1"/>
+                    <adec:decorative xmlns:adec="http://schemas.microsoft.com/office/drawing/2017/decorative" xmlns="" val="1"/>
                   </a:ext>
                 </a:extLst>
               </p:cNvPr>
@@ -11196,7 +11201,7 @@
                   <a16:creationId xmlns:a16="http://schemas.microsoft.com/office/drawing/2014/main" id="{91FBBF95-430B-427C-A6E8-DB899217FC00}"/>
                 </a:ext>
                 <a:ext uri="{C183D7F6-B498-43B3-948B-1728B52AA6E4}">
-                  <adec:decorative xmlns:adec="http://schemas.microsoft.com/office/drawing/2017/decorative" val="1"/>
+                  <adec:decorative xmlns:adec="http://schemas.microsoft.com/office/drawing/2017/decorative" xmlns="" val="1"/>
                 </a:ext>
               </a:extLst>
             </p:cNvPr>
@@ -11227,7 +11232,7 @@
                     <a16:creationId xmlns:a16="http://schemas.microsoft.com/office/drawing/2014/main" id="{BEE64698-3ED2-4395-B7FC-65248E437E0A}"/>
                   </a:ext>
                   <a:ext uri="{C183D7F6-B498-43B3-948B-1728B52AA6E4}">
-                    <adec:decorative xmlns:adec="http://schemas.microsoft.com/office/drawing/2017/decorative" val="1"/>
+                    <adec:decorative xmlns:adec="http://schemas.microsoft.com/office/drawing/2017/decorative" xmlns="" val="1"/>
                   </a:ext>
                 </a:extLst>
               </p:cNvPr>
@@ -11304,7 +11309,7 @@
                     <a16:creationId xmlns:a16="http://schemas.microsoft.com/office/drawing/2014/main" id="{FE20B1E1-CE09-4C2A-A3FB-DB8026C54E98}"/>
                   </a:ext>
                   <a:ext uri="{C183D7F6-B498-43B3-948B-1728B52AA6E4}">
-                    <adec:decorative xmlns:adec="http://schemas.microsoft.com/office/drawing/2017/decorative" val="1"/>
+                    <adec:decorative xmlns:adec="http://schemas.microsoft.com/office/drawing/2017/decorative" xmlns="" val="1"/>
                   </a:ext>
                 </a:extLst>
               </p:cNvPr>
@@ -11382,7 +11387,7 @@
                   <a16:creationId xmlns:a16="http://schemas.microsoft.com/office/drawing/2014/main" id="{0CB2405B-A907-48B3-906A-FB3573C0B282}"/>
                 </a:ext>
                 <a:ext uri="{C183D7F6-B498-43B3-948B-1728B52AA6E4}">
-                  <adec:decorative xmlns:adec="http://schemas.microsoft.com/office/drawing/2017/decorative" val="1"/>
+                  <adec:decorative xmlns:adec="http://schemas.microsoft.com/office/drawing/2017/decorative" xmlns="" val="1"/>
                 </a:ext>
               </a:extLst>
             </p:cNvPr>
@@ -11462,7 +11467,7 @@
                 <a16:creationId xmlns:a16="http://schemas.microsoft.com/office/drawing/2014/main" id="{6DC8E2D9-6729-4614-8667-C1016D3182E4}"/>
               </a:ext>
               <a:ext uri="{C183D7F6-B498-43B3-948B-1728B52AA6E4}">
-                <adec:decorative xmlns:adec="http://schemas.microsoft.com/office/drawing/2017/decorative" val="1"/>
+                <adec:decorative xmlns:adec="http://schemas.microsoft.com/office/drawing/2017/decorative" xmlns="" val="1"/>
               </a:ext>
             </a:extLst>
           </p:cNvPr>
@@ -11530,7 +11535,7 @@
                 <a16:creationId xmlns:a16="http://schemas.microsoft.com/office/drawing/2014/main" id="{9C51935E-4A08-4AE4-8E13-F40CD3C4F1C4}"/>
               </a:ext>
               <a:ext uri="{C183D7F6-B498-43B3-948B-1728B52AA6E4}">
-                <adec:decorative xmlns:adec="http://schemas.microsoft.com/office/drawing/2017/decorative" val="1"/>
+                <adec:decorative xmlns:adec="http://schemas.microsoft.com/office/drawing/2017/decorative" xmlns="" val="1"/>
               </a:ext>
             </a:extLst>
           </p:cNvPr>
@@ -11681,7 +11686,7 @@
                 <a16:creationId xmlns:a16="http://schemas.microsoft.com/office/drawing/2014/main" id="{4B7AF231-444C-44D0-B791-BAFE395E36AC}"/>
               </a:ext>
               <a:ext uri="{C183D7F6-B498-43B3-948B-1728B52AA6E4}">
-                <adec:decorative xmlns:adec="http://schemas.microsoft.com/office/drawing/2017/decorative" val="1"/>
+                <adec:decorative xmlns:adec="http://schemas.microsoft.com/office/drawing/2017/decorative" xmlns="" val="1"/>
               </a:ext>
             </a:extLst>
           </p:cNvPr>
@@ -11712,7 +11717,7 @@
                   <a16:creationId xmlns:a16="http://schemas.microsoft.com/office/drawing/2014/main" id="{6152793A-5125-41FA-AEF6-96C5463D0A76}"/>
                 </a:ext>
                 <a:ext uri="{C183D7F6-B498-43B3-948B-1728B52AA6E4}">
-                  <adec:decorative xmlns:adec="http://schemas.microsoft.com/office/drawing/2017/decorative" val="1"/>
+                  <adec:decorative xmlns:adec="http://schemas.microsoft.com/office/drawing/2017/decorative" xmlns="" val="1"/>
                 </a:ext>
               </a:extLst>
             </p:cNvPr>
@@ -11780,7 +11785,7 @@
                   <a16:creationId xmlns:a16="http://schemas.microsoft.com/office/drawing/2014/main" id="{63C1632F-098D-4A05-B248-04B7ABFE0060}"/>
                 </a:ext>
                 <a:ext uri="{C183D7F6-B498-43B3-948B-1728B52AA6E4}">
-                  <adec:decorative xmlns:adec="http://schemas.microsoft.com/office/drawing/2017/decorative" val="1"/>
+                  <adec:decorative xmlns:adec="http://schemas.microsoft.com/office/drawing/2017/decorative" xmlns="" val="1"/>
                 </a:ext>
               </a:extLst>
             </p:cNvPr>
@@ -11846,7 +11851,7 @@
                   <a16:creationId xmlns:a16="http://schemas.microsoft.com/office/drawing/2014/main" id="{0A85C0F5-DDEB-454E-A0E4-B6F0FB4CAB12}"/>
                 </a:ext>
                 <a:ext uri="{C183D7F6-B498-43B3-948B-1728B52AA6E4}">
-                  <adec:decorative xmlns:adec="http://schemas.microsoft.com/office/drawing/2017/decorative" val="1"/>
+                  <adec:decorative xmlns:adec="http://schemas.microsoft.com/office/drawing/2017/decorative" xmlns="" val="1"/>
                 </a:ext>
               </a:extLst>
             </p:cNvPr>
@@ -12023,7 +12028,7 @@
                 <a16:creationId xmlns:a16="http://schemas.microsoft.com/office/drawing/2014/main" id="{BF4E480B-94D6-46F9-A2B6-B98D311FDC19}"/>
               </a:ext>
               <a:ext uri="{C183D7F6-B498-43B3-948B-1728B52AA6E4}">
-                <adec:decorative xmlns:adec="http://schemas.microsoft.com/office/drawing/2017/decorative" val="1"/>
+                <adec:decorative xmlns:adec="http://schemas.microsoft.com/office/drawing/2017/decorative" xmlns="" val="1"/>
               </a:ext>
             </a:extLst>
           </p:cNvPr>
@@ -12054,7 +12059,7 @@
                   <a16:creationId xmlns:a16="http://schemas.microsoft.com/office/drawing/2014/main" id="{07183CDE-91A1-40C3-8E80-66F89E1C2D53}"/>
                 </a:ext>
                 <a:ext uri="{C183D7F6-B498-43B3-948B-1728B52AA6E4}">
-                  <adec:decorative xmlns:adec="http://schemas.microsoft.com/office/drawing/2017/decorative" val="1"/>
+                  <adec:decorative xmlns:adec="http://schemas.microsoft.com/office/drawing/2017/decorative" xmlns="" val="1"/>
                 </a:ext>
               </a:extLst>
             </p:cNvPr>
@@ -12135,7 +12140,7 @@
                   <a16:creationId xmlns:a16="http://schemas.microsoft.com/office/drawing/2014/main" id="{A6756515-F9AA-46BD-8DD2-AA15BA492AC0}"/>
                 </a:ext>
                 <a:ext uri="{C183D7F6-B498-43B3-948B-1728B52AA6E4}">
-                  <adec:decorative xmlns:adec="http://schemas.microsoft.com/office/drawing/2017/decorative" val="1"/>
+                  <adec:decorative xmlns:adec="http://schemas.microsoft.com/office/drawing/2017/decorative" xmlns="" val="1"/>
                 </a:ext>
               </a:extLst>
             </p:cNvPr>
@@ -12203,7 +12208,7 @@
                   <a16:creationId xmlns:a16="http://schemas.microsoft.com/office/drawing/2014/main" id="{ABA365E2-8B71-408B-9092-0104216AC7AC}"/>
                 </a:ext>
                 <a:ext uri="{C183D7F6-B498-43B3-948B-1728B52AA6E4}">
-                  <adec:decorative xmlns:adec="http://schemas.microsoft.com/office/drawing/2017/decorative" val="1"/>
+                  <adec:decorative xmlns:adec="http://schemas.microsoft.com/office/drawing/2017/decorative" xmlns="" val="1"/>
                 </a:ext>
               </a:extLst>
             </p:cNvPr>
@@ -12271,7 +12276,7 @@
                   <a16:creationId xmlns:a16="http://schemas.microsoft.com/office/drawing/2014/main" id="{BEDB8D7A-1BF6-4CDB-B93A-7736955F5043}"/>
                 </a:ext>
                 <a:ext uri="{C183D7F6-B498-43B3-948B-1728B52AA6E4}">
-                  <adec:decorative xmlns:adec="http://schemas.microsoft.com/office/drawing/2017/decorative" val="1"/>
+                  <adec:decorative xmlns:adec="http://schemas.microsoft.com/office/drawing/2017/decorative" xmlns="" val="1"/>
                 </a:ext>
               </a:extLst>
             </p:cNvPr>
@@ -12302,7 +12307,7 @@
                     <a16:creationId xmlns:a16="http://schemas.microsoft.com/office/drawing/2014/main" id="{5AACD774-5167-46C7-8A62-6E2FE4BE9469}"/>
                   </a:ext>
                   <a:ext uri="{C183D7F6-B498-43B3-948B-1728B52AA6E4}">
-                    <adec:decorative xmlns:adec="http://schemas.microsoft.com/office/drawing/2017/decorative" val="1"/>
+                    <adec:decorative xmlns:adec="http://schemas.microsoft.com/office/drawing/2017/decorative" xmlns="" val="1"/>
                   </a:ext>
                 </a:extLst>
               </p:cNvPr>
@@ -12379,7 +12384,7 @@
                     <a16:creationId xmlns:a16="http://schemas.microsoft.com/office/drawing/2014/main" id="{06E0F2D8-452E-48F9-9912-C47EAEAE1802}"/>
                   </a:ext>
                   <a:ext uri="{C183D7F6-B498-43B3-948B-1728B52AA6E4}">
-                    <adec:decorative xmlns:adec="http://schemas.microsoft.com/office/drawing/2017/decorative" val="1"/>
+                    <adec:decorative xmlns:adec="http://schemas.microsoft.com/office/drawing/2017/decorative" xmlns="" val="1"/>
                   </a:ext>
                 </a:extLst>
               </p:cNvPr>
@@ -12457,7 +12462,7 @@
                   <a16:creationId xmlns:a16="http://schemas.microsoft.com/office/drawing/2014/main" id="{91FBBF95-430B-427C-A6E8-DB899217FC00}"/>
                 </a:ext>
                 <a:ext uri="{C183D7F6-B498-43B3-948B-1728B52AA6E4}">
-                  <adec:decorative xmlns:adec="http://schemas.microsoft.com/office/drawing/2017/decorative" val="1"/>
+                  <adec:decorative xmlns:adec="http://schemas.microsoft.com/office/drawing/2017/decorative" xmlns="" val="1"/>
                 </a:ext>
               </a:extLst>
             </p:cNvPr>
@@ -12488,7 +12493,7 @@
                     <a16:creationId xmlns:a16="http://schemas.microsoft.com/office/drawing/2014/main" id="{BEE64698-3ED2-4395-B7FC-65248E437E0A}"/>
                   </a:ext>
                   <a:ext uri="{C183D7F6-B498-43B3-948B-1728B52AA6E4}">
-                    <adec:decorative xmlns:adec="http://schemas.microsoft.com/office/drawing/2017/decorative" val="1"/>
+                    <adec:decorative xmlns:adec="http://schemas.microsoft.com/office/drawing/2017/decorative" xmlns="" val="1"/>
                   </a:ext>
                 </a:extLst>
               </p:cNvPr>
@@ -12565,7 +12570,7 @@
                     <a16:creationId xmlns:a16="http://schemas.microsoft.com/office/drawing/2014/main" id="{FE20B1E1-CE09-4C2A-A3FB-DB8026C54E98}"/>
                   </a:ext>
                   <a:ext uri="{C183D7F6-B498-43B3-948B-1728B52AA6E4}">
-                    <adec:decorative xmlns:adec="http://schemas.microsoft.com/office/drawing/2017/decorative" val="1"/>
+                    <adec:decorative xmlns:adec="http://schemas.microsoft.com/office/drawing/2017/decorative" xmlns="" val="1"/>
                   </a:ext>
                 </a:extLst>
               </p:cNvPr>
@@ -12643,7 +12648,7 @@
                   <a16:creationId xmlns:a16="http://schemas.microsoft.com/office/drawing/2014/main" id="{0CB2405B-A907-48B3-906A-FB3573C0B282}"/>
                 </a:ext>
                 <a:ext uri="{C183D7F6-B498-43B3-948B-1728B52AA6E4}">
-                  <adec:decorative xmlns:adec="http://schemas.microsoft.com/office/drawing/2017/decorative" val="1"/>
+                  <adec:decorative xmlns:adec="http://schemas.microsoft.com/office/drawing/2017/decorative" xmlns="" val="1"/>
                 </a:ext>
               </a:extLst>
             </p:cNvPr>
@@ -12723,7 +12728,7 @@
                 <a16:creationId xmlns:a16="http://schemas.microsoft.com/office/drawing/2014/main" id="{6DC8E2D9-6729-4614-8667-C1016D3182E4}"/>
               </a:ext>
               <a:ext uri="{C183D7F6-B498-43B3-948B-1728B52AA6E4}">
-                <adec:decorative xmlns:adec="http://schemas.microsoft.com/office/drawing/2017/decorative" val="1"/>
+                <adec:decorative xmlns:adec="http://schemas.microsoft.com/office/drawing/2017/decorative" xmlns="" val="1"/>
               </a:ext>
             </a:extLst>
           </p:cNvPr>
@@ -12791,7 +12796,7 @@
                 <a16:creationId xmlns:a16="http://schemas.microsoft.com/office/drawing/2014/main" id="{9C51935E-4A08-4AE4-8E13-F40CD3C4F1C4}"/>
               </a:ext>
               <a:ext uri="{C183D7F6-B498-43B3-948B-1728B52AA6E4}">
-                <adec:decorative xmlns:adec="http://schemas.microsoft.com/office/drawing/2017/decorative" val="1"/>
+                <adec:decorative xmlns:adec="http://schemas.microsoft.com/office/drawing/2017/decorative" xmlns="" val="1"/>
               </a:ext>
             </a:extLst>
           </p:cNvPr>
@@ -12942,7 +12947,7 @@
                 <a16:creationId xmlns:a16="http://schemas.microsoft.com/office/drawing/2014/main" id="{4B7AF231-444C-44D0-B791-BAFE395E36AC}"/>
               </a:ext>
               <a:ext uri="{C183D7F6-B498-43B3-948B-1728B52AA6E4}">
-                <adec:decorative xmlns:adec="http://schemas.microsoft.com/office/drawing/2017/decorative" val="1"/>
+                <adec:decorative xmlns:adec="http://schemas.microsoft.com/office/drawing/2017/decorative" xmlns="" val="1"/>
               </a:ext>
             </a:extLst>
           </p:cNvPr>
@@ -12973,7 +12978,7 @@
                   <a16:creationId xmlns:a16="http://schemas.microsoft.com/office/drawing/2014/main" id="{6152793A-5125-41FA-AEF6-96C5463D0A76}"/>
                 </a:ext>
                 <a:ext uri="{C183D7F6-B498-43B3-948B-1728B52AA6E4}">
-                  <adec:decorative xmlns:adec="http://schemas.microsoft.com/office/drawing/2017/decorative" val="1"/>
+                  <adec:decorative xmlns:adec="http://schemas.microsoft.com/office/drawing/2017/decorative" xmlns="" val="1"/>
                 </a:ext>
               </a:extLst>
             </p:cNvPr>
@@ -13041,7 +13046,7 @@
                   <a16:creationId xmlns:a16="http://schemas.microsoft.com/office/drawing/2014/main" id="{63C1632F-098D-4A05-B248-04B7ABFE0060}"/>
                 </a:ext>
                 <a:ext uri="{C183D7F6-B498-43B3-948B-1728B52AA6E4}">
-                  <adec:decorative xmlns:adec="http://schemas.microsoft.com/office/drawing/2017/decorative" val="1"/>
+                  <adec:decorative xmlns:adec="http://schemas.microsoft.com/office/drawing/2017/decorative" xmlns="" val="1"/>
                 </a:ext>
               </a:extLst>
             </p:cNvPr>
@@ -13107,7 +13112,7 @@
                   <a16:creationId xmlns:a16="http://schemas.microsoft.com/office/drawing/2014/main" id="{0A85C0F5-DDEB-454E-A0E4-B6F0FB4CAB12}"/>
                 </a:ext>
                 <a:ext uri="{C183D7F6-B498-43B3-948B-1728B52AA6E4}">
-                  <adec:decorative xmlns:adec="http://schemas.microsoft.com/office/drawing/2017/decorative" val="1"/>
+                  <adec:decorative xmlns:adec="http://schemas.microsoft.com/office/drawing/2017/decorative" xmlns="" val="1"/>
                 </a:ext>
               </a:extLst>
             </p:cNvPr>
@@ -13284,7 +13289,7 @@
                 <a16:creationId xmlns:a16="http://schemas.microsoft.com/office/drawing/2014/main" id="{81C8C0F4-5C44-4C3F-B321-5CB3E2BABC2C}"/>
               </a:ext>
               <a:ext uri="{C183D7F6-B498-43B3-948B-1728B52AA6E4}">
-                <adec:decorative xmlns:adec="http://schemas.microsoft.com/office/drawing/2017/decorative" val="1"/>
+                <adec:decorative xmlns:adec="http://schemas.microsoft.com/office/drawing/2017/decorative" xmlns="" val="1"/>
               </a:ext>
             </a:extLst>
           </p:cNvPr>
@@ -13465,7 +13470,7 @@
                 <a16:creationId xmlns:a16="http://schemas.microsoft.com/office/drawing/2014/main" id="{000A5F84-BD20-4A3E-81BA-9F4444101C16}"/>
               </a:ext>
               <a:ext uri="{C183D7F6-B498-43B3-948B-1728B52AA6E4}">
-                <adec:decorative xmlns:adec="http://schemas.microsoft.com/office/drawing/2017/decorative" val="1"/>
+                <adec:decorative xmlns:adec="http://schemas.microsoft.com/office/drawing/2017/decorative" xmlns="" val="1"/>
               </a:ext>
             </a:extLst>
           </p:cNvPr>
@@ -13496,7 +13501,7 @@
                   <a16:creationId xmlns:a16="http://schemas.microsoft.com/office/drawing/2014/main" id="{FF62F19C-23B5-44FC-88CF-01A430872686}"/>
                 </a:ext>
                 <a:ext uri="{C183D7F6-B498-43B3-948B-1728B52AA6E4}">
-                  <adec:decorative xmlns:adec="http://schemas.microsoft.com/office/drawing/2017/decorative" val="1"/>
+                  <adec:decorative xmlns:adec="http://schemas.microsoft.com/office/drawing/2017/decorative" xmlns="" val="1"/>
                 </a:ext>
               </a:extLst>
             </p:cNvPr>
@@ -13564,7 +13569,7 @@
                   <a16:creationId xmlns:a16="http://schemas.microsoft.com/office/drawing/2014/main" id="{C82D9667-DCFB-45CA-8EDC-7E5E0EE42AB3}"/>
                 </a:ext>
                 <a:ext uri="{C183D7F6-B498-43B3-948B-1728B52AA6E4}">
-                  <adec:decorative xmlns:adec="http://schemas.microsoft.com/office/drawing/2017/decorative" val="1"/>
+                  <adec:decorative xmlns:adec="http://schemas.microsoft.com/office/drawing/2017/decorative" xmlns="" val="1"/>
                 </a:ext>
               </a:extLst>
             </p:cNvPr>
@@ -13630,7 +13635,7 @@
                   <a16:creationId xmlns:a16="http://schemas.microsoft.com/office/drawing/2014/main" id="{CE8752FF-502D-43D5-9828-8C4216648319}"/>
                 </a:ext>
                 <a:ext uri="{C183D7F6-B498-43B3-948B-1728B52AA6E4}">
-                  <adec:decorative xmlns:adec="http://schemas.microsoft.com/office/drawing/2017/decorative" val="1"/>
+                  <adec:decorative xmlns:adec="http://schemas.microsoft.com/office/drawing/2017/decorative" xmlns="" val="1"/>
                 </a:ext>
               </a:extLst>
             </p:cNvPr>
@@ -13777,6 +13782,118 @@
 <file path=ppt/slides/slide13.xml><?xml version="1.0" encoding="utf-8"?>
 <p:sld xmlns:a="http://schemas.openxmlformats.org/drawingml/2006/main" xmlns:r="http://schemas.openxmlformats.org/officeDocument/2006/relationships" xmlns:p="http://schemas.openxmlformats.org/presentationml/2006/main">
   <p:cSld>
+    <p:spTree>
+      <p:nvGrpSpPr>
+        <p:cNvPr id="1" name=""/>
+        <p:cNvGrpSpPr/>
+        <p:nvPr/>
+      </p:nvGrpSpPr>
+      <p:grpSpPr>
+        <a:xfrm>
+          <a:off x="0" y="0"/>
+          <a:ext cx="0" cy="0"/>
+          <a:chOff x="0" y="0"/>
+          <a:chExt cx="0" cy="0"/>
+        </a:xfrm>
+      </p:grpSpPr>
+      <p:sp>
+        <p:nvSpPr>
+          <p:cNvPr id="2" name="Title 1"/>
+          <p:cNvSpPr>
+            <a:spLocks noGrp="1"/>
+          </p:cNvSpPr>
+          <p:nvPr>
+            <p:ph type="title"/>
+          </p:nvPr>
+        </p:nvSpPr>
+        <p:spPr/>
+        <p:txBody>
+          <a:bodyPr/>
+          <a:lstStyle/>
+          <a:p>
+            <a:r>
+              <a:rPr lang="pl-PL" dirty="0" smtClean="0"/>
+              <a:t>Licznik/suwak?</a:t>
+            </a:r>
+            <a:endParaRPr lang="pl-PL" dirty="0"/>
+          </a:p>
+        </p:txBody>
+      </p:sp>
+      <p:sp>
+        <p:nvSpPr>
+          <p:cNvPr id="3" name="Content Placeholder 2"/>
+          <p:cNvSpPr>
+            <a:spLocks noGrp="1"/>
+          </p:cNvSpPr>
+          <p:nvPr>
+            <p:ph idx="1"/>
+          </p:nvPr>
+        </p:nvSpPr>
+        <p:spPr/>
+        <p:txBody>
+          <a:bodyPr/>
+          <a:lstStyle/>
+          <a:p>
+            <a:r>
+              <a:rPr lang="pl-PL" dirty="0" err="1" smtClean="0"/>
+              <a:t>Postac</a:t>
+            </a:r>
+            <a:r>
+              <a:rPr lang="pl-PL" dirty="0" smtClean="0"/>
+              <a:t> z szerokiej na </a:t>
+            </a:r>
+            <a:r>
+              <a:rPr lang="pl-PL" dirty="0" err="1" smtClean="0"/>
+              <a:t>dluga</a:t>
+            </a:r>
+            <a:r>
+              <a:rPr lang="pl-PL" dirty="0" smtClean="0"/>
+              <a:t> pozwala na robienie </a:t>
+            </a:r>
+            <a:r>
+              <a:rPr lang="pl-PL" dirty="0" err="1" smtClean="0"/>
+              <a:t>wykresow</a:t>
+            </a:r>
+            <a:r>
+              <a:rPr lang="pl-PL" dirty="0" smtClean="0"/>
+              <a:t> obok siebie jednocześnie </a:t>
+            </a:r>
+            <a:r>
+              <a:rPr lang="pl-PL" dirty="0" err="1" smtClean="0"/>
+              <a:t>pivot</a:t>
+            </a:r>
+            <a:r>
+              <a:rPr lang="pl-PL" dirty="0" smtClean="0"/>
+              <a:t>(</a:t>
+            </a:r>
+            <a:r>
+              <a:rPr lang="pl-PL" dirty="0" err="1" smtClean="0"/>
+              <a:t>tidyr</a:t>
+            </a:r>
+            <a:r>
+              <a:rPr lang="pl-PL" dirty="0" smtClean="0"/>
+              <a:t>) facet</a:t>
+            </a:r>
+            <a:endParaRPr lang="pl-PL" dirty="0"/>
+          </a:p>
+        </p:txBody>
+      </p:sp>
+    </p:spTree>
+    <p:extLst>
+      <p:ext uri="{BB962C8B-B14F-4D97-AF65-F5344CB8AC3E}">
+        <p14:creationId xmlns:p14="http://schemas.microsoft.com/office/powerpoint/2010/main" val="250509526"/>
+      </p:ext>
+    </p:extLst>
+  </p:cSld>
+  <p:clrMapOvr>
+    <a:masterClrMapping/>
+  </p:clrMapOvr>
+</p:sld>
+</file>
+
+<file path=ppt/slides/slide14.xml><?xml version="1.0" encoding="utf-8"?>
+<p:sld xmlns:a="http://schemas.openxmlformats.org/drawingml/2006/main" xmlns:r="http://schemas.openxmlformats.org/officeDocument/2006/relationships" xmlns:p="http://schemas.openxmlformats.org/presentationml/2006/main">
+  <p:cSld>
     <p:bg>
       <p:bgPr>
         <a:solidFill>
@@ -13807,7 +13924,7 @@
                 <a16:creationId xmlns:a16="http://schemas.microsoft.com/office/drawing/2014/main" id="{5ED88E92-14F3-4B58-9E48-1D79E139A89E}"/>
               </a:ext>
               <a:ext uri="{C183D7F6-B498-43B3-948B-1728B52AA6E4}">
-                <adec:decorative xmlns:adec="http://schemas.microsoft.com/office/drawing/2017/decorative" val="1"/>
+                <adec:decorative xmlns:adec="http://schemas.microsoft.com/office/drawing/2017/decorative" xmlns="" val="1"/>
               </a:ext>
             </a:extLst>
           </p:cNvPr>
@@ -13838,7 +13955,7 @@
                   <a16:creationId xmlns:a16="http://schemas.microsoft.com/office/drawing/2014/main" id="{A6466AE7-32B6-4334-AF41-B9387E6726C5}"/>
                 </a:ext>
                 <a:ext uri="{C183D7F6-B498-43B3-948B-1728B52AA6E4}">
-                  <adec:decorative xmlns:adec="http://schemas.microsoft.com/office/drawing/2017/decorative" val="1"/>
+                  <adec:decorative xmlns:adec="http://schemas.microsoft.com/office/drawing/2017/decorative" xmlns="" val="1"/>
                 </a:ext>
               </a:extLst>
             </p:cNvPr>
@@ -13919,7 +14036,7 @@
                   <a16:creationId xmlns:a16="http://schemas.microsoft.com/office/drawing/2014/main" id="{659C09F8-90CD-443F-9AA1-D08C56A605BB}"/>
                 </a:ext>
                 <a:ext uri="{C183D7F6-B498-43B3-948B-1728B52AA6E4}">
-                  <adec:decorative xmlns:adec="http://schemas.microsoft.com/office/drawing/2017/decorative" val="1"/>
+                  <adec:decorative xmlns:adec="http://schemas.microsoft.com/office/drawing/2017/decorative" xmlns="" val="1"/>
                 </a:ext>
               </a:extLst>
             </p:cNvPr>
@@ -13987,7 +14104,7 @@
                   <a16:creationId xmlns:a16="http://schemas.microsoft.com/office/drawing/2014/main" id="{DC7304AB-BE7D-45AC-A876-4A24543AE5B3}"/>
                 </a:ext>
                 <a:ext uri="{C183D7F6-B498-43B3-948B-1728B52AA6E4}">
-                  <adec:decorative xmlns:adec="http://schemas.microsoft.com/office/drawing/2017/decorative" val="1"/>
+                  <adec:decorative xmlns:adec="http://schemas.microsoft.com/office/drawing/2017/decorative" xmlns="" val="1"/>
                 </a:ext>
               </a:extLst>
             </p:cNvPr>
@@ -14055,7 +14172,7 @@
                   <a16:creationId xmlns:a16="http://schemas.microsoft.com/office/drawing/2014/main" id="{8E11922B-DDB3-46D7-B1BD-C1CCDB3C42E3}"/>
                 </a:ext>
                 <a:ext uri="{C183D7F6-B498-43B3-948B-1728B52AA6E4}">
-                  <adec:decorative xmlns:adec="http://schemas.microsoft.com/office/drawing/2017/decorative" val="1"/>
+                  <adec:decorative xmlns:adec="http://schemas.microsoft.com/office/drawing/2017/decorative" xmlns="" val="1"/>
                 </a:ext>
               </a:extLst>
             </p:cNvPr>
@@ -14086,7 +14203,7 @@
                     <a16:creationId xmlns:a16="http://schemas.microsoft.com/office/drawing/2014/main" id="{C580F8F6-E662-4BCD-AC9C-7E5DDBD5A773}"/>
                   </a:ext>
                   <a:ext uri="{C183D7F6-B498-43B3-948B-1728B52AA6E4}">
-                    <adec:decorative xmlns:adec="http://schemas.microsoft.com/office/drawing/2017/decorative" val="1"/>
+                    <adec:decorative xmlns:adec="http://schemas.microsoft.com/office/drawing/2017/decorative" xmlns="" val="1"/>
                   </a:ext>
                 </a:extLst>
               </p:cNvPr>
@@ -14163,7 +14280,7 @@
                     <a16:creationId xmlns:a16="http://schemas.microsoft.com/office/drawing/2014/main" id="{9A333FE5-ADB0-48EE-A1A6-9AA36DA343A2}"/>
                   </a:ext>
                   <a:ext uri="{C183D7F6-B498-43B3-948B-1728B52AA6E4}">
-                    <adec:decorative xmlns:adec="http://schemas.microsoft.com/office/drawing/2017/decorative" val="1"/>
+                    <adec:decorative xmlns:adec="http://schemas.microsoft.com/office/drawing/2017/decorative" xmlns="" val="1"/>
                   </a:ext>
                 </a:extLst>
               </p:cNvPr>
@@ -14241,7 +14358,7 @@
                   <a16:creationId xmlns:a16="http://schemas.microsoft.com/office/drawing/2014/main" id="{0B09CD4F-6DF4-48AA-BD35-23E3F2A643F7}"/>
                 </a:ext>
                 <a:ext uri="{C183D7F6-B498-43B3-948B-1728B52AA6E4}">
-                  <adec:decorative xmlns:adec="http://schemas.microsoft.com/office/drawing/2017/decorative" val="1"/>
+                  <adec:decorative xmlns:adec="http://schemas.microsoft.com/office/drawing/2017/decorative" xmlns="" val="1"/>
                 </a:ext>
               </a:extLst>
             </p:cNvPr>
@@ -14272,7 +14389,7 @@
                     <a16:creationId xmlns:a16="http://schemas.microsoft.com/office/drawing/2014/main" id="{02223219-ACCC-42F2-A1B4-E3C8C8AB12A4}"/>
                   </a:ext>
                   <a:ext uri="{C183D7F6-B498-43B3-948B-1728B52AA6E4}">
-                    <adec:decorative xmlns:adec="http://schemas.microsoft.com/office/drawing/2017/decorative" val="1"/>
+                    <adec:decorative xmlns:adec="http://schemas.microsoft.com/office/drawing/2017/decorative" xmlns="" val="1"/>
                   </a:ext>
                 </a:extLst>
               </p:cNvPr>
@@ -14349,7 +14466,7 @@
                     <a16:creationId xmlns:a16="http://schemas.microsoft.com/office/drawing/2014/main" id="{1510B0E9-9BA0-4357-9E04-554C19BAAC89}"/>
                   </a:ext>
                   <a:ext uri="{C183D7F6-B498-43B3-948B-1728B52AA6E4}">
-                    <adec:decorative xmlns:adec="http://schemas.microsoft.com/office/drawing/2017/decorative" val="1"/>
+                    <adec:decorative xmlns:adec="http://schemas.microsoft.com/office/drawing/2017/decorative" xmlns="" val="1"/>
                   </a:ext>
                 </a:extLst>
               </p:cNvPr>
@@ -14427,7 +14544,7 @@
                   <a16:creationId xmlns:a16="http://schemas.microsoft.com/office/drawing/2014/main" id="{DF06DA80-525A-4C9E-A441-50630AA772A4}"/>
                 </a:ext>
                 <a:ext uri="{C183D7F6-B498-43B3-948B-1728B52AA6E4}">
-                  <adec:decorative xmlns:adec="http://schemas.microsoft.com/office/drawing/2017/decorative" val="1"/>
+                  <adec:decorative xmlns:adec="http://schemas.microsoft.com/office/drawing/2017/decorative" xmlns="" val="1"/>
                 </a:ext>
               </a:extLst>
             </p:cNvPr>
@@ -14507,7 +14624,7 @@
                 <a16:creationId xmlns:a16="http://schemas.microsoft.com/office/drawing/2014/main" id="{E841E027-8E53-4FEB-8605-2124D85731CA}"/>
               </a:ext>
               <a:ext uri="{C183D7F6-B498-43B3-948B-1728B52AA6E4}">
-                <adec:decorative xmlns:adec="http://schemas.microsoft.com/office/drawing/2017/decorative" val="1"/>
+                <adec:decorative xmlns:adec="http://schemas.microsoft.com/office/drawing/2017/decorative" xmlns="" val="1"/>
               </a:ext>
             </a:extLst>
           </p:cNvPr>
@@ -14671,7 +14788,7 @@
                 <a16:creationId xmlns:a16="http://schemas.microsoft.com/office/drawing/2014/main" id="{CA9CD3E6-968F-41B1-B6FA-C6FD9B728B6F}"/>
               </a:ext>
               <a:ext uri="{C183D7F6-B498-43B3-948B-1728B52AA6E4}">
-                <adec:decorative xmlns:adec="http://schemas.microsoft.com/office/drawing/2017/decorative" val="1"/>
+                <adec:decorative xmlns:adec="http://schemas.microsoft.com/office/drawing/2017/decorative" xmlns="" val="1"/>
               </a:ext>
             </a:extLst>
           </p:cNvPr>
@@ -15752,7 +15869,7 @@
                 <a16:creationId xmlns:a16="http://schemas.microsoft.com/office/drawing/2014/main" id="{2F76036C-C247-4F63-AE7F-2ADB1D496E70}"/>
               </a:ext>
               <a:ext uri="{C183D7F6-B498-43B3-948B-1728B52AA6E4}">
-                <adec:decorative xmlns:adec="http://schemas.microsoft.com/office/drawing/2017/decorative" val="1"/>
+                <adec:decorative xmlns:adec="http://schemas.microsoft.com/office/drawing/2017/decorative" xmlns="" val="1"/>
               </a:ext>
             </a:extLst>
           </p:cNvPr>
@@ -15783,7 +15900,7 @@
                   <a16:creationId xmlns:a16="http://schemas.microsoft.com/office/drawing/2014/main" id="{76E007C2-3152-4316-9102-D76C4E77FF14}"/>
                 </a:ext>
                 <a:ext uri="{C183D7F6-B498-43B3-948B-1728B52AA6E4}">
-                  <adec:decorative xmlns:adec="http://schemas.microsoft.com/office/drawing/2017/decorative" val="1"/>
+                  <adec:decorative xmlns:adec="http://schemas.microsoft.com/office/drawing/2017/decorative" xmlns="" val="1"/>
                 </a:ext>
               </a:extLst>
             </p:cNvPr>
@@ -15851,7 +15968,7 @@
                   <a16:creationId xmlns:a16="http://schemas.microsoft.com/office/drawing/2014/main" id="{097CD397-C9CD-43FA-ABEF-9C3530B00097}"/>
                 </a:ext>
                 <a:ext uri="{C183D7F6-B498-43B3-948B-1728B52AA6E4}">
-                  <adec:decorative xmlns:adec="http://schemas.microsoft.com/office/drawing/2017/decorative" val="1"/>
+                  <adec:decorative xmlns:adec="http://schemas.microsoft.com/office/drawing/2017/decorative" xmlns="" val="1"/>
                 </a:ext>
               </a:extLst>
             </p:cNvPr>
@@ -16072,7 +16189,7 @@
                 <a16:creationId xmlns:a16="http://schemas.microsoft.com/office/drawing/2014/main" id="{CA9CD3E6-968F-41B1-B6FA-C6FD9B728B6F}"/>
               </a:ext>
               <a:ext uri="{C183D7F6-B498-43B3-948B-1728B52AA6E4}">
-                <adec:decorative xmlns:adec="http://schemas.microsoft.com/office/drawing/2017/decorative" val="1"/>
+                <adec:decorative xmlns:adec="http://schemas.microsoft.com/office/drawing/2017/decorative" xmlns="" val="1"/>
               </a:ext>
             </a:extLst>
           </p:cNvPr>
@@ -16605,7 +16722,7 @@
                 <a16:creationId xmlns:a16="http://schemas.microsoft.com/office/drawing/2014/main" id="{2F76036C-C247-4F63-AE7F-2ADB1D496E70}"/>
               </a:ext>
               <a:ext uri="{C183D7F6-B498-43B3-948B-1728B52AA6E4}">
-                <adec:decorative xmlns:adec="http://schemas.microsoft.com/office/drawing/2017/decorative" val="1"/>
+                <adec:decorative xmlns:adec="http://schemas.microsoft.com/office/drawing/2017/decorative" xmlns="" val="1"/>
               </a:ext>
             </a:extLst>
           </p:cNvPr>
@@ -16636,7 +16753,7 @@
                   <a16:creationId xmlns:a16="http://schemas.microsoft.com/office/drawing/2014/main" id="{76E007C2-3152-4316-9102-D76C4E77FF14}"/>
                 </a:ext>
                 <a:ext uri="{C183D7F6-B498-43B3-948B-1728B52AA6E4}">
-                  <adec:decorative xmlns:adec="http://schemas.microsoft.com/office/drawing/2017/decorative" val="1"/>
+                  <adec:decorative xmlns:adec="http://schemas.microsoft.com/office/drawing/2017/decorative" xmlns="" val="1"/>
                 </a:ext>
               </a:extLst>
             </p:cNvPr>
@@ -16704,7 +16821,7 @@
                   <a16:creationId xmlns:a16="http://schemas.microsoft.com/office/drawing/2014/main" id="{097CD397-C9CD-43FA-ABEF-9C3530B00097}"/>
                 </a:ext>
                 <a:ext uri="{C183D7F6-B498-43B3-948B-1728B52AA6E4}">
-                  <adec:decorative xmlns:adec="http://schemas.microsoft.com/office/drawing/2017/decorative" val="1"/>
+                  <adec:decorative xmlns:adec="http://schemas.microsoft.com/office/drawing/2017/decorative" xmlns="" val="1"/>
                 </a:ext>
               </a:extLst>
             </p:cNvPr>
@@ -16875,7 +16992,7 @@
                 <a16:creationId xmlns:a16="http://schemas.microsoft.com/office/drawing/2014/main" id="{81C8C0F4-5C44-4C3F-B321-5CB3E2BABC2C}"/>
               </a:ext>
               <a:ext uri="{C183D7F6-B498-43B3-948B-1728B52AA6E4}">
-                <adec:decorative xmlns:adec="http://schemas.microsoft.com/office/drawing/2017/decorative" val="1"/>
+                <adec:decorative xmlns:adec="http://schemas.microsoft.com/office/drawing/2017/decorative" xmlns="" val="1"/>
               </a:ext>
             </a:extLst>
           </p:cNvPr>
@@ -16951,7 +17068,7 @@
                 <a16:creationId xmlns:a16="http://schemas.microsoft.com/office/drawing/2014/main" id="{987A62DB-71D7-497D-BE1C-933ECB515A68}"/>
               </a:ext>
               <a:ext uri="{C183D7F6-B498-43B3-948B-1728B52AA6E4}">
-                <adec:decorative xmlns:adec="http://schemas.microsoft.com/office/drawing/2017/decorative" val="1"/>
+                <adec:decorative xmlns:adec="http://schemas.microsoft.com/office/drawing/2017/decorative" xmlns="" val="1"/>
               </a:ext>
             </a:extLst>
           </p:cNvPr>
@@ -16982,7 +17099,7 @@
                   <a16:creationId xmlns:a16="http://schemas.microsoft.com/office/drawing/2014/main" id="{FDAC2767-A7E3-4697-90F6-443A58314030}"/>
                 </a:ext>
                 <a:ext uri="{C183D7F6-B498-43B3-948B-1728B52AA6E4}">
-                  <adec:decorative xmlns:adec="http://schemas.microsoft.com/office/drawing/2017/decorative" val="1"/>
+                  <adec:decorative xmlns:adec="http://schemas.microsoft.com/office/drawing/2017/decorative" xmlns="" val="1"/>
                 </a:ext>
               </a:extLst>
             </p:cNvPr>
@@ -17050,7 +17167,7 @@
                   <a16:creationId xmlns:a16="http://schemas.microsoft.com/office/drawing/2014/main" id="{AB23E396-A746-411A-8709-32ABC4DDEAAC}"/>
                 </a:ext>
                 <a:ext uri="{C183D7F6-B498-43B3-948B-1728B52AA6E4}">
-                  <adec:decorative xmlns:adec="http://schemas.microsoft.com/office/drawing/2017/decorative" val="1"/>
+                  <adec:decorative xmlns:adec="http://schemas.microsoft.com/office/drawing/2017/decorative" xmlns="" val="1"/>
                 </a:ext>
               </a:extLst>
             </p:cNvPr>
@@ -17116,7 +17233,7 @@
                   <a16:creationId xmlns:a16="http://schemas.microsoft.com/office/drawing/2014/main" id="{D135C986-CB82-4211-A910-D232B9BCA1E0}"/>
                 </a:ext>
                 <a:ext uri="{C183D7F6-B498-43B3-948B-1728B52AA6E4}">
-                  <adec:decorative xmlns:adec="http://schemas.microsoft.com/office/drawing/2017/decorative" val="1"/>
+                  <adec:decorative xmlns:adec="http://schemas.microsoft.com/office/drawing/2017/decorative" xmlns="" val="1"/>
                 </a:ext>
               </a:extLst>
             </p:cNvPr>
@@ -17185,7 +17302,7 @@
                 <a16:creationId xmlns:a16="http://schemas.microsoft.com/office/drawing/2014/main" id="{837F2C8F-CC11-4A18-AA7E-AE8C022CDCC8}"/>
               </a:ext>
               <a:ext uri="{C183D7F6-B498-43B3-948B-1728B52AA6E4}">
-                <adec:decorative xmlns:adec="http://schemas.microsoft.com/office/drawing/2017/decorative" val="1"/>
+                <adec:decorative xmlns:adec="http://schemas.microsoft.com/office/drawing/2017/decorative" xmlns="" val="1"/>
               </a:ext>
             </a:extLst>
           </p:cNvPr>
@@ -17459,7 +17576,7 @@
                 <a14:useLocalDpi xmlns:a14="http://schemas.microsoft.com/office/drawing/2010/main" val="0"/>
               </a:ext>
               <a:ext uri="{96DAC541-7B7A-43D3-8B79-37D633B846F1}">
-                <asvg:svgBlip xmlns:asvg="http://schemas.microsoft.com/office/drawing/2016/SVG/main" r:embed="rId3"/>
+                <asvg:svgBlip xmlns:asvg="http://schemas.microsoft.com/office/drawing/2016/SVG/main" xmlns="" r:embed="rId3"/>
               </a:ext>
             </a:extLst>
           </a:blip>
@@ -17523,7 +17640,7 @@
                 <a16:creationId xmlns:a16="http://schemas.microsoft.com/office/drawing/2014/main" id="{CA9CD3E6-968F-41B1-B6FA-C6FD9B728B6F}"/>
               </a:ext>
               <a:ext uri="{C183D7F6-B498-43B3-948B-1728B52AA6E4}">
-                <adec:decorative xmlns:adec="http://schemas.microsoft.com/office/drawing/2017/decorative" val="1"/>
+                <adec:decorative xmlns:adec="http://schemas.microsoft.com/office/drawing/2017/decorative" xmlns="" val="1"/>
               </a:ext>
             </a:extLst>
           </p:cNvPr>
@@ -18558,7 +18675,7 @@
                 <a16:creationId xmlns:a16="http://schemas.microsoft.com/office/drawing/2014/main" id="{2F76036C-C247-4F63-AE7F-2ADB1D496E70}"/>
               </a:ext>
               <a:ext uri="{C183D7F6-B498-43B3-948B-1728B52AA6E4}">
-                <adec:decorative xmlns:adec="http://schemas.microsoft.com/office/drawing/2017/decorative" val="1"/>
+                <adec:decorative xmlns:adec="http://schemas.microsoft.com/office/drawing/2017/decorative" xmlns="" val="1"/>
               </a:ext>
             </a:extLst>
           </p:cNvPr>
@@ -18589,7 +18706,7 @@
                   <a16:creationId xmlns:a16="http://schemas.microsoft.com/office/drawing/2014/main" id="{76E007C2-3152-4316-9102-D76C4E77FF14}"/>
                 </a:ext>
                 <a:ext uri="{C183D7F6-B498-43B3-948B-1728B52AA6E4}">
-                  <adec:decorative xmlns:adec="http://schemas.microsoft.com/office/drawing/2017/decorative" val="1"/>
+                  <adec:decorative xmlns:adec="http://schemas.microsoft.com/office/drawing/2017/decorative" xmlns="" val="1"/>
                 </a:ext>
               </a:extLst>
             </p:cNvPr>
@@ -18657,7 +18774,7 @@
                   <a16:creationId xmlns:a16="http://schemas.microsoft.com/office/drawing/2014/main" id="{097CD397-C9CD-43FA-ABEF-9C3530B00097}"/>
                 </a:ext>
                 <a:ext uri="{C183D7F6-B498-43B3-948B-1728B52AA6E4}">
-                  <adec:decorative xmlns:adec="http://schemas.microsoft.com/office/drawing/2017/decorative" val="1"/>
+                  <adec:decorative xmlns:adec="http://schemas.microsoft.com/office/drawing/2017/decorative" xmlns="" val="1"/>
                 </a:ext>
               </a:extLst>
             </p:cNvPr>
@@ -18828,7 +18945,7 @@
                 <a16:creationId xmlns:a16="http://schemas.microsoft.com/office/drawing/2014/main" id="{BF4E480B-94D6-46F9-A2B6-B98D311FDC19}"/>
               </a:ext>
               <a:ext uri="{C183D7F6-B498-43B3-948B-1728B52AA6E4}">
-                <adec:decorative xmlns:adec="http://schemas.microsoft.com/office/drawing/2017/decorative" val="1"/>
+                <adec:decorative xmlns:adec="http://schemas.microsoft.com/office/drawing/2017/decorative" xmlns="" val="1"/>
               </a:ext>
             </a:extLst>
           </p:cNvPr>
@@ -18859,7 +18976,7 @@
                   <a16:creationId xmlns:a16="http://schemas.microsoft.com/office/drawing/2014/main" id="{07183CDE-91A1-40C3-8E80-66F89E1C2D53}"/>
                 </a:ext>
                 <a:ext uri="{C183D7F6-B498-43B3-948B-1728B52AA6E4}">
-                  <adec:decorative xmlns:adec="http://schemas.microsoft.com/office/drawing/2017/decorative" val="1"/>
+                  <adec:decorative xmlns:adec="http://schemas.microsoft.com/office/drawing/2017/decorative" xmlns="" val="1"/>
                 </a:ext>
               </a:extLst>
             </p:cNvPr>
@@ -18940,7 +19057,7 @@
                   <a16:creationId xmlns:a16="http://schemas.microsoft.com/office/drawing/2014/main" id="{A6756515-F9AA-46BD-8DD2-AA15BA492AC0}"/>
                 </a:ext>
                 <a:ext uri="{C183D7F6-B498-43B3-948B-1728B52AA6E4}">
-                  <adec:decorative xmlns:adec="http://schemas.microsoft.com/office/drawing/2017/decorative" val="1"/>
+                  <adec:decorative xmlns:adec="http://schemas.microsoft.com/office/drawing/2017/decorative" xmlns="" val="1"/>
                 </a:ext>
               </a:extLst>
             </p:cNvPr>
@@ -19008,7 +19125,7 @@
                   <a16:creationId xmlns:a16="http://schemas.microsoft.com/office/drawing/2014/main" id="{ABA365E2-8B71-408B-9092-0104216AC7AC}"/>
                 </a:ext>
                 <a:ext uri="{C183D7F6-B498-43B3-948B-1728B52AA6E4}">
-                  <adec:decorative xmlns:adec="http://schemas.microsoft.com/office/drawing/2017/decorative" val="1"/>
+                  <adec:decorative xmlns:adec="http://schemas.microsoft.com/office/drawing/2017/decorative" xmlns="" val="1"/>
                 </a:ext>
               </a:extLst>
             </p:cNvPr>
@@ -19076,7 +19193,7 @@
                   <a16:creationId xmlns:a16="http://schemas.microsoft.com/office/drawing/2014/main" id="{BEDB8D7A-1BF6-4CDB-B93A-7736955F5043}"/>
                 </a:ext>
                 <a:ext uri="{C183D7F6-B498-43B3-948B-1728B52AA6E4}">
-                  <adec:decorative xmlns:adec="http://schemas.microsoft.com/office/drawing/2017/decorative" val="1"/>
+                  <adec:decorative xmlns:adec="http://schemas.microsoft.com/office/drawing/2017/decorative" xmlns="" val="1"/>
                 </a:ext>
               </a:extLst>
             </p:cNvPr>
@@ -19107,7 +19224,7 @@
                     <a16:creationId xmlns:a16="http://schemas.microsoft.com/office/drawing/2014/main" id="{5AACD774-5167-46C7-8A62-6E2FE4BE9469}"/>
                   </a:ext>
                   <a:ext uri="{C183D7F6-B498-43B3-948B-1728B52AA6E4}">
-                    <adec:decorative xmlns:adec="http://schemas.microsoft.com/office/drawing/2017/decorative" val="1"/>
+                    <adec:decorative xmlns:adec="http://schemas.microsoft.com/office/drawing/2017/decorative" xmlns="" val="1"/>
                   </a:ext>
                 </a:extLst>
               </p:cNvPr>
@@ -19184,7 +19301,7 @@
                     <a16:creationId xmlns:a16="http://schemas.microsoft.com/office/drawing/2014/main" id="{06E0F2D8-452E-48F9-9912-C47EAEAE1802}"/>
                   </a:ext>
                   <a:ext uri="{C183D7F6-B498-43B3-948B-1728B52AA6E4}">
-                    <adec:decorative xmlns:adec="http://schemas.microsoft.com/office/drawing/2017/decorative" val="1"/>
+                    <adec:decorative xmlns:adec="http://schemas.microsoft.com/office/drawing/2017/decorative" xmlns="" val="1"/>
                   </a:ext>
                 </a:extLst>
               </p:cNvPr>
@@ -19262,7 +19379,7 @@
                   <a16:creationId xmlns:a16="http://schemas.microsoft.com/office/drawing/2014/main" id="{91FBBF95-430B-427C-A6E8-DB899217FC00}"/>
                 </a:ext>
                 <a:ext uri="{C183D7F6-B498-43B3-948B-1728B52AA6E4}">
-                  <adec:decorative xmlns:adec="http://schemas.microsoft.com/office/drawing/2017/decorative" val="1"/>
+                  <adec:decorative xmlns:adec="http://schemas.microsoft.com/office/drawing/2017/decorative" xmlns="" val="1"/>
                 </a:ext>
               </a:extLst>
             </p:cNvPr>
@@ -19293,7 +19410,7 @@
                     <a16:creationId xmlns:a16="http://schemas.microsoft.com/office/drawing/2014/main" id="{BEE64698-3ED2-4395-B7FC-65248E437E0A}"/>
                   </a:ext>
                   <a:ext uri="{C183D7F6-B498-43B3-948B-1728B52AA6E4}">
-                    <adec:decorative xmlns:adec="http://schemas.microsoft.com/office/drawing/2017/decorative" val="1"/>
+                    <adec:decorative xmlns:adec="http://schemas.microsoft.com/office/drawing/2017/decorative" xmlns="" val="1"/>
                   </a:ext>
                 </a:extLst>
               </p:cNvPr>
@@ -19370,7 +19487,7 @@
                     <a16:creationId xmlns:a16="http://schemas.microsoft.com/office/drawing/2014/main" id="{FE20B1E1-CE09-4C2A-A3FB-DB8026C54E98}"/>
                   </a:ext>
                   <a:ext uri="{C183D7F6-B498-43B3-948B-1728B52AA6E4}">
-                    <adec:decorative xmlns:adec="http://schemas.microsoft.com/office/drawing/2017/decorative" val="1"/>
+                    <adec:decorative xmlns:adec="http://schemas.microsoft.com/office/drawing/2017/decorative" xmlns="" val="1"/>
                   </a:ext>
                 </a:extLst>
               </p:cNvPr>
@@ -19448,7 +19565,7 @@
                   <a16:creationId xmlns:a16="http://schemas.microsoft.com/office/drawing/2014/main" id="{0CB2405B-A907-48B3-906A-FB3573C0B282}"/>
                 </a:ext>
                 <a:ext uri="{C183D7F6-B498-43B3-948B-1728B52AA6E4}">
-                  <adec:decorative xmlns:adec="http://schemas.microsoft.com/office/drawing/2017/decorative" val="1"/>
+                  <adec:decorative xmlns:adec="http://schemas.microsoft.com/office/drawing/2017/decorative" xmlns="" val="1"/>
                 </a:ext>
               </a:extLst>
             </p:cNvPr>
@@ -19528,7 +19645,7 @@
                 <a16:creationId xmlns:a16="http://schemas.microsoft.com/office/drawing/2014/main" id="{6DC8E2D9-6729-4614-8667-C1016D3182E4}"/>
               </a:ext>
               <a:ext uri="{C183D7F6-B498-43B3-948B-1728B52AA6E4}">
-                <adec:decorative xmlns:adec="http://schemas.microsoft.com/office/drawing/2017/decorative" val="1"/>
+                <adec:decorative xmlns:adec="http://schemas.microsoft.com/office/drawing/2017/decorative" xmlns="" val="1"/>
               </a:ext>
             </a:extLst>
           </p:cNvPr>
@@ -19596,7 +19713,7 @@
                 <a16:creationId xmlns:a16="http://schemas.microsoft.com/office/drawing/2014/main" id="{9C51935E-4A08-4AE4-8E13-F40CD3C4F1C4}"/>
               </a:ext>
               <a:ext uri="{C183D7F6-B498-43B3-948B-1728B52AA6E4}">
-                <adec:decorative xmlns:adec="http://schemas.microsoft.com/office/drawing/2017/decorative" val="1"/>
+                <adec:decorative xmlns:adec="http://schemas.microsoft.com/office/drawing/2017/decorative" xmlns="" val="1"/>
               </a:ext>
             </a:extLst>
           </p:cNvPr>
@@ -19718,7 +19835,7 @@
                 <a16:creationId xmlns:a16="http://schemas.microsoft.com/office/drawing/2014/main" id="{4B7AF231-444C-44D0-B791-BAFE395E36AC}"/>
               </a:ext>
               <a:ext uri="{C183D7F6-B498-43B3-948B-1728B52AA6E4}">
-                <adec:decorative xmlns:adec="http://schemas.microsoft.com/office/drawing/2017/decorative" val="1"/>
+                <adec:decorative xmlns:adec="http://schemas.microsoft.com/office/drawing/2017/decorative" xmlns="" val="1"/>
               </a:ext>
             </a:extLst>
           </p:cNvPr>
@@ -19749,7 +19866,7 @@
                   <a16:creationId xmlns:a16="http://schemas.microsoft.com/office/drawing/2014/main" id="{6152793A-5125-41FA-AEF6-96C5463D0A76}"/>
                 </a:ext>
                 <a:ext uri="{C183D7F6-B498-43B3-948B-1728B52AA6E4}">
-                  <adec:decorative xmlns:adec="http://schemas.microsoft.com/office/drawing/2017/decorative" val="1"/>
+                  <adec:decorative xmlns:adec="http://schemas.microsoft.com/office/drawing/2017/decorative" xmlns="" val="1"/>
                 </a:ext>
               </a:extLst>
             </p:cNvPr>
@@ -19817,7 +19934,7 @@
                   <a16:creationId xmlns:a16="http://schemas.microsoft.com/office/drawing/2014/main" id="{63C1632F-098D-4A05-B248-04B7ABFE0060}"/>
                 </a:ext>
                 <a:ext uri="{C183D7F6-B498-43B3-948B-1728B52AA6E4}">
-                  <adec:decorative xmlns:adec="http://schemas.microsoft.com/office/drawing/2017/decorative" val="1"/>
+                  <adec:decorative xmlns:adec="http://schemas.microsoft.com/office/drawing/2017/decorative" xmlns="" val="1"/>
                 </a:ext>
               </a:extLst>
             </p:cNvPr>
@@ -19883,7 +20000,7 @@
                   <a16:creationId xmlns:a16="http://schemas.microsoft.com/office/drawing/2014/main" id="{0A85C0F5-DDEB-454E-A0E4-B6F0FB4CAB12}"/>
                 </a:ext>
                 <a:ext uri="{C183D7F6-B498-43B3-948B-1728B52AA6E4}">
-                  <adec:decorative xmlns:adec="http://schemas.microsoft.com/office/drawing/2017/decorative" val="1"/>
+                  <adec:decorative xmlns:adec="http://schemas.microsoft.com/office/drawing/2017/decorative" xmlns="" val="1"/>
                 </a:ext>
               </a:extLst>
             </p:cNvPr>
@@ -20146,7 +20263,7 @@
                 <a16:creationId xmlns:a16="http://schemas.microsoft.com/office/drawing/2014/main" id="{81C8C0F4-5C44-4C3F-B321-5CB3E2BABC2C}"/>
               </a:ext>
               <a:ext uri="{C183D7F6-B498-43B3-948B-1728B52AA6E4}">
-                <adec:decorative xmlns:adec="http://schemas.microsoft.com/office/drawing/2017/decorative" val="1"/>
+                <adec:decorative xmlns:adec="http://schemas.microsoft.com/office/drawing/2017/decorative" xmlns="" val="1"/>
               </a:ext>
             </a:extLst>
           </p:cNvPr>
@@ -20333,7 +20450,7 @@
                 <a16:creationId xmlns:a16="http://schemas.microsoft.com/office/drawing/2014/main" id="{000A5F84-BD20-4A3E-81BA-9F4444101C16}"/>
               </a:ext>
               <a:ext uri="{C183D7F6-B498-43B3-948B-1728B52AA6E4}">
-                <adec:decorative xmlns:adec="http://schemas.microsoft.com/office/drawing/2017/decorative" val="1"/>
+                <adec:decorative xmlns:adec="http://schemas.microsoft.com/office/drawing/2017/decorative" xmlns="" val="1"/>
               </a:ext>
             </a:extLst>
           </p:cNvPr>
@@ -20364,7 +20481,7 @@
                   <a16:creationId xmlns:a16="http://schemas.microsoft.com/office/drawing/2014/main" id="{FF62F19C-23B5-44FC-88CF-01A430872686}"/>
                 </a:ext>
                 <a:ext uri="{C183D7F6-B498-43B3-948B-1728B52AA6E4}">
-                  <adec:decorative xmlns:adec="http://schemas.microsoft.com/office/drawing/2017/decorative" val="1"/>
+                  <adec:decorative xmlns:adec="http://schemas.microsoft.com/office/drawing/2017/decorative" xmlns="" val="1"/>
                 </a:ext>
               </a:extLst>
             </p:cNvPr>
@@ -20432,7 +20549,7 @@
                   <a16:creationId xmlns:a16="http://schemas.microsoft.com/office/drawing/2014/main" id="{C82D9667-DCFB-45CA-8EDC-7E5E0EE42AB3}"/>
                 </a:ext>
                 <a:ext uri="{C183D7F6-B498-43B3-948B-1728B52AA6E4}">
-                  <adec:decorative xmlns:adec="http://schemas.microsoft.com/office/drawing/2017/decorative" val="1"/>
+                  <adec:decorative xmlns:adec="http://schemas.microsoft.com/office/drawing/2017/decorative" xmlns="" val="1"/>
                 </a:ext>
               </a:extLst>
             </p:cNvPr>
@@ -20498,7 +20615,7 @@
                   <a16:creationId xmlns:a16="http://schemas.microsoft.com/office/drawing/2014/main" id="{CE8752FF-502D-43D5-9828-8C4216648319}"/>
                 </a:ext>
                 <a:ext uri="{C183D7F6-B498-43B3-948B-1728B52AA6E4}">
-                  <adec:decorative xmlns:adec="http://schemas.microsoft.com/office/drawing/2017/decorative" val="1"/>
+                  <adec:decorative xmlns:adec="http://schemas.microsoft.com/office/drawing/2017/decorative" xmlns="" val="1"/>
                 </a:ext>
               </a:extLst>
             </p:cNvPr>
@@ -20675,7 +20792,7 @@
                 <a16:creationId xmlns:a16="http://schemas.microsoft.com/office/drawing/2014/main" id="{81C8C0F4-5C44-4C3F-B321-5CB3E2BABC2C}"/>
               </a:ext>
               <a:ext uri="{C183D7F6-B498-43B3-948B-1728B52AA6E4}">
-                <adec:decorative xmlns:adec="http://schemas.microsoft.com/office/drawing/2017/decorative" val="1"/>
+                <adec:decorative xmlns:adec="http://schemas.microsoft.com/office/drawing/2017/decorative" xmlns="" val="1"/>
               </a:ext>
             </a:extLst>
           </p:cNvPr>
@@ -20804,7 +20921,7 @@
         </p:spPr>
         <p:txBody>
           <a:bodyPr anchor="t">
-            <a:normAutofit fontScale="92500"/>
+            <a:normAutofit lnSpcReduction="10000"/>
           </a:bodyPr>
           <a:lstStyle/>
           <a:p>
@@ -20875,7 +20992,7 @@
                 <a16:creationId xmlns:a16="http://schemas.microsoft.com/office/drawing/2014/main" id="{000A5F84-BD20-4A3E-81BA-9F4444101C16}"/>
               </a:ext>
               <a:ext uri="{C183D7F6-B498-43B3-948B-1728B52AA6E4}">
-                <adec:decorative xmlns:adec="http://schemas.microsoft.com/office/drawing/2017/decorative" val="1"/>
+                <adec:decorative xmlns:adec="http://schemas.microsoft.com/office/drawing/2017/decorative" xmlns="" val="1"/>
               </a:ext>
             </a:extLst>
           </p:cNvPr>
@@ -20906,7 +21023,7 @@
                   <a16:creationId xmlns:a16="http://schemas.microsoft.com/office/drawing/2014/main" id="{FF62F19C-23B5-44FC-88CF-01A430872686}"/>
                 </a:ext>
                 <a:ext uri="{C183D7F6-B498-43B3-948B-1728B52AA6E4}">
-                  <adec:decorative xmlns:adec="http://schemas.microsoft.com/office/drawing/2017/decorative" val="1"/>
+                  <adec:decorative xmlns:adec="http://schemas.microsoft.com/office/drawing/2017/decorative" xmlns="" val="1"/>
                 </a:ext>
               </a:extLst>
             </p:cNvPr>
@@ -20974,7 +21091,7 @@
                   <a16:creationId xmlns:a16="http://schemas.microsoft.com/office/drawing/2014/main" id="{C82D9667-DCFB-45CA-8EDC-7E5E0EE42AB3}"/>
                 </a:ext>
                 <a:ext uri="{C183D7F6-B498-43B3-948B-1728B52AA6E4}">
-                  <adec:decorative xmlns:adec="http://schemas.microsoft.com/office/drawing/2017/decorative" val="1"/>
+                  <adec:decorative xmlns:adec="http://schemas.microsoft.com/office/drawing/2017/decorative" xmlns="" val="1"/>
                 </a:ext>
               </a:extLst>
             </p:cNvPr>
@@ -21040,7 +21157,7 @@
                   <a16:creationId xmlns:a16="http://schemas.microsoft.com/office/drawing/2014/main" id="{CE8752FF-502D-43D5-9828-8C4216648319}"/>
                 </a:ext>
                 <a:ext uri="{C183D7F6-B498-43B3-948B-1728B52AA6E4}">
-                  <adec:decorative xmlns:adec="http://schemas.microsoft.com/office/drawing/2017/decorative" val="1"/>
+                  <adec:decorative xmlns:adec="http://schemas.microsoft.com/office/drawing/2017/decorative" xmlns="" val="1"/>
                 </a:ext>
               </a:extLst>
             </p:cNvPr>
@@ -21211,7 +21328,7 @@
                 <a16:creationId xmlns:a16="http://schemas.microsoft.com/office/drawing/2014/main" id="{BF4E480B-94D6-46F9-A2B6-B98D311FDC19}"/>
               </a:ext>
               <a:ext uri="{C183D7F6-B498-43B3-948B-1728B52AA6E4}">
-                <adec:decorative xmlns:adec="http://schemas.microsoft.com/office/drawing/2017/decorative" val="1"/>
+                <adec:decorative xmlns:adec="http://schemas.microsoft.com/office/drawing/2017/decorative" xmlns="" val="1"/>
               </a:ext>
             </a:extLst>
           </p:cNvPr>
@@ -21242,7 +21359,7 @@
                   <a16:creationId xmlns:a16="http://schemas.microsoft.com/office/drawing/2014/main" id="{07183CDE-91A1-40C3-8E80-66F89E1C2D53}"/>
                 </a:ext>
                 <a:ext uri="{C183D7F6-B498-43B3-948B-1728B52AA6E4}">
-                  <adec:decorative xmlns:adec="http://schemas.microsoft.com/office/drawing/2017/decorative" val="1"/>
+                  <adec:decorative xmlns:adec="http://schemas.microsoft.com/office/drawing/2017/decorative" xmlns="" val="1"/>
                 </a:ext>
               </a:extLst>
             </p:cNvPr>
@@ -21323,7 +21440,7 @@
                   <a16:creationId xmlns:a16="http://schemas.microsoft.com/office/drawing/2014/main" id="{A6756515-F9AA-46BD-8DD2-AA15BA492AC0}"/>
                 </a:ext>
                 <a:ext uri="{C183D7F6-B498-43B3-948B-1728B52AA6E4}">
-                  <adec:decorative xmlns:adec="http://schemas.microsoft.com/office/drawing/2017/decorative" val="1"/>
+                  <adec:decorative xmlns:adec="http://schemas.microsoft.com/office/drawing/2017/decorative" xmlns="" val="1"/>
                 </a:ext>
               </a:extLst>
             </p:cNvPr>
@@ -21391,7 +21508,7 @@
                   <a16:creationId xmlns:a16="http://schemas.microsoft.com/office/drawing/2014/main" id="{ABA365E2-8B71-408B-9092-0104216AC7AC}"/>
                 </a:ext>
                 <a:ext uri="{C183D7F6-B498-43B3-948B-1728B52AA6E4}">
-                  <adec:decorative xmlns:adec="http://schemas.microsoft.com/office/drawing/2017/decorative" val="1"/>
+                  <adec:decorative xmlns:adec="http://schemas.microsoft.com/office/drawing/2017/decorative" xmlns="" val="1"/>
                 </a:ext>
               </a:extLst>
             </p:cNvPr>
@@ -21459,7 +21576,7 @@
                   <a16:creationId xmlns:a16="http://schemas.microsoft.com/office/drawing/2014/main" id="{BEDB8D7A-1BF6-4CDB-B93A-7736955F5043}"/>
                 </a:ext>
                 <a:ext uri="{C183D7F6-B498-43B3-948B-1728B52AA6E4}">
-                  <adec:decorative xmlns:adec="http://schemas.microsoft.com/office/drawing/2017/decorative" val="1"/>
+                  <adec:decorative xmlns:adec="http://schemas.microsoft.com/office/drawing/2017/decorative" xmlns="" val="1"/>
                 </a:ext>
               </a:extLst>
             </p:cNvPr>
@@ -21490,7 +21607,7 @@
                     <a16:creationId xmlns:a16="http://schemas.microsoft.com/office/drawing/2014/main" id="{5AACD774-5167-46C7-8A62-6E2FE4BE9469}"/>
                   </a:ext>
                   <a:ext uri="{C183D7F6-B498-43B3-948B-1728B52AA6E4}">
-                    <adec:decorative xmlns:adec="http://schemas.microsoft.com/office/drawing/2017/decorative" val="1"/>
+                    <adec:decorative xmlns:adec="http://schemas.microsoft.com/office/drawing/2017/decorative" xmlns="" val="1"/>
                   </a:ext>
                 </a:extLst>
               </p:cNvPr>
@@ -21567,7 +21684,7 @@
                     <a16:creationId xmlns:a16="http://schemas.microsoft.com/office/drawing/2014/main" id="{06E0F2D8-452E-48F9-9912-C47EAEAE1802}"/>
                   </a:ext>
                   <a:ext uri="{C183D7F6-B498-43B3-948B-1728B52AA6E4}">
-                    <adec:decorative xmlns:adec="http://schemas.microsoft.com/office/drawing/2017/decorative" val="1"/>
+                    <adec:decorative xmlns:adec="http://schemas.microsoft.com/office/drawing/2017/decorative" xmlns="" val="1"/>
                   </a:ext>
                 </a:extLst>
               </p:cNvPr>
@@ -21645,7 +21762,7 @@
                   <a16:creationId xmlns:a16="http://schemas.microsoft.com/office/drawing/2014/main" id="{91FBBF95-430B-427C-A6E8-DB899217FC00}"/>
                 </a:ext>
                 <a:ext uri="{C183D7F6-B498-43B3-948B-1728B52AA6E4}">
-                  <adec:decorative xmlns:adec="http://schemas.microsoft.com/office/drawing/2017/decorative" val="1"/>
+                  <adec:decorative xmlns:adec="http://schemas.microsoft.com/office/drawing/2017/decorative" xmlns="" val="1"/>
                 </a:ext>
               </a:extLst>
             </p:cNvPr>
@@ -21676,7 +21793,7 @@
                     <a16:creationId xmlns:a16="http://schemas.microsoft.com/office/drawing/2014/main" id="{BEE64698-3ED2-4395-B7FC-65248E437E0A}"/>
                   </a:ext>
                   <a:ext uri="{C183D7F6-B498-43B3-948B-1728B52AA6E4}">
-                    <adec:decorative xmlns:adec="http://schemas.microsoft.com/office/drawing/2017/decorative" val="1"/>
+                    <adec:decorative xmlns:adec="http://schemas.microsoft.com/office/drawing/2017/decorative" xmlns="" val="1"/>
                   </a:ext>
                 </a:extLst>
               </p:cNvPr>
@@ -21753,7 +21870,7 @@
                     <a16:creationId xmlns:a16="http://schemas.microsoft.com/office/drawing/2014/main" id="{FE20B1E1-CE09-4C2A-A3FB-DB8026C54E98}"/>
                   </a:ext>
                   <a:ext uri="{C183D7F6-B498-43B3-948B-1728B52AA6E4}">
-                    <adec:decorative xmlns:adec="http://schemas.microsoft.com/office/drawing/2017/decorative" val="1"/>
+                    <adec:decorative xmlns:adec="http://schemas.microsoft.com/office/drawing/2017/decorative" xmlns="" val="1"/>
                   </a:ext>
                 </a:extLst>
               </p:cNvPr>
@@ -21831,7 +21948,7 @@
                   <a16:creationId xmlns:a16="http://schemas.microsoft.com/office/drawing/2014/main" id="{0CB2405B-A907-48B3-906A-FB3573C0B282}"/>
                 </a:ext>
                 <a:ext uri="{C183D7F6-B498-43B3-948B-1728B52AA6E4}">
-                  <adec:decorative xmlns:adec="http://schemas.microsoft.com/office/drawing/2017/decorative" val="1"/>
+                  <adec:decorative xmlns:adec="http://schemas.microsoft.com/office/drawing/2017/decorative" xmlns="" val="1"/>
                 </a:ext>
               </a:extLst>
             </p:cNvPr>
@@ -21911,7 +22028,7 @@
                 <a16:creationId xmlns:a16="http://schemas.microsoft.com/office/drawing/2014/main" id="{6DC8E2D9-6729-4614-8667-C1016D3182E4}"/>
               </a:ext>
               <a:ext uri="{C183D7F6-B498-43B3-948B-1728B52AA6E4}">
-                <adec:decorative xmlns:adec="http://schemas.microsoft.com/office/drawing/2017/decorative" val="1"/>
+                <adec:decorative xmlns:adec="http://schemas.microsoft.com/office/drawing/2017/decorative" xmlns="" val="1"/>
               </a:ext>
             </a:extLst>
           </p:cNvPr>
@@ -21979,7 +22096,7 @@
                 <a16:creationId xmlns:a16="http://schemas.microsoft.com/office/drawing/2014/main" id="{9C51935E-4A08-4AE4-8E13-F40CD3C4F1C4}"/>
               </a:ext>
               <a:ext uri="{C183D7F6-B498-43B3-948B-1728B52AA6E4}">
-                <adec:decorative xmlns:adec="http://schemas.microsoft.com/office/drawing/2017/decorative" val="1"/>
+                <adec:decorative xmlns:adec="http://schemas.microsoft.com/office/drawing/2017/decorative" xmlns="" val="1"/>
               </a:ext>
             </a:extLst>
           </p:cNvPr>
@@ -22127,7 +22244,7 @@
                 <a16:creationId xmlns:a16="http://schemas.microsoft.com/office/drawing/2014/main" id="{4B7AF231-444C-44D0-B791-BAFE395E36AC}"/>
               </a:ext>
               <a:ext uri="{C183D7F6-B498-43B3-948B-1728B52AA6E4}">
-                <adec:decorative xmlns:adec="http://schemas.microsoft.com/office/drawing/2017/decorative" val="1"/>
+                <adec:decorative xmlns:adec="http://schemas.microsoft.com/office/drawing/2017/decorative" xmlns="" val="1"/>
               </a:ext>
             </a:extLst>
           </p:cNvPr>
@@ -22158,7 +22275,7 @@
                   <a16:creationId xmlns:a16="http://schemas.microsoft.com/office/drawing/2014/main" id="{6152793A-5125-41FA-AEF6-96C5463D0A76}"/>
                 </a:ext>
                 <a:ext uri="{C183D7F6-B498-43B3-948B-1728B52AA6E4}">
-                  <adec:decorative xmlns:adec="http://schemas.microsoft.com/office/drawing/2017/decorative" val="1"/>
+                  <adec:decorative xmlns:adec="http://schemas.microsoft.com/office/drawing/2017/decorative" xmlns="" val="1"/>
                 </a:ext>
               </a:extLst>
             </p:cNvPr>
@@ -22226,7 +22343,7 @@
                   <a16:creationId xmlns:a16="http://schemas.microsoft.com/office/drawing/2014/main" id="{63C1632F-098D-4A05-B248-04B7ABFE0060}"/>
                 </a:ext>
                 <a:ext uri="{C183D7F6-B498-43B3-948B-1728B52AA6E4}">
-                  <adec:decorative xmlns:adec="http://schemas.microsoft.com/office/drawing/2017/decorative" val="1"/>
+                  <adec:decorative xmlns:adec="http://schemas.microsoft.com/office/drawing/2017/decorative" xmlns="" val="1"/>
                 </a:ext>
               </a:extLst>
             </p:cNvPr>
@@ -22292,7 +22409,7 @@
                   <a16:creationId xmlns:a16="http://schemas.microsoft.com/office/drawing/2014/main" id="{0A85C0F5-DDEB-454E-A0E4-B6F0FB4CAB12}"/>
                 </a:ext>
                 <a:ext uri="{C183D7F6-B498-43B3-948B-1728B52AA6E4}">
-                  <adec:decorative xmlns:adec="http://schemas.microsoft.com/office/drawing/2017/decorative" val="1"/>
+                  <adec:decorative xmlns:adec="http://schemas.microsoft.com/office/drawing/2017/decorative" xmlns="" val="1"/>
                 </a:ext>
               </a:extLst>
             </p:cNvPr>

--- a/Prezentacja2.pptx
+++ b/Prezentacja2.pptx
@@ -9,16 +9,11 @@
     <p:sldId id="257" r:id="rId3"/>
     <p:sldId id="259" r:id="rId4"/>
     <p:sldId id="262" r:id="rId5"/>
-    <p:sldId id="258" r:id="rId6"/>
+    <p:sldId id="270" r:id="rId6"/>
     <p:sldId id="260" r:id="rId7"/>
-    <p:sldId id="261" r:id="rId8"/>
-    <p:sldId id="268" r:id="rId9"/>
-    <p:sldId id="263" r:id="rId10"/>
-    <p:sldId id="264" r:id="rId11"/>
-    <p:sldId id="265" r:id="rId12"/>
-    <p:sldId id="266" r:id="rId13"/>
-    <p:sldId id="269" r:id="rId14"/>
-    <p:sldId id="267" r:id="rId15"/>
+    <p:sldId id="269" r:id="rId8"/>
+    <p:sldId id="261" r:id="rId9"/>
+    <p:sldId id="271" r:id="rId10"/>
   </p:sldIdLst>
   <p:sldSz cx="12192000" cy="6858000"/>
   <p:notesSz cx="6858000" cy="9144000"/>
@@ -128,8 +123,7 @@
 <file path=ppt/revisionInfo.xml><?xml version="1.0" encoding="utf-8"?>
 <p1510:revInfo xmlns:a="http://schemas.openxmlformats.org/drawingml/2006/main" xmlns:r="http://schemas.openxmlformats.org/officeDocument/2006/relationships" xmlns:p1510="http://schemas.microsoft.com/office/powerpoint/2015/10/main">
   <p1510:revLst>
-    <p1510:client id="{45EC1DE0-3A46-4144-A6DE-0891114C9B14}" v="347" dt="2024-01-19T17:47:49.935"/>
-    <p1510:client id="{FD70820D-8581-4A08-98EF-81B88D808DC0}" v="470" dt="2024-01-17T20:07:35.823"/>
+    <p1510:client id="{D520B776-1D16-1A9C-A427-9672EC2D03FB}" v="169" dt="2024-02-04T14:23:37.083"/>
   </p1510:revLst>
 </p1510:revInfo>
 </file>
@@ -937,7 +931,7 @@
           <a:p>
             <a:fld id="{7CF0BCE0-945C-4FDF-95A1-2149B1FF5B83}" type="datetimeFigureOut">
               <a:rPr lang="en-US" smtClean="0"/>
-              <a:t>1/20/2024</a:t>
+              <a:t>2/4/2024</a:t>
             </a:fld>
             <a:endParaRPr lang="en-US"/>
           </a:p>
@@ -1662,7 +1656,7 @@
           <a:p>
             <a:fld id="{7CF0BCE0-945C-4FDF-95A1-2149B1FF5B83}" type="datetimeFigureOut">
               <a:rPr lang="en-US" smtClean="0"/>
-              <a:t>1/20/2024</a:t>
+              <a:t>2/4/2024</a:t>
             </a:fld>
             <a:endParaRPr lang="en-US"/>
           </a:p>
@@ -2534,7 +2528,7 @@
           <a:p>
             <a:fld id="{7CF0BCE0-945C-4FDF-95A1-2149B1FF5B83}" type="datetimeFigureOut">
               <a:rPr lang="en-US" smtClean="0"/>
-              <a:t>1/20/2024</a:t>
+              <a:t>2/4/2024</a:t>
             </a:fld>
             <a:endParaRPr lang="en-US"/>
           </a:p>
@@ -3236,7 +3230,7 @@
           <a:p>
             <a:fld id="{7CF0BCE0-945C-4FDF-95A1-2149B1FF5B83}" type="datetimeFigureOut">
               <a:rPr lang="en-US" smtClean="0"/>
-              <a:t>1/20/2024</a:t>
+              <a:t>2/4/2024</a:t>
             </a:fld>
             <a:endParaRPr lang="en-US"/>
           </a:p>
@@ -3945,7 +3939,7 @@
           <a:p>
             <a:fld id="{7CF0BCE0-945C-4FDF-95A1-2149B1FF5B83}" type="datetimeFigureOut">
               <a:rPr lang="en-US" smtClean="0"/>
-              <a:t>1/20/2024</a:t>
+              <a:t>2/4/2024</a:t>
             </a:fld>
             <a:endParaRPr lang="en-US"/>
           </a:p>
@@ -4879,7 +4873,7 @@
           <a:p>
             <a:fld id="{7CF0BCE0-945C-4FDF-95A1-2149B1FF5B83}" type="datetimeFigureOut">
               <a:rPr lang="en-US" smtClean="0"/>
-              <a:t>1/20/2024</a:t>
+              <a:t>2/4/2024</a:t>
             </a:fld>
             <a:endParaRPr lang="en-US"/>
           </a:p>
@@ -6096,7 +6090,7 @@
           <a:p>
             <a:fld id="{7CF0BCE0-945C-4FDF-95A1-2149B1FF5B83}" type="datetimeFigureOut">
               <a:rPr lang="en-US" smtClean="0"/>
-              <a:t>1/20/2024</a:t>
+              <a:t>2/4/2024</a:t>
             </a:fld>
             <a:endParaRPr lang="en-US"/>
           </a:p>
@@ -6761,7 +6755,7 @@
           <a:p>
             <a:fld id="{7CF0BCE0-945C-4FDF-95A1-2149B1FF5B83}" type="datetimeFigureOut">
               <a:rPr lang="en-US" smtClean="0"/>
-              <a:t>1/20/2024</a:t>
+              <a:t>2/4/2024</a:t>
             </a:fld>
             <a:endParaRPr lang="en-US"/>
           </a:p>
@@ -7530,7 +7524,7 @@
           <a:p>
             <a:fld id="{7CF0BCE0-945C-4FDF-95A1-2149B1FF5B83}" type="datetimeFigureOut">
               <a:rPr lang="en-US" smtClean="0"/>
-              <a:t>1/20/2024</a:t>
+              <a:t>2/4/2024</a:t>
             </a:fld>
             <a:endParaRPr lang="en-US"/>
           </a:p>
@@ -8640,7 +8634,7 @@
           <a:p>
             <a:fld id="{7CF0BCE0-945C-4FDF-95A1-2149B1FF5B83}" type="datetimeFigureOut">
               <a:rPr lang="en-US" smtClean="0"/>
-              <a:t>1/20/2024</a:t>
+              <a:t>2/4/2024</a:t>
             </a:fld>
             <a:endParaRPr lang="en-US"/>
           </a:p>
@@ -9446,7 +9440,7 @@
           <a:p>
             <a:fld id="{7CF0BCE0-945C-4FDF-95A1-2149B1FF5B83}" type="datetimeFigureOut">
               <a:rPr lang="en-US" smtClean="0"/>
-              <a:t>1/20/2024</a:t>
+              <a:t>2/4/2024</a:t>
             </a:fld>
             <a:endParaRPr lang="en-US"/>
           </a:p>
@@ -9728,7 +9722,7 @@
             <a:fld id="{7CF0BCE0-945C-4FDF-95A1-2149B1FF5B83}" type="datetimeFigureOut">
               <a:rPr lang="en-US" smtClean="0"/>
               <a:pPr algn="r"/>
-              <a:t>1/20/2024</a:t>
+              <a:t>2/4/2024</a:t>
             </a:fld>
             <a:endParaRPr lang="en-US"/>
           </a:p>
@@ -10117,7 +10111,7 @@
                 <a16:creationId xmlns:a16="http://schemas.microsoft.com/office/drawing/2014/main" id="{9C51935E-4A08-4AE4-8E13-F40CD3C4F1C4}"/>
               </a:ext>
               <a:ext uri="{C183D7F6-B498-43B3-948B-1728B52AA6E4}">
-                <adec:decorative xmlns:adec="http://schemas.microsoft.com/office/drawing/2017/decorative" xmlns="" val="1"/>
+                <adec:decorative xmlns:adec="http://schemas.microsoft.com/office/drawing/2017/decorative" val="1"/>
               </a:ext>
             </a:extLst>
           </p:cNvPr>
@@ -10270,10 +10264,6 @@
               <a:rPr lang="pl-PL" err="1"/>
               <a:t>Całkowska</a:t>
             </a:r>
-            <a:r>
-              <a:rPr lang="pl-PL"/>
-              <a:t/>
-            </a:r>
             <a:br>
               <a:rPr lang="pl-PL"/>
             </a:br>
@@ -10292,7 +10282,7 @@
                 <a16:creationId xmlns:a16="http://schemas.microsoft.com/office/drawing/2014/main" id="{A7014575-F0CE-4EAB-917E-3325411BA231}"/>
               </a:ext>
               <a:ext uri="{C183D7F6-B498-43B3-948B-1728B52AA6E4}">
-                <adec:decorative xmlns:adec="http://schemas.microsoft.com/office/drawing/2017/decorative" xmlns="" val="1"/>
+                <adec:decorative xmlns:adec="http://schemas.microsoft.com/office/drawing/2017/decorative" val="1"/>
               </a:ext>
             </a:extLst>
           </p:cNvPr>
@@ -10323,7 +10313,7 @@
                   <a16:creationId xmlns:a16="http://schemas.microsoft.com/office/drawing/2014/main" id="{2DB3702B-264B-4A16-B3FF-E2B1366D5765}"/>
                 </a:ext>
                 <a:ext uri="{C183D7F6-B498-43B3-948B-1728B52AA6E4}">
-                  <adec:decorative xmlns:adec="http://schemas.microsoft.com/office/drawing/2017/decorative" xmlns="" val="1"/>
+                  <adec:decorative xmlns:adec="http://schemas.microsoft.com/office/drawing/2017/decorative" val="1"/>
                 </a:ext>
               </a:extLst>
             </p:cNvPr>
@@ -10391,7 +10381,7 @@
                   <a16:creationId xmlns:a16="http://schemas.microsoft.com/office/drawing/2014/main" id="{92A33E2F-6DB3-47D1-B577-F0D4289E8A38}"/>
                 </a:ext>
                 <a:ext uri="{C183D7F6-B498-43B3-948B-1728B52AA6E4}">
-                  <adec:decorative xmlns:adec="http://schemas.microsoft.com/office/drawing/2017/decorative" xmlns="" val="1"/>
+                  <adec:decorative xmlns:adec="http://schemas.microsoft.com/office/drawing/2017/decorative" val="1"/>
                 </a:ext>
               </a:extLst>
             </p:cNvPr>
@@ -10457,7 +10447,7 @@
                   <a16:creationId xmlns:a16="http://schemas.microsoft.com/office/drawing/2014/main" id="{A4F24FF8-D392-412B-AB34-A7D89311B017}"/>
                 </a:ext>
                 <a:ext uri="{C183D7F6-B498-43B3-948B-1728B52AA6E4}">
-                  <adec:decorative xmlns:adec="http://schemas.microsoft.com/office/drawing/2017/decorative" xmlns="" val="1"/>
+                  <adec:decorative xmlns:adec="http://schemas.microsoft.com/office/drawing/2017/decorative" val="1"/>
                 </a:ext>
               </a:extLst>
             </p:cNvPr>
@@ -10734,4027 +10724,6 @@
 </p:sld>
 </file>
 
-<file path=ppt/slides/slide10.xml><?xml version="1.0" encoding="utf-8"?>
-<p:sld xmlns:a="http://schemas.openxmlformats.org/drawingml/2006/main" xmlns:r="http://schemas.openxmlformats.org/officeDocument/2006/relationships" xmlns:p="http://schemas.openxmlformats.org/presentationml/2006/main">
-  <p:cSld>
-    <p:bg>
-      <p:bgPr>
-        <a:solidFill>
-          <a:schemeClr val="bg1"/>
-        </a:solidFill>
-        <a:effectLst/>
-      </p:bgPr>
-    </p:bg>
-    <p:spTree>
-      <p:nvGrpSpPr>
-        <p:cNvPr id="1" name=""/>
-        <p:cNvGrpSpPr/>
-        <p:nvPr/>
-      </p:nvGrpSpPr>
-      <p:grpSpPr>
-        <a:xfrm>
-          <a:off x="0" y="0"/>
-          <a:ext cx="0" cy="0"/>
-          <a:chOff x="0" y="0"/>
-          <a:chExt cx="0" cy="0"/>
-        </a:xfrm>
-      </p:grpSpPr>
-      <p:grpSp>
-        <p:nvGrpSpPr>
-          <p:cNvPr id="22" name="Group 21">
-            <a:extLst>
-              <a:ext uri="{FF2B5EF4-FFF2-40B4-BE49-F238E27FC236}">
-                <a16:creationId xmlns:a16="http://schemas.microsoft.com/office/drawing/2014/main" id="{BF4E480B-94D6-46F9-A2B6-B98D311FDC19}"/>
-              </a:ext>
-              <a:ext uri="{C183D7F6-B498-43B3-948B-1728B52AA6E4}">
-                <adec:decorative xmlns:adec="http://schemas.microsoft.com/office/drawing/2017/decorative" xmlns="" val="1"/>
-              </a:ext>
-            </a:extLst>
-          </p:cNvPr>
-          <p:cNvGrpSpPr>
-            <a:grpSpLocks noGrp="1" noUngrp="1" noRot="1" noChangeAspect="1" noMove="1" noResize="1"/>
-          </p:cNvGrpSpPr>
-          <p:nvPr>
-            <p:extLst>
-              <p:ext uri="{386F3935-93C4-4BCD-93E2-E3B085C9AB24}">
-                <p16:designElem xmlns:p16="http://schemas.microsoft.com/office/powerpoint/2015/main" val="1"/>
-              </p:ext>
-            </p:extLst>
-          </p:nvPr>
-        </p:nvGrpSpPr>
-        <p:grpSpPr>
-          <a:xfrm>
-            <a:off x="0" y="0"/>
-            <a:ext cx="12191999" cy="6861600"/>
-            <a:chOff x="1" y="0"/>
-            <a:chExt cx="12191999" cy="6861600"/>
-          </a:xfrm>
-        </p:grpSpPr>
-        <p:sp>
-          <p:nvSpPr>
-            <p:cNvPr id="23" name="Rectangle 22">
-              <a:extLst>
-                <a:ext uri="{FF2B5EF4-FFF2-40B4-BE49-F238E27FC236}">
-                  <a16:creationId xmlns:a16="http://schemas.microsoft.com/office/drawing/2014/main" id="{07183CDE-91A1-40C3-8E80-66F89E1C2D53}"/>
-                </a:ext>
-                <a:ext uri="{C183D7F6-B498-43B3-948B-1728B52AA6E4}">
-                  <adec:decorative xmlns:adec="http://schemas.microsoft.com/office/drawing/2017/decorative" xmlns="" val="1"/>
-                </a:ext>
-              </a:extLst>
-            </p:cNvPr>
-            <p:cNvSpPr>
-              <a:spLocks noChangeAspect="1"/>
-            </p:cNvSpPr>
-            <p:nvPr>
-              <p:extLst>
-                <p:ext uri="{386F3935-93C4-4BCD-93E2-E3B085C9AB24}">
-                  <p16:designElem xmlns:p16="http://schemas.microsoft.com/office/powerpoint/2015/main" val="1"/>
-                </p:ext>
-              </p:extLst>
-            </p:nvPr>
-          </p:nvSpPr>
-          <p:spPr>
-            <a:xfrm rot="16200000">
-              <a:off x="1" y="1640114"/>
-              <a:ext cx="5217886" cy="5217886"/>
-            </a:xfrm>
-            <a:prstGeom prst="rect">
-              <a:avLst/>
-            </a:prstGeom>
-            <a:gradFill flip="none" rotWithShape="1">
-              <a:gsLst>
-                <a:gs pos="0">
-                  <a:schemeClr val="accent2">
-                    <a:alpha val="60000"/>
-                  </a:schemeClr>
-                </a:gs>
-                <a:gs pos="60000">
-                  <a:schemeClr val="accent2">
-                    <a:alpha val="0"/>
-                  </a:schemeClr>
-                </a:gs>
-              </a:gsLst>
-              <a:path path="circle">
-                <a:fillToRect r="100000" b="100000"/>
-              </a:path>
-              <a:tileRect l="-100000" t="-100000"/>
-            </a:gradFill>
-            <a:ln w="12700" cap="flat" cmpd="sng" algn="ctr">
-              <a:noFill/>
-              <a:prstDash val="solid"/>
-              <a:miter lim="800000"/>
-            </a:ln>
-            <a:effectLst/>
-          </p:spPr>
-          <p:style>
-            <a:lnRef idx="2">
-              <a:schemeClr val="accent1">
-                <a:shade val="50000"/>
-              </a:schemeClr>
-            </a:lnRef>
-            <a:fillRef idx="1">
-              <a:schemeClr val="accent1"/>
-            </a:fillRef>
-            <a:effectRef idx="0">
-              <a:schemeClr val="accent1"/>
-            </a:effectRef>
-            <a:fontRef idx="minor">
-              <a:schemeClr val="lt1"/>
-            </a:fontRef>
-          </p:style>
-          <p:txBody>
-            <a:bodyPr rtlCol="0" anchor="ctr"/>
-            <a:lstStyle/>
-            <a:p>
-              <a:pPr algn="r"/>
-              <a:endParaRPr lang="en-US"/>
-            </a:p>
-          </p:txBody>
-        </p:sp>
-        <p:sp>
-          <p:nvSpPr>
-            <p:cNvPr id="24" name="Oval 23">
-              <a:extLst>
-                <a:ext uri="{FF2B5EF4-FFF2-40B4-BE49-F238E27FC236}">
-                  <a16:creationId xmlns:a16="http://schemas.microsoft.com/office/drawing/2014/main" id="{A6756515-F9AA-46BD-8DD2-AA15BA492AC0}"/>
-                </a:ext>
-                <a:ext uri="{C183D7F6-B498-43B3-948B-1728B52AA6E4}">
-                  <adec:decorative xmlns:adec="http://schemas.microsoft.com/office/drawing/2017/decorative" xmlns="" val="1"/>
-                </a:ext>
-              </a:extLst>
-            </p:cNvPr>
-            <p:cNvSpPr>
-              <a:spLocks noChangeAspect="1"/>
-            </p:cNvSpPr>
-            <p:nvPr>
-              <p:extLst>
-                <p:ext uri="{386F3935-93C4-4BCD-93E2-E3B085C9AB24}">
-                  <p16:designElem xmlns:p16="http://schemas.microsoft.com/office/powerpoint/2015/main" val="1"/>
-                </p:ext>
-              </p:extLst>
-            </p:nvPr>
-          </p:nvSpPr>
-          <p:spPr>
-            <a:xfrm>
-              <a:off x="6384514" y="0"/>
-              <a:ext cx="4320000" cy="4320000"/>
-            </a:xfrm>
-            <a:prstGeom prst="ellipse">
-              <a:avLst/>
-            </a:prstGeom>
-            <a:solidFill>
-              <a:schemeClr val="accent3">
-                <a:alpha val="96000"/>
-              </a:schemeClr>
-            </a:solidFill>
-            <a:ln>
-              <a:noFill/>
-            </a:ln>
-            <a:effectLst>
-              <a:softEdge rad="1016000"/>
-            </a:effectLst>
-          </p:spPr>
-          <p:style>
-            <a:lnRef idx="2">
-              <a:schemeClr val="accent1">
-                <a:shade val="50000"/>
-              </a:schemeClr>
-            </a:lnRef>
-            <a:fillRef idx="1">
-              <a:schemeClr val="accent1"/>
-            </a:fillRef>
-            <a:effectRef idx="0">
-              <a:schemeClr val="accent1"/>
-            </a:effectRef>
-            <a:fontRef idx="minor">
-              <a:schemeClr val="lt1"/>
-            </a:fontRef>
-          </p:style>
-          <p:txBody>
-            <a:bodyPr rtlCol="0" anchor="ctr"/>
-            <a:lstStyle/>
-            <a:p>
-              <a:pPr algn="r"/>
-              <a:endParaRPr lang="en-US"/>
-            </a:p>
-          </p:txBody>
-        </p:sp>
-        <p:sp>
-          <p:nvSpPr>
-            <p:cNvPr id="25" name="Oval 24">
-              <a:extLst>
-                <a:ext uri="{FF2B5EF4-FFF2-40B4-BE49-F238E27FC236}">
-                  <a16:creationId xmlns:a16="http://schemas.microsoft.com/office/drawing/2014/main" id="{ABA365E2-8B71-408B-9092-0104216AC7AC}"/>
-                </a:ext>
-                <a:ext uri="{C183D7F6-B498-43B3-948B-1728B52AA6E4}">
-                  <adec:decorative xmlns:adec="http://schemas.microsoft.com/office/drawing/2017/decorative" xmlns="" val="1"/>
-                </a:ext>
-              </a:extLst>
-            </p:cNvPr>
-            <p:cNvSpPr>
-              <a:spLocks noChangeAspect="1"/>
-            </p:cNvSpPr>
-            <p:nvPr>
-              <p:extLst>
-                <p:ext uri="{386F3935-93C4-4BCD-93E2-E3B085C9AB24}">
-                  <p16:designElem xmlns:p16="http://schemas.microsoft.com/office/powerpoint/2015/main" val="1"/>
-                </p:ext>
-              </p:extLst>
-            </p:nvPr>
-          </p:nvSpPr>
-          <p:spPr>
-            <a:xfrm>
-              <a:off x="6119057" y="1230054"/>
-              <a:ext cx="5506886" cy="5506886"/>
-            </a:xfrm>
-            <a:prstGeom prst="ellipse">
-              <a:avLst/>
-            </a:prstGeom>
-            <a:solidFill>
-              <a:schemeClr val="accent2">
-                <a:alpha val="60000"/>
-              </a:schemeClr>
-            </a:solidFill>
-            <a:ln>
-              <a:noFill/>
-            </a:ln>
-            <a:effectLst>
-              <a:softEdge rad="1270000"/>
-            </a:effectLst>
-          </p:spPr>
-          <p:style>
-            <a:lnRef idx="2">
-              <a:schemeClr val="accent1">
-                <a:shade val="50000"/>
-              </a:schemeClr>
-            </a:lnRef>
-            <a:fillRef idx="1">
-              <a:schemeClr val="accent1"/>
-            </a:fillRef>
-            <a:effectRef idx="0">
-              <a:schemeClr val="accent1"/>
-            </a:effectRef>
-            <a:fontRef idx="minor">
-              <a:schemeClr val="lt1"/>
-            </a:fontRef>
-          </p:style>
-          <p:txBody>
-            <a:bodyPr rtlCol="0" anchor="ctr"/>
-            <a:lstStyle/>
-            <a:p>
-              <a:pPr algn="r"/>
-              <a:endParaRPr lang="en-US"/>
-            </a:p>
-          </p:txBody>
-        </p:sp>
-        <p:grpSp>
-          <p:nvGrpSpPr>
-            <p:cNvPr id="26" name="Group 25">
-              <a:extLst>
-                <a:ext uri="{FF2B5EF4-FFF2-40B4-BE49-F238E27FC236}">
-                  <a16:creationId xmlns:a16="http://schemas.microsoft.com/office/drawing/2014/main" id="{BEDB8D7A-1BF6-4CDB-B93A-7736955F5043}"/>
-                </a:ext>
-                <a:ext uri="{C183D7F6-B498-43B3-948B-1728B52AA6E4}">
-                  <adec:decorative xmlns:adec="http://schemas.microsoft.com/office/drawing/2017/decorative" xmlns="" val="1"/>
-                </a:ext>
-              </a:extLst>
-            </p:cNvPr>
-            <p:cNvGrpSpPr>
-              <a:grpSpLocks noChangeAspect="1"/>
-            </p:cNvGrpSpPr>
-            <p:nvPr>
-              <p:extLst>
-                <p:ext uri="{386F3935-93C4-4BCD-93E2-E3B085C9AB24}">
-                  <p16:designElem xmlns:p16="http://schemas.microsoft.com/office/powerpoint/2015/main" val="1"/>
-                </p:ext>
-              </p:extLst>
-            </p:nvPr>
-          </p:nvGrpSpPr>
-          <p:grpSpPr>
-            <a:xfrm>
-              <a:off x="690092" y="0"/>
-              <a:ext cx="10800000" cy="6858000"/>
-              <a:chOff x="2328000" y="0"/>
-              <a:chExt cx="2880000" cy="1440000"/>
-            </a:xfrm>
-          </p:grpSpPr>
-          <p:sp>
-            <p:nvSpPr>
-              <p:cNvPr id="31" name="Rectangle 30">
-                <a:extLst>
-                  <a:ext uri="{FF2B5EF4-FFF2-40B4-BE49-F238E27FC236}">
-                    <a16:creationId xmlns:a16="http://schemas.microsoft.com/office/drawing/2014/main" id="{5AACD774-5167-46C7-8A62-6E2FE4BE9469}"/>
-                  </a:ext>
-                  <a:ext uri="{C183D7F6-B498-43B3-948B-1728B52AA6E4}">
-                    <adec:decorative xmlns:adec="http://schemas.microsoft.com/office/drawing/2017/decorative" xmlns="" val="1"/>
-                  </a:ext>
-                </a:extLst>
-              </p:cNvPr>
-              <p:cNvSpPr/>
-              <p:nvPr>
-                <p:extLst>
-                  <p:ext uri="{386F3935-93C4-4BCD-93E2-E3B085C9AB24}">
-                    <p16:designElem xmlns:p16="http://schemas.microsoft.com/office/powerpoint/2015/main" val="1"/>
-                  </p:ext>
-                </p:extLst>
-              </p:nvPr>
-            </p:nvSpPr>
-            <p:spPr>
-              <a:xfrm>
-                <a:off x="3768000" y="0"/>
-                <a:ext cx="1440000" cy="1440000"/>
-              </a:xfrm>
-              <a:prstGeom prst="rect">
-                <a:avLst/>
-              </a:prstGeom>
-              <a:gradFill flip="none" rotWithShape="1">
-                <a:gsLst>
-                  <a:gs pos="0">
-                    <a:schemeClr val="accent1"/>
-                  </a:gs>
-                  <a:gs pos="60000">
-                    <a:schemeClr val="accent1">
-                      <a:alpha val="0"/>
-                    </a:schemeClr>
-                  </a:gs>
-                </a:gsLst>
-                <a:path path="circle">
-                  <a:fillToRect r="100000" b="100000"/>
-                </a:path>
-                <a:tileRect l="-100000" t="-100000"/>
-              </a:gradFill>
-              <a:ln w="12700" cap="flat" cmpd="sng" algn="ctr">
-                <a:noFill/>
-                <a:prstDash val="solid"/>
-                <a:miter lim="800000"/>
-              </a:ln>
-              <a:effectLst/>
-            </p:spPr>
-            <p:style>
-              <a:lnRef idx="2">
-                <a:schemeClr val="accent1">
-                  <a:shade val="50000"/>
-                </a:schemeClr>
-              </a:lnRef>
-              <a:fillRef idx="1">
-                <a:schemeClr val="accent1"/>
-              </a:fillRef>
-              <a:effectRef idx="0">
-                <a:schemeClr val="accent1"/>
-              </a:effectRef>
-              <a:fontRef idx="minor">
-                <a:schemeClr val="lt1"/>
-              </a:fontRef>
-            </p:style>
-            <p:txBody>
-              <a:bodyPr rtlCol="0" anchor="ctr"/>
-              <a:lstStyle/>
-              <a:p>
-                <a:pPr algn="r"/>
-                <a:endParaRPr lang="en-US"/>
-              </a:p>
-            </p:txBody>
-          </p:sp>
-          <p:sp>
-            <p:nvSpPr>
-              <p:cNvPr id="32" name="Rectangle 31">
-                <a:extLst>
-                  <a:ext uri="{FF2B5EF4-FFF2-40B4-BE49-F238E27FC236}">
-                    <a16:creationId xmlns:a16="http://schemas.microsoft.com/office/drawing/2014/main" id="{06E0F2D8-452E-48F9-9912-C47EAEAE1802}"/>
-                  </a:ext>
-                  <a:ext uri="{C183D7F6-B498-43B3-948B-1728B52AA6E4}">
-                    <adec:decorative xmlns:adec="http://schemas.microsoft.com/office/drawing/2017/decorative" xmlns="" val="1"/>
-                  </a:ext>
-                </a:extLst>
-              </p:cNvPr>
-              <p:cNvSpPr/>
-              <p:nvPr>
-                <p:extLst>
-                  <p:ext uri="{386F3935-93C4-4BCD-93E2-E3B085C9AB24}">
-                    <p16:designElem xmlns:p16="http://schemas.microsoft.com/office/powerpoint/2015/main" val="1"/>
-                  </p:ext>
-                </p:extLst>
-              </p:nvPr>
-            </p:nvSpPr>
-            <p:spPr>
-              <a:xfrm flipH="1">
-                <a:off x="2328000" y="0"/>
-                <a:ext cx="1440000" cy="1440000"/>
-              </a:xfrm>
-              <a:prstGeom prst="rect">
-                <a:avLst/>
-              </a:prstGeom>
-              <a:gradFill flip="none" rotWithShape="1">
-                <a:gsLst>
-                  <a:gs pos="0">
-                    <a:schemeClr val="accent1"/>
-                  </a:gs>
-                  <a:gs pos="60000">
-                    <a:schemeClr val="accent1">
-                      <a:alpha val="0"/>
-                    </a:schemeClr>
-                  </a:gs>
-                </a:gsLst>
-                <a:path path="circle">
-                  <a:fillToRect r="100000" b="100000"/>
-                </a:path>
-                <a:tileRect l="-100000" t="-100000"/>
-              </a:gradFill>
-              <a:ln w="12700" cap="flat" cmpd="sng" algn="ctr">
-                <a:noFill/>
-                <a:prstDash val="solid"/>
-                <a:miter lim="800000"/>
-              </a:ln>
-              <a:effectLst/>
-            </p:spPr>
-            <p:style>
-              <a:lnRef idx="2">
-                <a:schemeClr val="accent1">
-                  <a:shade val="50000"/>
-                </a:schemeClr>
-              </a:lnRef>
-              <a:fillRef idx="1">
-                <a:schemeClr val="accent1"/>
-              </a:fillRef>
-              <a:effectRef idx="0">
-                <a:schemeClr val="accent1"/>
-              </a:effectRef>
-              <a:fontRef idx="minor">
-                <a:schemeClr val="lt1"/>
-              </a:fontRef>
-            </p:style>
-            <p:txBody>
-              <a:bodyPr rtlCol="0" anchor="ctr"/>
-              <a:lstStyle/>
-              <a:p>
-                <a:pPr algn="r"/>
-                <a:endParaRPr lang="en-US"/>
-              </a:p>
-            </p:txBody>
-          </p:sp>
-        </p:grpSp>
-        <p:grpSp>
-          <p:nvGrpSpPr>
-            <p:cNvPr id="27" name="Group 26">
-              <a:extLst>
-                <a:ext uri="{FF2B5EF4-FFF2-40B4-BE49-F238E27FC236}">
-                  <a16:creationId xmlns:a16="http://schemas.microsoft.com/office/drawing/2014/main" id="{91FBBF95-430B-427C-A6E8-DB899217FC00}"/>
-                </a:ext>
-                <a:ext uri="{C183D7F6-B498-43B3-948B-1728B52AA6E4}">
-                  <adec:decorative xmlns:adec="http://schemas.microsoft.com/office/drawing/2017/decorative" xmlns="" val="1"/>
-                </a:ext>
-              </a:extLst>
-            </p:cNvPr>
-            <p:cNvGrpSpPr>
-              <a:grpSpLocks noChangeAspect="1"/>
-            </p:cNvGrpSpPr>
-            <p:nvPr>
-              <p:extLst>
-                <p:ext uri="{386F3935-93C4-4BCD-93E2-E3B085C9AB24}">
-                  <p16:designElem xmlns:p16="http://schemas.microsoft.com/office/powerpoint/2015/main" val="1"/>
-                </p:ext>
-              </p:extLst>
-            </p:nvPr>
-          </p:nvGrpSpPr>
-          <p:grpSpPr>
-            <a:xfrm rot="5400000">
-              <a:off x="7048499" y="1714500"/>
-              <a:ext cx="6858000" cy="3429000"/>
-              <a:chOff x="0" y="0"/>
-              <a:chExt cx="2880000" cy="1440000"/>
-            </a:xfrm>
-          </p:grpSpPr>
-          <p:sp>
-            <p:nvSpPr>
-              <p:cNvPr id="29" name="Rectangle 28">
-                <a:extLst>
-                  <a:ext uri="{FF2B5EF4-FFF2-40B4-BE49-F238E27FC236}">
-                    <a16:creationId xmlns:a16="http://schemas.microsoft.com/office/drawing/2014/main" id="{BEE64698-3ED2-4395-B7FC-65248E437E0A}"/>
-                  </a:ext>
-                  <a:ext uri="{C183D7F6-B498-43B3-948B-1728B52AA6E4}">
-                    <adec:decorative xmlns:adec="http://schemas.microsoft.com/office/drawing/2017/decorative" xmlns="" val="1"/>
-                  </a:ext>
-                </a:extLst>
-              </p:cNvPr>
-              <p:cNvSpPr/>
-              <p:nvPr>
-                <p:extLst>
-                  <p:ext uri="{386F3935-93C4-4BCD-93E2-E3B085C9AB24}">
-                    <p16:designElem xmlns:p16="http://schemas.microsoft.com/office/powerpoint/2015/main" val="1"/>
-                  </p:ext>
-                </p:extLst>
-              </p:nvPr>
-            </p:nvSpPr>
-            <p:spPr>
-              <a:xfrm>
-                <a:off x="1440000" y="0"/>
-                <a:ext cx="1440000" cy="1440000"/>
-              </a:xfrm>
-              <a:prstGeom prst="rect">
-                <a:avLst/>
-              </a:prstGeom>
-              <a:gradFill flip="none" rotWithShape="1">
-                <a:gsLst>
-                  <a:gs pos="0">
-                    <a:schemeClr val="accent2"/>
-                  </a:gs>
-                  <a:gs pos="60000">
-                    <a:schemeClr val="accent2">
-                      <a:alpha val="0"/>
-                    </a:schemeClr>
-                  </a:gs>
-                </a:gsLst>
-                <a:path path="circle">
-                  <a:fillToRect r="100000" b="100000"/>
-                </a:path>
-                <a:tileRect l="-100000" t="-100000"/>
-              </a:gradFill>
-              <a:ln w="12700" cap="flat" cmpd="sng" algn="ctr">
-                <a:noFill/>
-                <a:prstDash val="solid"/>
-                <a:miter lim="800000"/>
-              </a:ln>
-              <a:effectLst/>
-            </p:spPr>
-            <p:style>
-              <a:lnRef idx="2">
-                <a:schemeClr val="accent1">
-                  <a:shade val="50000"/>
-                </a:schemeClr>
-              </a:lnRef>
-              <a:fillRef idx="1">
-                <a:schemeClr val="accent1"/>
-              </a:fillRef>
-              <a:effectRef idx="0">
-                <a:schemeClr val="accent1"/>
-              </a:effectRef>
-              <a:fontRef idx="minor">
-                <a:schemeClr val="lt1"/>
-              </a:fontRef>
-            </p:style>
-            <p:txBody>
-              <a:bodyPr rtlCol="0" anchor="ctr"/>
-              <a:lstStyle/>
-              <a:p>
-                <a:pPr algn="r"/>
-                <a:endParaRPr lang="en-US"/>
-              </a:p>
-            </p:txBody>
-          </p:sp>
-          <p:sp>
-            <p:nvSpPr>
-              <p:cNvPr id="30" name="Rectangle 29">
-                <a:extLst>
-                  <a:ext uri="{FF2B5EF4-FFF2-40B4-BE49-F238E27FC236}">
-                    <a16:creationId xmlns:a16="http://schemas.microsoft.com/office/drawing/2014/main" id="{FE20B1E1-CE09-4C2A-A3FB-DB8026C54E98}"/>
-                  </a:ext>
-                  <a:ext uri="{C183D7F6-B498-43B3-948B-1728B52AA6E4}">
-                    <adec:decorative xmlns:adec="http://schemas.microsoft.com/office/drawing/2017/decorative" xmlns="" val="1"/>
-                  </a:ext>
-                </a:extLst>
-              </p:cNvPr>
-              <p:cNvSpPr/>
-              <p:nvPr>
-                <p:extLst>
-                  <p:ext uri="{386F3935-93C4-4BCD-93E2-E3B085C9AB24}">
-                    <p16:designElem xmlns:p16="http://schemas.microsoft.com/office/powerpoint/2015/main" val="1"/>
-                  </p:ext>
-                </p:extLst>
-              </p:nvPr>
-            </p:nvSpPr>
-            <p:spPr>
-              <a:xfrm flipH="1">
-                <a:off x="0" y="0"/>
-                <a:ext cx="1440000" cy="1440000"/>
-              </a:xfrm>
-              <a:prstGeom prst="rect">
-                <a:avLst/>
-              </a:prstGeom>
-              <a:gradFill flip="none" rotWithShape="1">
-                <a:gsLst>
-                  <a:gs pos="0">
-                    <a:schemeClr val="accent2"/>
-                  </a:gs>
-                  <a:gs pos="60000">
-                    <a:schemeClr val="accent2">
-                      <a:alpha val="0"/>
-                    </a:schemeClr>
-                  </a:gs>
-                </a:gsLst>
-                <a:path path="circle">
-                  <a:fillToRect r="100000" b="100000"/>
-                </a:path>
-                <a:tileRect l="-100000" t="-100000"/>
-              </a:gradFill>
-              <a:ln w="12700" cap="flat" cmpd="sng" algn="ctr">
-                <a:noFill/>
-                <a:prstDash val="solid"/>
-                <a:miter lim="800000"/>
-              </a:ln>
-              <a:effectLst/>
-            </p:spPr>
-            <p:style>
-              <a:lnRef idx="2">
-                <a:schemeClr val="accent1">
-                  <a:shade val="50000"/>
-                </a:schemeClr>
-              </a:lnRef>
-              <a:fillRef idx="1">
-                <a:schemeClr val="accent1"/>
-              </a:fillRef>
-              <a:effectRef idx="0">
-                <a:schemeClr val="accent1"/>
-              </a:effectRef>
-              <a:fontRef idx="minor">
-                <a:schemeClr val="lt1"/>
-              </a:fontRef>
-            </p:style>
-            <p:txBody>
-              <a:bodyPr rtlCol="0" anchor="ctr"/>
-              <a:lstStyle/>
-              <a:p>
-                <a:pPr algn="r"/>
-                <a:endParaRPr lang="en-US"/>
-              </a:p>
-            </p:txBody>
-          </p:sp>
-        </p:grpSp>
-        <p:sp>
-          <p:nvSpPr>
-            <p:cNvPr id="28" name="Rectangle 27">
-              <a:extLst>
-                <a:ext uri="{FF2B5EF4-FFF2-40B4-BE49-F238E27FC236}">
-                  <a16:creationId xmlns:a16="http://schemas.microsoft.com/office/drawing/2014/main" id="{0CB2405B-A907-48B3-906A-FB3573C0B282}"/>
-                </a:ext>
-                <a:ext uri="{C183D7F6-B498-43B3-948B-1728B52AA6E4}">
-                  <adec:decorative xmlns:adec="http://schemas.microsoft.com/office/drawing/2017/decorative" xmlns="" val="1"/>
-                </a:ext>
-              </a:extLst>
-            </p:cNvPr>
-            <p:cNvSpPr>
-              <a:spLocks noChangeAspect="1"/>
-            </p:cNvSpPr>
-            <p:nvPr>
-              <p:extLst>
-                <p:ext uri="{386F3935-93C4-4BCD-93E2-E3B085C9AB24}">
-                  <p16:designElem xmlns:p16="http://schemas.microsoft.com/office/powerpoint/2015/main" val="1"/>
-                </p:ext>
-              </p:extLst>
-            </p:nvPr>
-          </p:nvSpPr>
-          <p:spPr>
-            <a:xfrm rot="10800000">
-              <a:off x="5602287" y="271887"/>
-              <a:ext cx="6589713" cy="6589713"/>
-            </a:xfrm>
-            <a:prstGeom prst="rect">
-              <a:avLst/>
-            </a:prstGeom>
-            <a:gradFill flip="none" rotWithShape="1">
-              <a:gsLst>
-                <a:gs pos="0">
-                  <a:schemeClr val="accent3"/>
-                </a:gs>
-                <a:gs pos="60000">
-                  <a:schemeClr val="accent3">
-                    <a:alpha val="0"/>
-                  </a:schemeClr>
-                </a:gs>
-              </a:gsLst>
-              <a:path path="circle">
-                <a:fillToRect r="100000" b="100000"/>
-              </a:path>
-              <a:tileRect l="-100000" t="-100000"/>
-            </a:gradFill>
-            <a:ln w="12700" cap="flat" cmpd="sng" algn="ctr">
-              <a:noFill/>
-              <a:prstDash val="solid"/>
-              <a:miter lim="800000"/>
-            </a:ln>
-            <a:effectLst/>
-          </p:spPr>
-          <p:style>
-            <a:lnRef idx="2">
-              <a:schemeClr val="accent1">
-                <a:shade val="50000"/>
-              </a:schemeClr>
-            </a:lnRef>
-            <a:fillRef idx="1">
-              <a:schemeClr val="accent1"/>
-            </a:fillRef>
-            <a:effectRef idx="0">
-              <a:schemeClr val="accent1"/>
-            </a:effectRef>
-            <a:fontRef idx="minor">
-              <a:schemeClr val="lt1"/>
-            </a:fontRef>
-          </p:style>
-          <p:txBody>
-            <a:bodyPr rtlCol="0" anchor="ctr"/>
-            <a:lstStyle/>
-            <a:p>
-              <a:pPr algn="r"/>
-              <a:endParaRPr lang="en-US"/>
-            </a:p>
-          </p:txBody>
-        </p:sp>
-      </p:grpSp>
-      <p:sp>
-        <p:nvSpPr>
-          <p:cNvPr id="34" name="Rectangle 33">
-            <a:extLst>
-              <a:ext uri="{FF2B5EF4-FFF2-40B4-BE49-F238E27FC236}">
-                <a16:creationId xmlns:a16="http://schemas.microsoft.com/office/drawing/2014/main" id="{6DC8E2D9-6729-4614-8667-C1016D3182E4}"/>
-              </a:ext>
-              <a:ext uri="{C183D7F6-B498-43B3-948B-1728B52AA6E4}">
-                <adec:decorative xmlns:adec="http://schemas.microsoft.com/office/drawing/2017/decorative" xmlns="" val="1"/>
-              </a:ext>
-            </a:extLst>
-          </p:cNvPr>
-          <p:cNvSpPr>
-            <a:spLocks noGrp="1" noRot="1" noChangeAspect="1" noMove="1" noResize="1" noEditPoints="1" noAdjustHandles="1" noChangeArrowheads="1" noChangeShapeType="1" noTextEdit="1"/>
-          </p:cNvSpPr>
-          <p:nvPr>
-            <p:extLst>
-              <p:ext uri="{386F3935-93C4-4BCD-93E2-E3B085C9AB24}">
-                <p16:designElem xmlns:p16="http://schemas.microsoft.com/office/powerpoint/2015/main" val="1"/>
-              </p:ext>
-            </p:extLst>
-          </p:nvPr>
-        </p:nvSpPr>
-        <p:spPr>
-          <a:xfrm>
-            <a:off x="0" y="0"/>
-            <a:ext cx="12192000" cy="6858000"/>
-          </a:xfrm>
-          <a:prstGeom prst="rect">
-            <a:avLst/>
-          </a:prstGeom>
-          <a:solidFill>
-            <a:schemeClr val="bg2">
-              <a:alpha val="40000"/>
-            </a:schemeClr>
-          </a:solidFill>
-          <a:ln w="12700" cap="flat" cmpd="sng" algn="ctr">
-            <a:noFill/>
-            <a:prstDash val="solid"/>
-            <a:miter lim="800000"/>
-          </a:ln>
-          <a:effectLst/>
-        </p:spPr>
-        <p:style>
-          <a:lnRef idx="2">
-            <a:schemeClr val="accent1">
-              <a:shade val="50000"/>
-            </a:schemeClr>
-          </a:lnRef>
-          <a:fillRef idx="1">
-            <a:schemeClr val="accent1"/>
-          </a:fillRef>
-          <a:effectRef idx="0">
-            <a:schemeClr val="accent1"/>
-          </a:effectRef>
-          <a:fontRef idx="minor">
-            <a:schemeClr val="lt1"/>
-          </a:fontRef>
-        </p:style>
-        <p:txBody>
-          <a:bodyPr rtlCol="0" anchor="ctr"/>
-          <a:lstStyle/>
-          <a:p>
-            <a:pPr algn="r"/>
-            <a:endParaRPr lang="en-US"/>
-          </a:p>
-        </p:txBody>
-      </p:sp>
-      <p:sp useBgFill="1">
-        <p:nvSpPr>
-          <p:cNvPr id="36" name="Rectangle 35">
-            <a:extLst>
-              <a:ext uri="{FF2B5EF4-FFF2-40B4-BE49-F238E27FC236}">
-                <a16:creationId xmlns:a16="http://schemas.microsoft.com/office/drawing/2014/main" id="{9C51935E-4A08-4AE4-8E13-F40CD3C4F1C4}"/>
-              </a:ext>
-              <a:ext uri="{C183D7F6-B498-43B3-948B-1728B52AA6E4}">
-                <adec:decorative xmlns:adec="http://schemas.microsoft.com/office/drawing/2017/decorative" xmlns="" val="1"/>
-              </a:ext>
-            </a:extLst>
-          </p:cNvPr>
-          <p:cNvSpPr>
-            <a:spLocks noGrp="1" noRot="1" noChangeAspect="1" noMove="1" noResize="1" noEditPoints="1" noAdjustHandles="1" noChangeArrowheads="1" noChangeShapeType="1" noTextEdit="1"/>
-          </p:cNvSpPr>
-          <p:nvPr>
-            <p:extLst>
-              <p:ext uri="{386F3935-93C4-4BCD-93E2-E3B085C9AB24}">
-                <p16:designElem xmlns:p16="http://schemas.microsoft.com/office/powerpoint/2015/main" val="1"/>
-              </p:ext>
-            </p:extLst>
-          </p:nvPr>
-        </p:nvSpPr>
-        <p:spPr>
-          <a:xfrm>
-            <a:off x="0" y="0"/>
-            <a:ext cx="12192000" cy="6858000"/>
-          </a:xfrm>
-          <a:prstGeom prst="rect">
-            <a:avLst/>
-          </a:prstGeom>
-          <a:ln w="12700" cap="flat" cmpd="sng" algn="ctr">
-            <a:noFill/>
-            <a:prstDash val="solid"/>
-            <a:miter lim="800000"/>
-          </a:ln>
-          <a:effectLst/>
-          <a:extLst>
-            <a:ext uri="{91240B29-F687-4F45-9708-019B960494DF}">
-              <a14:hiddenLine xmlns:a14="http://schemas.microsoft.com/office/drawing/2010/main" w="12700" cap="flat" cmpd="sng" algn="ctr">
-                <a:solidFill>
-                  <a:schemeClr val="accent1">
-                    <a:shade val="50000"/>
-                  </a:schemeClr>
-                </a:solidFill>
-                <a:prstDash val="solid"/>
-                <a:miter lim="800000"/>
-              </a14:hiddenLine>
-            </a:ext>
-          </a:extLst>
-        </p:spPr>
-        <p:style>
-          <a:lnRef idx="2">
-            <a:schemeClr val="accent1">
-              <a:shade val="50000"/>
-            </a:schemeClr>
-          </a:lnRef>
-          <a:fillRef idx="1">
-            <a:schemeClr val="accent1"/>
-          </a:fillRef>
-          <a:effectRef idx="0">
-            <a:schemeClr val="accent1"/>
-          </a:effectRef>
-          <a:fontRef idx="minor">
-            <a:schemeClr val="lt1"/>
-          </a:fontRef>
-        </p:style>
-        <p:txBody>
-          <a:bodyPr rtlCol="0" anchor="ctr"/>
-          <a:lstStyle/>
-          <a:p>
-            <a:pPr algn="ctr"/>
-            <a:endParaRPr lang="en-US"/>
-          </a:p>
-        </p:txBody>
-      </p:sp>
-      <p:sp>
-        <p:nvSpPr>
-          <p:cNvPr id="2" name="Title 1">
-            <a:extLst>
-              <a:ext uri="{FF2B5EF4-FFF2-40B4-BE49-F238E27FC236}">
-                <a16:creationId xmlns:a16="http://schemas.microsoft.com/office/drawing/2014/main" id="{18049A31-4DFD-5FC1-80CA-981FE5103720}"/>
-              </a:ext>
-            </a:extLst>
-          </p:cNvPr>
-          <p:cNvSpPr>
-            <a:spLocks noGrp="1"/>
-          </p:cNvSpPr>
-          <p:nvPr>
-            <p:ph type="title"/>
-          </p:nvPr>
-        </p:nvSpPr>
-        <p:spPr>
-          <a:xfrm>
-            <a:off x="7153200" y="540000"/>
-            <a:ext cx="4500561" cy="4259814"/>
-          </a:xfrm>
-        </p:spPr>
-        <p:txBody>
-          <a:bodyPr vert="horz" lIns="91440" tIns="45720" rIns="91440" bIns="45720" rtlCol="0" anchor="b">
-            <a:normAutofit/>
-          </a:bodyPr>
-          <a:lstStyle/>
-          <a:p>
-            <a:r>
-              <a:rPr lang="en-US" sz="8800">
-                <a:latin typeface="+mn-lt"/>
-              </a:rPr>
-              <a:t>Pie chart</a:t>
-            </a:r>
-          </a:p>
-        </p:txBody>
-      </p:sp>
-      <p:sp>
-        <p:nvSpPr>
-          <p:cNvPr id="9" name="Content Placeholder 8">
-            <a:extLst>
-              <a:ext uri="{FF2B5EF4-FFF2-40B4-BE49-F238E27FC236}">
-                <a16:creationId xmlns:a16="http://schemas.microsoft.com/office/drawing/2014/main" id="{A5E93BB6-749A-EDF6-FF94-223A0AF16062}"/>
-              </a:ext>
-            </a:extLst>
-          </p:cNvPr>
-          <p:cNvSpPr>
-            <a:spLocks noGrp="1"/>
-          </p:cNvSpPr>
-          <p:nvPr>
-            <p:ph idx="1"/>
-          </p:nvPr>
-        </p:nvSpPr>
-        <p:spPr>
-          <a:xfrm>
-            <a:off x="7153200" y="4988476"/>
-            <a:ext cx="4500561" cy="1320249"/>
-          </a:xfrm>
-        </p:spPr>
-        <p:txBody>
-          <a:bodyPr vert="horz" lIns="91440" tIns="45720" rIns="91440" bIns="45720" rtlCol="0" anchor="t">
-            <a:normAutofit/>
-          </a:bodyPr>
-          <a:lstStyle/>
-          <a:p>
-            <a:pPr marL="0" indent="0">
-              <a:buNone/>
-            </a:pPr>
-            <a:r>
-              <a:rPr lang="en-US" sz="1600" cap="all" spc="300"/>
-              <a:t>Showing remote-ratio by continent(dropdown menu)</a:t>
-            </a:r>
-          </a:p>
-        </p:txBody>
-      </p:sp>
-      <p:grpSp>
-        <p:nvGrpSpPr>
-          <p:cNvPr id="38" name="Group 37">
-            <a:extLst>
-              <a:ext uri="{FF2B5EF4-FFF2-40B4-BE49-F238E27FC236}">
-                <a16:creationId xmlns:a16="http://schemas.microsoft.com/office/drawing/2014/main" id="{4B7AF231-444C-44D0-B791-BAFE395E36AC}"/>
-              </a:ext>
-              <a:ext uri="{C183D7F6-B498-43B3-948B-1728B52AA6E4}">
-                <adec:decorative xmlns:adec="http://schemas.microsoft.com/office/drawing/2017/decorative" xmlns="" val="1"/>
-              </a:ext>
-            </a:extLst>
-          </p:cNvPr>
-          <p:cNvGrpSpPr>
-            <a:grpSpLocks noGrp="1" noUngrp="1" noRot="1" noChangeAspect="1" noMove="1" noResize="1"/>
-          </p:cNvGrpSpPr>
-          <p:nvPr>
-            <p:extLst>
-              <p:ext uri="{386F3935-93C4-4BCD-93E2-E3B085C9AB24}">
-                <p16:designElem xmlns:p16="http://schemas.microsoft.com/office/powerpoint/2015/main" val="1"/>
-              </p:ext>
-            </p:extLst>
-          </p:nvPr>
-        </p:nvGrpSpPr>
-        <p:grpSpPr>
-          <a:xfrm rot="10800000" flipH="1">
-            <a:off x="1" y="3600"/>
-            <a:ext cx="7266875" cy="6854400"/>
-            <a:chOff x="4925125" y="3600"/>
-            <a:chExt cx="7266875" cy="6854400"/>
-          </a:xfrm>
-        </p:grpSpPr>
-        <p:sp>
-          <p:nvSpPr>
-            <p:cNvPr id="39" name="Oval 38">
-              <a:extLst>
-                <a:ext uri="{FF2B5EF4-FFF2-40B4-BE49-F238E27FC236}">
-                  <a16:creationId xmlns:a16="http://schemas.microsoft.com/office/drawing/2014/main" id="{6152793A-5125-41FA-AEF6-96C5463D0A76}"/>
-                </a:ext>
-                <a:ext uri="{C183D7F6-B498-43B3-948B-1728B52AA6E4}">
-                  <adec:decorative xmlns:adec="http://schemas.microsoft.com/office/drawing/2017/decorative" xmlns="" val="1"/>
-                </a:ext>
-              </a:extLst>
-            </p:cNvPr>
-            <p:cNvSpPr>
-              <a:spLocks noChangeAspect="1"/>
-            </p:cNvSpPr>
-            <p:nvPr>
-              <p:extLst>
-                <p:ext uri="{386F3935-93C4-4BCD-93E2-E3B085C9AB24}">
-                  <p16:designElem xmlns:p16="http://schemas.microsoft.com/office/powerpoint/2015/main" val="1"/>
-                </p:ext>
-              </p:extLst>
-            </p:nvPr>
-          </p:nvSpPr>
-          <p:spPr>
-            <a:xfrm>
-              <a:off x="4925125" y="1098000"/>
-              <a:ext cx="5760000" cy="5760000"/>
-            </a:xfrm>
-            <a:prstGeom prst="ellipse">
-              <a:avLst/>
-            </a:prstGeom>
-            <a:solidFill>
-              <a:schemeClr val="accent1">
-                <a:alpha val="80000"/>
-              </a:schemeClr>
-            </a:solidFill>
-            <a:ln>
-              <a:noFill/>
-            </a:ln>
-            <a:effectLst>
-              <a:softEdge rad="1016000"/>
-            </a:effectLst>
-          </p:spPr>
-          <p:style>
-            <a:lnRef idx="2">
-              <a:schemeClr val="accent1">
-                <a:shade val="50000"/>
-              </a:schemeClr>
-            </a:lnRef>
-            <a:fillRef idx="1">
-              <a:schemeClr val="accent1"/>
-            </a:fillRef>
-            <a:effectRef idx="0">
-              <a:schemeClr val="accent1"/>
-            </a:effectRef>
-            <a:fontRef idx="minor">
-              <a:schemeClr val="lt1"/>
-            </a:fontRef>
-          </p:style>
-          <p:txBody>
-            <a:bodyPr rtlCol="0" anchor="ctr"/>
-            <a:lstStyle/>
-            <a:p>
-              <a:pPr algn="ctr"/>
-              <a:endParaRPr lang="en-US"/>
-            </a:p>
-          </p:txBody>
-        </p:sp>
-        <p:sp>
-          <p:nvSpPr>
-            <p:cNvPr id="40" name="Oval 39">
-              <a:extLst>
-                <a:ext uri="{FF2B5EF4-FFF2-40B4-BE49-F238E27FC236}">
-                  <a16:creationId xmlns:a16="http://schemas.microsoft.com/office/drawing/2014/main" id="{63C1632F-098D-4A05-B248-04B7ABFE0060}"/>
-                </a:ext>
-                <a:ext uri="{C183D7F6-B498-43B3-948B-1728B52AA6E4}">
-                  <adec:decorative xmlns:adec="http://schemas.microsoft.com/office/drawing/2017/decorative" xmlns="" val="1"/>
-                </a:ext>
-              </a:extLst>
-            </p:cNvPr>
-            <p:cNvSpPr>
-              <a:spLocks noChangeAspect="1"/>
-            </p:cNvSpPr>
-            <p:nvPr>
-              <p:extLst>
-                <p:ext uri="{386F3935-93C4-4BCD-93E2-E3B085C9AB24}">
-                  <p16:designElem xmlns:p16="http://schemas.microsoft.com/office/powerpoint/2015/main" val="1"/>
-                </p:ext>
-              </p:extLst>
-            </p:nvPr>
-          </p:nvSpPr>
-          <p:spPr>
-            <a:xfrm>
-              <a:off x="5105686" y="65314"/>
-              <a:ext cx="4320000" cy="4320000"/>
-            </a:xfrm>
-            <a:prstGeom prst="ellipse">
-              <a:avLst/>
-            </a:prstGeom>
-            <a:solidFill>
-              <a:schemeClr val="accent3"/>
-            </a:solidFill>
-            <a:ln>
-              <a:noFill/>
-            </a:ln>
-            <a:effectLst>
-              <a:softEdge rad="1016000"/>
-            </a:effectLst>
-          </p:spPr>
-          <p:style>
-            <a:lnRef idx="2">
-              <a:schemeClr val="accent1">
-                <a:shade val="50000"/>
-              </a:schemeClr>
-            </a:lnRef>
-            <a:fillRef idx="1">
-              <a:schemeClr val="accent1"/>
-            </a:fillRef>
-            <a:effectRef idx="0">
-              <a:schemeClr val="accent1"/>
-            </a:effectRef>
-            <a:fontRef idx="minor">
-              <a:schemeClr val="lt1"/>
-            </a:fontRef>
-          </p:style>
-          <p:txBody>
-            <a:bodyPr rtlCol="0" anchor="ctr"/>
-            <a:lstStyle/>
-            <a:p>
-              <a:pPr algn="ctr"/>
-              <a:endParaRPr lang="en-US"/>
-            </a:p>
-          </p:txBody>
-        </p:sp>
-        <p:sp>
-          <p:nvSpPr>
-            <p:cNvPr id="41" name="Oval 40">
-              <a:extLst>
-                <a:ext uri="{FF2B5EF4-FFF2-40B4-BE49-F238E27FC236}">
-                  <a16:creationId xmlns:a16="http://schemas.microsoft.com/office/drawing/2014/main" id="{0A85C0F5-DDEB-454E-A0E4-B6F0FB4CAB12}"/>
-                </a:ext>
-                <a:ext uri="{C183D7F6-B498-43B3-948B-1728B52AA6E4}">
-                  <adec:decorative xmlns:adec="http://schemas.microsoft.com/office/drawing/2017/decorative" xmlns="" val="1"/>
-                </a:ext>
-              </a:extLst>
-            </p:cNvPr>
-            <p:cNvSpPr>
-              <a:spLocks noChangeAspect="1"/>
-            </p:cNvSpPr>
-            <p:nvPr>
-              <p:extLst>
-                <p:ext uri="{386F3935-93C4-4BCD-93E2-E3B085C9AB24}">
-                  <p16:designElem xmlns:p16="http://schemas.microsoft.com/office/powerpoint/2015/main" val="1"/>
-                </p:ext>
-              </p:extLst>
-            </p:nvPr>
-          </p:nvSpPr>
-          <p:spPr>
-            <a:xfrm>
-              <a:off x="5337600" y="3600"/>
-              <a:ext cx="6854400" cy="6854400"/>
-            </a:xfrm>
-            <a:prstGeom prst="ellipse">
-              <a:avLst/>
-            </a:prstGeom>
-            <a:solidFill>
-              <a:schemeClr val="accent2">
-                <a:alpha val="60000"/>
-              </a:schemeClr>
-            </a:solidFill>
-            <a:ln>
-              <a:noFill/>
-            </a:ln>
-            <a:effectLst>
-              <a:softEdge rad="1270000"/>
-            </a:effectLst>
-          </p:spPr>
-          <p:style>
-            <a:lnRef idx="2">
-              <a:schemeClr val="accent1">
-                <a:shade val="50000"/>
-              </a:schemeClr>
-            </a:lnRef>
-            <a:fillRef idx="1">
-              <a:schemeClr val="accent1"/>
-            </a:fillRef>
-            <a:effectRef idx="0">
-              <a:schemeClr val="accent1"/>
-            </a:effectRef>
-            <a:fontRef idx="minor">
-              <a:schemeClr val="lt1"/>
-            </a:fontRef>
-          </p:style>
-          <p:txBody>
-            <a:bodyPr rtlCol="0" anchor="ctr"/>
-            <a:lstStyle/>
-            <a:p>
-              <a:pPr algn="ctr"/>
-              <a:endParaRPr lang="en-US"/>
-            </a:p>
-          </p:txBody>
-        </p:sp>
-      </p:grpSp>
-      <p:pic>
-        <p:nvPicPr>
-          <p:cNvPr id="5" name="Content Placeholder 4" descr="A pie chart with numbers and a black background&#10;&#10;Description automatically generated">
-            <a:extLst>
-              <a:ext uri="{FF2B5EF4-FFF2-40B4-BE49-F238E27FC236}">
-                <a16:creationId xmlns:a16="http://schemas.microsoft.com/office/drawing/2014/main" id="{65141D5A-01F9-0E50-F2D8-38E17254460C}"/>
-              </a:ext>
-            </a:extLst>
-          </p:cNvPr>
-          <p:cNvPicPr>
-            <a:picLocks noChangeAspect="1"/>
-          </p:cNvPicPr>
-          <p:nvPr/>
-        </p:nvPicPr>
-        <p:blipFill rotWithShape="1">
-          <a:blip r:embed="rId2">
-            <a:extLst>
-              <a:ext uri="{28A0092B-C50C-407E-A947-70E740481C1C}">
-                <a14:useLocalDpi xmlns:a14="http://schemas.microsoft.com/office/drawing/2010/main" val="0"/>
-              </a:ext>
-            </a:extLst>
-          </a:blip>
-          <a:srcRect r="16001" b="1"/>
-          <a:stretch/>
-        </p:blipFill>
-        <p:spPr>
-          <a:xfrm>
-            <a:off x="20" y="-1"/>
-            <a:ext cx="6857980" cy="6858000"/>
-          </a:xfrm>
-          <a:custGeom>
-            <a:avLst/>
-            <a:gdLst/>
-            <a:ahLst/>
-            <a:cxnLst/>
-            <a:rect l="l" t="t" r="r" b="b"/>
-            <a:pathLst>
-              <a:path w="6858000" h="6858000">
-                <a:moveTo>
-                  <a:pt x="3429001" y="0"/>
-                </a:moveTo>
-                <a:cubicBezTo>
-                  <a:pt x="5322784" y="0"/>
-                  <a:pt x="6858000" y="1535216"/>
-                  <a:pt x="6858000" y="3429001"/>
-                </a:cubicBezTo>
-                <a:cubicBezTo>
-                  <a:pt x="6858000" y="5322785"/>
-                  <a:pt x="5322784" y="6858000"/>
-                  <a:pt x="3429001" y="6858000"/>
-                </a:cubicBezTo>
-                <a:cubicBezTo>
-                  <a:pt x="1535216" y="6858000"/>
-                  <a:pt x="0" y="5322785"/>
-                  <a:pt x="0" y="3429001"/>
-                </a:cubicBezTo>
-                <a:cubicBezTo>
-                  <a:pt x="0" y="1535216"/>
-                  <a:pt x="1535216" y="0"/>
-                  <a:pt x="3429001" y="0"/>
-                </a:cubicBezTo>
-                <a:close/>
-              </a:path>
-            </a:pathLst>
-          </a:custGeom>
-          <a:effectLst>
-            <a:softEdge rad="1016000"/>
-          </a:effectLst>
-        </p:spPr>
-      </p:pic>
-    </p:spTree>
-    <p:extLst>
-      <p:ext uri="{BB962C8B-B14F-4D97-AF65-F5344CB8AC3E}">
-        <p14:creationId xmlns:p14="http://schemas.microsoft.com/office/powerpoint/2010/main" val="4120791636"/>
-      </p:ext>
-    </p:extLst>
-  </p:cSld>
-  <p:clrMapOvr>
-    <a:masterClrMapping/>
-  </p:clrMapOvr>
-</p:sld>
-</file>
-
-<file path=ppt/slides/slide11.xml><?xml version="1.0" encoding="utf-8"?>
-<p:sld xmlns:a="http://schemas.openxmlformats.org/drawingml/2006/main" xmlns:r="http://schemas.openxmlformats.org/officeDocument/2006/relationships" xmlns:p="http://schemas.openxmlformats.org/presentationml/2006/main">
-  <p:cSld>
-    <p:bg>
-      <p:bgPr>
-        <a:solidFill>
-          <a:schemeClr val="bg1"/>
-        </a:solidFill>
-        <a:effectLst/>
-      </p:bgPr>
-    </p:bg>
-    <p:spTree>
-      <p:nvGrpSpPr>
-        <p:cNvPr id="1" name=""/>
-        <p:cNvGrpSpPr/>
-        <p:nvPr/>
-      </p:nvGrpSpPr>
-      <p:grpSpPr>
-        <a:xfrm>
-          <a:off x="0" y="0"/>
-          <a:ext cx="0" cy="0"/>
-          <a:chOff x="0" y="0"/>
-          <a:chExt cx="0" cy="0"/>
-        </a:xfrm>
-      </p:grpSpPr>
-      <p:grpSp>
-        <p:nvGrpSpPr>
-          <p:cNvPr id="31" name="Group 30">
-            <a:extLst>
-              <a:ext uri="{FF2B5EF4-FFF2-40B4-BE49-F238E27FC236}">
-                <a16:creationId xmlns:a16="http://schemas.microsoft.com/office/drawing/2014/main" id="{BF4E480B-94D6-46F9-A2B6-B98D311FDC19}"/>
-              </a:ext>
-              <a:ext uri="{C183D7F6-B498-43B3-948B-1728B52AA6E4}">
-                <adec:decorative xmlns:adec="http://schemas.microsoft.com/office/drawing/2017/decorative" xmlns="" val="1"/>
-              </a:ext>
-            </a:extLst>
-          </p:cNvPr>
-          <p:cNvGrpSpPr>
-            <a:grpSpLocks noGrp="1" noUngrp="1" noRot="1" noChangeAspect="1" noMove="1" noResize="1"/>
-          </p:cNvGrpSpPr>
-          <p:nvPr>
-            <p:extLst>
-              <p:ext uri="{386F3935-93C4-4BCD-93E2-E3B085C9AB24}">
-                <p16:designElem xmlns:p16="http://schemas.microsoft.com/office/powerpoint/2015/main" val="1"/>
-              </p:ext>
-            </p:extLst>
-          </p:nvPr>
-        </p:nvGrpSpPr>
-        <p:grpSpPr>
-          <a:xfrm>
-            <a:off x="0" y="0"/>
-            <a:ext cx="12191999" cy="6861600"/>
-            <a:chOff x="1" y="0"/>
-            <a:chExt cx="12191999" cy="6861600"/>
-          </a:xfrm>
-        </p:grpSpPr>
-        <p:sp>
-          <p:nvSpPr>
-            <p:cNvPr id="32" name="Rectangle 31">
-              <a:extLst>
-                <a:ext uri="{FF2B5EF4-FFF2-40B4-BE49-F238E27FC236}">
-                  <a16:creationId xmlns:a16="http://schemas.microsoft.com/office/drawing/2014/main" id="{07183CDE-91A1-40C3-8E80-66F89E1C2D53}"/>
-                </a:ext>
-                <a:ext uri="{C183D7F6-B498-43B3-948B-1728B52AA6E4}">
-                  <adec:decorative xmlns:adec="http://schemas.microsoft.com/office/drawing/2017/decorative" xmlns="" val="1"/>
-                </a:ext>
-              </a:extLst>
-            </p:cNvPr>
-            <p:cNvSpPr>
-              <a:spLocks noChangeAspect="1"/>
-            </p:cNvSpPr>
-            <p:nvPr>
-              <p:extLst>
-                <p:ext uri="{386F3935-93C4-4BCD-93E2-E3B085C9AB24}">
-                  <p16:designElem xmlns:p16="http://schemas.microsoft.com/office/powerpoint/2015/main" val="1"/>
-                </p:ext>
-              </p:extLst>
-            </p:nvPr>
-          </p:nvSpPr>
-          <p:spPr>
-            <a:xfrm rot="16200000">
-              <a:off x="1" y="1640114"/>
-              <a:ext cx="5217886" cy="5217886"/>
-            </a:xfrm>
-            <a:prstGeom prst="rect">
-              <a:avLst/>
-            </a:prstGeom>
-            <a:gradFill flip="none" rotWithShape="1">
-              <a:gsLst>
-                <a:gs pos="0">
-                  <a:schemeClr val="accent2">
-                    <a:alpha val="60000"/>
-                  </a:schemeClr>
-                </a:gs>
-                <a:gs pos="60000">
-                  <a:schemeClr val="accent2">
-                    <a:alpha val="0"/>
-                  </a:schemeClr>
-                </a:gs>
-              </a:gsLst>
-              <a:path path="circle">
-                <a:fillToRect r="100000" b="100000"/>
-              </a:path>
-              <a:tileRect l="-100000" t="-100000"/>
-            </a:gradFill>
-            <a:ln w="12700" cap="flat" cmpd="sng" algn="ctr">
-              <a:noFill/>
-              <a:prstDash val="solid"/>
-              <a:miter lim="800000"/>
-            </a:ln>
-            <a:effectLst/>
-          </p:spPr>
-          <p:style>
-            <a:lnRef idx="2">
-              <a:schemeClr val="accent1">
-                <a:shade val="50000"/>
-              </a:schemeClr>
-            </a:lnRef>
-            <a:fillRef idx="1">
-              <a:schemeClr val="accent1"/>
-            </a:fillRef>
-            <a:effectRef idx="0">
-              <a:schemeClr val="accent1"/>
-            </a:effectRef>
-            <a:fontRef idx="minor">
-              <a:schemeClr val="lt1"/>
-            </a:fontRef>
-          </p:style>
-          <p:txBody>
-            <a:bodyPr rtlCol="0" anchor="ctr"/>
-            <a:lstStyle/>
-            <a:p>
-              <a:pPr algn="r"/>
-              <a:endParaRPr lang="en-US"/>
-            </a:p>
-          </p:txBody>
-        </p:sp>
-        <p:sp>
-          <p:nvSpPr>
-            <p:cNvPr id="33" name="Oval 32">
-              <a:extLst>
-                <a:ext uri="{FF2B5EF4-FFF2-40B4-BE49-F238E27FC236}">
-                  <a16:creationId xmlns:a16="http://schemas.microsoft.com/office/drawing/2014/main" id="{A6756515-F9AA-46BD-8DD2-AA15BA492AC0}"/>
-                </a:ext>
-                <a:ext uri="{C183D7F6-B498-43B3-948B-1728B52AA6E4}">
-                  <adec:decorative xmlns:adec="http://schemas.microsoft.com/office/drawing/2017/decorative" xmlns="" val="1"/>
-                </a:ext>
-              </a:extLst>
-            </p:cNvPr>
-            <p:cNvSpPr>
-              <a:spLocks noChangeAspect="1"/>
-            </p:cNvSpPr>
-            <p:nvPr>
-              <p:extLst>
-                <p:ext uri="{386F3935-93C4-4BCD-93E2-E3B085C9AB24}">
-                  <p16:designElem xmlns:p16="http://schemas.microsoft.com/office/powerpoint/2015/main" val="1"/>
-                </p:ext>
-              </p:extLst>
-            </p:nvPr>
-          </p:nvSpPr>
-          <p:spPr>
-            <a:xfrm>
-              <a:off x="6384514" y="0"/>
-              <a:ext cx="4320000" cy="4320000"/>
-            </a:xfrm>
-            <a:prstGeom prst="ellipse">
-              <a:avLst/>
-            </a:prstGeom>
-            <a:solidFill>
-              <a:schemeClr val="accent3">
-                <a:alpha val="96000"/>
-              </a:schemeClr>
-            </a:solidFill>
-            <a:ln>
-              <a:noFill/>
-            </a:ln>
-            <a:effectLst>
-              <a:softEdge rad="1016000"/>
-            </a:effectLst>
-          </p:spPr>
-          <p:style>
-            <a:lnRef idx="2">
-              <a:schemeClr val="accent1">
-                <a:shade val="50000"/>
-              </a:schemeClr>
-            </a:lnRef>
-            <a:fillRef idx="1">
-              <a:schemeClr val="accent1"/>
-            </a:fillRef>
-            <a:effectRef idx="0">
-              <a:schemeClr val="accent1"/>
-            </a:effectRef>
-            <a:fontRef idx="minor">
-              <a:schemeClr val="lt1"/>
-            </a:fontRef>
-          </p:style>
-          <p:txBody>
-            <a:bodyPr rtlCol="0" anchor="ctr"/>
-            <a:lstStyle/>
-            <a:p>
-              <a:pPr algn="r"/>
-              <a:endParaRPr lang="en-US"/>
-            </a:p>
-          </p:txBody>
-        </p:sp>
-        <p:sp>
-          <p:nvSpPr>
-            <p:cNvPr id="34" name="Oval 33">
-              <a:extLst>
-                <a:ext uri="{FF2B5EF4-FFF2-40B4-BE49-F238E27FC236}">
-                  <a16:creationId xmlns:a16="http://schemas.microsoft.com/office/drawing/2014/main" id="{ABA365E2-8B71-408B-9092-0104216AC7AC}"/>
-                </a:ext>
-                <a:ext uri="{C183D7F6-B498-43B3-948B-1728B52AA6E4}">
-                  <adec:decorative xmlns:adec="http://schemas.microsoft.com/office/drawing/2017/decorative" xmlns="" val="1"/>
-                </a:ext>
-              </a:extLst>
-            </p:cNvPr>
-            <p:cNvSpPr>
-              <a:spLocks noChangeAspect="1"/>
-            </p:cNvSpPr>
-            <p:nvPr>
-              <p:extLst>
-                <p:ext uri="{386F3935-93C4-4BCD-93E2-E3B085C9AB24}">
-                  <p16:designElem xmlns:p16="http://schemas.microsoft.com/office/powerpoint/2015/main" val="1"/>
-                </p:ext>
-              </p:extLst>
-            </p:nvPr>
-          </p:nvSpPr>
-          <p:spPr>
-            <a:xfrm>
-              <a:off x="6119057" y="1230054"/>
-              <a:ext cx="5506886" cy="5506886"/>
-            </a:xfrm>
-            <a:prstGeom prst="ellipse">
-              <a:avLst/>
-            </a:prstGeom>
-            <a:solidFill>
-              <a:schemeClr val="accent2">
-                <a:alpha val="60000"/>
-              </a:schemeClr>
-            </a:solidFill>
-            <a:ln>
-              <a:noFill/>
-            </a:ln>
-            <a:effectLst>
-              <a:softEdge rad="1270000"/>
-            </a:effectLst>
-          </p:spPr>
-          <p:style>
-            <a:lnRef idx="2">
-              <a:schemeClr val="accent1">
-                <a:shade val="50000"/>
-              </a:schemeClr>
-            </a:lnRef>
-            <a:fillRef idx="1">
-              <a:schemeClr val="accent1"/>
-            </a:fillRef>
-            <a:effectRef idx="0">
-              <a:schemeClr val="accent1"/>
-            </a:effectRef>
-            <a:fontRef idx="minor">
-              <a:schemeClr val="lt1"/>
-            </a:fontRef>
-          </p:style>
-          <p:txBody>
-            <a:bodyPr rtlCol="0" anchor="ctr"/>
-            <a:lstStyle/>
-            <a:p>
-              <a:pPr algn="r"/>
-              <a:endParaRPr lang="en-US"/>
-            </a:p>
-          </p:txBody>
-        </p:sp>
-        <p:grpSp>
-          <p:nvGrpSpPr>
-            <p:cNvPr id="35" name="Group 34">
-              <a:extLst>
-                <a:ext uri="{FF2B5EF4-FFF2-40B4-BE49-F238E27FC236}">
-                  <a16:creationId xmlns:a16="http://schemas.microsoft.com/office/drawing/2014/main" id="{BEDB8D7A-1BF6-4CDB-B93A-7736955F5043}"/>
-                </a:ext>
-                <a:ext uri="{C183D7F6-B498-43B3-948B-1728B52AA6E4}">
-                  <adec:decorative xmlns:adec="http://schemas.microsoft.com/office/drawing/2017/decorative" xmlns="" val="1"/>
-                </a:ext>
-              </a:extLst>
-            </p:cNvPr>
-            <p:cNvGrpSpPr>
-              <a:grpSpLocks noChangeAspect="1"/>
-            </p:cNvGrpSpPr>
-            <p:nvPr>
-              <p:extLst>
-                <p:ext uri="{386F3935-93C4-4BCD-93E2-E3B085C9AB24}">
-                  <p16:designElem xmlns:p16="http://schemas.microsoft.com/office/powerpoint/2015/main" val="1"/>
-                </p:ext>
-              </p:extLst>
-            </p:nvPr>
-          </p:nvGrpSpPr>
-          <p:grpSpPr>
-            <a:xfrm>
-              <a:off x="690092" y="0"/>
-              <a:ext cx="10800000" cy="6858000"/>
-              <a:chOff x="2328000" y="0"/>
-              <a:chExt cx="2880000" cy="1440000"/>
-            </a:xfrm>
-          </p:grpSpPr>
-          <p:sp>
-            <p:nvSpPr>
-              <p:cNvPr id="40" name="Rectangle 39">
-                <a:extLst>
-                  <a:ext uri="{FF2B5EF4-FFF2-40B4-BE49-F238E27FC236}">
-                    <a16:creationId xmlns:a16="http://schemas.microsoft.com/office/drawing/2014/main" id="{5AACD774-5167-46C7-8A62-6E2FE4BE9469}"/>
-                  </a:ext>
-                  <a:ext uri="{C183D7F6-B498-43B3-948B-1728B52AA6E4}">
-                    <adec:decorative xmlns:adec="http://schemas.microsoft.com/office/drawing/2017/decorative" xmlns="" val="1"/>
-                  </a:ext>
-                </a:extLst>
-              </p:cNvPr>
-              <p:cNvSpPr/>
-              <p:nvPr>
-                <p:extLst>
-                  <p:ext uri="{386F3935-93C4-4BCD-93E2-E3B085C9AB24}">
-                    <p16:designElem xmlns:p16="http://schemas.microsoft.com/office/powerpoint/2015/main" val="1"/>
-                  </p:ext>
-                </p:extLst>
-              </p:nvPr>
-            </p:nvSpPr>
-            <p:spPr>
-              <a:xfrm>
-                <a:off x="3768000" y="0"/>
-                <a:ext cx="1440000" cy="1440000"/>
-              </a:xfrm>
-              <a:prstGeom prst="rect">
-                <a:avLst/>
-              </a:prstGeom>
-              <a:gradFill flip="none" rotWithShape="1">
-                <a:gsLst>
-                  <a:gs pos="0">
-                    <a:schemeClr val="accent1"/>
-                  </a:gs>
-                  <a:gs pos="60000">
-                    <a:schemeClr val="accent1">
-                      <a:alpha val="0"/>
-                    </a:schemeClr>
-                  </a:gs>
-                </a:gsLst>
-                <a:path path="circle">
-                  <a:fillToRect r="100000" b="100000"/>
-                </a:path>
-                <a:tileRect l="-100000" t="-100000"/>
-              </a:gradFill>
-              <a:ln w="12700" cap="flat" cmpd="sng" algn="ctr">
-                <a:noFill/>
-                <a:prstDash val="solid"/>
-                <a:miter lim="800000"/>
-              </a:ln>
-              <a:effectLst/>
-            </p:spPr>
-            <p:style>
-              <a:lnRef idx="2">
-                <a:schemeClr val="accent1">
-                  <a:shade val="50000"/>
-                </a:schemeClr>
-              </a:lnRef>
-              <a:fillRef idx="1">
-                <a:schemeClr val="accent1"/>
-              </a:fillRef>
-              <a:effectRef idx="0">
-                <a:schemeClr val="accent1"/>
-              </a:effectRef>
-              <a:fontRef idx="minor">
-                <a:schemeClr val="lt1"/>
-              </a:fontRef>
-            </p:style>
-            <p:txBody>
-              <a:bodyPr rtlCol="0" anchor="ctr"/>
-              <a:lstStyle/>
-              <a:p>
-                <a:pPr algn="r"/>
-                <a:endParaRPr lang="en-US"/>
-              </a:p>
-            </p:txBody>
-          </p:sp>
-          <p:sp>
-            <p:nvSpPr>
-              <p:cNvPr id="41" name="Rectangle 40">
-                <a:extLst>
-                  <a:ext uri="{FF2B5EF4-FFF2-40B4-BE49-F238E27FC236}">
-                    <a16:creationId xmlns:a16="http://schemas.microsoft.com/office/drawing/2014/main" id="{06E0F2D8-452E-48F9-9912-C47EAEAE1802}"/>
-                  </a:ext>
-                  <a:ext uri="{C183D7F6-B498-43B3-948B-1728B52AA6E4}">
-                    <adec:decorative xmlns:adec="http://schemas.microsoft.com/office/drawing/2017/decorative" xmlns="" val="1"/>
-                  </a:ext>
-                </a:extLst>
-              </p:cNvPr>
-              <p:cNvSpPr/>
-              <p:nvPr>
-                <p:extLst>
-                  <p:ext uri="{386F3935-93C4-4BCD-93E2-E3B085C9AB24}">
-                    <p16:designElem xmlns:p16="http://schemas.microsoft.com/office/powerpoint/2015/main" val="1"/>
-                  </p:ext>
-                </p:extLst>
-              </p:nvPr>
-            </p:nvSpPr>
-            <p:spPr>
-              <a:xfrm flipH="1">
-                <a:off x="2328000" y="0"/>
-                <a:ext cx="1440000" cy="1440000"/>
-              </a:xfrm>
-              <a:prstGeom prst="rect">
-                <a:avLst/>
-              </a:prstGeom>
-              <a:gradFill flip="none" rotWithShape="1">
-                <a:gsLst>
-                  <a:gs pos="0">
-                    <a:schemeClr val="accent1"/>
-                  </a:gs>
-                  <a:gs pos="60000">
-                    <a:schemeClr val="accent1">
-                      <a:alpha val="0"/>
-                    </a:schemeClr>
-                  </a:gs>
-                </a:gsLst>
-                <a:path path="circle">
-                  <a:fillToRect r="100000" b="100000"/>
-                </a:path>
-                <a:tileRect l="-100000" t="-100000"/>
-              </a:gradFill>
-              <a:ln w="12700" cap="flat" cmpd="sng" algn="ctr">
-                <a:noFill/>
-                <a:prstDash val="solid"/>
-                <a:miter lim="800000"/>
-              </a:ln>
-              <a:effectLst/>
-            </p:spPr>
-            <p:style>
-              <a:lnRef idx="2">
-                <a:schemeClr val="accent1">
-                  <a:shade val="50000"/>
-                </a:schemeClr>
-              </a:lnRef>
-              <a:fillRef idx="1">
-                <a:schemeClr val="accent1"/>
-              </a:fillRef>
-              <a:effectRef idx="0">
-                <a:schemeClr val="accent1"/>
-              </a:effectRef>
-              <a:fontRef idx="minor">
-                <a:schemeClr val="lt1"/>
-              </a:fontRef>
-            </p:style>
-            <p:txBody>
-              <a:bodyPr rtlCol="0" anchor="ctr"/>
-              <a:lstStyle/>
-              <a:p>
-                <a:pPr algn="r"/>
-                <a:endParaRPr lang="en-US"/>
-              </a:p>
-            </p:txBody>
-          </p:sp>
-        </p:grpSp>
-        <p:grpSp>
-          <p:nvGrpSpPr>
-            <p:cNvPr id="36" name="Group 35">
-              <a:extLst>
-                <a:ext uri="{FF2B5EF4-FFF2-40B4-BE49-F238E27FC236}">
-                  <a16:creationId xmlns:a16="http://schemas.microsoft.com/office/drawing/2014/main" id="{91FBBF95-430B-427C-A6E8-DB899217FC00}"/>
-                </a:ext>
-                <a:ext uri="{C183D7F6-B498-43B3-948B-1728B52AA6E4}">
-                  <adec:decorative xmlns:adec="http://schemas.microsoft.com/office/drawing/2017/decorative" xmlns="" val="1"/>
-                </a:ext>
-              </a:extLst>
-            </p:cNvPr>
-            <p:cNvGrpSpPr>
-              <a:grpSpLocks noChangeAspect="1"/>
-            </p:cNvGrpSpPr>
-            <p:nvPr>
-              <p:extLst>
-                <p:ext uri="{386F3935-93C4-4BCD-93E2-E3B085C9AB24}">
-                  <p16:designElem xmlns:p16="http://schemas.microsoft.com/office/powerpoint/2015/main" val="1"/>
-                </p:ext>
-              </p:extLst>
-            </p:nvPr>
-          </p:nvGrpSpPr>
-          <p:grpSpPr>
-            <a:xfrm rot="5400000">
-              <a:off x="7048499" y="1714500"/>
-              <a:ext cx="6858000" cy="3429000"/>
-              <a:chOff x="0" y="0"/>
-              <a:chExt cx="2880000" cy="1440000"/>
-            </a:xfrm>
-          </p:grpSpPr>
-          <p:sp>
-            <p:nvSpPr>
-              <p:cNvPr id="38" name="Rectangle 37">
-                <a:extLst>
-                  <a:ext uri="{FF2B5EF4-FFF2-40B4-BE49-F238E27FC236}">
-                    <a16:creationId xmlns:a16="http://schemas.microsoft.com/office/drawing/2014/main" id="{BEE64698-3ED2-4395-B7FC-65248E437E0A}"/>
-                  </a:ext>
-                  <a:ext uri="{C183D7F6-B498-43B3-948B-1728B52AA6E4}">
-                    <adec:decorative xmlns:adec="http://schemas.microsoft.com/office/drawing/2017/decorative" xmlns="" val="1"/>
-                  </a:ext>
-                </a:extLst>
-              </p:cNvPr>
-              <p:cNvSpPr/>
-              <p:nvPr>
-                <p:extLst>
-                  <p:ext uri="{386F3935-93C4-4BCD-93E2-E3B085C9AB24}">
-                    <p16:designElem xmlns:p16="http://schemas.microsoft.com/office/powerpoint/2015/main" val="1"/>
-                  </p:ext>
-                </p:extLst>
-              </p:nvPr>
-            </p:nvSpPr>
-            <p:spPr>
-              <a:xfrm>
-                <a:off x="1440000" y="0"/>
-                <a:ext cx="1440000" cy="1440000"/>
-              </a:xfrm>
-              <a:prstGeom prst="rect">
-                <a:avLst/>
-              </a:prstGeom>
-              <a:gradFill flip="none" rotWithShape="1">
-                <a:gsLst>
-                  <a:gs pos="0">
-                    <a:schemeClr val="accent2"/>
-                  </a:gs>
-                  <a:gs pos="60000">
-                    <a:schemeClr val="accent2">
-                      <a:alpha val="0"/>
-                    </a:schemeClr>
-                  </a:gs>
-                </a:gsLst>
-                <a:path path="circle">
-                  <a:fillToRect r="100000" b="100000"/>
-                </a:path>
-                <a:tileRect l="-100000" t="-100000"/>
-              </a:gradFill>
-              <a:ln w="12700" cap="flat" cmpd="sng" algn="ctr">
-                <a:noFill/>
-                <a:prstDash val="solid"/>
-                <a:miter lim="800000"/>
-              </a:ln>
-              <a:effectLst/>
-            </p:spPr>
-            <p:style>
-              <a:lnRef idx="2">
-                <a:schemeClr val="accent1">
-                  <a:shade val="50000"/>
-                </a:schemeClr>
-              </a:lnRef>
-              <a:fillRef idx="1">
-                <a:schemeClr val="accent1"/>
-              </a:fillRef>
-              <a:effectRef idx="0">
-                <a:schemeClr val="accent1"/>
-              </a:effectRef>
-              <a:fontRef idx="minor">
-                <a:schemeClr val="lt1"/>
-              </a:fontRef>
-            </p:style>
-            <p:txBody>
-              <a:bodyPr rtlCol="0" anchor="ctr"/>
-              <a:lstStyle/>
-              <a:p>
-                <a:pPr algn="r"/>
-                <a:endParaRPr lang="en-US"/>
-              </a:p>
-            </p:txBody>
-          </p:sp>
-          <p:sp>
-            <p:nvSpPr>
-              <p:cNvPr id="39" name="Rectangle 38">
-                <a:extLst>
-                  <a:ext uri="{FF2B5EF4-FFF2-40B4-BE49-F238E27FC236}">
-                    <a16:creationId xmlns:a16="http://schemas.microsoft.com/office/drawing/2014/main" id="{FE20B1E1-CE09-4C2A-A3FB-DB8026C54E98}"/>
-                  </a:ext>
-                  <a:ext uri="{C183D7F6-B498-43B3-948B-1728B52AA6E4}">
-                    <adec:decorative xmlns:adec="http://schemas.microsoft.com/office/drawing/2017/decorative" xmlns="" val="1"/>
-                  </a:ext>
-                </a:extLst>
-              </p:cNvPr>
-              <p:cNvSpPr/>
-              <p:nvPr>
-                <p:extLst>
-                  <p:ext uri="{386F3935-93C4-4BCD-93E2-E3B085C9AB24}">
-                    <p16:designElem xmlns:p16="http://schemas.microsoft.com/office/powerpoint/2015/main" val="1"/>
-                  </p:ext>
-                </p:extLst>
-              </p:nvPr>
-            </p:nvSpPr>
-            <p:spPr>
-              <a:xfrm flipH="1">
-                <a:off x="0" y="0"/>
-                <a:ext cx="1440000" cy="1440000"/>
-              </a:xfrm>
-              <a:prstGeom prst="rect">
-                <a:avLst/>
-              </a:prstGeom>
-              <a:gradFill flip="none" rotWithShape="1">
-                <a:gsLst>
-                  <a:gs pos="0">
-                    <a:schemeClr val="accent2"/>
-                  </a:gs>
-                  <a:gs pos="60000">
-                    <a:schemeClr val="accent2">
-                      <a:alpha val="0"/>
-                    </a:schemeClr>
-                  </a:gs>
-                </a:gsLst>
-                <a:path path="circle">
-                  <a:fillToRect r="100000" b="100000"/>
-                </a:path>
-                <a:tileRect l="-100000" t="-100000"/>
-              </a:gradFill>
-              <a:ln w="12700" cap="flat" cmpd="sng" algn="ctr">
-                <a:noFill/>
-                <a:prstDash val="solid"/>
-                <a:miter lim="800000"/>
-              </a:ln>
-              <a:effectLst/>
-            </p:spPr>
-            <p:style>
-              <a:lnRef idx="2">
-                <a:schemeClr val="accent1">
-                  <a:shade val="50000"/>
-                </a:schemeClr>
-              </a:lnRef>
-              <a:fillRef idx="1">
-                <a:schemeClr val="accent1"/>
-              </a:fillRef>
-              <a:effectRef idx="0">
-                <a:schemeClr val="accent1"/>
-              </a:effectRef>
-              <a:fontRef idx="minor">
-                <a:schemeClr val="lt1"/>
-              </a:fontRef>
-            </p:style>
-            <p:txBody>
-              <a:bodyPr rtlCol="0" anchor="ctr"/>
-              <a:lstStyle/>
-              <a:p>
-                <a:pPr algn="r"/>
-                <a:endParaRPr lang="en-US"/>
-              </a:p>
-            </p:txBody>
-          </p:sp>
-        </p:grpSp>
-        <p:sp>
-          <p:nvSpPr>
-            <p:cNvPr id="37" name="Rectangle 36">
-              <a:extLst>
-                <a:ext uri="{FF2B5EF4-FFF2-40B4-BE49-F238E27FC236}">
-                  <a16:creationId xmlns:a16="http://schemas.microsoft.com/office/drawing/2014/main" id="{0CB2405B-A907-48B3-906A-FB3573C0B282}"/>
-                </a:ext>
-                <a:ext uri="{C183D7F6-B498-43B3-948B-1728B52AA6E4}">
-                  <adec:decorative xmlns:adec="http://schemas.microsoft.com/office/drawing/2017/decorative" xmlns="" val="1"/>
-                </a:ext>
-              </a:extLst>
-            </p:cNvPr>
-            <p:cNvSpPr>
-              <a:spLocks noChangeAspect="1"/>
-            </p:cNvSpPr>
-            <p:nvPr>
-              <p:extLst>
-                <p:ext uri="{386F3935-93C4-4BCD-93E2-E3B085C9AB24}">
-                  <p16:designElem xmlns:p16="http://schemas.microsoft.com/office/powerpoint/2015/main" val="1"/>
-                </p:ext>
-              </p:extLst>
-            </p:nvPr>
-          </p:nvSpPr>
-          <p:spPr>
-            <a:xfrm rot="10800000">
-              <a:off x="5602287" y="271887"/>
-              <a:ext cx="6589713" cy="6589713"/>
-            </a:xfrm>
-            <a:prstGeom prst="rect">
-              <a:avLst/>
-            </a:prstGeom>
-            <a:gradFill flip="none" rotWithShape="1">
-              <a:gsLst>
-                <a:gs pos="0">
-                  <a:schemeClr val="accent3"/>
-                </a:gs>
-                <a:gs pos="60000">
-                  <a:schemeClr val="accent3">
-                    <a:alpha val="0"/>
-                  </a:schemeClr>
-                </a:gs>
-              </a:gsLst>
-              <a:path path="circle">
-                <a:fillToRect r="100000" b="100000"/>
-              </a:path>
-              <a:tileRect l="-100000" t="-100000"/>
-            </a:gradFill>
-            <a:ln w="12700" cap="flat" cmpd="sng" algn="ctr">
-              <a:noFill/>
-              <a:prstDash val="solid"/>
-              <a:miter lim="800000"/>
-            </a:ln>
-            <a:effectLst/>
-          </p:spPr>
-          <p:style>
-            <a:lnRef idx="2">
-              <a:schemeClr val="accent1">
-                <a:shade val="50000"/>
-              </a:schemeClr>
-            </a:lnRef>
-            <a:fillRef idx="1">
-              <a:schemeClr val="accent1"/>
-            </a:fillRef>
-            <a:effectRef idx="0">
-              <a:schemeClr val="accent1"/>
-            </a:effectRef>
-            <a:fontRef idx="minor">
-              <a:schemeClr val="lt1"/>
-            </a:fontRef>
-          </p:style>
-          <p:txBody>
-            <a:bodyPr rtlCol="0" anchor="ctr"/>
-            <a:lstStyle/>
-            <a:p>
-              <a:pPr algn="r"/>
-              <a:endParaRPr lang="en-US"/>
-            </a:p>
-          </p:txBody>
-        </p:sp>
-      </p:grpSp>
-      <p:sp>
-        <p:nvSpPr>
-          <p:cNvPr id="43" name="Rectangle 42">
-            <a:extLst>
-              <a:ext uri="{FF2B5EF4-FFF2-40B4-BE49-F238E27FC236}">
-                <a16:creationId xmlns:a16="http://schemas.microsoft.com/office/drawing/2014/main" id="{6DC8E2D9-6729-4614-8667-C1016D3182E4}"/>
-              </a:ext>
-              <a:ext uri="{C183D7F6-B498-43B3-948B-1728B52AA6E4}">
-                <adec:decorative xmlns:adec="http://schemas.microsoft.com/office/drawing/2017/decorative" xmlns="" val="1"/>
-              </a:ext>
-            </a:extLst>
-          </p:cNvPr>
-          <p:cNvSpPr>
-            <a:spLocks noGrp="1" noRot="1" noChangeAspect="1" noMove="1" noResize="1" noEditPoints="1" noAdjustHandles="1" noChangeArrowheads="1" noChangeShapeType="1" noTextEdit="1"/>
-          </p:cNvSpPr>
-          <p:nvPr>
-            <p:extLst>
-              <p:ext uri="{386F3935-93C4-4BCD-93E2-E3B085C9AB24}">
-                <p16:designElem xmlns:p16="http://schemas.microsoft.com/office/powerpoint/2015/main" val="1"/>
-              </p:ext>
-            </p:extLst>
-          </p:nvPr>
-        </p:nvSpPr>
-        <p:spPr>
-          <a:xfrm>
-            <a:off x="0" y="0"/>
-            <a:ext cx="12192000" cy="6858000"/>
-          </a:xfrm>
-          <a:prstGeom prst="rect">
-            <a:avLst/>
-          </a:prstGeom>
-          <a:solidFill>
-            <a:schemeClr val="bg2">
-              <a:alpha val="40000"/>
-            </a:schemeClr>
-          </a:solidFill>
-          <a:ln w="12700" cap="flat" cmpd="sng" algn="ctr">
-            <a:noFill/>
-            <a:prstDash val="solid"/>
-            <a:miter lim="800000"/>
-          </a:ln>
-          <a:effectLst/>
-        </p:spPr>
-        <p:style>
-          <a:lnRef idx="2">
-            <a:schemeClr val="accent1">
-              <a:shade val="50000"/>
-            </a:schemeClr>
-          </a:lnRef>
-          <a:fillRef idx="1">
-            <a:schemeClr val="accent1"/>
-          </a:fillRef>
-          <a:effectRef idx="0">
-            <a:schemeClr val="accent1"/>
-          </a:effectRef>
-          <a:fontRef idx="minor">
-            <a:schemeClr val="lt1"/>
-          </a:fontRef>
-        </p:style>
-        <p:txBody>
-          <a:bodyPr rtlCol="0" anchor="ctr"/>
-          <a:lstStyle/>
-          <a:p>
-            <a:pPr algn="r"/>
-            <a:endParaRPr lang="en-US"/>
-          </a:p>
-        </p:txBody>
-      </p:sp>
-      <p:sp useBgFill="1">
-        <p:nvSpPr>
-          <p:cNvPr id="45" name="Rectangle 44">
-            <a:extLst>
-              <a:ext uri="{FF2B5EF4-FFF2-40B4-BE49-F238E27FC236}">
-                <a16:creationId xmlns:a16="http://schemas.microsoft.com/office/drawing/2014/main" id="{9C51935E-4A08-4AE4-8E13-F40CD3C4F1C4}"/>
-              </a:ext>
-              <a:ext uri="{C183D7F6-B498-43B3-948B-1728B52AA6E4}">
-                <adec:decorative xmlns:adec="http://schemas.microsoft.com/office/drawing/2017/decorative" xmlns="" val="1"/>
-              </a:ext>
-            </a:extLst>
-          </p:cNvPr>
-          <p:cNvSpPr>
-            <a:spLocks noGrp="1" noRot="1" noChangeAspect="1" noMove="1" noResize="1" noEditPoints="1" noAdjustHandles="1" noChangeArrowheads="1" noChangeShapeType="1" noTextEdit="1"/>
-          </p:cNvSpPr>
-          <p:nvPr>
-            <p:extLst>
-              <p:ext uri="{386F3935-93C4-4BCD-93E2-E3B085C9AB24}">
-                <p16:designElem xmlns:p16="http://schemas.microsoft.com/office/powerpoint/2015/main" val="1"/>
-              </p:ext>
-            </p:extLst>
-          </p:nvPr>
-        </p:nvSpPr>
-        <p:spPr>
-          <a:xfrm>
-            <a:off x="0" y="0"/>
-            <a:ext cx="12192000" cy="6858000"/>
-          </a:xfrm>
-          <a:prstGeom prst="rect">
-            <a:avLst/>
-          </a:prstGeom>
-          <a:ln w="12700" cap="flat" cmpd="sng" algn="ctr">
-            <a:noFill/>
-            <a:prstDash val="solid"/>
-            <a:miter lim="800000"/>
-          </a:ln>
-          <a:effectLst/>
-          <a:extLst>
-            <a:ext uri="{91240B29-F687-4F45-9708-019B960494DF}">
-              <a14:hiddenLine xmlns:a14="http://schemas.microsoft.com/office/drawing/2010/main" w="12700" cap="flat" cmpd="sng" algn="ctr">
-                <a:solidFill>
-                  <a:schemeClr val="accent1">
-                    <a:shade val="50000"/>
-                  </a:schemeClr>
-                </a:solidFill>
-                <a:prstDash val="solid"/>
-                <a:miter lim="800000"/>
-              </a14:hiddenLine>
-            </a:ext>
-          </a:extLst>
-        </p:spPr>
-        <p:style>
-          <a:lnRef idx="2">
-            <a:schemeClr val="accent1">
-              <a:shade val="50000"/>
-            </a:schemeClr>
-          </a:lnRef>
-          <a:fillRef idx="1">
-            <a:schemeClr val="accent1"/>
-          </a:fillRef>
-          <a:effectRef idx="0">
-            <a:schemeClr val="accent1"/>
-          </a:effectRef>
-          <a:fontRef idx="minor">
-            <a:schemeClr val="lt1"/>
-          </a:fontRef>
-        </p:style>
-        <p:txBody>
-          <a:bodyPr rtlCol="0" anchor="ctr"/>
-          <a:lstStyle/>
-          <a:p>
-            <a:pPr algn="ctr"/>
-            <a:endParaRPr lang="en-US"/>
-          </a:p>
-        </p:txBody>
-      </p:sp>
-      <p:sp>
-        <p:nvSpPr>
-          <p:cNvPr id="2" name="Title 1">
-            <a:extLst>
-              <a:ext uri="{FF2B5EF4-FFF2-40B4-BE49-F238E27FC236}">
-                <a16:creationId xmlns:a16="http://schemas.microsoft.com/office/drawing/2014/main" id="{802B1E04-9B48-42F5-64B8-2568ABE183FA}"/>
-              </a:ext>
-            </a:extLst>
-          </p:cNvPr>
-          <p:cNvSpPr>
-            <a:spLocks noGrp="1"/>
-          </p:cNvSpPr>
-          <p:nvPr>
-            <p:ph type="title"/>
-          </p:nvPr>
-        </p:nvSpPr>
-        <p:spPr>
-          <a:xfrm>
-            <a:off x="7153200" y="540000"/>
-            <a:ext cx="4500561" cy="4259814"/>
-          </a:xfrm>
-        </p:spPr>
-        <p:txBody>
-          <a:bodyPr vert="horz" lIns="91440" tIns="45720" rIns="91440" bIns="45720" rtlCol="0" anchor="b">
-            <a:normAutofit/>
-          </a:bodyPr>
-          <a:lstStyle/>
-          <a:p>
-            <a:r>
-              <a:rPr lang="en-US" sz="8800">
-                <a:latin typeface="+mn-lt"/>
-              </a:rPr>
-              <a:t>Box plot</a:t>
-            </a:r>
-          </a:p>
-        </p:txBody>
-      </p:sp>
-      <p:sp>
-        <p:nvSpPr>
-          <p:cNvPr id="22" name="Content Placeholder 8">
-            <a:extLst>
-              <a:ext uri="{FF2B5EF4-FFF2-40B4-BE49-F238E27FC236}">
-                <a16:creationId xmlns:a16="http://schemas.microsoft.com/office/drawing/2014/main" id="{032973C1-79BE-B0B5-5B7B-F8A7DD6179DB}"/>
-              </a:ext>
-            </a:extLst>
-          </p:cNvPr>
-          <p:cNvSpPr>
-            <a:spLocks noGrp="1"/>
-          </p:cNvSpPr>
-          <p:nvPr>
-            <p:ph idx="1"/>
-          </p:nvPr>
-        </p:nvSpPr>
-        <p:spPr>
-          <a:xfrm>
-            <a:off x="7153200" y="4988476"/>
-            <a:ext cx="4500561" cy="1320249"/>
-          </a:xfrm>
-        </p:spPr>
-        <p:txBody>
-          <a:bodyPr vert="horz" lIns="91440" tIns="45720" rIns="91440" bIns="45720" rtlCol="0">
-            <a:normAutofit/>
-          </a:bodyPr>
-          <a:lstStyle/>
-          <a:p>
-            <a:pPr marL="0" indent="0">
-              <a:buNone/>
-            </a:pPr>
-            <a:r>
-              <a:rPr lang="en-US" sz="1600" cap="all" spc="300"/>
-              <a:t>Salary distribution by company size</a:t>
-            </a:r>
-          </a:p>
-        </p:txBody>
-      </p:sp>
-      <p:grpSp>
-        <p:nvGrpSpPr>
-          <p:cNvPr id="47" name="Group 46">
-            <a:extLst>
-              <a:ext uri="{FF2B5EF4-FFF2-40B4-BE49-F238E27FC236}">
-                <a16:creationId xmlns:a16="http://schemas.microsoft.com/office/drawing/2014/main" id="{4B7AF231-444C-44D0-B791-BAFE395E36AC}"/>
-              </a:ext>
-              <a:ext uri="{C183D7F6-B498-43B3-948B-1728B52AA6E4}">
-                <adec:decorative xmlns:adec="http://schemas.microsoft.com/office/drawing/2017/decorative" xmlns="" val="1"/>
-              </a:ext>
-            </a:extLst>
-          </p:cNvPr>
-          <p:cNvGrpSpPr>
-            <a:grpSpLocks noGrp="1" noUngrp="1" noRot="1" noChangeAspect="1" noMove="1" noResize="1"/>
-          </p:cNvGrpSpPr>
-          <p:nvPr>
-            <p:extLst>
-              <p:ext uri="{386F3935-93C4-4BCD-93E2-E3B085C9AB24}">
-                <p16:designElem xmlns:p16="http://schemas.microsoft.com/office/powerpoint/2015/main" val="1"/>
-              </p:ext>
-            </p:extLst>
-          </p:nvPr>
-        </p:nvGrpSpPr>
-        <p:grpSpPr>
-          <a:xfrm rot="10800000" flipH="1">
-            <a:off x="1" y="3600"/>
-            <a:ext cx="7266875" cy="6854400"/>
-            <a:chOff x="4925125" y="3600"/>
-            <a:chExt cx="7266875" cy="6854400"/>
-          </a:xfrm>
-        </p:grpSpPr>
-        <p:sp>
-          <p:nvSpPr>
-            <p:cNvPr id="48" name="Oval 47">
-              <a:extLst>
-                <a:ext uri="{FF2B5EF4-FFF2-40B4-BE49-F238E27FC236}">
-                  <a16:creationId xmlns:a16="http://schemas.microsoft.com/office/drawing/2014/main" id="{6152793A-5125-41FA-AEF6-96C5463D0A76}"/>
-                </a:ext>
-                <a:ext uri="{C183D7F6-B498-43B3-948B-1728B52AA6E4}">
-                  <adec:decorative xmlns:adec="http://schemas.microsoft.com/office/drawing/2017/decorative" xmlns="" val="1"/>
-                </a:ext>
-              </a:extLst>
-            </p:cNvPr>
-            <p:cNvSpPr>
-              <a:spLocks noChangeAspect="1"/>
-            </p:cNvSpPr>
-            <p:nvPr>
-              <p:extLst>
-                <p:ext uri="{386F3935-93C4-4BCD-93E2-E3B085C9AB24}">
-                  <p16:designElem xmlns:p16="http://schemas.microsoft.com/office/powerpoint/2015/main" val="1"/>
-                </p:ext>
-              </p:extLst>
-            </p:nvPr>
-          </p:nvSpPr>
-          <p:spPr>
-            <a:xfrm>
-              <a:off x="4925125" y="1098000"/>
-              <a:ext cx="5760000" cy="5760000"/>
-            </a:xfrm>
-            <a:prstGeom prst="ellipse">
-              <a:avLst/>
-            </a:prstGeom>
-            <a:solidFill>
-              <a:schemeClr val="accent1">
-                <a:alpha val="80000"/>
-              </a:schemeClr>
-            </a:solidFill>
-            <a:ln>
-              <a:noFill/>
-            </a:ln>
-            <a:effectLst>
-              <a:softEdge rad="1016000"/>
-            </a:effectLst>
-          </p:spPr>
-          <p:style>
-            <a:lnRef idx="2">
-              <a:schemeClr val="accent1">
-                <a:shade val="50000"/>
-              </a:schemeClr>
-            </a:lnRef>
-            <a:fillRef idx="1">
-              <a:schemeClr val="accent1"/>
-            </a:fillRef>
-            <a:effectRef idx="0">
-              <a:schemeClr val="accent1"/>
-            </a:effectRef>
-            <a:fontRef idx="minor">
-              <a:schemeClr val="lt1"/>
-            </a:fontRef>
-          </p:style>
-          <p:txBody>
-            <a:bodyPr rtlCol="0" anchor="ctr"/>
-            <a:lstStyle/>
-            <a:p>
-              <a:pPr algn="ctr"/>
-              <a:endParaRPr lang="en-US"/>
-            </a:p>
-          </p:txBody>
-        </p:sp>
-        <p:sp>
-          <p:nvSpPr>
-            <p:cNvPr id="49" name="Oval 48">
-              <a:extLst>
-                <a:ext uri="{FF2B5EF4-FFF2-40B4-BE49-F238E27FC236}">
-                  <a16:creationId xmlns:a16="http://schemas.microsoft.com/office/drawing/2014/main" id="{63C1632F-098D-4A05-B248-04B7ABFE0060}"/>
-                </a:ext>
-                <a:ext uri="{C183D7F6-B498-43B3-948B-1728B52AA6E4}">
-                  <adec:decorative xmlns:adec="http://schemas.microsoft.com/office/drawing/2017/decorative" xmlns="" val="1"/>
-                </a:ext>
-              </a:extLst>
-            </p:cNvPr>
-            <p:cNvSpPr>
-              <a:spLocks noChangeAspect="1"/>
-            </p:cNvSpPr>
-            <p:nvPr>
-              <p:extLst>
-                <p:ext uri="{386F3935-93C4-4BCD-93E2-E3B085C9AB24}">
-                  <p16:designElem xmlns:p16="http://schemas.microsoft.com/office/powerpoint/2015/main" val="1"/>
-                </p:ext>
-              </p:extLst>
-            </p:nvPr>
-          </p:nvSpPr>
-          <p:spPr>
-            <a:xfrm>
-              <a:off x="5105686" y="65314"/>
-              <a:ext cx="4320000" cy="4320000"/>
-            </a:xfrm>
-            <a:prstGeom prst="ellipse">
-              <a:avLst/>
-            </a:prstGeom>
-            <a:solidFill>
-              <a:schemeClr val="accent3"/>
-            </a:solidFill>
-            <a:ln>
-              <a:noFill/>
-            </a:ln>
-            <a:effectLst>
-              <a:softEdge rad="1016000"/>
-            </a:effectLst>
-          </p:spPr>
-          <p:style>
-            <a:lnRef idx="2">
-              <a:schemeClr val="accent1">
-                <a:shade val="50000"/>
-              </a:schemeClr>
-            </a:lnRef>
-            <a:fillRef idx="1">
-              <a:schemeClr val="accent1"/>
-            </a:fillRef>
-            <a:effectRef idx="0">
-              <a:schemeClr val="accent1"/>
-            </a:effectRef>
-            <a:fontRef idx="minor">
-              <a:schemeClr val="lt1"/>
-            </a:fontRef>
-          </p:style>
-          <p:txBody>
-            <a:bodyPr rtlCol="0" anchor="ctr"/>
-            <a:lstStyle/>
-            <a:p>
-              <a:pPr algn="ctr"/>
-              <a:endParaRPr lang="en-US"/>
-            </a:p>
-          </p:txBody>
-        </p:sp>
-        <p:sp>
-          <p:nvSpPr>
-            <p:cNvPr id="50" name="Oval 49">
-              <a:extLst>
-                <a:ext uri="{FF2B5EF4-FFF2-40B4-BE49-F238E27FC236}">
-                  <a16:creationId xmlns:a16="http://schemas.microsoft.com/office/drawing/2014/main" id="{0A85C0F5-DDEB-454E-A0E4-B6F0FB4CAB12}"/>
-                </a:ext>
-                <a:ext uri="{C183D7F6-B498-43B3-948B-1728B52AA6E4}">
-                  <adec:decorative xmlns:adec="http://schemas.microsoft.com/office/drawing/2017/decorative" xmlns="" val="1"/>
-                </a:ext>
-              </a:extLst>
-            </p:cNvPr>
-            <p:cNvSpPr>
-              <a:spLocks noChangeAspect="1"/>
-            </p:cNvSpPr>
-            <p:nvPr>
-              <p:extLst>
-                <p:ext uri="{386F3935-93C4-4BCD-93E2-E3B085C9AB24}">
-                  <p16:designElem xmlns:p16="http://schemas.microsoft.com/office/powerpoint/2015/main" val="1"/>
-                </p:ext>
-              </p:extLst>
-            </p:nvPr>
-          </p:nvSpPr>
-          <p:spPr>
-            <a:xfrm>
-              <a:off x="5337600" y="3600"/>
-              <a:ext cx="6854400" cy="6854400"/>
-            </a:xfrm>
-            <a:prstGeom prst="ellipse">
-              <a:avLst/>
-            </a:prstGeom>
-            <a:solidFill>
-              <a:schemeClr val="accent2">
-                <a:alpha val="60000"/>
-              </a:schemeClr>
-            </a:solidFill>
-            <a:ln>
-              <a:noFill/>
-            </a:ln>
-            <a:effectLst>
-              <a:softEdge rad="1270000"/>
-            </a:effectLst>
-          </p:spPr>
-          <p:style>
-            <a:lnRef idx="2">
-              <a:schemeClr val="accent1">
-                <a:shade val="50000"/>
-              </a:schemeClr>
-            </a:lnRef>
-            <a:fillRef idx="1">
-              <a:schemeClr val="accent1"/>
-            </a:fillRef>
-            <a:effectRef idx="0">
-              <a:schemeClr val="accent1"/>
-            </a:effectRef>
-            <a:fontRef idx="minor">
-              <a:schemeClr val="lt1"/>
-            </a:fontRef>
-          </p:style>
-          <p:txBody>
-            <a:bodyPr rtlCol="0" anchor="ctr"/>
-            <a:lstStyle/>
-            <a:p>
-              <a:pPr algn="ctr"/>
-              <a:endParaRPr lang="en-US"/>
-            </a:p>
-          </p:txBody>
-        </p:sp>
-      </p:grpSp>
-      <p:pic>
-        <p:nvPicPr>
-          <p:cNvPr id="5" name="Content Placeholder 4" descr="A screen shot of a graph&#10;&#10;Description automatically generated">
-            <a:extLst>
-              <a:ext uri="{FF2B5EF4-FFF2-40B4-BE49-F238E27FC236}">
-                <a16:creationId xmlns:a16="http://schemas.microsoft.com/office/drawing/2014/main" id="{B5E66B9F-C483-E291-E478-F098A400C362}"/>
-              </a:ext>
-            </a:extLst>
-          </p:cNvPr>
-          <p:cNvPicPr>
-            <a:picLocks noChangeAspect="1"/>
-          </p:cNvPicPr>
-          <p:nvPr/>
-        </p:nvPicPr>
-        <p:blipFill rotWithShape="1">
-          <a:blip r:embed="rId2">
-            <a:extLst>
-              <a:ext uri="{28A0092B-C50C-407E-A947-70E740481C1C}">
-                <a14:useLocalDpi xmlns:a14="http://schemas.microsoft.com/office/drawing/2010/main" val="0"/>
-              </a:ext>
-            </a:extLst>
-          </a:blip>
-          <a:srcRect l="3410" r="26341" b="1"/>
-          <a:stretch/>
-        </p:blipFill>
-        <p:spPr>
-          <a:xfrm>
-            <a:off x="20" y="-1"/>
-            <a:ext cx="6857980" cy="6858000"/>
-          </a:xfrm>
-          <a:custGeom>
-            <a:avLst/>
-            <a:gdLst/>
-            <a:ahLst/>
-            <a:cxnLst/>
-            <a:rect l="l" t="t" r="r" b="b"/>
-            <a:pathLst>
-              <a:path w="6858000" h="6858000">
-                <a:moveTo>
-                  <a:pt x="3429001" y="0"/>
-                </a:moveTo>
-                <a:cubicBezTo>
-                  <a:pt x="5322784" y="0"/>
-                  <a:pt x="6858000" y="1535216"/>
-                  <a:pt x="6858000" y="3429001"/>
-                </a:cubicBezTo>
-                <a:cubicBezTo>
-                  <a:pt x="6858000" y="5322785"/>
-                  <a:pt x="5322784" y="6858000"/>
-                  <a:pt x="3429001" y="6858000"/>
-                </a:cubicBezTo>
-                <a:cubicBezTo>
-                  <a:pt x="1535216" y="6858000"/>
-                  <a:pt x="0" y="5322785"/>
-                  <a:pt x="0" y="3429001"/>
-                </a:cubicBezTo>
-                <a:cubicBezTo>
-                  <a:pt x="0" y="1535216"/>
-                  <a:pt x="1535216" y="0"/>
-                  <a:pt x="3429001" y="0"/>
-                </a:cubicBezTo>
-                <a:close/>
-              </a:path>
-            </a:pathLst>
-          </a:custGeom>
-          <a:effectLst>
-            <a:softEdge rad="1016000"/>
-          </a:effectLst>
-        </p:spPr>
-      </p:pic>
-    </p:spTree>
-    <p:extLst>
-      <p:ext uri="{BB962C8B-B14F-4D97-AF65-F5344CB8AC3E}">
-        <p14:creationId xmlns:p14="http://schemas.microsoft.com/office/powerpoint/2010/main" val="2192617781"/>
-      </p:ext>
-    </p:extLst>
-  </p:cSld>
-  <p:clrMapOvr>
-    <a:masterClrMapping/>
-  </p:clrMapOvr>
-</p:sld>
-</file>
-
-<file path=ppt/slides/slide12.xml><?xml version="1.0" encoding="utf-8"?>
-<p:sld xmlns:a="http://schemas.openxmlformats.org/drawingml/2006/main" xmlns:r="http://schemas.openxmlformats.org/officeDocument/2006/relationships" xmlns:p="http://schemas.openxmlformats.org/presentationml/2006/main">
-  <p:cSld>
-    <p:bg>
-      <p:bgPr>
-        <a:solidFill>
-          <a:schemeClr val="bg1"/>
-        </a:solidFill>
-        <a:effectLst/>
-      </p:bgPr>
-    </p:bg>
-    <p:spTree>
-      <p:nvGrpSpPr>
-        <p:cNvPr id="1" name=""/>
-        <p:cNvGrpSpPr/>
-        <p:nvPr/>
-      </p:nvGrpSpPr>
-      <p:grpSpPr>
-        <a:xfrm>
-          <a:off x="0" y="0"/>
-          <a:ext cx="0" cy="0"/>
-          <a:chOff x="0" y="0"/>
-          <a:chExt cx="0" cy="0"/>
-        </a:xfrm>
-      </p:grpSpPr>
-      <p:sp useBgFill="1">
-        <p:nvSpPr>
-          <p:cNvPr id="80" name="Rectangle 79">
-            <a:extLst>
-              <a:ext uri="{FF2B5EF4-FFF2-40B4-BE49-F238E27FC236}">
-                <a16:creationId xmlns:a16="http://schemas.microsoft.com/office/drawing/2014/main" id="{81C8C0F4-5C44-4C3F-B321-5CB3E2BABC2C}"/>
-              </a:ext>
-              <a:ext uri="{C183D7F6-B498-43B3-948B-1728B52AA6E4}">
-                <adec:decorative xmlns:adec="http://schemas.microsoft.com/office/drawing/2017/decorative" xmlns="" val="1"/>
-              </a:ext>
-            </a:extLst>
-          </p:cNvPr>
-          <p:cNvSpPr>
-            <a:spLocks noGrp="1" noRot="1" noChangeAspect="1" noMove="1" noResize="1" noEditPoints="1" noAdjustHandles="1" noChangeArrowheads="1" noChangeShapeType="1" noTextEdit="1"/>
-          </p:cNvSpPr>
-          <p:nvPr>
-            <p:extLst>
-              <p:ext uri="{386F3935-93C4-4BCD-93E2-E3B085C9AB24}">
-                <p16:designElem xmlns:p16="http://schemas.microsoft.com/office/powerpoint/2015/main" val="1"/>
-              </p:ext>
-            </p:extLst>
-          </p:nvPr>
-        </p:nvSpPr>
-        <p:spPr>
-          <a:xfrm>
-            <a:off x="0" y="0"/>
-            <a:ext cx="12192000" cy="6858000"/>
-          </a:xfrm>
-          <a:prstGeom prst="rect">
-            <a:avLst/>
-          </a:prstGeom>
-          <a:ln w="12700" cap="flat" cmpd="sng" algn="ctr">
-            <a:noFill/>
-            <a:prstDash val="solid"/>
-            <a:miter lim="800000"/>
-          </a:ln>
-          <a:effectLst/>
-          <a:extLst>
-            <a:ext uri="{91240B29-F687-4F45-9708-019B960494DF}">
-              <a14:hiddenLine xmlns:a14="http://schemas.microsoft.com/office/drawing/2010/main" w="12700" cap="flat" cmpd="sng" algn="ctr">
-                <a:solidFill>
-                  <a:schemeClr val="accent1">
-                    <a:shade val="50000"/>
-                  </a:schemeClr>
-                </a:solidFill>
-                <a:prstDash val="solid"/>
-                <a:miter lim="800000"/>
-              </a14:hiddenLine>
-            </a:ext>
-          </a:extLst>
-        </p:spPr>
-        <p:style>
-          <a:lnRef idx="2">
-            <a:schemeClr val="accent1">
-              <a:shade val="50000"/>
-            </a:schemeClr>
-          </a:lnRef>
-          <a:fillRef idx="1">
-            <a:schemeClr val="accent1"/>
-          </a:fillRef>
-          <a:effectRef idx="0">
-            <a:schemeClr val="accent1"/>
-          </a:effectRef>
-          <a:fontRef idx="minor">
-            <a:schemeClr val="lt1"/>
-          </a:fontRef>
-        </p:style>
-        <p:txBody>
-          <a:bodyPr rtlCol="0" anchor="ctr"/>
-          <a:lstStyle/>
-          <a:p>
-            <a:pPr algn="ctr"/>
-            <a:endParaRPr lang="en-US"/>
-          </a:p>
-        </p:txBody>
-      </p:sp>
-      <p:sp>
-        <p:nvSpPr>
-          <p:cNvPr id="2" name="Title 1">
-            <a:extLst>
-              <a:ext uri="{FF2B5EF4-FFF2-40B4-BE49-F238E27FC236}">
-                <a16:creationId xmlns:a16="http://schemas.microsoft.com/office/drawing/2014/main" id="{99B37018-257F-CE03-7628-73BD84970EDF}"/>
-              </a:ext>
-            </a:extLst>
-          </p:cNvPr>
-          <p:cNvSpPr>
-            <a:spLocks noGrp="1"/>
-          </p:cNvSpPr>
-          <p:nvPr>
-            <p:ph type="title"/>
-          </p:nvPr>
-        </p:nvSpPr>
-        <p:spPr>
-          <a:xfrm>
-            <a:off x="540000" y="540000"/>
-            <a:ext cx="4500561" cy="2181946"/>
-          </a:xfrm>
-        </p:spPr>
-        <p:txBody>
-          <a:bodyPr anchor="t">
-            <a:normAutofit/>
-          </a:bodyPr>
-          <a:lstStyle/>
-          <a:p>
-            <a:r>
-              <a:rPr lang="en-GB">
-                <a:latin typeface="+mn-lt"/>
-              </a:rPr>
-              <a:t>Interactive map</a:t>
-            </a:r>
-            <a:endParaRPr lang="pl-PL">
-              <a:latin typeface="+mn-lt"/>
-            </a:endParaRPr>
-          </a:p>
-        </p:txBody>
-      </p:sp>
-      <p:sp>
-        <p:nvSpPr>
-          <p:cNvPr id="42" name="Content Placeholder 41">
-            <a:extLst>
-              <a:ext uri="{FF2B5EF4-FFF2-40B4-BE49-F238E27FC236}">
-                <a16:creationId xmlns:a16="http://schemas.microsoft.com/office/drawing/2014/main" id="{522F25BC-6E13-74A0-0335-49E8CA93C571}"/>
-              </a:ext>
-            </a:extLst>
-          </p:cNvPr>
-          <p:cNvSpPr>
-            <a:spLocks noGrp="1"/>
-          </p:cNvSpPr>
-          <p:nvPr>
-            <p:ph idx="1"/>
-          </p:nvPr>
-        </p:nvSpPr>
-        <p:spPr>
-          <a:xfrm>
-            <a:off x="550863" y="2947121"/>
-            <a:ext cx="4500562" cy="3361604"/>
-          </a:xfrm>
-        </p:spPr>
-        <p:txBody>
-          <a:bodyPr anchor="t">
-            <a:normAutofit/>
-          </a:bodyPr>
-          <a:lstStyle/>
-          <a:p>
-            <a:pPr marL="0" indent="0">
-              <a:buNone/>
-            </a:pPr>
-            <a:r>
-              <a:rPr lang="en-US"/>
-              <a:t>PROVIDES STATS BASED ON:</a:t>
-            </a:r>
-          </a:p>
-          <a:p>
-            <a:pPr marL="0" indent="0">
-              <a:buNone/>
-            </a:pPr>
-            <a:r>
-              <a:rPr lang="en-US"/>
-              <a:t>	EMPLOYEE RESIDENCE</a:t>
-            </a:r>
-          </a:p>
-          <a:p>
-            <a:pPr marL="0" indent="0">
-              <a:buNone/>
-            </a:pPr>
-            <a:r>
-              <a:rPr lang="en-US"/>
-              <a:t>	COMPANY LOCATION</a:t>
-            </a:r>
-          </a:p>
-          <a:p>
-            <a:pPr marL="0" indent="0">
-              <a:buNone/>
-            </a:pPr>
-            <a:r>
-              <a:rPr lang="en-US"/>
-              <a:t>	</a:t>
-            </a:r>
-          </a:p>
-        </p:txBody>
-      </p:sp>
-      <p:grpSp>
-        <p:nvGrpSpPr>
-          <p:cNvPr id="81" name="Group 80">
-            <a:extLst>
-              <a:ext uri="{FF2B5EF4-FFF2-40B4-BE49-F238E27FC236}">
-                <a16:creationId xmlns:a16="http://schemas.microsoft.com/office/drawing/2014/main" id="{000A5F84-BD20-4A3E-81BA-9F4444101C16}"/>
-              </a:ext>
-              <a:ext uri="{C183D7F6-B498-43B3-948B-1728B52AA6E4}">
-                <adec:decorative xmlns:adec="http://schemas.microsoft.com/office/drawing/2017/decorative" xmlns="" val="1"/>
-              </a:ext>
-            </a:extLst>
-          </p:cNvPr>
-          <p:cNvGrpSpPr>
-            <a:grpSpLocks noGrp="1" noUngrp="1" noRot="1" noChangeAspect="1" noMove="1" noResize="1"/>
-          </p:cNvGrpSpPr>
-          <p:nvPr>
-            <p:extLst>
-              <p:ext uri="{386F3935-93C4-4BCD-93E2-E3B085C9AB24}">
-                <p16:designElem xmlns:p16="http://schemas.microsoft.com/office/powerpoint/2015/main" val="1"/>
-              </p:ext>
-            </p:extLst>
-          </p:nvPr>
-        </p:nvGrpSpPr>
-        <p:grpSpPr>
-          <a:xfrm>
-            <a:off x="4925125" y="3600"/>
-            <a:ext cx="7266875" cy="6854400"/>
-            <a:chOff x="4925125" y="3600"/>
-            <a:chExt cx="7266875" cy="6854400"/>
-          </a:xfrm>
-        </p:grpSpPr>
-        <p:sp>
-          <p:nvSpPr>
-            <p:cNvPr id="82" name="Oval 81">
-              <a:extLst>
-                <a:ext uri="{FF2B5EF4-FFF2-40B4-BE49-F238E27FC236}">
-                  <a16:creationId xmlns:a16="http://schemas.microsoft.com/office/drawing/2014/main" id="{FF62F19C-23B5-44FC-88CF-01A430872686}"/>
-                </a:ext>
-                <a:ext uri="{C183D7F6-B498-43B3-948B-1728B52AA6E4}">
-                  <adec:decorative xmlns:adec="http://schemas.microsoft.com/office/drawing/2017/decorative" xmlns="" val="1"/>
-                </a:ext>
-              </a:extLst>
-            </p:cNvPr>
-            <p:cNvSpPr>
-              <a:spLocks noChangeAspect="1"/>
-            </p:cNvSpPr>
-            <p:nvPr>
-              <p:extLst>
-                <p:ext uri="{386F3935-93C4-4BCD-93E2-E3B085C9AB24}">
-                  <p16:designElem xmlns:p16="http://schemas.microsoft.com/office/powerpoint/2015/main" val="1"/>
-                </p:ext>
-              </p:extLst>
-            </p:nvPr>
-          </p:nvSpPr>
-          <p:spPr>
-            <a:xfrm>
-              <a:off x="4925125" y="1098000"/>
-              <a:ext cx="5760000" cy="5760000"/>
-            </a:xfrm>
-            <a:prstGeom prst="ellipse">
-              <a:avLst/>
-            </a:prstGeom>
-            <a:solidFill>
-              <a:schemeClr val="accent1">
-                <a:alpha val="80000"/>
-              </a:schemeClr>
-            </a:solidFill>
-            <a:ln>
-              <a:noFill/>
-            </a:ln>
-            <a:effectLst>
-              <a:softEdge rad="1016000"/>
-            </a:effectLst>
-          </p:spPr>
-          <p:style>
-            <a:lnRef idx="2">
-              <a:schemeClr val="accent1">
-                <a:shade val="50000"/>
-              </a:schemeClr>
-            </a:lnRef>
-            <a:fillRef idx="1">
-              <a:schemeClr val="accent1"/>
-            </a:fillRef>
-            <a:effectRef idx="0">
-              <a:schemeClr val="accent1"/>
-            </a:effectRef>
-            <a:fontRef idx="minor">
-              <a:schemeClr val="lt1"/>
-            </a:fontRef>
-          </p:style>
-          <p:txBody>
-            <a:bodyPr rtlCol="0" anchor="ctr"/>
-            <a:lstStyle/>
-            <a:p>
-              <a:pPr algn="ctr"/>
-              <a:endParaRPr lang="en-US"/>
-            </a:p>
-          </p:txBody>
-        </p:sp>
-        <p:sp>
-          <p:nvSpPr>
-            <p:cNvPr id="83" name="Oval 82">
-              <a:extLst>
-                <a:ext uri="{FF2B5EF4-FFF2-40B4-BE49-F238E27FC236}">
-                  <a16:creationId xmlns:a16="http://schemas.microsoft.com/office/drawing/2014/main" id="{C82D9667-DCFB-45CA-8EDC-7E5E0EE42AB3}"/>
-                </a:ext>
-                <a:ext uri="{C183D7F6-B498-43B3-948B-1728B52AA6E4}">
-                  <adec:decorative xmlns:adec="http://schemas.microsoft.com/office/drawing/2017/decorative" xmlns="" val="1"/>
-                </a:ext>
-              </a:extLst>
-            </p:cNvPr>
-            <p:cNvSpPr>
-              <a:spLocks noChangeAspect="1"/>
-            </p:cNvSpPr>
-            <p:nvPr>
-              <p:extLst>
-                <p:ext uri="{386F3935-93C4-4BCD-93E2-E3B085C9AB24}">
-                  <p16:designElem xmlns:p16="http://schemas.microsoft.com/office/powerpoint/2015/main" val="1"/>
-                </p:ext>
-              </p:extLst>
-            </p:nvPr>
-          </p:nvSpPr>
-          <p:spPr>
-            <a:xfrm>
-              <a:off x="5105686" y="65314"/>
-              <a:ext cx="4320000" cy="4320000"/>
-            </a:xfrm>
-            <a:prstGeom prst="ellipse">
-              <a:avLst/>
-            </a:prstGeom>
-            <a:solidFill>
-              <a:schemeClr val="accent3"/>
-            </a:solidFill>
-            <a:ln>
-              <a:noFill/>
-            </a:ln>
-            <a:effectLst>
-              <a:softEdge rad="1016000"/>
-            </a:effectLst>
-          </p:spPr>
-          <p:style>
-            <a:lnRef idx="2">
-              <a:schemeClr val="accent1">
-                <a:shade val="50000"/>
-              </a:schemeClr>
-            </a:lnRef>
-            <a:fillRef idx="1">
-              <a:schemeClr val="accent1"/>
-            </a:fillRef>
-            <a:effectRef idx="0">
-              <a:schemeClr val="accent1"/>
-            </a:effectRef>
-            <a:fontRef idx="minor">
-              <a:schemeClr val="lt1"/>
-            </a:fontRef>
-          </p:style>
-          <p:txBody>
-            <a:bodyPr rtlCol="0" anchor="ctr"/>
-            <a:lstStyle/>
-            <a:p>
-              <a:pPr algn="ctr"/>
-              <a:endParaRPr lang="en-US"/>
-            </a:p>
-          </p:txBody>
-        </p:sp>
-        <p:sp>
-          <p:nvSpPr>
-            <p:cNvPr id="84" name="Oval 83">
-              <a:extLst>
-                <a:ext uri="{FF2B5EF4-FFF2-40B4-BE49-F238E27FC236}">
-                  <a16:creationId xmlns:a16="http://schemas.microsoft.com/office/drawing/2014/main" id="{CE8752FF-502D-43D5-9828-8C4216648319}"/>
-                </a:ext>
-                <a:ext uri="{C183D7F6-B498-43B3-948B-1728B52AA6E4}">
-                  <adec:decorative xmlns:adec="http://schemas.microsoft.com/office/drawing/2017/decorative" xmlns="" val="1"/>
-                </a:ext>
-              </a:extLst>
-            </p:cNvPr>
-            <p:cNvSpPr>
-              <a:spLocks noChangeAspect="1"/>
-            </p:cNvSpPr>
-            <p:nvPr>
-              <p:extLst>
-                <p:ext uri="{386F3935-93C4-4BCD-93E2-E3B085C9AB24}">
-                  <p16:designElem xmlns:p16="http://schemas.microsoft.com/office/powerpoint/2015/main" val="1"/>
-                </p:ext>
-              </p:extLst>
-            </p:nvPr>
-          </p:nvSpPr>
-          <p:spPr>
-            <a:xfrm>
-              <a:off x="5337600" y="3600"/>
-              <a:ext cx="6854400" cy="6854400"/>
-            </a:xfrm>
-            <a:prstGeom prst="ellipse">
-              <a:avLst/>
-            </a:prstGeom>
-            <a:solidFill>
-              <a:schemeClr val="accent2">
-                <a:alpha val="60000"/>
-              </a:schemeClr>
-            </a:solidFill>
-            <a:ln>
-              <a:noFill/>
-            </a:ln>
-            <a:effectLst>
-              <a:softEdge rad="1270000"/>
-            </a:effectLst>
-          </p:spPr>
-          <p:style>
-            <a:lnRef idx="2">
-              <a:schemeClr val="accent1">
-                <a:shade val="50000"/>
-              </a:schemeClr>
-            </a:lnRef>
-            <a:fillRef idx="1">
-              <a:schemeClr val="accent1"/>
-            </a:fillRef>
-            <a:effectRef idx="0">
-              <a:schemeClr val="accent1"/>
-            </a:effectRef>
-            <a:fontRef idx="minor">
-              <a:schemeClr val="lt1"/>
-            </a:fontRef>
-          </p:style>
-          <p:txBody>
-            <a:bodyPr rtlCol="0" anchor="ctr"/>
-            <a:lstStyle/>
-            <a:p>
-              <a:pPr algn="ctr"/>
-              <a:endParaRPr lang="en-US"/>
-            </a:p>
-          </p:txBody>
-        </p:sp>
-      </p:grpSp>
-      <p:pic>
-        <p:nvPicPr>
-          <p:cNvPr id="38" name="Content Placeholder 37" descr="A map of the world&#10;&#10;Description automatically generated">
-            <a:extLst>
-              <a:ext uri="{FF2B5EF4-FFF2-40B4-BE49-F238E27FC236}">
-                <a16:creationId xmlns:a16="http://schemas.microsoft.com/office/drawing/2014/main" id="{97ECB1C8-08E7-6423-72D4-B35C420000F4}"/>
-              </a:ext>
-            </a:extLst>
-          </p:cNvPr>
-          <p:cNvPicPr>
-            <a:picLocks noChangeAspect="1"/>
-          </p:cNvPicPr>
-          <p:nvPr/>
-        </p:nvPicPr>
-        <p:blipFill rotWithShape="1">
-          <a:blip r:embed="rId2">
-            <a:extLst>
-              <a:ext uri="{28A0092B-C50C-407E-A947-70E740481C1C}">
-                <a14:useLocalDpi xmlns:a14="http://schemas.microsoft.com/office/drawing/2010/main" val="0"/>
-              </a:ext>
-            </a:extLst>
-          </a:blip>
-          <a:srcRect l="21130" r="16370"/>
-          <a:stretch/>
-        </p:blipFill>
-        <p:spPr>
-          <a:xfrm>
-            <a:off x="4896763" y="-1"/>
-            <a:ext cx="6858000" cy="6858000"/>
-          </a:xfrm>
-          <a:custGeom>
-            <a:avLst/>
-            <a:gdLst/>
-            <a:ahLst/>
-            <a:cxnLst/>
-            <a:rect l="l" t="t" r="r" b="b"/>
-            <a:pathLst>
-              <a:path w="6858000" h="6858000">
-                <a:moveTo>
-                  <a:pt x="3429001" y="0"/>
-                </a:moveTo>
-                <a:cubicBezTo>
-                  <a:pt x="5322784" y="0"/>
-                  <a:pt x="6858000" y="1535216"/>
-                  <a:pt x="6858000" y="3429001"/>
-                </a:cubicBezTo>
-                <a:cubicBezTo>
-                  <a:pt x="6858000" y="5322785"/>
-                  <a:pt x="5322784" y="6858000"/>
-                  <a:pt x="3429001" y="6858000"/>
-                </a:cubicBezTo>
-                <a:cubicBezTo>
-                  <a:pt x="1535216" y="6858000"/>
-                  <a:pt x="0" y="5322785"/>
-                  <a:pt x="0" y="3429001"/>
-                </a:cubicBezTo>
-                <a:cubicBezTo>
-                  <a:pt x="0" y="1535216"/>
-                  <a:pt x="1535216" y="0"/>
-                  <a:pt x="3429001" y="0"/>
-                </a:cubicBezTo>
-                <a:close/>
-              </a:path>
-            </a:pathLst>
-          </a:custGeom>
-          <a:effectLst>
-            <a:softEdge rad="1016000"/>
-          </a:effectLst>
-        </p:spPr>
-      </p:pic>
-    </p:spTree>
-    <p:extLst>
-      <p:ext uri="{BB962C8B-B14F-4D97-AF65-F5344CB8AC3E}">
-        <p14:creationId xmlns:p14="http://schemas.microsoft.com/office/powerpoint/2010/main" val="1406567520"/>
-      </p:ext>
-    </p:extLst>
-  </p:cSld>
-  <p:clrMapOvr>
-    <a:masterClrMapping/>
-  </p:clrMapOvr>
-</p:sld>
-</file>
-
-<file path=ppt/slides/slide13.xml><?xml version="1.0" encoding="utf-8"?>
-<p:sld xmlns:a="http://schemas.openxmlformats.org/drawingml/2006/main" xmlns:r="http://schemas.openxmlformats.org/officeDocument/2006/relationships" xmlns:p="http://schemas.openxmlformats.org/presentationml/2006/main">
-  <p:cSld>
-    <p:spTree>
-      <p:nvGrpSpPr>
-        <p:cNvPr id="1" name=""/>
-        <p:cNvGrpSpPr/>
-        <p:nvPr/>
-      </p:nvGrpSpPr>
-      <p:grpSpPr>
-        <a:xfrm>
-          <a:off x="0" y="0"/>
-          <a:ext cx="0" cy="0"/>
-          <a:chOff x="0" y="0"/>
-          <a:chExt cx="0" cy="0"/>
-        </a:xfrm>
-      </p:grpSpPr>
-      <p:sp>
-        <p:nvSpPr>
-          <p:cNvPr id="2" name="Title 1"/>
-          <p:cNvSpPr>
-            <a:spLocks noGrp="1"/>
-          </p:cNvSpPr>
-          <p:nvPr>
-            <p:ph type="title"/>
-          </p:nvPr>
-        </p:nvSpPr>
-        <p:spPr/>
-        <p:txBody>
-          <a:bodyPr/>
-          <a:lstStyle/>
-          <a:p>
-            <a:r>
-              <a:rPr lang="pl-PL" dirty="0" smtClean="0"/>
-              <a:t>Licznik/suwak?</a:t>
-            </a:r>
-            <a:endParaRPr lang="pl-PL" dirty="0"/>
-          </a:p>
-        </p:txBody>
-      </p:sp>
-      <p:sp>
-        <p:nvSpPr>
-          <p:cNvPr id="3" name="Content Placeholder 2"/>
-          <p:cNvSpPr>
-            <a:spLocks noGrp="1"/>
-          </p:cNvSpPr>
-          <p:nvPr>
-            <p:ph idx="1"/>
-          </p:nvPr>
-        </p:nvSpPr>
-        <p:spPr/>
-        <p:txBody>
-          <a:bodyPr/>
-          <a:lstStyle/>
-          <a:p>
-            <a:r>
-              <a:rPr lang="pl-PL" dirty="0" err="1" smtClean="0"/>
-              <a:t>Postac</a:t>
-            </a:r>
-            <a:r>
-              <a:rPr lang="pl-PL" dirty="0" smtClean="0"/>
-              <a:t> z szerokiej na </a:t>
-            </a:r>
-            <a:r>
-              <a:rPr lang="pl-PL" dirty="0" err="1" smtClean="0"/>
-              <a:t>dluga</a:t>
-            </a:r>
-            <a:r>
-              <a:rPr lang="pl-PL" dirty="0" smtClean="0"/>
-              <a:t> pozwala na robienie </a:t>
-            </a:r>
-            <a:r>
-              <a:rPr lang="pl-PL" dirty="0" err="1" smtClean="0"/>
-              <a:t>wykresow</a:t>
-            </a:r>
-            <a:r>
-              <a:rPr lang="pl-PL" dirty="0" smtClean="0"/>
-              <a:t> obok siebie jednocześnie </a:t>
-            </a:r>
-            <a:r>
-              <a:rPr lang="pl-PL" dirty="0" err="1" smtClean="0"/>
-              <a:t>pivot</a:t>
-            </a:r>
-            <a:r>
-              <a:rPr lang="pl-PL" dirty="0" smtClean="0"/>
-              <a:t>(</a:t>
-            </a:r>
-            <a:r>
-              <a:rPr lang="pl-PL" dirty="0" err="1" smtClean="0"/>
-              <a:t>tidyr</a:t>
-            </a:r>
-            <a:r>
-              <a:rPr lang="pl-PL" dirty="0" smtClean="0"/>
-              <a:t>) facet</a:t>
-            </a:r>
-            <a:endParaRPr lang="pl-PL" dirty="0"/>
-          </a:p>
-        </p:txBody>
-      </p:sp>
-    </p:spTree>
-    <p:extLst>
-      <p:ext uri="{BB962C8B-B14F-4D97-AF65-F5344CB8AC3E}">
-        <p14:creationId xmlns:p14="http://schemas.microsoft.com/office/powerpoint/2010/main" val="250509526"/>
-      </p:ext>
-    </p:extLst>
-  </p:cSld>
-  <p:clrMapOvr>
-    <a:masterClrMapping/>
-  </p:clrMapOvr>
-</p:sld>
-</file>
-
-<file path=ppt/slides/slide14.xml><?xml version="1.0" encoding="utf-8"?>
-<p:sld xmlns:a="http://schemas.openxmlformats.org/drawingml/2006/main" xmlns:r="http://schemas.openxmlformats.org/officeDocument/2006/relationships" xmlns:p="http://schemas.openxmlformats.org/presentationml/2006/main">
-  <p:cSld>
-    <p:bg>
-      <p:bgPr>
-        <a:solidFill>
-          <a:schemeClr val="bg1"/>
-        </a:solidFill>
-        <a:effectLst/>
-      </p:bgPr>
-    </p:bg>
-    <p:spTree>
-      <p:nvGrpSpPr>
-        <p:cNvPr id="1" name=""/>
-        <p:cNvGrpSpPr/>
-        <p:nvPr/>
-      </p:nvGrpSpPr>
-      <p:grpSpPr>
-        <a:xfrm>
-          <a:off x="0" y="0"/>
-          <a:ext cx="0" cy="0"/>
-          <a:chOff x="0" y="0"/>
-          <a:chExt cx="0" cy="0"/>
-        </a:xfrm>
-      </p:grpSpPr>
-      <p:grpSp>
-        <p:nvGrpSpPr>
-          <p:cNvPr id="10" name="Group 9">
-            <a:extLst>
-              <a:ext uri="{FF2B5EF4-FFF2-40B4-BE49-F238E27FC236}">
-                <a16:creationId xmlns:a16="http://schemas.microsoft.com/office/drawing/2014/main" id="{5ED88E92-14F3-4B58-9E48-1D79E139A89E}"/>
-              </a:ext>
-              <a:ext uri="{C183D7F6-B498-43B3-948B-1728B52AA6E4}">
-                <adec:decorative xmlns:adec="http://schemas.microsoft.com/office/drawing/2017/decorative" xmlns="" val="1"/>
-              </a:ext>
-            </a:extLst>
-          </p:cNvPr>
-          <p:cNvGrpSpPr>
-            <a:grpSpLocks noGrp="1" noUngrp="1" noRot="1" noChangeAspect="1" noMove="1" noResize="1"/>
-          </p:cNvGrpSpPr>
-          <p:nvPr>
-            <p:extLst>
-              <p:ext uri="{386F3935-93C4-4BCD-93E2-E3B085C9AB24}">
-                <p16:designElem xmlns:p16="http://schemas.microsoft.com/office/powerpoint/2015/main" val="1"/>
-              </p:ext>
-            </p:extLst>
-          </p:nvPr>
-        </p:nvGrpSpPr>
-        <p:grpSpPr>
-          <a:xfrm>
-            <a:off x="0" y="0"/>
-            <a:ext cx="12191999" cy="6861600"/>
-            <a:chOff x="1" y="0"/>
-            <a:chExt cx="12191999" cy="6861600"/>
-          </a:xfrm>
-        </p:grpSpPr>
-        <p:sp>
-          <p:nvSpPr>
-            <p:cNvPr id="11" name="Rectangle 10">
-              <a:extLst>
-                <a:ext uri="{FF2B5EF4-FFF2-40B4-BE49-F238E27FC236}">
-                  <a16:creationId xmlns:a16="http://schemas.microsoft.com/office/drawing/2014/main" id="{A6466AE7-32B6-4334-AF41-B9387E6726C5}"/>
-                </a:ext>
-                <a:ext uri="{C183D7F6-B498-43B3-948B-1728B52AA6E4}">
-                  <adec:decorative xmlns:adec="http://schemas.microsoft.com/office/drawing/2017/decorative" xmlns="" val="1"/>
-                </a:ext>
-              </a:extLst>
-            </p:cNvPr>
-            <p:cNvSpPr>
-              <a:spLocks noChangeAspect="1"/>
-            </p:cNvSpPr>
-            <p:nvPr>
-              <p:extLst>
-                <p:ext uri="{386F3935-93C4-4BCD-93E2-E3B085C9AB24}">
-                  <p16:designElem xmlns:p16="http://schemas.microsoft.com/office/powerpoint/2015/main" val="1"/>
-                </p:ext>
-              </p:extLst>
-            </p:nvPr>
-          </p:nvSpPr>
-          <p:spPr>
-            <a:xfrm rot="16200000">
-              <a:off x="1" y="1640114"/>
-              <a:ext cx="5217886" cy="5217886"/>
-            </a:xfrm>
-            <a:prstGeom prst="rect">
-              <a:avLst/>
-            </a:prstGeom>
-            <a:gradFill flip="none" rotWithShape="1">
-              <a:gsLst>
-                <a:gs pos="0">
-                  <a:schemeClr val="accent2">
-                    <a:alpha val="60000"/>
-                  </a:schemeClr>
-                </a:gs>
-                <a:gs pos="60000">
-                  <a:schemeClr val="accent2">
-                    <a:alpha val="0"/>
-                  </a:schemeClr>
-                </a:gs>
-              </a:gsLst>
-              <a:path path="circle">
-                <a:fillToRect r="100000" b="100000"/>
-              </a:path>
-              <a:tileRect l="-100000" t="-100000"/>
-            </a:gradFill>
-            <a:ln w="12700" cap="flat" cmpd="sng" algn="ctr">
-              <a:noFill/>
-              <a:prstDash val="solid"/>
-              <a:miter lim="800000"/>
-            </a:ln>
-            <a:effectLst/>
-          </p:spPr>
-          <p:style>
-            <a:lnRef idx="2">
-              <a:schemeClr val="accent1">
-                <a:shade val="50000"/>
-              </a:schemeClr>
-            </a:lnRef>
-            <a:fillRef idx="1">
-              <a:schemeClr val="accent1"/>
-            </a:fillRef>
-            <a:effectRef idx="0">
-              <a:schemeClr val="accent1"/>
-            </a:effectRef>
-            <a:fontRef idx="minor">
-              <a:schemeClr val="lt1"/>
-            </a:fontRef>
-          </p:style>
-          <p:txBody>
-            <a:bodyPr rtlCol="0" anchor="ctr"/>
-            <a:lstStyle/>
-            <a:p>
-              <a:pPr algn="r"/>
-              <a:endParaRPr lang="en-US"/>
-            </a:p>
-          </p:txBody>
-        </p:sp>
-        <p:sp>
-          <p:nvSpPr>
-            <p:cNvPr id="12" name="Oval 11">
-              <a:extLst>
-                <a:ext uri="{FF2B5EF4-FFF2-40B4-BE49-F238E27FC236}">
-                  <a16:creationId xmlns:a16="http://schemas.microsoft.com/office/drawing/2014/main" id="{659C09F8-90CD-443F-9AA1-D08C56A605BB}"/>
-                </a:ext>
-                <a:ext uri="{C183D7F6-B498-43B3-948B-1728B52AA6E4}">
-                  <adec:decorative xmlns:adec="http://schemas.microsoft.com/office/drawing/2017/decorative" xmlns="" val="1"/>
-                </a:ext>
-              </a:extLst>
-            </p:cNvPr>
-            <p:cNvSpPr>
-              <a:spLocks noChangeAspect="1"/>
-            </p:cNvSpPr>
-            <p:nvPr>
-              <p:extLst>
-                <p:ext uri="{386F3935-93C4-4BCD-93E2-E3B085C9AB24}">
-                  <p16:designElem xmlns:p16="http://schemas.microsoft.com/office/powerpoint/2015/main" val="1"/>
-                </p:ext>
-              </p:extLst>
-            </p:nvPr>
-          </p:nvSpPr>
-          <p:spPr>
-            <a:xfrm>
-              <a:off x="6384514" y="0"/>
-              <a:ext cx="4320000" cy="4320000"/>
-            </a:xfrm>
-            <a:prstGeom prst="ellipse">
-              <a:avLst/>
-            </a:prstGeom>
-            <a:solidFill>
-              <a:schemeClr val="accent3">
-                <a:alpha val="96000"/>
-              </a:schemeClr>
-            </a:solidFill>
-            <a:ln>
-              <a:noFill/>
-            </a:ln>
-            <a:effectLst>
-              <a:softEdge rad="1016000"/>
-            </a:effectLst>
-          </p:spPr>
-          <p:style>
-            <a:lnRef idx="2">
-              <a:schemeClr val="accent1">
-                <a:shade val="50000"/>
-              </a:schemeClr>
-            </a:lnRef>
-            <a:fillRef idx="1">
-              <a:schemeClr val="accent1"/>
-            </a:fillRef>
-            <a:effectRef idx="0">
-              <a:schemeClr val="accent1"/>
-            </a:effectRef>
-            <a:fontRef idx="minor">
-              <a:schemeClr val="lt1"/>
-            </a:fontRef>
-          </p:style>
-          <p:txBody>
-            <a:bodyPr rtlCol="0" anchor="ctr"/>
-            <a:lstStyle/>
-            <a:p>
-              <a:pPr algn="r"/>
-              <a:endParaRPr lang="en-US"/>
-            </a:p>
-          </p:txBody>
-        </p:sp>
-        <p:sp>
-          <p:nvSpPr>
-            <p:cNvPr id="13" name="Oval 12">
-              <a:extLst>
-                <a:ext uri="{FF2B5EF4-FFF2-40B4-BE49-F238E27FC236}">
-                  <a16:creationId xmlns:a16="http://schemas.microsoft.com/office/drawing/2014/main" id="{DC7304AB-BE7D-45AC-A876-4A24543AE5B3}"/>
-                </a:ext>
-                <a:ext uri="{C183D7F6-B498-43B3-948B-1728B52AA6E4}">
-                  <adec:decorative xmlns:adec="http://schemas.microsoft.com/office/drawing/2017/decorative" xmlns="" val="1"/>
-                </a:ext>
-              </a:extLst>
-            </p:cNvPr>
-            <p:cNvSpPr>
-              <a:spLocks noChangeAspect="1"/>
-            </p:cNvSpPr>
-            <p:nvPr>
-              <p:extLst>
-                <p:ext uri="{386F3935-93C4-4BCD-93E2-E3B085C9AB24}">
-                  <p16:designElem xmlns:p16="http://schemas.microsoft.com/office/powerpoint/2015/main" val="1"/>
-                </p:ext>
-              </p:extLst>
-            </p:nvPr>
-          </p:nvSpPr>
-          <p:spPr>
-            <a:xfrm>
-              <a:off x="6119057" y="1230054"/>
-              <a:ext cx="5506886" cy="5506886"/>
-            </a:xfrm>
-            <a:prstGeom prst="ellipse">
-              <a:avLst/>
-            </a:prstGeom>
-            <a:solidFill>
-              <a:schemeClr val="accent2">
-                <a:alpha val="60000"/>
-              </a:schemeClr>
-            </a:solidFill>
-            <a:ln>
-              <a:noFill/>
-            </a:ln>
-            <a:effectLst>
-              <a:softEdge rad="1270000"/>
-            </a:effectLst>
-          </p:spPr>
-          <p:style>
-            <a:lnRef idx="2">
-              <a:schemeClr val="accent1">
-                <a:shade val="50000"/>
-              </a:schemeClr>
-            </a:lnRef>
-            <a:fillRef idx="1">
-              <a:schemeClr val="accent1"/>
-            </a:fillRef>
-            <a:effectRef idx="0">
-              <a:schemeClr val="accent1"/>
-            </a:effectRef>
-            <a:fontRef idx="minor">
-              <a:schemeClr val="lt1"/>
-            </a:fontRef>
-          </p:style>
-          <p:txBody>
-            <a:bodyPr rtlCol="0" anchor="ctr"/>
-            <a:lstStyle/>
-            <a:p>
-              <a:pPr algn="r"/>
-              <a:endParaRPr lang="en-US"/>
-            </a:p>
-          </p:txBody>
-        </p:sp>
-        <p:grpSp>
-          <p:nvGrpSpPr>
-            <p:cNvPr id="14" name="Group 13">
-              <a:extLst>
-                <a:ext uri="{FF2B5EF4-FFF2-40B4-BE49-F238E27FC236}">
-                  <a16:creationId xmlns:a16="http://schemas.microsoft.com/office/drawing/2014/main" id="{8E11922B-DDB3-46D7-B1BD-C1CCDB3C42E3}"/>
-                </a:ext>
-                <a:ext uri="{C183D7F6-B498-43B3-948B-1728B52AA6E4}">
-                  <adec:decorative xmlns:adec="http://schemas.microsoft.com/office/drawing/2017/decorative" xmlns="" val="1"/>
-                </a:ext>
-              </a:extLst>
-            </p:cNvPr>
-            <p:cNvGrpSpPr>
-              <a:grpSpLocks noChangeAspect="1"/>
-            </p:cNvGrpSpPr>
-            <p:nvPr>
-              <p:extLst>
-                <p:ext uri="{386F3935-93C4-4BCD-93E2-E3B085C9AB24}">
-                  <p16:designElem xmlns:p16="http://schemas.microsoft.com/office/powerpoint/2015/main" val="1"/>
-                </p:ext>
-              </p:extLst>
-            </p:nvPr>
-          </p:nvGrpSpPr>
-          <p:grpSpPr>
-            <a:xfrm>
-              <a:off x="690092" y="0"/>
-              <a:ext cx="10800000" cy="6858000"/>
-              <a:chOff x="2328000" y="0"/>
-              <a:chExt cx="2880000" cy="1440000"/>
-            </a:xfrm>
-          </p:grpSpPr>
-          <p:sp>
-            <p:nvSpPr>
-              <p:cNvPr id="19" name="Rectangle 18">
-                <a:extLst>
-                  <a:ext uri="{FF2B5EF4-FFF2-40B4-BE49-F238E27FC236}">
-                    <a16:creationId xmlns:a16="http://schemas.microsoft.com/office/drawing/2014/main" id="{C580F8F6-E662-4BCD-AC9C-7E5DDBD5A773}"/>
-                  </a:ext>
-                  <a:ext uri="{C183D7F6-B498-43B3-948B-1728B52AA6E4}">
-                    <adec:decorative xmlns:adec="http://schemas.microsoft.com/office/drawing/2017/decorative" xmlns="" val="1"/>
-                  </a:ext>
-                </a:extLst>
-              </p:cNvPr>
-              <p:cNvSpPr/>
-              <p:nvPr>
-                <p:extLst>
-                  <p:ext uri="{386F3935-93C4-4BCD-93E2-E3B085C9AB24}">
-                    <p16:designElem xmlns:p16="http://schemas.microsoft.com/office/powerpoint/2015/main" val="1"/>
-                  </p:ext>
-                </p:extLst>
-              </p:nvPr>
-            </p:nvSpPr>
-            <p:spPr>
-              <a:xfrm>
-                <a:off x="3768000" y="0"/>
-                <a:ext cx="1440000" cy="1440000"/>
-              </a:xfrm>
-              <a:prstGeom prst="rect">
-                <a:avLst/>
-              </a:prstGeom>
-              <a:gradFill flip="none" rotWithShape="1">
-                <a:gsLst>
-                  <a:gs pos="0">
-                    <a:schemeClr val="accent1"/>
-                  </a:gs>
-                  <a:gs pos="60000">
-                    <a:schemeClr val="accent1">
-                      <a:alpha val="0"/>
-                    </a:schemeClr>
-                  </a:gs>
-                </a:gsLst>
-                <a:path path="circle">
-                  <a:fillToRect r="100000" b="100000"/>
-                </a:path>
-                <a:tileRect l="-100000" t="-100000"/>
-              </a:gradFill>
-              <a:ln w="12700" cap="flat" cmpd="sng" algn="ctr">
-                <a:noFill/>
-                <a:prstDash val="solid"/>
-                <a:miter lim="800000"/>
-              </a:ln>
-              <a:effectLst/>
-            </p:spPr>
-            <p:style>
-              <a:lnRef idx="2">
-                <a:schemeClr val="accent1">
-                  <a:shade val="50000"/>
-                </a:schemeClr>
-              </a:lnRef>
-              <a:fillRef idx="1">
-                <a:schemeClr val="accent1"/>
-              </a:fillRef>
-              <a:effectRef idx="0">
-                <a:schemeClr val="accent1"/>
-              </a:effectRef>
-              <a:fontRef idx="minor">
-                <a:schemeClr val="lt1"/>
-              </a:fontRef>
-            </p:style>
-            <p:txBody>
-              <a:bodyPr rtlCol="0" anchor="ctr"/>
-              <a:lstStyle/>
-              <a:p>
-                <a:pPr algn="r"/>
-                <a:endParaRPr lang="en-US"/>
-              </a:p>
-            </p:txBody>
-          </p:sp>
-          <p:sp>
-            <p:nvSpPr>
-              <p:cNvPr id="20" name="Rectangle 19">
-                <a:extLst>
-                  <a:ext uri="{FF2B5EF4-FFF2-40B4-BE49-F238E27FC236}">
-                    <a16:creationId xmlns:a16="http://schemas.microsoft.com/office/drawing/2014/main" id="{9A333FE5-ADB0-48EE-A1A6-9AA36DA343A2}"/>
-                  </a:ext>
-                  <a:ext uri="{C183D7F6-B498-43B3-948B-1728B52AA6E4}">
-                    <adec:decorative xmlns:adec="http://schemas.microsoft.com/office/drawing/2017/decorative" xmlns="" val="1"/>
-                  </a:ext>
-                </a:extLst>
-              </p:cNvPr>
-              <p:cNvSpPr/>
-              <p:nvPr>
-                <p:extLst>
-                  <p:ext uri="{386F3935-93C4-4BCD-93E2-E3B085C9AB24}">
-                    <p16:designElem xmlns:p16="http://schemas.microsoft.com/office/powerpoint/2015/main" val="1"/>
-                  </p:ext>
-                </p:extLst>
-              </p:nvPr>
-            </p:nvSpPr>
-            <p:spPr>
-              <a:xfrm flipH="1">
-                <a:off x="2328000" y="0"/>
-                <a:ext cx="1440000" cy="1440000"/>
-              </a:xfrm>
-              <a:prstGeom prst="rect">
-                <a:avLst/>
-              </a:prstGeom>
-              <a:gradFill flip="none" rotWithShape="1">
-                <a:gsLst>
-                  <a:gs pos="0">
-                    <a:schemeClr val="accent1"/>
-                  </a:gs>
-                  <a:gs pos="60000">
-                    <a:schemeClr val="accent1">
-                      <a:alpha val="0"/>
-                    </a:schemeClr>
-                  </a:gs>
-                </a:gsLst>
-                <a:path path="circle">
-                  <a:fillToRect r="100000" b="100000"/>
-                </a:path>
-                <a:tileRect l="-100000" t="-100000"/>
-              </a:gradFill>
-              <a:ln w="12700" cap="flat" cmpd="sng" algn="ctr">
-                <a:noFill/>
-                <a:prstDash val="solid"/>
-                <a:miter lim="800000"/>
-              </a:ln>
-              <a:effectLst/>
-            </p:spPr>
-            <p:style>
-              <a:lnRef idx="2">
-                <a:schemeClr val="accent1">
-                  <a:shade val="50000"/>
-                </a:schemeClr>
-              </a:lnRef>
-              <a:fillRef idx="1">
-                <a:schemeClr val="accent1"/>
-              </a:fillRef>
-              <a:effectRef idx="0">
-                <a:schemeClr val="accent1"/>
-              </a:effectRef>
-              <a:fontRef idx="minor">
-                <a:schemeClr val="lt1"/>
-              </a:fontRef>
-            </p:style>
-            <p:txBody>
-              <a:bodyPr rtlCol="0" anchor="ctr"/>
-              <a:lstStyle/>
-              <a:p>
-                <a:pPr algn="r"/>
-                <a:endParaRPr lang="en-US"/>
-              </a:p>
-            </p:txBody>
-          </p:sp>
-        </p:grpSp>
-        <p:grpSp>
-          <p:nvGrpSpPr>
-            <p:cNvPr id="15" name="Group 14">
-              <a:extLst>
-                <a:ext uri="{FF2B5EF4-FFF2-40B4-BE49-F238E27FC236}">
-                  <a16:creationId xmlns:a16="http://schemas.microsoft.com/office/drawing/2014/main" id="{0B09CD4F-6DF4-48AA-BD35-23E3F2A643F7}"/>
-                </a:ext>
-                <a:ext uri="{C183D7F6-B498-43B3-948B-1728B52AA6E4}">
-                  <adec:decorative xmlns:adec="http://schemas.microsoft.com/office/drawing/2017/decorative" xmlns="" val="1"/>
-                </a:ext>
-              </a:extLst>
-            </p:cNvPr>
-            <p:cNvGrpSpPr>
-              <a:grpSpLocks noChangeAspect="1"/>
-            </p:cNvGrpSpPr>
-            <p:nvPr>
-              <p:extLst>
-                <p:ext uri="{386F3935-93C4-4BCD-93E2-E3B085C9AB24}">
-                  <p16:designElem xmlns:p16="http://schemas.microsoft.com/office/powerpoint/2015/main" val="1"/>
-                </p:ext>
-              </p:extLst>
-            </p:nvPr>
-          </p:nvGrpSpPr>
-          <p:grpSpPr>
-            <a:xfrm rot="5400000">
-              <a:off x="7048499" y="1714500"/>
-              <a:ext cx="6858000" cy="3429000"/>
-              <a:chOff x="0" y="0"/>
-              <a:chExt cx="2880000" cy="1440000"/>
-            </a:xfrm>
-          </p:grpSpPr>
-          <p:sp>
-            <p:nvSpPr>
-              <p:cNvPr id="17" name="Rectangle 16">
-                <a:extLst>
-                  <a:ext uri="{FF2B5EF4-FFF2-40B4-BE49-F238E27FC236}">
-                    <a16:creationId xmlns:a16="http://schemas.microsoft.com/office/drawing/2014/main" id="{02223219-ACCC-42F2-A1B4-E3C8C8AB12A4}"/>
-                  </a:ext>
-                  <a:ext uri="{C183D7F6-B498-43B3-948B-1728B52AA6E4}">
-                    <adec:decorative xmlns:adec="http://schemas.microsoft.com/office/drawing/2017/decorative" xmlns="" val="1"/>
-                  </a:ext>
-                </a:extLst>
-              </p:cNvPr>
-              <p:cNvSpPr/>
-              <p:nvPr>
-                <p:extLst>
-                  <p:ext uri="{386F3935-93C4-4BCD-93E2-E3B085C9AB24}">
-                    <p16:designElem xmlns:p16="http://schemas.microsoft.com/office/powerpoint/2015/main" val="1"/>
-                  </p:ext>
-                </p:extLst>
-              </p:nvPr>
-            </p:nvSpPr>
-            <p:spPr>
-              <a:xfrm>
-                <a:off x="1440000" y="0"/>
-                <a:ext cx="1440000" cy="1440000"/>
-              </a:xfrm>
-              <a:prstGeom prst="rect">
-                <a:avLst/>
-              </a:prstGeom>
-              <a:gradFill flip="none" rotWithShape="1">
-                <a:gsLst>
-                  <a:gs pos="0">
-                    <a:schemeClr val="accent2"/>
-                  </a:gs>
-                  <a:gs pos="60000">
-                    <a:schemeClr val="accent2">
-                      <a:alpha val="0"/>
-                    </a:schemeClr>
-                  </a:gs>
-                </a:gsLst>
-                <a:path path="circle">
-                  <a:fillToRect r="100000" b="100000"/>
-                </a:path>
-                <a:tileRect l="-100000" t="-100000"/>
-              </a:gradFill>
-              <a:ln w="12700" cap="flat" cmpd="sng" algn="ctr">
-                <a:noFill/>
-                <a:prstDash val="solid"/>
-                <a:miter lim="800000"/>
-              </a:ln>
-              <a:effectLst/>
-            </p:spPr>
-            <p:style>
-              <a:lnRef idx="2">
-                <a:schemeClr val="accent1">
-                  <a:shade val="50000"/>
-                </a:schemeClr>
-              </a:lnRef>
-              <a:fillRef idx="1">
-                <a:schemeClr val="accent1"/>
-              </a:fillRef>
-              <a:effectRef idx="0">
-                <a:schemeClr val="accent1"/>
-              </a:effectRef>
-              <a:fontRef idx="minor">
-                <a:schemeClr val="lt1"/>
-              </a:fontRef>
-            </p:style>
-            <p:txBody>
-              <a:bodyPr rtlCol="0" anchor="ctr"/>
-              <a:lstStyle/>
-              <a:p>
-                <a:pPr algn="r"/>
-                <a:endParaRPr lang="en-US"/>
-              </a:p>
-            </p:txBody>
-          </p:sp>
-          <p:sp>
-            <p:nvSpPr>
-              <p:cNvPr id="18" name="Rectangle 17">
-                <a:extLst>
-                  <a:ext uri="{FF2B5EF4-FFF2-40B4-BE49-F238E27FC236}">
-                    <a16:creationId xmlns:a16="http://schemas.microsoft.com/office/drawing/2014/main" id="{1510B0E9-9BA0-4357-9E04-554C19BAAC89}"/>
-                  </a:ext>
-                  <a:ext uri="{C183D7F6-B498-43B3-948B-1728B52AA6E4}">
-                    <adec:decorative xmlns:adec="http://schemas.microsoft.com/office/drawing/2017/decorative" xmlns="" val="1"/>
-                  </a:ext>
-                </a:extLst>
-              </p:cNvPr>
-              <p:cNvSpPr/>
-              <p:nvPr>
-                <p:extLst>
-                  <p:ext uri="{386F3935-93C4-4BCD-93E2-E3B085C9AB24}">
-                    <p16:designElem xmlns:p16="http://schemas.microsoft.com/office/powerpoint/2015/main" val="1"/>
-                  </p:ext>
-                </p:extLst>
-              </p:nvPr>
-            </p:nvSpPr>
-            <p:spPr>
-              <a:xfrm flipH="1">
-                <a:off x="0" y="0"/>
-                <a:ext cx="1440000" cy="1440000"/>
-              </a:xfrm>
-              <a:prstGeom prst="rect">
-                <a:avLst/>
-              </a:prstGeom>
-              <a:gradFill flip="none" rotWithShape="1">
-                <a:gsLst>
-                  <a:gs pos="0">
-                    <a:schemeClr val="accent2"/>
-                  </a:gs>
-                  <a:gs pos="60000">
-                    <a:schemeClr val="accent2">
-                      <a:alpha val="0"/>
-                    </a:schemeClr>
-                  </a:gs>
-                </a:gsLst>
-                <a:path path="circle">
-                  <a:fillToRect r="100000" b="100000"/>
-                </a:path>
-                <a:tileRect l="-100000" t="-100000"/>
-              </a:gradFill>
-              <a:ln w="12700" cap="flat" cmpd="sng" algn="ctr">
-                <a:noFill/>
-                <a:prstDash val="solid"/>
-                <a:miter lim="800000"/>
-              </a:ln>
-              <a:effectLst/>
-            </p:spPr>
-            <p:style>
-              <a:lnRef idx="2">
-                <a:schemeClr val="accent1">
-                  <a:shade val="50000"/>
-                </a:schemeClr>
-              </a:lnRef>
-              <a:fillRef idx="1">
-                <a:schemeClr val="accent1"/>
-              </a:fillRef>
-              <a:effectRef idx="0">
-                <a:schemeClr val="accent1"/>
-              </a:effectRef>
-              <a:fontRef idx="minor">
-                <a:schemeClr val="lt1"/>
-              </a:fontRef>
-            </p:style>
-            <p:txBody>
-              <a:bodyPr rtlCol="0" anchor="ctr"/>
-              <a:lstStyle/>
-              <a:p>
-                <a:pPr algn="r"/>
-                <a:endParaRPr lang="en-US"/>
-              </a:p>
-            </p:txBody>
-          </p:sp>
-        </p:grpSp>
-        <p:sp>
-          <p:nvSpPr>
-            <p:cNvPr id="16" name="Rectangle 15">
-              <a:extLst>
-                <a:ext uri="{FF2B5EF4-FFF2-40B4-BE49-F238E27FC236}">
-                  <a16:creationId xmlns:a16="http://schemas.microsoft.com/office/drawing/2014/main" id="{DF06DA80-525A-4C9E-A441-50630AA772A4}"/>
-                </a:ext>
-                <a:ext uri="{C183D7F6-B498-43B3-948B-1728B52AA6E4}">
-                  <adec:decorative xmlns:adec="http://schemas.microsoft.com/office/drawing/2017/decorative" xmlns="" val="1"/>
-                </a:ext>
-              </a:extLst>
-            </p:cNvPr>
-            <p:cNvSpPr>
-              <a:spLocks noChangeAspect="1"/>
-            </p:cNvSpPr>
-            <p:nvPr>
-              <p:extLst>
-                <p:ext uri="{386F3935-93C4-4BCD-93E2-E3B085C9AB24}">
-                  <p16:designElem xmlns:p16="http://schemas.microsoft.com/office/powerpoint/2015/main" val="1"/>
-                </p:ext>
-              </p:extLst>
-            </p:nvPr>
-          </p:nvSpPr>
-          <p:spPr>
-            <a:xfrm rot="10800000">
-              <a:off x="5602287" y="271887"/>
-              <a:ext cx="6589713" cy="6589713"/>
-            </a:xfrm>
-            <a:prstGeom prst="rect">
-              <a:avLst/>
-            </a:prstGeom>
-            <a:gradFill flip="none" rotWithShape="1">
-              <a:gsLst>
-                <a:gs pos="0">
-                  <a:schemeClr val="accent3"/>
-                </a:gs>
-                <a:gs pos="60000">
-                  <a:schemeClr val="accent3">
-                    <a:alpha val="0"/>
-                  </a:schemeClr>
-                </a:gs>
-              </a:gsLst>
-              <a:path path="circle">
-                <a:fillToRect r="100000" b="100000"/>
-              </a:path>
-              <a:tileRect l="-100000" t="-100000"/>
-            </a:gradFill>
-            <a:ln w="12700" cap="flat" cmpd="sng" algn="ctr">
-              <a:noFill/>
-              <a:prstDash val="solid"/>
-              <a:miter lim="800000"/>
-            </a:ln>
-            <a:effectLst/>
-          </p:spPr>
-          <p:style>
-            <a:lnRef idx="2">
-              <a:schemeClr val="accent1">
-                <a:shade val="50000"/>
-              </a:schemeClr>
-            </a:lnRef>
-            <a:fillRef idx="1">
-              <a:schemeClr val="accent1"/>
-            </a:fillRef>
-            <a:effectRef idx="0">
-              <a:schemeClr val="accent1"/>
-            </a:effectRef>
-            <a:fontRef idx="minor">
-              <a:schemeClr val="lt1"/>
-            </a:fontRef>
-          </p:style>
-          <p:txBody>
-            <a:bodyPr rtlCol="0" anchor="ctr"/>
-            <a:lstStyle/>
-            <a:p>
-              <a:pPr algn="r"/>
-              <a:endParaRPr lang="en-US"/>
-            </a:p>
-          </p:txBody>
-        </p:sp>
-      </p:grpSp>
-      <p:sp>
-        <p:nvSpPr>
-          <p:cNvPr id="22" name="Rectangle 21">
-            <a:extLst>
-              <a:ext uri="{FF2B5EF4-FFF2-40B4-BE49-F238E27FC236}">
-                <a16:creationId xmlns:a16="http://schemas.microsoft.com/office/drawing/2014/main" id="{E841E027-8E53-4FEB-8605-2124D85731CA}"/>
-              </a:ext>
-              <a:ext uri="{C183D7F6-B498-43B3-948B-1728B52AA6E4}">
-                <adec:decorative xmlns:adec="http://schemas.microsoft.com/office/drawing/2017/decorative" xmlns="" val="1"/>
-              </a:ext>
-            </a:extLst>
-          </p:cNvPr>
-          <p:cNvSpPr>
-            <a:spLocks noGrp="1" noRot="1" noChangeAspect="1" noMove="1" noResize="1" noEditPoints="1" noAdjustHandles="1" noChangeArrowheads="1" noChangeShapeType="1" noTextEdit="1"/>
-          </p:cNvSpPr>
-          <p:nvPr>
-            <p:extLst>
-              <p:ext uri="{386F3935-93C4-4BCD-93E2-E3B085C9AB24}">
-                <p16:designElem xmlns:p16="http://schemas.microsoft.com/office/powerpoint/2015/main" val="1"/>
-              </p:ext>
-            </p:extLst>
-          </p:nvPr>
-        </p:nvSpPr>
-        <p:spPr>
-          <a:xfrm>
-            <a:off x="0" y="0"/>
-            <a:ext cx="12192000" cy="6858000"/>
-          </a:xfrm>
-          <a:prstGeom prst="rect">
-            <a:avLst/>
-          </a:prstGeom>
-          <a:solidFill>
-            <a:schemeClr val="bg2">
-              <a:alpha val="40000"/>
-            </a:schemeClr>
-          </a:solidFill>
-          <a:ln w="12700" cap="flat" cmpd="sng" algn="ctr">
-            <a:noFill/>
-            <a:prstDash val="solid"/>
-            <a:miter lim="800000"/>
-          </a:ln>
-          <a:effectLst/>
-        </p:spPr>
-        <p:style>
-          <a:lnRef idx="2">
-            <a:schemeClr val="accent1">
-              <a:shade val="50000"/>
-            </a:schemeClr>
-          </a:lnRef>
-          <a:fillRef idx="1">
-            <a:schemeClr val="accent1"/>
-          </a:fillRef>
-          <a:effectRef idx="0">
-            <a:schemeClr val="accent1"/>
-          </a:effectRef>
-          <a:fontRef idx="minor">
-            <a:schemeClr val="lt1"/>
-          </a:fontRef>
-        </p:style>
-        <p:txBody>
-          <a:bodyPr rtlCol="0" anchor="ctr"/>
-          <a:lstStyle/>
-          <a:p>
-            <a:pPr algn="r"/>
-            <a:endParaRPr lang="en-US"/>
-          </a:p>
-        </p:txBody>
-      </p:sp>
-      <p:pic>
-        <p:nvPicPr>
-          <p:cNvPr id="5" name="Content Placeholder 4" descr="A screenshot of a computer screen&#10;&#10;Description automatically generated">
-            <a:extLst>
-              <a:ext uri="{FF2B5EF4-FFF2-40B4-BE49-F238E27FC236}">
-                <a16:creationId xmlns:a16="http://schemas.microsoft.com/office/drawing/2014/main" id="{E6146A17-3564-3C1E-E55C-DAB11EF9EA0E}"/>
-              </a:ext>
-            </a:extLst>
-          </p:cNvPr>
-          <p:cNvPicPr>
-            <a:picLocks noGrp="1" noChangeAspect="1"/>
-          </p:cNvPicPr>
-          <p:nvPr>
-            <p:ph idx="1"/>
-          </p:nvPr>
-        </p:nvPicPr>
-        <p:blipFill rotWithShape="1">
-          <a:blip r:embed="rId2">
-            <a:extLst>
-              <a:ext uri="{28A0092B-C50C-407E-A947-70E740481C1C}">
-                <a14:useLocalDpi xmlns:a14="http://schemas.microsoft.com/office/drawing/2010/main" val="0"/>
-              </a:ext>
-            </a:extLst>
-          </a:blip>
-          <a:srcRect t="33599" b="17041"/>
-          <a:stretch/>
-        </p:blipFill>
-        <p:spPr>
-          <a:xfrm>
-            <a:off x="20" y="10"/>
-            <a:ext cx="12191980" cy="6857990"/>
-          </a:xfrm>
-          <a:custGeom>
-            <a:avLst/>
-            <a:gdLst/>
-            <a:ahLst/>
-            <a:cxnLst/>
-            <a:rect l="l" t="t" r="r" b="b"/>
-            <a:pathLst>
-              <a:path w="12192000" h="6858000">
-                <a:moveTo>
-                  <a:pt x="0" y="0"/>
-                </a:moveTo>
-                <a:lnTo>
-                  <a:pt x="12192000" y="0"/>
-                </a:lnTo>
-                <a:lnTo>
-                  <a:pt x="12192000" y="6858000"/>
-                </a:lnTo>
-                <a:lnTo>
-                  <a:pt x="0" y="6858000"/>
-                </a:lnTo>
-                <a:close/>
-              </a:path>
-            </a:pathLst>
-          </a:custGeom>
-        </p:spPr>
-      </p:pic>
-    </p:spTree>
-    <p:extLst>
-      <p:ext uri="{BB962C8B-B14F-4D97-AF65-F5344CB8AC3E}">
-        <p14:creationId xmlns:p14="http://schemas.microsoft.com/office/powerpoint/2010/main" val="1910441859"/>
-      </p:ext>
-    </p:extLst>
-  </p:cSld>
-  <p:clrMapOvr>
-    <a:masterClrMapping/>
-  </p:clrMapOvr>
-</p:sld>
-</file>
-
 <file path=ppt/slides/slide2.xml><?xml version="1.0" encoding="utf-8"?>
 <p:sld xmlns:a="http://schemas.openxmlformats.org/drawingml/2006/main" xmlns:r="http://schemas.openxmlformats.org/officeDocument/2006/relationships" xmlns:p="http://schemas.openxmlformats.org/presentationml/2006/main">
   <p:cSld>
@@ -14788,7 +10757,7 @@
                 <a16:creationId xmlns:a16="http://schemas.microsoft.com/office/drawing/2014/main" id="{CA9CD3E6-968F-41B1-B6FA-C6FD9B728B6F}"/>
               </a:ext>
               <a:ext uri="{C183D7F6-B498-43B3-948B-1728B52AA6E4}">
-                <adec:decorative xmlns:adec="http://schemas.microsoft.com/office/drawing/2017/decorative" xmlns="" val="1"/>
+                <adec:decorative xmlns:adec="http://schemas.microsoft.com/office/drawing/2017/decorative" val="1"/>
               </a:ext>
             </a:extLst>
           </p:cNvPr>
@@ -15869,7 +11838,7 @@
                 <a16:creationId xmlns:a16="http://schemas.microsoft.com/office/drawing/2014/main" id="{2F76036C-C247-4F63-AE7F-2ADB1D496E70}"/>
               </a:ext>
               <a:ext uri="{C183D7F6-B498-43B3-948B-1728B52AA6E4}">
-                <adec:decorative xmlns:adec="http://schemas.microsoft.com/office/drawing/2017/decorative" xmlns="" val="1"/>
+                <adec:decorative xmlns:adec="http://schemas.microsoft.com/office/drawing/2017/decorative" val="1"/>
               </a:ext>
             </a:extLst>
           </p:cNvPr>
@@ -15900,7 +11869,7 @@
                   <a16:creationId xmlns:a16="http://schemas.microsoft.com/office/drawing/2014/main" id="{76E007C2-3152-4316-9102-D76C4E77FF14}"/>
                 </a:ext>
                 <a:ext uri="{C183D7F6-B498-43B3-948B-1728B52AA6E4}">
-                  <adec:decorative xmlns:adec="http://schemas.microsoft.com/office/drawing/2017/decorative" xmlns="" val="1"/>
+                  <adec:decorative xmlns:adec="http://schemas.microsoft.com/office/drawing/2017/decorative" val="1"/>
                 </a:ext>
               </a:extLst>
             </p:cNvPr>
@@ -15968,7 +11937,7 @@
                   <a16:creationId xmlns:a16="http://schemas.microsoft.com/office/drawing/2014/main" id="{097CD397-C9CD-43FA-ABEF-9C3530B00097}"/>
                 </a:ext>
                 <a:ext uri="{C183D7F6-B498-43B3-948B-1728B52AA6E4}">
-                  <adec:decorative xmlns:adec="http://schemas.microsoft.com/office/drawing/2017/decorative" xmlns="" val="1"/>
+                  <adec:decorative xmlns:adec="http://schemas.microsoft.com/office/drawing/2017/decorative" val="1"/>
                 </a:ext>
               </a:extLst>
             </p:cNvPr>
@@ -16189,7 +12158,7 @@
                 <a16:creationId xmlns:a16="http://schemas.microsoft.com/office/drawing/2014/main" id="{CA9CD3E6-968F-41B1-B6FA-C6FD9B728B6F}"/>
               </a:ext>
               <a:ext uri="{C183D7F6-B498-43B3-948B-1728B52AA6E4}">
-                <adec:decorative xmlns:adec="http://schemas.microsoft.com/office/drawing/2017/decorative" xmlns="" val="1"/>
+                <adec:decorative xmlns:adec="http://schemas.microsoft.com/office/drawing/2017/decorative" val="1"/>
               </a:ext>
             </a:extLst>
           </p:cNvPr>
@@ -16722,7 +12691,7 @@
                 <a16:creationId xmlns:a16="http://schemas.microsoft.com/office/drawing/2014/main" id="{2F76036C-C247-4F63-AE7F-2ADB1D496E70}"/>
               </a:ext>
               <a:ext uri="{C183D7F6-B498-43B3-948B-1728B52AA6E4}">
-                <adec:decorative xmlns:adec="http://schemas.microsoft.com/office/drawing/2017/decorative" xmlns="" val="1"/>
+                <adec:decorative xmlns:adec="http://schemas.microsoft.com/office/drawing/2017/decorative" val="1"/>
               </a:ext>
             </a:extLst>
           </p:cNvPr>
@@ -16753,7 +12722,7 @@
                   <a16:creationId xmlns:a16="http://schemas.microsoft.com/office/drawing/2014/main" id="{76E007C2-3152-4316-9102-D76C4E77FF14}"/>
                 </a:ext>
                 <a:ext uri="{C183D7F6-B498-43B3-948B-1728B52AA6E4}">
-                  <adec:decorative xmlns:adec="http://schemas.microsoft.com/office/drawing/2017/decorative" xmlns="" val="1"/>
+                  <adec:decorative xmlns:adec="http://schemas.microsoft.com/office/drawing/2017/decorative" val="1"/>
                 </a:ext>
               </a:extLst>
             </p:cNvPr>
@@ -16821,7 +12790,7 @@
                   <a16:creationId xmlns:a16="http://schemas.microsoft.com/office/drawing/2014/main" id="{097CD397-C9CD-43FA-ABEF-9C3530B00097}"/>
                 </a:ext>
                 <a:ext uri="{C183D7F6-B498-43B3-948B-1728B52AA6E4}">
-                  <adec:decorative xmlns:adec="http://schemas.microsoft.com/office/drawing/2017/decorative" xmlns="" val="1"/>
+                  <adec:decorative xmlns:adec="http://schemas.microsoft.com/office/drawing/2017/decorative" val="1"/>
                 </a:ext>
               </a:extLst>
             </p:cNvPr>
@@ -16992,7 +12961,7 @@
                 <a16:creationId xmlns:a16="http://schemas.microsoft.com/office/drawing/2014/main" id="{81C8C0F4-5C44-4C3F-B321-5CB3E2BABC2C}"/>
               </a:ext>
               <a:ext uri="{C183D7F6-B498-43B3-948B-1728B52AA6E4}">
-                <adec:decorative xmlns:adec="http://schemas.microsoft.com/office/drawing/2017/decorative" xmlns="" val="1"/>
+                <adec:decorative xmlns:adec="http://schemas.microsoft.com/office/drawing/2017/decorative" val="1"/>
               </a:ext>
             </a:extLst>
           </p:cNvPr>
@@ -17068,7 +13037,7 @@
                 <a16:creationId xmlns:a16="http://schemas.microsoft.com/office/drawing/2014/main" id="{987A62DB-71D7-497D-BE1C-933ECB515A68}"/>
               </a:ext>
               <a:ext uri="{C183D7F6-B498-43B3-948B-1728B52AA6E4}">
-                <adec:decorative xmlns:adec="http://schemas.microsoft.com/office/drawing/2017/decorative" xmlns="" val="1"/>
+                <adec:decorative xmlns:adec="http://schemas.microsoft.com/office/drawing/2017/decorative" val="1"/>
               </a:ext>
             </a:extLst>
           </p:cNvPr>
@@ -17099,7 +13068,7 @@
                   <a16:creationId xmlns:a16="http://schemas.microsoft.com/office/drawing/2014/main" id="{FDAC2767-A7E3-4697-90F6-443A58314030}"/>
                 </a:ext>
                 <a:ext uri="{C183D7F6-B498-43B3-948B-1728B52AA6E4}">
-                  <adec:decorative xmlns:adec="http://schemas.microsoft.com/office/drawing/2017/decorative" xmlns="" val="1"/>
+                  <adec:decorative xmlns:adec="http://schemas.microsoft.com/office/drawing/2017/decorative" val="1"/>
                 </a:ext>
               </a:extLst>
             </p:cNvPr>
@@ -17167,7 +13136,7 @@
                   <a16:creationId xmlns:a16="http://schemas.microsoft.com/office/drawing/2014/main" id="{AB23E396-A746-411A-8709-32ABC4DDEAAC}"/>
                 </a:ext>
                 <a:ext uri="{C183D7F6-B498-43B3-948B-1728B52AA6E4}">
-                  <adec:decorative xmlns:adec="http://schemas.microsoft.com/office/drawing/2017/decorative" xmlns="" val="1"/>
+                  <adec:decorative xmlns:adec="http://schemas.microsoft.com/office/drawing/2017/decorative" val="1"/>
                 </a:ext>
               </a:extLst>
             </p:cNvPr>
@@ -17233,7 +13202,7 @@
                   <a16:creationId xmlns:a16="http://schemas.microsoft.com/office/drawing/2014/main" id="{D135C986-CB82-4211-A910-D232B9BCA1E0}"/>
                 </a:ext>
                 <a:ext uri="{C183D7F6-B498-43B3-948B-1728B52AA6E4}">
-                  <adec:decorative xmlns:adec="http://schemas.microsoft.com/office/drawing/2017/decorative" xmlns="" val="1"/>
+                  <adec:decorative xmlns:adec="http://schemas.microsoft.com/office/drawing/2017/decorative" val="1"/>
                 </a:ext>
               </a:extLst>
             </p:cNvPr>
@@ -17302,7 +13271,7 @@
                 <a16:creationId xmlns:a16="http://schemas.microsoft.com/office/drawing/2014/main" id="{837F2C8F-CC11-4A18-AA7E-AE8C022CDCC8}"/>
               </a:ext>
               <a:ext uri="{C183D7F6-B498-43B3-948B-1728B52AA6E4}">
-                <adec:decorative xmlns:adec="http://schemas.microsoft.com/office/drawing/2017/decorative" xmlns="" val="1"/>
+                <adec:decorative xmlns:adec="http://schemas.microsoft.com/office/drawing/2017/decorative" val="1"/>
               </a:ext>
             </a:extLst>
           </p:cNvPr>
@@ -17576,7 +13545,7 @@
                 <a14:useLocalDpi xmlns:a14="http://schemas.microsoft.com/office/drawing/2010/main" val="0"/>
               </a:ext>
               <a:ext uri="{96DAC541-7B7A-43D3-8B79-37D633B846F1}">
-                <asvg:svgBlip xmlns:asvg="http://schemas.microsoft.com/office/drawing/2016/SVG/main" xmlns="" r:embed="rId3"/>
+                <asvg:svgBlip xmlns:asvg="http://schemas.microsoft.com/office/drawing/2016/SVG/main" r:embed="rId3"/>
               </a:ext>
             </a:extLst>
           </a:blip>
@@ -17634,13 +13603,13 @@
       </p:grpSpPr>
       <p:sp useBgFill="1">
         <p:nvSpPr>
-          <p:cNvPr id="58" name="Rectangle 57">
+          <p:cNvPr id="37" name="Rectangle 36">
             <a:extLst>
               <a:ext uri="{FF2B5EF4-FFF2-40B4-BE49-F238E27FC236}">
-                <a16:creationId xmlns:a16="http://schemas.microsoft.com/office/drawing/2014/main" id="{CA9CD3E6-968F-41B1-B6FA-C6FD9B728B6F}"/>
+                <a16:creationId xmlns:a16="http://schemas.microsoft.com/office/drawing/2014/main" id="{81C8C0F4-5C44-4C3F-B321-5CB3E2BABC2C}"/>
               </a:ext>
               <a:ext uri="{C183D7F6-B498-43B3-948B-1728B52AA6E4}">
-                <adec:decorative xmlns:adec="http://schemas.microsoft.com/office/drawing/2017/decorative" xmlns="" val="1"/>
+                <adec:decorative xmlns:adec="http://schemas.microsoft.com/office/drawing/2017/decorative" val="1"/>
               </a:ext>
             </a:extLst>
           </p:cNvPr>
@@ -17713,7 +13682,7 @@
           <p:cNvPr id="2" name="Tytuł 1">
             <a:extLst>
               <a:ext uri="{FF2B5EF4-FFF2-40B4-BE49-F238E27FC236}">
-                <a16:creationId xmlns:a16="http://schemas.microsoft.com/office/drawing/2014/main" id="{3BEE6835-3A21-FBA0-EC90-1DCDFFE717AA}"/>
+                <a16:creationId xmlns:a16="http://schemas.microsoft.com/office/drawing/2014/main" id="{108A9F37-7278-E91F-8503-BCCD944A1F25}"/>
               </a:ext>
             </a:extLst>
           </p:cNvPr>
@@ -17727,7 +13696,7 @@
         <p:spPr>
           <a:xfrm>
             <a:off x="540000" y="540000"/>
-            <a:ext cx="4500561" cy="1953501"/>
+            <a:ext cx="4500561" cy="2181946"/>
           </a:xfrm>
         </p:spPr>
         <p:txBody>
@@ -17737,10 +13706,10 @@
           <a:lstStyle/>
           <a:p>
             <a:r>
-              <a:rPr lang="pl-PL">
+              <a:rPr lang="pl-PL" dirty="0" err="1">
                 <a:latin typeface="Avenir Next LT Pro"/>
               </a:rPr>
-              <a:t>Data Analysis</a:t>
+              <a:t>Interactivity</a:t>
             </a:r>
           </a:p>
         </p:txBody>
@@ -17750,7 +13719,7 @@
           <p:cNvPr id="3" name="Symbol zastępczy zawartości 2">
             <a:extLst>
               <a:ext uri="{FF2B5EF4-FFF2-40B4-BE49-F238E27FC236}">
-                <a16:creationId xmlns:a16="http://schemas.microsoft.com/office/drawing/2014/main" id="{D437FD0C-F371-9E9A-6D48-265067C440B9}"/>
+                <a16:creationId xmlns:a16="http://schemas.microsoft.com/office/drawing/2014/main" id="{3BAC0F79-5DA4-92EC-E609-AC0E75C005B0}"/>
               </a:ext>
             </a:extLst>
           </p:cNvPr>
@@ -17763,8 +13732,8 @@
         </p:nvSpPr>
         <p:spPr>
           <a:xfrm>
-            <a:off x="5232400" y="540000"/>
-            <a:ext cx="6408738" cy="5768725"/>
+            <a:off x="550863" y="2947121"/>
+            <a:ext cx="4500562" cy="3361604"/>
           </a:xfrm>
         </p:spPr>
         <p:txBody>
@@ -17775,907 +13744,50 @@
           <a:p>
             <a:pPr marL="269875" indent="-269875"/>
             <a:r>
-              <a:rPr lang="pl-PL" b="1" err="1">
-                <a:ea typeface="+mn-lt"/>
-                <a:cs typeface="+mn-lt"/>
-              </a:rPr>
-              <a:t>Salary</a:t>
-            </a:r>
-            <a:r>
-              <a:rPr lang="pl-PL" b="1">
-                <a:ea typeface="+mn-lt"/>
-                <a:cs typeface="+mn-lt"/>
-              </a:rPr>
-              <a:t> Analysis: </a:t>
-            </a:r>
-            <a:r>
-              <a:rPr lang="pl-PL">
-                <a:ea typeface="+mn-lt"/>
-                <a:cs typeface="+mn-lt"/>
-              </a:rPr>
-              <a:t> the </a:t>
-            </a:r>
-            <a:r>
-              <a:rPr lang="pl-PL" err="1">
-                <a:ea typeface="+mn-lt"/>
-                <a:cs typeface="+mn-lt"/>
-              </a:rPr>
-              <a:t>distribution</a:t>
-            </a:r>
-            <a:r>
-              <a:rPr lang="pl-PL">
-                <a:ea typeface="+mn-lt"/>
-                <a:cs typeface="+mn-lt"/>
-              </a:rPr>
-              <a:t> of </a:t>
-            </a:r>
-            <a:r>
-              <a:rPr lang="pl-PL" err="1">
-                <a:ea typeface="+mn-lt"/>
-                <a:cs typeface="+mn-lt"/>
-              </a:rPr>
-              <a:t>salaries</a:t>
-            </a:r>
-            <a:r>
-              <a:rPr lang="pl-PL">
-                <a:ea typeface="+mn-lt"/>
-                <a:cs typeface="+mn-lt"/>
-              </a:rPr>
+              <a:rPr lang="pl-PL" sz="3200" err="1"/>
+              <a:t>Dropdown</a:t>
+            </a:r>
+            <a:r>
+              <a:rPr lang="pl-PL" sz="3200" dirty="0"/>
               <a:t> </a:t>
             </a:r>
             <a:r>
-              <a:rPr lang="pl-PL" err="1">
-                <a:ea typeface="+mn-lt"/>
-                <a:cs typeface="+mn-lt"/>
-              </a:rPr>
-              <a:t>across</a:t>
-            </a:r>
-            <a:r>
-              <a:rPr lang="pl-PL">
-                <a:ea typeface="+mn-lt"/>
-                <a:cs typeface="+mn-lt"/>
-              </a:rPr>
-              <a:t> </a:t>
-            </a:r>
-            <a:r>
-              <a:rPr lang="pl-PL" err="1">
-                <a:ea typeface="+mn-lt"/>
-                <a:cs typeface="+mn-lt"/>
-              </a:rPr>
-              <a:t>different</a:t>
-            </a:r>
-            <a:r>
-              <a:rPr lang="pl-PL">
-                <a:ea typeface="+mn-lt"/>
-                <a:cs typeface="+mn-lt"/>
-              </a:rPr>
-              <a:t> </a:t>
-            </a:r>
-            <a:r>
-              <a:rPr lang="pl-PL" err="1">
-                <a:ea typeface="+mn-lt"/>
-                <a:cs typeface="+mn-lt"/>
-              </a:rPr>
-              <a:t>experience</a:t>
-            </a:r>
-            <a:r>
-              <a:rPr lang="pl-PL">
-                <a:ea typeface="+mn-lt"/>
-                <a:cs typeface="+mn-lt"/>
-              </a:rPr>
-              <a:t> </a:t>
-            </a:r>
-            <a:r>
-              <a:rPr lang="pl-PL" err="1">
-                <a:ea typeface="+mn-lt"/>
-                <a:cs typeface="+mn-lt"/>
-              </a:rPr>
-              <a:t>levels</a:t>
-            </a:r>
-            <a:r>
-              <a:rPr lang="pl-PL">
-                <a:ea typeface="+mn-lt"/>
-                <a:cs typeface="+mn-lt"/>
-              </a:rPr>
-              <a:t>, </a:t>
-            </a:r>
-            <a:r>
-              <a:rPr lang="pl-PL" err="1">
-                <a:ea typeface="+mn-lt"/>
-                <a:cs typeface="+mn-lt"/>
-              </a:rPr>
-              <a:t>job</a:t>
-            </a:r>
-            <a:r>
-              <a:rPr lang="pl-PL">
-                <a:ea typeface="+mn-lt"/>
-                <a:cs typeface="+mn-lt"/>
-              </a:rPr>
-              <a:t> </a:t>
-            </a:r>
-            <a:r>
-              <a:rPr lang="pl-PL" err="1">
-                <a:ea typeface="+mn-lt"/>
-                <a:cs typeface="+mn-lt"/>
-              </a:rPr>
-              <a:t>titles</a:t>
-            </a:r>
-            <a:r>
-              <a:rPr lang="pl-PL">
-                <a:ea typeface="+mn-lt"/>
-                <a:cs typeface="+mn-lt"/>
-              </a:rPr>
-              <a:t>, and </a:t>
-            </a:r>
-            <a:r>
-              <a:rPr lang="pl-PL" err="1">
-                <a:ea typeface="+mn-lt"/>
-                <a:cs typeface="+mn-lt"/>
-              </a:rPr>
-              <a:t>employment</a:t>
-            </a:r>
-            <a:r>
-              <a:rPr lang="pl-PL">
-                <a:ea typeface="+mn-lt"/>
-                <a:cs typeface="+mn-lt"/>
-              </a:rPr>
-              <a:t> </a:t>
-            </a:r>
-            <a:r>
-              <a:rPr lang="pl-PL" err="1">
-                <a:ea typeface="+mn-lt"/>
-                <a:cs typeface="+mn-lt"/>
-              </a:rPr>
-              <a:t>types</a:t>
-            </a:r>
-            <a:r>
-              <a:rPr lang="pl-PL">
-                <a:ea typeface="+mn-lt"/>
-                <a:cs typeface="+mn-lt"/>
-              </a:rPr>
-              <a:t>.</a:t>
-            </a:r>
-            <a:endParaRPr lang="pl-PL"/>
+              <a:rPr lang="pl-PL" sz="3200" err="1"/>
+              <a:t>box</a:t>
+            </a:r>
+            <a:endParaRPr lang="pl-PL" sz="3200" dirty="0"/>
           </a:p>
           <a:p>
             <a:pPr marL="269875" indent="-269875"/>
             <a:r>
-              <a:rPr lang="pl-PL" b="1" err="1">
-                <a:ea typeface="+mn-lt"/>
-                <a:cs typeface="+mn-lt"/>
-              </a:rPr>
-              <a:t>Geographical</a:t>
-            </a:r>
-            <a:r>
-              <a:rPr lang="pl-PL" b="1">
-                <a:ea typeface="+mn-lt"/>
-                <a:cs typeface="+mn-lt"/>
-              </a:rPr>
-              <a:t> Analysis:</a:t>
-            </a:r>
-            <a:r>
-              <a:rPr lang="pl-PL">
-                <a:ea typeface="+mn-lt"/>
-                <a:cs typeface="+mn-lt"/>
-              </a:rPr>
-              <a:t> </a:t>
-            </a:r>
-            <a:r>
-              <a:rPr lang="pl-PL" err="1">
-                <a:ea typeface="+mn-lt"/>
-                <a:cs typeface="+mn-lt"/>
-              </a:rPr>
-              <a:t>distribution</a:t>
-            </a:r>
-            <a:r>
-              <a:rPr lang="pl-PL">
-                <a:ea typeface="+mn-lt"/>
-                <a:cs typeface="+mn-lt"/>
-              </a:rPr>
-              <a:t> of </a:t>
-            </a:r>
-            <a:r>
-              <a:rPr lang="pl-PL" err="1">
-                <a:ea typeface="+mn-lt"/>
-                <a:cs typeface="+mn-lt"/>
-              </a:rPr>
-              <a:t>employees</a:t>
-            </a:r>
-            <a:r>
-              <a:rPr lang="pl-PL">
-                <a:ea typeface="+mn-lt"/>
-                <a:cs typeface="+mn-lt"/>
-              </a:rPr>
-              <a:t> and </a:t>
-            </a:r>
-            <a:r>
-              <a:rPr lang="pl-PL" err="1">
-                <a:ea typeface="+mn-lt"/>
-                <a:cs typeface="+mn-lt"/>
-              </a:rPr>
-              <a:t>companies</a:t>
-            </a:r>
-            <a:r>
-              <a:rPr lang="pl-PL">
-                <a:ea typeface="+mn-lt"/>
-                <a:cs typeface="+mn-lt"/>
-              </a:rPr>
-              <a:t> </a:t>
-            </a:r>
-            <a:r>
-              <a:rPr lang="pl-PL" err="1">
-                <a:ea typeface="+mn-lt"/>
-                <a:cs typeface="+mn-lt"/>
-              </a:rPr>
-              <a:t>across</a:t>
-            </a:r>
-            <a:r>
-              <a:rPr lang="pl-PL">
-                <a:ea typeface="+mn-lt"/>
-                <a:cs typeface="+mn-lt"/>
-              </a:rPr>
-              <a:t> </a:t>
-            </a:r>
-            <a:r>
-              <a:rPr lang="pl-PL" err="1">
-                <a:ea typeface="+mn-lt"/>
-                <a:cs typeface="+mn-lt"/>
-              </a:rPr>
-              <a:t>different</a:t>
-            </a:r>
-            <a:r>
-              <a:rPr lang="pl-PL">
-                <a:ea typeface="+mn-lt"/>
-                <a:cs typeface="+mn-lt"/>
-              </a:rPr>
-              <a:t> </a:t>
-            </a:r>
-            <a:r>
-              <a:rPr lang="pl-PL" err="1">
-                <a:ea typeface="+mn-lt"/>
-                <a:cs typeface="+mn-lt"/>
-              </a:rPr>
-              <a:t>countries</a:t>
-            </a:r>
-            <a:r>
-              <a:rPr lang="pl-PL">
-                <a:ea typeface="+mn-lt"/>
-                <a:cs typeface="+mn-lt"/>
-              </a:rPr>
-              <a:t>; </a:t>
-            </a:r>
-            <a:r>
-              <a:rPr lang="pl-PL" err="1">
-                <a:ea typeface="+mn-lt"/>
-                <a:cs typeface="+mn-lt"/>
-              </a:rPr>
-              <a:t>correlation</a:t>
-            </a:r>
-            <a:r>
-              <a:rPr lang="pl-PL">
-                <a:ea typeface="+mn-lt"/>
-                <a:cs typeface="+mn-lt"/>
-              </a:rPr>
-              <a:t> </a:t>
-            </a:r>
-            <a:r>
-              <a:rPr lang="pl-PL" err="1">
-                <a:ea typeface="+mn-lt"/>
-                <a:cs typeface="+mn-lt"/>
-              </a:rPr>
-              <a:t>between</a:t>
-            </a:r>
-            <a:r>
-              <a:rPr lang="pl-PL">
-                <a:ea typeface="+mn-lt"/>
-                <a:cs typeface="+mn-lt"/>
-              </a:rPr>
-              <a:t> the </a:t>
-            </a:r>
-            <a:r>
-              <a:rPr lang="pl-PL" err="1">
-                <a:ea typeface="+mn-lt"/>
-                <a:cs typeface="+mn-lt"/>
-              </a:rPr>
-              <a:t>employee's</a:t>
-            </a:r>
-            <a:r>
-              <a:rPr lang="pl-PL">
-                <a:ea typeface="+mn-lt"/>
-                <a:cs typeface="+mn-lt"/>
-              </a:rPr>
-              <a:t> </a:t>
-            </a:r>
-            <a:r>
-              <a:rPr lang="pl-PL" err="1">
-                <a:ea typeface="+mn-lt"/>
-                <a:cs typeface="+mn-lt"/>
-              </a:rPr>
-              <a:t>residence</a:t>
-            </a:r>
-            <a:r>
-              <a:rPr lang="pl-PL">
-                <a:ea typeface="+mn-lt"/>
-                <a:cs typeface="+mn-lt"/>
-              </a:rPr>
-              <a:t> and the </a:t>
-            </a:r>
-            <a:r>
-              <a:rPr lang="pl-PL" err="1">
-                <a:ea typeface="+mn-lt"/>
-                <a:cs typeface="+mn-lt"/>
-              </a:rPr>
-              <a:t>company's</a:t>
-            </a:r>
-            <a:r>
-              <a:rPr lang="pl-PL">
-                <a:ea typeface="+mn-lt"/>
-                <a:cs typeface="+mn-lt"/>
-              </a:rPr>
-              <a:t> </a:t>
-            </a:r>
-            <a:r>
-              <a:rPr lang="pl-PL" err="1">
-                <a:ea typeface="+mn-lt"/>
-                <a:cs typeface="+mn-lt"/>
-              </a:rPr>
-              <a:t>location</a:t>
-            </a:r>
-            <a:r>
-              <a:rPr lang="pl-PL">
-                <a:ea typeface="+mn-lt"/>
-                <a:cs typeface="+mn-lt"/>
-              </a:rPr>
-              <a:t>.</a:t>
-            </a:r>
-            <a:endParaRPr lang="pl-PL"/>
+              <a:rPr lang="pl-PL" sz="3200" err="1"/>
+              <a:t>Checkboxes</a:t>
+            </a:r>
+            <a:endParaRPr lang="pl-PL" sz="3200" dirty="0"/>
           </a:p>
           <a:p>
             <a:pPr marL="269875" indent="-269875"/>
             <a:r>
-              <a:rPr lang="pl-PL" b="1">
-                <a:ea typeface="+mn-lt"/>
-                <a:cs typeface="+mn-lt"/>
-              </a:rPr>
-              <a:t>Remote </a:t>
-            </a:r>
-            <a:r>
-              <a:rPr lang="pl-PL" b="1" err="1">
-                <a:ea typeface="+mn-lt"/>
-                <a:cs typeface="+mn-lt"/>
-              </a:rPr>
-              <a:t>Work</a:t>
-            </a:r>
-            <a:r>
-              <a:rPr lang="pl-PL" b="1">
-                <a:ea typeface="+mn-lt"/>
-                <a:cs typeface="+mn-lt"/>
-              </a:rPr>
-              <a:t> Analysis: </a:t>
-            </a:r>
-            <a:r>
-              <a:rPr lang="pl-PL" err="1">
-                <a:ea typeface="+mn-lt"/>
-                <a:cs typeface="+mn-lt"/>
-              </a:rPr>
-              <a:t>remote</a:t>
-            </a:r>
-            <a:r>
-              <a:rPr lang="pl-PL">
-                <a:ea typeface="+mn-lt"/>
-                <a:cs typeface="+mn-lt"/>
-              </a:rPr>
-              <a:t> </a:t>
-            </a:r>
-            <a:r>
-              <a:rPr lang="pl-PL" err="1">
-                <a:ea typeface="+mn-lt"/>
-                <a:cs typeface="+mn-lt"/>
-              </a:rPr>
-              <a:t>work</a:t>
-            </a:r>
-            <a:r>
-              <a:rPr lang="pl-PL">
-                <a:ea typeface="+mn-lt"/>
-                <a:cs typeface="+mn-lt"/>
-              </a:rPr>
-              <a:t> ratio and </a:t>
-            </a:r>
-            <a:r>
-              <a:rPr lang="pl-PL" err="1">
-                <a:ea typeface="+mn-lt"/>
-                <a:cs typeface="+mn-lt"/>
-              </a:rPr>
-              <a:t>its</a:t>
-            </a:r>
-            <a:r>
-              <a:rPr lang="pl-PL">
-                <a:ea typeface="+mn-lt"/>
-                <a:cs typeface="+mn-lt"/>
-              </a:rPr>
-              <a:t> </a:t>
-            </a:r>
-            <a:r>
-              <a:rPr lang="pl-PL" err="1">
-                <a:ea typeface="+mn-lt"/>
-                <a:cs typeface="+mn-lt"/>
-              </a:rPr>
-              <a:t>variations</a:t>
-            </a:r>
-            <a:r>
-              <a:rPr lang="pl-PL">
-                <a:ea typeface="+mn-lt"/>
-                <a:cs typeface="+mn-lt"/>
-              </a:rPr>
-              <a:t> </a:t>
-            </a:r>
-            <a:r>
-              <a:rPr lang="pl-PL" err="1">
-                <a:ea typeface="+mn-lt"/>
-                <a:cs typeface="+mn-lt"/>
-              </a:rPr>
-              <a:t>based</a:t>
-            </a:r>
-            <a:r>
-              <a:rPr lang="pl-PL">
-                <a:ea typeface="+mn-lt"/>
-                <a:cs typeface="+mn-lt"/>
-              </a:rPr>
-              <a:t> on </a:t>
-            </a:r>
-            <a:r>
-              <a:rPr lang="pl-PL" err="1">
-                <a:ea typeface="+mn-lt"/>
-                <a:cs typeface="+mn-lt"/>
-              </a:rPr>
-              <a:t>experience</a:t>
-            </a:r>
-            <a:r>
-              <a:rPr lang="pl-PL">
-                <a:ea typeface="+mn-lt"/>
-                <a:cs typeface="+mn-lt"/>
-              </a:rPr>
-              <a:t> </a:t>
-            </a:r>
-            <a:r>
-              <a:rPr lang="pl-PL" err="1">
-                <a:ea typeface="+mn-lt"/>
-                <a:cs typeface="+mn-lt"/>
-              </a:rPr>
-              <a:t>level</a:t>
-            </a:r>
-            <a:r>
-              <a:rPr lang="pl-PL">
-                <a:ea typeface="+mn-lt"/>
-                <a:cs typeface="+mn-lt"/>
-              </a:rPr>
-              <a:t>, </a:t>
-            </a:r>
-            <a:r>
-              <a:rPr lang="pl-PL" err="1">
-                <a:ea typeface="+mn-lt"/>
-                <a:cs typeface="+mn-lt"/>
-              </a:rPr>
-              <a:t>job</a:t>
-            </a:r>
-            <a:r>
-              <a:rPr lang="pl-PL">
-                <a:ea typeface="+mn-lt"/>
-                <a:cs typeface="+mn-lt"/>
-              </a:rPr>
-              <a:t> </a:t>
-            </a:r>
-            <a:r>
-              <a:rPr lang="pl-PL" err="1">
-                <a:ea typeface="+mn-lt"/>
-                <a:cs typeface="+mn-lt"/>
-              </a:rPr>
-              <a:t>title</a:t>
-            </a:r>
-            <a:r>
-              <a:rPr lang="pl-PL">
-                <a:ea typeface="+mn-lt"/>
-                <a:cs typeface="+mn-lt"/>
-              </a:rPr>
-              <a:t>, and </a:t>
-            </a:r>
-            <a:r>
-              <a:rPr lang="pl-PL" err="1">
-                <a:ea typeface="+mn-lt"/>
-                <a:cs typeface="+mn-lt"/>
-              </a:rPr>
-              <a:t>company</a:t>
-            </a:r>
-            <a:r>
-              <a:rPr lang="pl-PL">
-                <a:ea typeface="+mn-lt"/>
-                <a:cs typeface="+mn-lt"/>
-              </a:rPr>
-              <a:t> </a:t>
-            </a:r>
-            <a:r>
-              <a:rPr lang="pl-PL" err="1">
-                <a:ea typeface="+mn-lt"/>
-                <a:cs typeface="+mn-lt"/>
-              </a:rPr>
-              <a:t>size</a:t>
-            </a:r>
-            <a:r>
-              <a:rPr lang="pl-PL">
-                <a:ea typeface="+mn-lt"/>
-                <a:cs typeface="+mn-lt"/>
-              </a:rPr>
-              <a:t>; </a:t>
-            </a:r>
-            <a:r>
-              <a:rPr lang="pl-PL" err="1">
-                <a:ea typeface="+mn-lt"/>
-                <a:cs typeface="+mn-lt"/>
-              </a:rPr>
-              <a:t>is</a:t>
-            </a:r>
-            <a:r>
-              <a:rPr lang="pl-PL">
-                <a:ea typeface="+mn-lt"/>
-                <a:cs typeface="+mn-lt"/>
-              </a:rPr>
-              <a:t> </a:t>
-            </a:r>
-            <a:r>
-              <a:rPr lang="pl-PL" err="1">
-                <a:ea typeface="+mn-lt"/>
-                <a:cs typeface="+mn-lt"/>
-              </a:rPr>
-              <a:t>there</a:t>
-            </a:r>
-            <a:r>
-              <a:rPr lang="pl-PL">
-                <a:ea typeface="+mn-lt"/>
-                <a:cs typeface="+mn-lt"/>
-              </a:rPr>
-              <a:t> a </a:t>
-            </a:r>
-            <a:r>
-              <a:rPr lang="pl-PL" err="1">
-                <a:ea typeface="+mn-lt"/>
-                <a:cs typeface="+mn-lt"/>
-              </a:rPr>
-              <a:t>relationship</a:t>
-            </a:r>
-            <a:r>
-              <a:rPr lang="pl-PL">
-                <a:ea typeface="+mn-lt"/>
-                <a:cs typeface="+mn-lt"/>
-              </a:rPr>
-              <a:t> </a:t>
-            </a:r>
-            <a:r>
-              <a:rPr lang="pl-PL" err="1">
-                <a:ea typeface="+mn-lt"/>
-                <a:cs typeface="+mn-lt"/>
-              </a:rPr>
-              <a:t>between</a:t>
-            </a:r>
-            <a:r>
-              <a:rPr lang="pl-PL">
-                <a:ea typeface="+mn-lt"/>
-                <a:cs typeface="+mn-lt"/>
-              </a:rPr>
-              <a:t> </a:t>
-            </a:r>
-            <a:r>
-              <a:rPr lang="pl-PL" err="1">
-                <a:ea typeface="+mn-lt"/>
-                <a:cs typeface="+mn-lt"/>
-              </a:rPr>
-              <a:t>remote</a:t>
-            </a:r>
-            <a:r>
-              <a:rPr lang="pl-PL">
-                <a:ea typeface="+mn-lt"/>
-                <a:cs typeface="+mn-lt"/>
-              </a:rPr>
-              <a:t> </a:t>
-            </a:r>
-            <a:r>
-              <a:rPr lang="pl-PL" err="1">
-                <a:ea typeface="+mn-lt"/>
-                <a:cs typeface="+mn-lt"/>
-              </a:rPr>
-              <a:t>work</a:t>
-            </a:r>
-            <a:r>
-              <a:rPr lang="pl-PL">
-                <a:ea typeface="+mn-lt"/>
-                <a:cs typeface="+mn-lt"/>
-              </a:rPr>
-              <a:t> and </a:t>
-            </a:r>
-            <a:r>
-              <a:rPr lang="pl-PL" err="1">
-                <a:ea typeface="+mn-lt"/>
-                <a:cs typeface="+mn-lt"/>
-              </a:rPr>
-              <a:t>salary</a:t>
-            </a:r>
-            <a:r>
-              <a:rPr lang="pl-PL">
-                <a:ea typeface="+mn-lt"/>
-                <a:cs typeface="+mn-lt"/>
-              </a:rPr>
-              <a:t>.</a:t>
-            </a:r>
-            <a:endParaRPr lang="pl-PL"/>
-          </a:p>
-          <a:p>
-            <a:pPr marL="269875" indent="-269875"/>
-            <a:r>
-              <a:rPr lang="pl-PL" b="1">
-                <a:ea typeface="+mn-lt"/>
-                <a:cs typeface="+mn-lt"/>
-              </a:rPr>
-              <a:t>Company </a:t>
-            </a:r>
-            <a:r>
-              <a:rPr lang="pl-PL" b="1" err="1">
-                <a:ea typeface="+mn-lt"/>
-                <a:cs typeface="+mn-lt"/>
-              </a:rPr>
-              <a:t>Characteristics</a:t>
-            </a:r>
-            <a:r>
-              <a:rPr lang="pl-PL" b="1">
-                <a:ea typeface="+mn-lt"/>
-                <a:cs typeface="+mn-lt"/>
-              </a:rPr>
-              <a:t>:</a:t>
-            </a:r>
-            <a:r>
-              <a:rPr lang="pl-PL">
-                <a:ea typeface="+mn-lt"/>
-                <a:cs typeface="+mn-lt"/>
-              </a:rPr>
-              <a:t> the median </a:t>
-            </a:r>
-            <a:r>
-              <a:rPr lang="pl-PL" err="1">
-                <a:ea typeface="+mn-lt"/>
-                <a:cs typeface="+mn-lt"/>
-              </a:rPr>
-              <a:t>company</a:t>
-            </a:r>
-            <a:r>
-              <a:rPr lang="pl-PL">
-                <a:ea typeface="+mn-lt"/>
-                <a:cs typeface="+mn-lt"/>
-              </a:rPr>
-              <a:t> </a:t>
-            </a:r>
-            <a:r>
-              <a:rPr lang="pl-PL" err="1">
-                <a:ea typeface="+mn-lt"/>
-                <a:cs typeface="+mn-lt"/>
-              </a:rPr>
-              <a:t>size</a:t>
-            </a:r>
-            <a:r>
-              <a:rPr lang="pl-PL">
-                <a:ea typeface="+mn-lt"/>
-                <a:cs typeface="+mn-lt"/>
-              </a:rPr>
-              <a:t> and </a:t>
-            </a:r>
-            <a:r>
-              <a:rPr lang="pl-PL" err="1">
-                <a:ea typeface="+mn-lt"/>
-                <a:cs typeface="+mn-lt"/>
-              </a:rPr>
-              <a:t>its</a:t>
-            </a:r>
-            <a:r>
-              <a:rPr lang="pl-PL">
-                <a:ea typeface="+mn-lt"/>
-                <a:cs typeface="+mn-lt"/>
-              </a:rPr>
-              <a:t> </a:t>
-            </a:r>
-            <a:r>
-              <a:rPr lang="pl-PL" err="1">
-                <a:ea typeface="+mn-lt"/>
-                <a:cs typeface="+mn-lt"/>
-              </a:rPr>
-              <a:t>impact</a:t>
-            </a:r>
-            <a:r>
-              <a:rPr lang="pl-PL">
-                <a:ea typeface="+mn-lt"/>
-                <a:cs typeface="+mn-lt"/>
-              </a:rPr>
-              <a:t> on </a:t>
-            </a:r>
-            <a:r>
-              <a:rPr lang="pl-PL" err="1">
-                <a:ea typeface="+mn-lt"/>
-                <a:cs typeface="+mn-lt"/>
-              </a:rPr>
-              <a:t>salaries</a:t>
-            </a:r>
-            <a:r>
-              <a:rPr lang="pl-PL">
-                <a:ea typeface="+mn-lt"/>
-                <a:cs typeface="+mn-lt"/>
-              </a:rPr>
-              <a:t>; </a:t>
-            </a:r>
-            <a:r>
-              <a:rPr lang="pl-PL" err="1">
-                <a:ea typeface="+mn-lt"/>
-                <a:cs typeface="+mn-lt"/>
-              </a:rPr>
-              <a:t>whether</a:t>
-            </a:r>
-            <a:r>
-              <a:rPr lang="pl-PL">
-                <a:ea typeface="+mn-lt"/>
-                <a:cs typeface="+mn-lt"/>
-              </a:rPr>
-              <a:t> </a:t>
-            </a:r>
-            <a:r>
-              <a:rPr lang="pl-PL" err="1">
-                <a:ea typeface="+mn-lt"/>
-                <a:cs typeface="+mn-lt"/>
-              </a:rPr>
-              <a:t>company</a:t>
-            </a:r>
-            <a:r>
-              <a:rPr lang="pl-PL">
-                <a:ea typeface="+mn-lt"/>
-                <a:cs typeface="+mn-lt"/>
-              </a:rPr>
-              <a:t> </a:t>
-            </a:r>
-            <a:r>
-              <a:rPr lang="pl-PL" err="1">
-                <a:ea typeface="+mn-lt"/>
-                <a:cs typeface="+mn-lt"/>
-              </a:rPr>
-              <a:t>size</a:t>
-            </a:r>
-            <a:r>
-              <a:rPr lang="pl-PL">
-                <a:ea typeface="+mn-lt"/>
-                <a:cs typeface="+mn-lt"/>
-              </a:rPr>
-              <a:t> </a:t>
-            </a:r>
-            <a:r>
-              <a:rPr lang="pl-PL" err="1">
-                <a:ea typeface="+mn-lt"/>
-                <a:cs typeface="+mn-lt"/>
-              </a:rPr>
-              <a:t>influences</a:t>
-            </a:r>
-            <a:r>
-              <a:rPr lang="pl-PL">
-                <a:ea typeface="+mn-lt"/>
-                <a:cs typeface="+mn-lt"/>
-              </a:rPr>
-              <a:t> the </a:t>
-            </a:r>
-            <a:r>
-              <a:rPr lang="pl-PL" err="1">
-                <a:ea typeface="+mn-lt"/>
-                <a:cs typeface="+mn-lt"/>
-              </a:rPr>
-              <a:t>type</a:t>
-            </a:r>
-            <a:r>
-              <a:rPr lang="pl-PL">
-                <a:ea typeface="+mn-lt"/>
-                <a:cs typeface="+mn-lt"/>
-              </a:rPr>
-              <a:t> of </a:t>
-            </a:r>
-            <a:r>
-              <a:rPr lang="pl-PL" err="1">
-                <a:ea typeface="+mn-lt"/>
-                <a:cs typeface="+mn-lt"/>
-              </a:rPr>
-              <a:t>employment</a:t>
-            </a:r>
-            <a:r>
-              <a:rPr lang="pl-PL">
-                <a:ea typeface="+mn-lt"/>
-                <a:cs typeface="+mn-lt"/>
-              </a:rPr>
-              <a:t> </a:t>
-            </a:r>
-            <a:r>
-              <a:rPr lang="pl-PL" err="1">
-                <a:ea typeface="+mn-lt"/>
-                <a:cs typeface="+mn-lt"/>
-              </a:rPr>
-              <a:t>or</a:t>
-            </a:r>
-            <a:r>
-              <a:rPr lang="pl-PL">
-                <a:ea typeface="+mn-lt"/>
-                <a:cs typeface="+mn-lt"/>
-              </a:rPr>
-              <a:t> </a:t>
-            </a:r>
-            <a:r>
-              <a:rPr lang="pl-PL" err="1">
-                <a:ea typeface="+mn-lt"/>
-                <a:cs typeface="+mn-lt"/>
-              </a:rPr>
-              <a:t>remote</a:t>
-            </a:r>
-            <a:r>
-              <a:rPr lang="pl-PL">
-                <a:ea typeface="+mn-lt"/>
-                <a:cs typeface="+mn-lt"/>
-              </a:rPr>
-              <a:t> </a:t>
-            </a:r>
-            <a:r>
-              <a:rPr lang="pl-PL" err="1">
-                <a:ea typeface="+mn-lt"/>
-                <a:cs typeface="+mn-lt"/>
-              </a:rPr>
-              <a:t>work</a:t>
-            </a:r>
-            <a:r>
-              <a:rPr lang="pl-PL">
-                <a:ea typeface="+mn-lt"/>
-                <a:cs typeface="+mn-lt"/>
-              </a:rPr>
-              <a:t> policies.</a:t>
-            </a:r>
-            <a:endParaRPr lang="pl-PL"/>
-          </a:p>
-          <a:p>
-            <a:pPr marL="0" indent="0">
-              <a:buNone/>
-            </a:pPr>
-            <a:endParaRPr lang="pl-PL"/>
-          </a:p>
-          <a:p>
-            <a:pPr marL="0" indent="0">
-              <a:buNone/>
-            </a:pPr>
-            <a:endParaRPr lang="pl-PL" b="1"/>
-          </a:p>
-          <a:p>
-            <a:pPr marL="269875" indent="-269875"/>
-            <a:endParaRPr lang="pl-PL" b="1"/>
-          </a:p>
-          <a:p>
-            <a:pPr marL="0" indent="0">
-              <a:buNone/>
-            </a:pPr>
-            <a:endParaRPr lang="pl-PL" b="1"/>
-          </a:p>
-          <a:p>
-            <a:pPr marL="269875" indent="-269875"/>
-            <a:endParaRPr lang="pl-PL" b="1"/>
-          </a:p>
-          <a:p>
-            <a:pPr marL="269875" indent="-269875"/>
-            <a:endParaRPr lang="pl-PL"/>
+              <a:rPr lang="pl-PL" sz="3200" dirty="0"/>
+              <a:t>Map </a:t>
+            </a:r>
+            <a:r>
+              <a:rPr lang="pl-PL" sz="3200" err="1"/>
+              <a:t>markers</a:t>
+            </a:r>
+            <a:endParaRPr lang="pl-PL" sz="2400" dirty="0"/>
           </a:p>
         </p:txBody>
       </p:sp>
       <p:grpSp>
         <p:nvGrpSpPr>
-          <p:cNvPr id="60" name="Group 59">
+          <p:cNvPr id="39" name="Group 38">
             <a:extLst>
               <a:ext uri="{FF2B5EF4-FFF2-40B4-BE49-F238E27FC236}">
-                <a16:creationId xmlns:a16="http://schemas.microsoft.com/office/drawing/2014/main" id="{2F76036C-C247-4F63-AE7F-2ADB1D496E70}"/>
+                <a16:creationId xmlns:a16="http://schemas.microsoft.com/office/drawing/2014/main" id="{000A5F84-BD20-4A3E-81BA-9F4444101C16}"/>
               </a:ext>
               <a:ext uri="{C183D7F6-B498-43B3-948B-1728B52AA6E4}">
-                <adec:decorative xmlns:adec="http://schemas.microsoft.com/office/drawing/2017/decorative" xmlns="" val="1"/>
+                <adec:decorative xmlns:adec="http://schemas.microsoft.com/office/drawing/2017/decorative" val="1"/>
               </a:ext>
             </a:extLst>
           </p:cNvPr>
@@ -18692,21 +13804,21 @@
         </p:nvGrpSpPr>
         <p:grpSpPr>
           <a:xfrm>
-            <a:off x="0" y="1671579"/>
-            <a:ext cx="4946649" cy="4792115"/>
-            <a:chOff x="0" y="1671579"/>
-            <a:chExt cx="4946649" cy="4792115"/>
+            <a:off x="4925125" y="3600"/>
+            <a:ext cx="7266875" cy="6854400"/>
+            <a:chOff x="4925125" y="3600"/>
+            <a:chExt cx="7266875" cy="6854400"/>
           </a:xfrm>
         </p:grpSpPr>
         <p:sp>
           <p:nvSpPr>
-            <p:cNvPr id="61" name="Oval 60">
+            <p:cNvPr id="40" name="Oval 39">
               <a:extLst>
                 <a:ext uri="{FF2B5EF4-FFF2-40B4-BE49-F238E27FC236}">
-                  <a16:creationId xmlns:a16="http://schemas.microsoft.com/office/drawing/2014/main" id="{76E007C2-3152-4316-9102-D76C4E77FF14}"/>
+                  <a16:creationId xmlns:a16="http://schemas.microsoft.com/office/drawing/2014/main" id="{FF62F19C-23B5-44FC-88CF-01A430872686}"/>
                 </a:ext>
                 <a:ext uri="{C183D7F6-B498-43B3-948B-1728B52AA6E4}">
-                  <adec:decorative xmlns:adec="http://schemas.microsoft.com/office/drawing/2017/decorative" xmlns="" val="1"/>
+                  <adec:decorative xmlns:adec="http://schemas.microsoft.com/office/drawing/2017/decorative" val="1"/>
                 </a:ext>
               </a:extLst>
             </p:cNvPr>
@@ -18723,15 +13835,15 @@
           </p:nvSpPr>
           <p:spPr>
             <a:xfrm>
-              <a:off x="154534" y="1671579"/>
-              <a:ext cx="4792115" cy="4792115"/>
+              <a:off x="4925125" y="1098000"/>
+              <a:ext cx="5760000" cy="5760000"/>
             </a:xfrm>
             <a:prstGeom prst="ellipse">
               <a:avLst/>
             </a:prstGeom>
             <a:solidFill>
-              <a:schemeClr val="accent2">
-                <a:alpha val="60000"/>
+              <a:schemeClr val="accent1">
+                <a:alpha val="80000"/>
               </a:schemeClr>
             </a:solidFill>
             <a:ln>
@@ -18768,13 +13880,13 @@
         </p:sp>
         <p:sp>
           <p:nvSpPr>
-            <p:cNvPr id="62" name="Oval 61">
+            <p:cNvPr id="41" name="Oval 40">
               <a:extLst>
                 <a:ext uri="{FF2B5EF4-FFF2-40B4-BE49-F238E27FC236}">
-                  <a16:creationId xmlns:a16="http://schemas.microsoft.com/office/drawing/2014/main" id="{097CD397-C9CD-43FA-ABEF-9C3530B00097}"/>
+                  <a16:creationId xmlns:a16="http://schemas.microsoft.com/office/drawing/2014/main" id="{C82D9667-DCFB-45CA-8EDC-7E5E0EE42AB3}"/>
                 </a:ext>
                 <a:ext uri="{C183D7F6-B498-43B3-948B-1728B52AA6E4}">
-                  <adec:decorative xmlns:adec="http://schemas.microsoft.com/office/drawing/2017/decorative" xmlns="" val="1"/>
+                  <adec:decorative xmlns:adec="http://schemas.microsoft.com/office/drawing/2017/decorative" val="1"/>
                 </a:ext>
               </a:extLst>
             </p:cNvPr>
@@ -18791,16 +13903,14 @@
           </p:nvSpPr>
           <p:spPr>
             <a:xfrm>
-              <a:off x="0" y="2115933"/>
+              <a:off x="5105686" y="65314"/>
               <a:ext cx="4320000" cy="4320000"/>
             </a:xfrm>
             <a:prstGeom prst="ellipse">
               <a:avLst/>
             </a:prstGeom>
             <a:solidFill>
-              <a:schemeClr val="accent1">
-                <a:alpha val="60000"/>
-              </a:schemeClr>
+              <a:schemeClr val="accent3"/>
             </a:solidFill>
             <a:ln>
               <a:noFill/>
@@ -18834,13 +13944,81 @@
             </a:p>
           </p:txBody>
         </p:sp>
+        <p:sp>
+          <p:nvSpPr>
+            <p:cNvPr id="42" name="Oval 41">
+              <a:extLst>
+                <a:ext uri="{FF2B5EF4-FFF2-40B4-BE49-F238E27FC236}">
+                  <a16:creationId xmlns:a16="http://schemas.microsoft.com/office/drawing/2014/main" id="{CE8752FF-502D-43D5-9828-8C4216648319}"/>
+                </a:ext>
+                <a:ext uri="{C183D7F6-B498-43B3-948B-1728B52AA6E4}">
+                  <adec:decorative xmlns:adec="http://schemas.microsoft.com/office/drawing/2017/decorative" val="1"/>
+                </a:ext>
+              </a:extLst>
+            </p:cNvPr>
+            <p:cNvSpPr>
+              <a:spLocks noChangeAspect="1"/>
+            </p:cNvSpPr>
+            <p:nvPr>
+              <p:extLst>
+                <p:ext uri="{386F3935-93C4-4BCD-93E2-E3B085C9AB24}">
+                  <p16:designElem xmlns:p16="http://schemas.microsoft.com/office/powerpoint/2015/main" val="1"/>
+                </p:ext>
+              </p:extLst>
+            </p:nvPr>
+          </p:nvSpPr>
+          <p:spPr>
+            <a:xfrm>
+              <a:off x="5337600" y="3600"/>
+              <a:ext cx="6854400" cy="6854400"/>
+            </a:xfrm>
+            <a:prstGeom prst="ellipse">
+              <a:avLst/>
+            </a:prstGeom>
+            <a:solidFill>
+              <a:schemeClr val="accent2">
+                <a:alpha val="60000"/>
+              </a:schemeClr>
+            </a:solidFill>
+            <a:ln>
+              <a:noFill/>
+            </a:ln>
+            <a:effectLst>
+              <a:softEdge rad="1270000"/>
+            </a:effectLst>
+          </p:spPr>
+          <p:style>
+            <a:lnRef idx="2">
+              <a:schemeClr val="accent1">
+                <a:shade val="50000"/>
+              </a:schemeClr>
+            </a:lnRef>
+            <a:fillRef idx="1">
+              <a:schemeClr val="accent1"/>
+            </a:fillRef>
+            <a:effectRef idx="0">
+              <a:schemeClr val="accent1"/>
+            </a:effectRef>
+            <a:fontRef idx="minor">
+              <a:schemeClr val="lt1"/>
+            </a:fontRef>
+          </p:style>
+          <p:txBody>
+            <a:bodyPr rtlCol="0" anchor="ctr"/>
+            <a:lstStyle/>
+            <a:p>
+              <a:pPr algn="ctr"/>
+              <a:endParaRPr lang="en-US" dirty="0"/>
+            </a:p>
+          </p:txBody>
+        </p:sp>
       </p:grpSp>
       <p:pic>
         <p:nvPicPr>
-          <p:cNvPr id="53" name="Picture 4" descr="Magnifying glass showing decling performance">
+          <p:cNvPr id="32" name="Picture 4" descr="Light bulb on yellow background with sketched light beams and cord">
             <a:extLst>
               <a:ext uri="{FF2B5EF4-FFF2-40B4-BE49-F238E27FC236}">
-                <a16:creationId xmlns:a16="http://schemas.microsoft.com/office/drawing/2014/main" id="{9A983F74-DAE6-414B-758F-25F746F28189}"/>
+                <a16:creationId xmlns:a16="http://schemas.microsoft.com/office/drawing/2014/main" id="{AEEB8C67-771F-90DA-70C4-55CE13CCF710}"/>
               </a:ext>
             </a:extLst>
           </p:cNvPr>
@@ -18851,13 +14029,13 @@
         </p:nvPicPr>
         <p:blipFill rotWithShape="1">
           <a:blip r:embed="rId2"/>
-          <a:srcRect l="125" r="33126" b="1"/>
+          <a:srcRect l="38487" r="13"/>
           <a:stretch/>
         </p:blipFill>
         <p:spPr>
           <a:xfrm>
-            <a:off x="579025" y="2169113"/>
-            <a:ext cx="4320000" cy="4320000"/>
+            <a:off x="4896763" y="-1"/>
+            <a:ext cx="6858000" cy="6858000"/>
           </a:xfrm>
           <a:custGeom>
             <a:avLst/>
@@ -18895,14 +14073,14 @@
             </a:pathLst>
           </a:custGeom>
           <a:effectLst>
-            <a:softEdge rad="508000"/>
+            <a:softEdge rad="1016000"/>
           </a:effectLst>
         </p:spPr>
       </p:pic>
     </p:spTree>
     <p:extLst>
       <p:ext uri="{BB962C8B-B14F-4D97-AF65-F5344CB8AC3E}">
-        <p14:creationId xmlns:p14="http://schemas.microsoft.com/office/powerpoint/2010/main" val="4186679377"/>
+        <p14:creationId xmlns:p14="http://schemas.microsoft.com/office/powerpoint/2010/main" val="3134154152"/>
       </p:ext>
     </p:extLst>
   </p:cSld>
@@ -18945,7 +14123,7 @@
                 <a16:creationId xmlns:a16="http://schemas.microsoft.com/office/drawing/2014/main" id="{BF4E480B-94D6-46F9-A2B6-B98D311FDC19}"/>
               </a:ext>
               <a:ext uri="{C183D7F6-B498-43B3-948B-1728B52AA6E4}">
-                <adec:decorative xmlns:adec="http://schemas.microsoft.com/office/drawing/2017/decorative" xmlns="" val="1"/>
+                <adec:decorative xmlns:adec="http://schemas.microsoft.com/office/drawing/2017/decorative" val="1"/>
               </a:ext>
             </a:extLst>
           </p:cNvPr>
@@ -18976,7 +14154,7 @@
                   <a16:creationId xmlns:a16="http://schemas.microsoft.com/office/drawing/2014/main" id="{07183CDE-91A1-40C3-8E80-66F89E1C2D53}"/>
                 </a:ext>
                 <a:ext uri="{C183D7F6-B498-43B3-948B-1728B52AA6E4}">
-                  <adec:decorative xmlns:adec="http://schemas.microsoft.com/office/drawing/2017/decorative" xmlns="" val="1"/>
+                  <adec:decorative xmlns:adec="http://schemas.microsoft.com/office/drawing/2017/decorative" val="1"/>
                 </a:ext>
               </a:extLst>
             </p:cNvPr>
@@ -19057,7 +14235,7 @@
                   <a16:creationId xmlns:a16="http://schemas.microsoft.com/office/drawing/2014/main" id="{A6756515-F9AA-46BD-8DD2-AA15BA492AC0}"/>
                 </a:ext>
                 <a:ext uri="{C183D7F6-B498-43B3-948B-1728B52AA6E4}">
-                  <adec:decorative xmlns:adec="http://schemas.microsoft.com/office/drawing/2017/decorative" xmlns="" val="1"/>
+                  <adec:decorative xmlns:adec="http://schemas.microsoft.com/office/drawing/2017/decorative" val="1"/>
                 </a:ext>
               </a:extLst>
             </p:cNvPr>
@@ -19125,7 +14303,7 @@
                   <a16:creationId xmlns:a16="http://schemas.microsoft.com/office/drawing/2014/main" id="{ABA365E2-8B71-408B-9092-0104216AC7AC}"/>
                 </a:ext>
                 <a:ext uri="{C183D7F6-B498-43B3-948B-1728B52AA6E4}">
-                  <adec:decorative xmlns:adec="http://schemas.microsoft.com/office/drawing/2017/decorative" xmlns="" val="1"/>
+                  <adec:decorative xmlns:adec="http://schemas.microsoft.com/office/drawing/2017/decorative" val="1"/>
                 </a:ext>
               </a:extLst>
             </p:cNvPr>
@@ -19193,7 +14371,7 @@
                   <a16:creationId xmlns:a16="http://schemas.microsoft.com/office/drawing/2014/main" id="{BEDB8D7A-1BF6-4CDB-B93A-7736955F5043}"/>
                 </a:ext>
                 <a:ext uri="{C183D7F6-B498-43B3-948B-1728B52AA6E4}">
-                  <adec:decorative xmlns:adec="http://schemas.microsoft.com/office/drawing/2017/decorative" xmlns="" val="1"/>
+                  <adec:decorative xmlns:adec="http://schemas.microsoft.com/office/drawing/2017/decorative" val="1"/>
                 </a:ext>
               </a:extLst>
             </p:cNvPr>
@@ -19224,7 +14402,7 @@
                     <a16:creationId xmlns:a16="http://schemas.microsoft.com/office/drawing/2014/main" id="{5AACD774-5167-46C7-8A62-6E2FE4BE9469}"/>
                   </a:ext>
                   <a:ext uri="{C183D7F6-B498-43B3-948B-1728B52AA6E4}">
-                    <adec:decorative xmlns:adec="http://schemas.microsoft.com/office/drawing/2017/decorative" xmlns="" val="1"/>
+                    <adec:decorative xmlns:adec="http://schemas.microsoft.com/office/drawing/2017/decorative" val="1"/>
                   </a:ext>
                 </a:extLst>
               </p:cNvPr>
@@ -19301,7 +14479,7 @@
                     <a16:creationId xmlns:a16="http://schemas.microsoft.com/office/drawing/2014/main" id="{06E0F2D8-452E-48F9-9912-C47EAEAE1802}"/>
                   </a:ext>
                   <a:ext uri="{C183D7F6-B498-43B3-948B-1728B52AA6E4}">
-                    <adec:decorative xmlns:adec="http://schemas.microsoft.com/office/drawing/2017/decorative" xmlns="" val="1"/>
+                    <adec:decorative xmlns:adec="http://schemas.microsoft.com/office/drawing/2017/decorative" val="1"/>
                   </a:ext>
                 </a:extLst>
               </p:cNvPr>
@@ -19379,7 +14557,7 @@
                   <a16:creationId xmlns:a16="http://schemas.microsoft.com/office/drawing/2014/main" id="{91FBBF95-430B-427C-A6E8-DB899217FC00}"/>
                 </a:ext>
                 <a:ext uri="{C183D7F6-B498-43B3-948B-1728B52AA6E4}">
-                  <adec:decorative xmlns:adec="http://schemas.microsoft.com/office/drawing/2017/decorative" xmlns="" val="1"/>
+                  <adec:decorative xmlns:adec="http://schemas.microsoft.com/office/drawing/2017/decorative" val="1"/>
                 </a:ext>
               </a:extLst>
             </p:cNvPr>
@@ -19410,7 +14588,7 @@
                     <a16:creationId xmlns:a16="http://schemas.microsoft.com/office/drawing/2014/main" id="{BEE64698-3ED2-4395-B7FC-65248E437E0A}"/>
                   </a:ext>
                   <a:ext uri="{C183D7F6-B498-43B3-948B-1728B52AA6E4}">
-                    <adec:decorative xmlns:adec="http://schemas.microsoft.com/office/drawing/2017/decorative" xmlns="" val="1"/>
+                    <adec:decorative xmlns:adec="http://schemas.microsoft.com/office/drawing/2017/decorative" val="1"/>
                   </a:ext>
                 </a:extLst>
               </p:cNvPr>
@@ -19487,7 +14665,7 @@
                     <a16:creationId xmlns:a16="http://schemas.microsoft.com/office/drawing/2014/main" id="{FE20B1E1-CE09-4C2A-A3FB-DB8026C54E98}"/>
                   </a:ext>
                   <a:ext uri="{C183D7F6-B498-43B3-948B-1728B52AA6E4}">
-                    <adec:decorative xmlns:adec="http://schemas.microsoft.com/office/drawing/2017/decorative" xmlns="" val="1"/>
+                    <adec:decorative xmlns:adec="http://schemas.microsoft.com/office/drawing/2017/decorative" val="1"/>
                   </a:ext>
                 </a:extLst>
               </p:cNvPr>
@@ -19565,7 +14743,7 @@
                   <a16:creationId xmlns:a16="http://schemas.microsoft.com/office/drawing/2014/main" id="{0CB2405B-A907-48B3-906A-FB3573C0B282}"/>
                 </a:ext>
                 <a:ext uri="{C183D7F6-B498-43B3-948B-1728B52AA6E4}">
-                  <adec:decorative xmlns:adec="http://schemas.microsoft.com/office/drawing/2017/decorative" xmlns="" val="1"/>
+                  <adec:decorative xmlns:adec="http://schemas.microsoft.com/office/drawing/2017/decorative" val="1"/>
                 </a:ext>
               </a:extLst>
             </p:cNvPr>
@@ -19645,7 +14823,7 @@
                 <a16:creationId xmlns:a16="http://schemas.microsoft.com/office/drawing/2014/main" id="{6DC8E2D9-6729-4614-8667-C1016D3182E4}"/>
               </a:ext>
               <a:ext uri="{C183D7F6-B498-43B3-948B-1728B52AA6E4}">
-                <adec:decorative xmlns:adec="http://schemas.microsoft.com/office/drawing/2017/decorative" xmlns="" val="1"/>
+                <adec:decorative xmlns:adec="http://schemas.microsoft.com/office/drawing/2017/decorative" val="1"/>
               </a:ext>
             </a:extLst>
           </p:cNvPr>
@@ -19713,7 +14891,7 @@
                 <a16:creationId xmlns:a16="http://schemas.microsoft.com/office/drawing/2014/main" id="{9C51935E-4A08-4AE4-8E13-F40CD3C4F1C4}"/>
               </a:ext>
               <a:ext uri="{C183D7F6-B498-43B3-948B-1728B52AA6E4}">
-                <adec:decorative xmlns:adec="http://schemas.microsoft.com/office/drawing/2017/decorative" xmlns="" val="1"/>
+                <adec:decorative xmlns:adec="http://schemas.microsoft.com/office/drawing/2017/decorative" val="1"/>
               </a:ext>
             </a:extLst>
           </p:cNvPr>
@@ -19810,20 +14988,11 @@
           <a:lstStyle/>
           <a:p>
             <a:r>
-              <a:rPr lang="en-US">
+              <a:rPr lang="en-US" dirty="0">
                 <a:latin typeface="+mn-lt"/>
               </a:rPr>
-              <a:t>Data </a:t>
-            </a:r>
-            <a:r>
-              <a:rPr lang="en-US" err="1">
-                <a:latin typeface="+mn-lt"/>
-              </a:rPr>
-              <a:t>visualisation</a:t>
-            </a:r>
-            <a:endParaRPr lang="en-US">
-              <a:latin typeface="+mn-lt"/>
-            </a:endParaRPr>
+              <a:t>Dashboard overview</a:t>
+            </a:r>
           </a:p>
         </p:txBody>
       </p:sp>
@@ -19835,7 +15004,7 @@
                 <a16:creationId xmlns:a16="http://schemas.microsoft.com/office/drawing/2014/main" id="{4B7AF231-444C-44D0-B791-BAFE395E36AC}"/>
               </a:ext>
               <a:ext uri="{C183D7F6-B498-43B3-948B-1728B52AA6E4}">
-                <adec:decorative xmlns:adec="http://schemas.microsoft.com/office/drawing/2017/decorative" xmlns="" val="1"/>
+                <adec:decorative xmlns:adec="http://schemas.microsoft.com/office/drawing/2017/decorative" val="1"/>
               </a:ext>
             </a:extLst>
           </p:cNvPr>
@@ -19866,7 +15035,7 @@
                   <a16:creationId xmlns:a16="http://schemas.microsoft.com/office/drawing/2014/main" id="{6152793A-5125-41FA-AEF6-96C5463D0A76}"/>
                 </a:ext>
                 <a:ext uri="{C183D7F6-B498-43B3-948B-1728B52AA6E4}">
-                  <adec:decorative xmlns:adec="http://schemas.microsoft.com/office/drawing/2017/decorative" xmlns="" val="1"/>
+                  <adec:decorative xmlns:adec="http://schemas.microsoft.com/office/drawing/2017/decorative" val="1"/>
                 </a:ext>
               </a:extLst>
             </p:cNvPr>
@@ -19934,7 +15103,7 @@
                   <a16:creationId xmlns:a16="http://schemas.microsoft.com/office/drawing/2014/main" id="{63C1632F-098D-4A05-B248-04B7ABFE0060}"/>
                 </a:ext>
                 <a:ext uri="{C183D7F6-B498-43B3-948B-1728B52AA6E4}">
-                  <adec:decorative xmlns:adec="http://schemas.microsoft.com/office/drawing/2017/decorative" xmlns="" val="1"/>
+                  <adec:decorative xmlns:adec="http://schemas.microsoft.com/office/drawing/2017/decorative" val="1"/>
                 </a:ext>
               </a:extLst>
             </p:cNvPr>
@@ -20000,7 +15169,7 @@
                   <a16:creationId xmlns:a16="http://schemas.microsoft.com/office/drawing/2014/main" id="{0A85C0F5-DDEB-454E-A0E4-B6F0FB4CAB12}"/>
                 </a:ext>
                 <a:ext uri="{C183D7F6-B498-43B3-948B-1728B52AA6E4}">
-                  <adec:decorative xmlns:adec="http://schemas.microsoft.com/office/drawing/2017/decorative" xmlns="" val="1"/>
+                  <adec:decorative xmlns:adec="http://schemas.microsoft.com/office/drawing/2017/decorative" val="1"/>
                 </a:ext>
               </a:extLst>
             </p:cNvPr>
@@ -20255,6 +15424,1229 @@
           <a:chExt cx="0" cy="0"/>
         </a:xfrm>
       </p:grpSpPr>
+      <p:grpSp>
+        <p:nvGrpSpPr>
+          <p:cNvPr id="20" name="Group 19">
+            <a:extLst>
+              <a:ext uri="{FF2B5EF4-FFF2-40B4-BE49-F238E27FC236}">
+                <a16:creationId xmlns:a16="http://schemas.microsoft.com/office/drawing/2014/main" id="{BF4E480B-94D6-46F9-A2B6-B98D311FDC19}"/>
+              </a:ext>
+              <a:ext uri="{C183D7F6-B498-43B3-948B-1728B52AA6E4}">
+                <adec:decorative xmlns:adec="http://schemas.microsoft.com/office/drawing/2017/decorative" val="1"/>
+              </a:ext>
+            </a:extLst>
+          </p:cNvPr>
+          <p:cNvGrpSpPr>
+            <a:grpSpLocks noGrp="1" noUngrp="1" noRot="1" noChangeAspect="1" noMove="1" noResize="1"/>
+          </p:cNvGrpSpPr>
+          <p:nvPr>
+            <p:extLst>
+              <p:ext uri="{386F3935-93C4-4BCD-93E2-E3B085C9AB24}">
+                <p16:designElem xmlns:p16="http://schemas.microsoft.com/office/powerpoint/2015/main" val="1"/>
+              </p:ext>
+            </p:extLst>
+          </p:nvPr>
+        </p:nvGrpSpPr>
+        <p:grpSpPr>
+          <a:xfrm>
+            <a:off x="0" y="0"/>
+            <a:ext cx="12191999" cy="6861600"/>
+            <a:chOff x="1" y="0"/>
+            <a:chExt cx="12191999" cy="6861600"/>
+          </a:xfrm>
+        </p:grpSpPr>
+        <p:sp>
+          <p:nvSpPr>
+            <p:cNvPr id="21" name="Rectangle 20">
+              <a:extLst>
+                <a:ext uri="{FF2B5EF4-FFF2-40B4-BE49-F238E27FC236}">
+                  <a16:creationId xmlns:a16="http://schemas.microsoft.com/office/drawing/2014/main" id="{07183CDE-91A1-40C3-8E80-66F89E1C2D53}"/>
+                </a:ext>
+                <a:ext uri="{C183D7F6-B498-43B3-948B-1728B52AA6E4}">
+                  <adec:decorative xmlns:adec="http://schemas.microsoft.com/office/drawing/2017/decorative" val="1"/>
+                </a:ext>
+              </a:extLst>
+            </p:cNvPr>
+            <p:cNvSpPr>
+              <a:spLocks noChangeAspect="1"/>
+            </p:cNvSpPr>
+            <p:nvPr>
+              <p:extLst>
+                <p:ext uri="{386F3935-93C4-4BCD-93E2-E3B085C9AB24}">
+                  <p16:designElem xmlns:p16="http://schemas.microsoft.com/office/powerpoint/2015/main" val="1"/>
+                </p:ext>
+              </p:extLst>
+            </p:nvPr>
+          </p:nvSpPr>
+          <p:spPr>
+            <a:xfrm rot="16200000">
+              <a:off x="1" y="1640114"/>
+              <a:ext cx="5217886" cy="5217886"/>
+            </a:xfrm>
+            <a:prstGeom prst="rect">
+              <a:avLst/>
+            </a:prstGeom>
+            <a:gradFill flip="none" rotWithShape="1">
+              <a:gsLst>
+                <a:gs pos="0">
+                  <a:schemeClr val="accent2">
+                    <a:alpha val="60000"/>
+                  </a:schemeClr>
+                </a:gs>
+                <a:gs pos="60000">
+                  <a:schemeClr val="accent2">
+                    <a:alpha val="0"/>
+                  </a:schemeClr>
+                </a:gs>
+              </a:gsLst>
+              <a:path path="circle">
+                <a:fillToRect r="100000" b="100000"/>
+              </a:path>
+              <a:tileRect l="-100000" t="-100000"/>
+            </a:gradFill>
+            <a:ln w="12700" cap="flat" cmpd="sng" algn="ctr">
+              <a:noFill/>
+              <a:prstDash val="solid"/>
+              <a:miter lim="800000"/>
+            </a:ln>
+            <a:effectLst/>
+          </p:spPr>
+          <p:style>
+            <a:lnRef idx="2">
+              <a:schemeClr val="accent1">
+                <a:shade val="50000"/>
+              </a:schemeClr>
+            </a:lnRef>
+            <a:fillRef idx="1">
+              <a:schemeClr val="accent1"/>
+            </a:fillRef>
+            <a:effectRef idx="0">
+              <a:schemeClr val="accent1"/>
+            </a:effectRef>
+            <a:fontRef idx="minor">
+              <a:schemeClr val="lt1"/>
+            </a:fontRef>
+          </p:style>
+          <p:txBody>
+            <a:bodyPr rtlCol="0" anchor="ctr"/>
+            <a:lstStyle/>
+            <a:p>
+              <a:pPr algn="r"/>
+              <a:endParaRPr lang="en-US"/>
+            </a:p>
+          </p:txBody>
+        </p:sp>
+        <p:sp>
+          <p:nvSpPr>
+            <p:cNvPr id="22" name="Oval 21">
+              <a:extLst>
+                <a:ext uri="{FF2B5EF4-FFF2-40B4-BE49-F238E27FC236}">
+                  <a16:creationId xmlns:a16="http://schemas.microsoft.com/office/drawing/2014/main" id="{A6756515-F9AA-46BD-8DD2-AA15BA492AC0}"/>
+                </a:ext>
+                <a:ext uri="{C183D7F6-B498-43B3-948B-1728B52AA6E4}">
+                  <adec:decorative xmlns:adec="http://schemas.microsoft.com/office/drawing/2017/decorative" val="1"/>
+                </a:ext>
+              </a:extLst>
+            </p:cNvPr>
+            <p:cNvSpPr>
+              <a:spLocks noChangeAspect="1"/>
+            </p:cNvSpPr>
+            <p:nvPr>
+              <p:extLst>
+                <p:ext uri="{386F3935-93C4-4BCD-93E2-E3B085C9AB24}">
+                  <p16:designElem xmlns:p16="http://schemas.microsoft.com/office/powerpoint/2015/main" val="1"/>
+                </p:ext>
+              </p:extLst>
+            </p:nvPr>
+          </p:nvSpPr>
+          <p:spPr>
+            <a:xfrm>
+              <a:off x="6384514" y="0"/>
+              <a:ext cx="4320000" cy="4320000"/>
+            </a:xfrm>
+            <a:prstGeom prst="ellipse">
+              <a:avLst/>
+            </a:prstGeom>
+            <a:solidFill>
+              <a:schemeClr val="accent3">
+                <a:alpha val="96000"/>
+              </a:schemeClr>
+            </a:solidFill>
+            <a:ln>
+              <a:noFill/>
+            </a:ln>
+            <a:effectLst>
+              <a:softEdge rad="1016000"/>
+            </a:effectLst>
+          </p:spPr>
+          <p:style>
+            <a:lnRef idx="2">
+              <a:schemeClr val="accent1">
+                <a:shade val="50000"/>
+              </a:schemeClr>
+            </a:lnRef>
+            <a:fillRef idx="1">
+              <a:schemeClr val="accent1"/>
+            </a:fillRef>
+            <a:effectRef idx="0">
+              <a:schemeClr val="accent1"/>
+            </a:effectRef>
+            <a:fontRef idx="minor">
+              <a:schemeClr val="lt1"/>
+            </a:fontRef>
+          </p:style>
+          <p:txBody>
+            <a:bodyPr rtlCol="0" anchor="ctr"/>
+            <a:lstStyle/>
+            <a:p>
+              <a:pPr algn="r"/>
+              <a:endParaRPr lang="en-US"/>
+            </a:p>
+          </p:txBody>
+        </p:sp>
+        <p:sp>
+          <p:nvSpPr>
+            <p:cNvPr id="23" name="Oval 22">
+              <a:extLst>
+                <a:ext uri="{FF2B5EF4-FFF2-40B4-BE49-F238E27FC236}">
+                  <a16:creationId xmlns:a16="http://schemas.microsoft.com/office/drawing/2014/main" id="{ABA365E2-8B71-408B-9092-0104216AC7AC}"/>
+                </a:ext>
+                <a:ext uri="{C183D7F6-B498-43B3-948B-1728B52AA6E4}">
+                  <adec:decorative xmlns:adec="http://schemas.microsoft.com/office/drawing/2017/decorative" val="1"/>
+                </a:ext>
+              </a:extLst>
+            </p:cNvPr>
+            <p:cNvSpPr>
+              <a:spLocks noChangeAspect="1"/>
+            </p:cNvSpPr>
+            <p:nvPr>
+              <p:extLst>
+                <p:ext uri="{386F3935-93C4-4BCD-93E2-E3B085C9AB24}">
+                  <p16:designElem xmlns:p16="http://schemas.microsoft.com/office/powerpoint/2015/main" val="1"/>
+                </p:ext>
+              </p:extLst>
+            </p:nvPr>
+          </p:nvSpPr>
+          <p:spPr>
+            <a:xfrm>
+              <a:off x="6119057" y="1230054"/>
+              <a:ext cx="5506886" cy="5506886"/>
+            </a:xfrm>
+            <a:prstGeom prst="ellipse">
+              <a:avLst/>
+            </a:prstGeom>
+            <a:solidFill>
+              <a:schemeClr val="accent2">
+                <a:alpha val="60000"/>
+              </a:schemeClr>
+            </a:solidFill>
+            <a:ln>
+              <a:noFill/>
+            </a:ln>
+            <a:effectLst>
+              <a:softEdge rad="1270000"/>
+            </a:effectLst>
+          </p:spPr>
+          <p:style>
+            <a:lnRef idx="2">
+              <a:schemeClr val="accent1">
+                <a:shade val="50000"/>
+              </a:schemeClr>
+            </a:lnRef>
+            <a:fillRef idx="1">
+              <a:schemeClr val="accent1"/>
+            </a:fillRef>
+            <a:effectRef idx="0">
+              <a:schemeClr val="accent1"/>
+            </a:effectRef>
+            <a:fontRef idx="minor">
+              <a:schemeClr val="lt1"/>
+            </a:fontRef>
+          </p:style>
+          <p:txBody>
+            <a:bodyPr rtlCol="0" anchor="ctr"/>
+            <a:lstStyle/>
+            <a:p>
+              <a:pPr algn="r"/>
+              <a:endParaRPr lang="en-US" dirty="0"/>
+            </a:p>
+          </p:txBody>
+        </p:sp>
+        <p:grpSp>
+          <p:nvGrpSpPr>
+            <p:cNvPr id="24" name="Group 23">
+              <a:extLst>
+                <a:ext uri="{FF2B5EF4-FFF2-40B4-BE49-F238E27FC236}">
+                  <a16:creationId xmlns:a16="http://schemas.microsoft.com/office/drawing/2014/main" id="{BEDB8D7A-1BF6-4CDB-B93A-7736955F5043}"/>
+                </a:ext>
+                <a:ext uri="{C183D7F6-B498-43B3-948B-1728B52AA6E4}">
+                  <adec:decorative xmlns:adec="http://schemas.microsoft.com/office/drawing/2017/decorative" val="1"/>
+                </a:ext>
+              </a:extLst>
+            </p:cNvPr>
+            <p:cNvGrpSpPr>
+              <a:grpSpLocks noChangeAspect="1"/>
+            </p:cNvGrpSpPr>
+            <p:nvPr>
+              <p:extLst>
+                <p:ext uri="{386F3935-93C4-4BCD-93E2-E3B085C9AB24}">
+                  <p16:designElem xmlns:p16="http://schemas.microsoft.com/office/powerpoint/2015/main" val="1"/>
+                </p:ext>
+              </p:extLst>
+            </p:nvPr>
+          </p:nvGrpSpPr>
+          <p:grpSpPr>
+            <a:xfrm>
+              <a:off x="690092" y="0"/>
+              <a:ext cx="10800000" cy="6858000"/>
+              <a:chOff x="2328000" y="0"/>
+              <a:chExt cx="2880000" cy="1440000"/>
+            </a:xfrm>
+          </p:grpSpPr>
+          <p:sp>
+            <p:nvSpPr>
+              <p:cNvPr id="29" name="Rectangle 28">
+                <a:extLst>
+                  <a:ext uri="{FF2B5EF4-FFF2-40B4-BE49-F238E27FC236}">
+                    <a16:creationId xmlns:a16="http://schemas.microsoft.com/office/drawing/2014/main" id="{5AACD774-5167-46C7-8A62-6E2FE4BE9469}"/>
+                  </a:ext>
+                  <a:ext uri="{C183D7F6-B498-43B3-948B-1728B52AA6E4}">
+                    <adec:decorative xmlns:adec="http://schemas.microsoft.com/office/drawing/2017/decorative" val="1"/>
+                  </a:ext>
+                </a:extLst>
+              </p:cNvPr>
+              <p:cNvSpPr/>
+              <p:nvPr>
+                <p:extLst>
+                  <p:ext uri="{386F3935-93C4-4BCD-93E2-E3B085C9AB24}">
+                    <p16:designElem xmlns:p16="http://schemas.microsoft.com/office/powerpoint/2015/main" val="1"/>
+                  </p:ext>
+                </p:extLst>
+              </p:nvPr>
+            </p:nvSpPr>
+            <p:spPr>
+              <a:xfrm>
+                <a:off x="3768000" y="0"/>
+                <a:ext cx="1440000" cy="1440000"/>
+              </a:xfrm>
+              <a:prstGeom prst="rect">
+                <a:avLst/>
+              </a:prstGeom>
+              <a:gradFill flip="none" rotWithShape="1">
+                <a:gsLst>
+                  <a:gs pos="0">
+                    <a:schemeClr val="accent1"/>
+                  </a:gs>
+                  <a:gs pos="60000">
+                    <a:schemeClr val="accent1">
+                      <a:alpha val="0"/>
+                    </a:schemeClr>
+                  </a:gs>
+                </a:gsLst>
+                <a:path path="circle">
+                  <a:fillToRect r="100000" b="100000"/>
+                </a:path>
+                <a:tileRect l="-100000" t="-100000"/>
+              </a:gradFill>
+              <a:ln w="12700" cap="flat" cmpd="sng" algn="ctr">
+                <a:noFill/>
+                <a:prstDash val="solid"/>
+                <a:miter lim="800000"/>
+              </a:ln>
+              <a:effectLst/>
+            </p:spPr>
+            <p:style>
+              <a:lnRef idx="2">
+                <a:schemeClr val="accent1">
+                  <a:shade val="50000"/>
+                </a:schemeClr>
+              </a:lnRef>
+              <a:fillRef idx="1">
+                <a:schemeClr val="accent1"/>
+              </a:fillRef>
+              <a:effectRef idx="0">
+                <a:schemeClr val="accent1"/>
+              </a:effectRef>
+              <a:fontRef idx="minor">
+                <a:schemeClr val="lt1"/>
+              </a:fontRef>
+            </p:style>
+            <p:txBody>
+              <a:bodyPr rtlCol="0" anchor="ctr"/>
+              <a:lstStyle/>
+              <a:p>
+                <a:pPr algn="r"/>
+                <a:endParaRPr lang="en-US"/>
+              </a:p>
+            </p:txBody>
+          </p:sp>
+          <p:sp>
+            <p:nvSpPr>
+              <p:cNvPr id="30" name="Rectangle 29">
+                <a:extLst>
+                  <a:ext uri="{FF2B5EF4-FFF2-40B4-BE49-F238E27FC236}">
+                    <a16:creationId xmlns:a16="http://schemas.microsoft.com/office/drawing/2014/main" id="{06E0F2D8-452E-48F9-9912-C47EAEAE1802}"/>
+                  </a:ext>
+                  <a:ext uri="{C183D7F6-B498-43B3-948B-1728B52AA6E4}">
+                    <adec:decorative xmlns:adec="http://schemas.microsoft.com/office/drawing/2017/decorative" val="1"/>
+                  </a:ext>
+                </a:extLst>
+              </p:cNvPr>
+              <p:cNvSpPr/>
+              <p:nvPr>
+                <p:extLst>
+                  <p:ext uri="{386F3935-93C4-4BCD-93E2-E3B085C9AB24}">
+                    <p16:designElem xmlns:p16="http://schemas.microsoft.com/office/powerpoint/2015/main" val="1"/>
+                  </p:ext>
+                </p:extLst>
+              </p:nvPr>
+            </p:nvSpPr>
+            <p:spPr>
+              <a:xfrm flipH="1">
+                <a:off x="2328000" y="0"/>
+                <a:ext cx="1440000" cy="1440000"/>
+              </a:xfrm>
+              <a:prstGeom prst="rect">
+                <a:avLst/>
+              </a:prstGeom>
+              <a:gradFill flip="none" rotWithShape="1">
+                <a:gsLst>
+                  <a:gs pos="0">
+                    <a:schemeClr val="accent1"/>
+                  </a:gs>
+                  <a:gs pos="60000">
+                    <a:schemeClr val="accent1">
+                      <a:alpha val="0"/>
+                    </a:schemeClr>
+                  </a:gs>
+                </a:gsLst>
+                <a:path path="circle">
+                  <a:fillToRect r="100000" b="100000"/>
+                </a:path>
+                <a:tileRect l="-100000" t="-100000"/>
+              </a:gradFill>
+              <a:ln w="12700" cap="flat" cmpd="sng" algn="ctr">
+                <a:noFill/>
+                <a:prstDash val="solid"/>
+                <a:miter lim="800000"/>
+              </a:ln>
+              <a:effectLst/>
+            </p:spPr>
+            <p:style>
+              <a:lnRef idx="2">
+                <a:schemeClr val="accent1">
+                  <a:shade val="50000"/>
+                </a:schemeClr>
+              </a:lnRef>
+              <a:fillRef idx="1">
+                <a:schemeClr val="accent1"/>
+              </a:fillRef>
+              <a:effectRef idx="0">
+                <a:schemeClr val="accent1"/>
+              </a:effectRef>
+              <a:fontRef idx="minor">
+                <a:schemeClr val="lt1"/>
+              </a:fontRef>
+            </p:style>
+            <p:txBody>
+              <a:bodyPr rtlCol="0" anchor="ctr"/>
+              <a:lstStyle/>
+              <a:p>
+                <a:pPr algn="r"/>
+                <a:endParaRPr lang="en-US"/>
+              </a:p>
+            </p:txBody>
+          </p:sp>
+        </p:grpSp>
+        <p:grpSp>
+          <p:nvGrpSpPr>
+            <p:cNvPr id="25" name="Group 24">
+              <a:extLst>
+                <a:ext uri="{FF2B5EF4-FFF2-40B4-BE49-F238E27FC236}">
+                  <a16:creationId xmlns:a16="http://schemas.microsoft.com/office/drawing/2014/main" id="{91FBBF95-430B-427C-A6E8-DB899217FC00}"/>
+                </a:ext>
+                <a:ext uri="{C183D7F6-B498-43B3-948B-1728B52AA6E4}">
+                  <adec:decorative xmlns:adec="http://schemas.microsoft.com/office/drawing/2017/decorative" val="1"/>
+                </a:ext>
+              </a:extLst>
+            </p:cNvPr>
+            <p:cNvGrpSpPr>
+              <a:grpSpLocks noChangeAspect="1"/>
+            </p:cNvGrpSpPr>
+            <p:nvPr>
+              <p:extLst>
+                <p:ext uri="{386F3935-93C4-4BCD-93E2-E3B085C9AB24}">
+                  <p16:designElem xmlns:p16="http://schemas.microsoft.com/office/powerpoint/2015/main" val="1"/>
+                </p:ext>
+              </p:extLst>
+            </p:nvPr>
+          </p:nvGrpSpPr>
+          <p:grpSpPr>
+            <a:xfrm rot="5400000">
+              <a:off x="7048499" y="1714500"/>
+              <a:ext cx="6858000" cy="3429000"/>
+              <a:chOff x="0" y="0"/>
+              <a:chExt cx="2880000" cy="1440000"/>
+            </a:xfrm>
+          </p:grpSpPr>
+          <p:sp>
+            <p:nvSpPr>
+              <p:cNvPr id="27" name="Rectangle 26">
+                <a:extLst>
+                  <a:ext uri="{FF2B5EF4-FFF2-40B4-BE49-F238E27FC236}">
+                    <a16:creationId xmlns:a16="http://schemas.microsoft.com/office/drawing/2014/main" id="{BEE64698-3ED2-4395-B7FC-65248E437E0A}"/>
+                  </a:ext>
+                  <a:ext uri="{C183D7F6-B498-43B3-948B-1728B52AA6E4}">
+                    <adec:decorative xmlns:adec="http://schemas.microsoft.com/office/drawing/2017/decorative" val="1"/>
+                  </a:ext>
+                </a:extLst>
+              </p:cNvPr>
+              <p:cNvSpPr/>
+              <p:nvPr>
+                <p:extLst>
+                  <p:ext uri="{386F3935-93C4-4BCD-93E2-E3B085C9AB24}">
+                    <p16:designElem xmlns:p16="http://schemas.microsoft.com/office/powerpoint/2015/main" val="1"/>
+                  </p:ext>
+                </p:extLst>
+              </p:nvPr>
+            </p:nvSpPr>
+            <p:spPr>
+              <a:xfrm>
+                <a:off x="1440000" y="0"/>
+                <a:ext cx="1440000" cy="1440000"/>
+              </a:xfrm>
+              <a:prstGeom prst="rect">
+                <a:avLst/>
+              </a:prstGeom>
+              <a:gradFill flip="none" rotWithShape="1">
+                <a:gsLst>
+                  <a:gs pos="0">
+                    <a:schemeClr val="accent2"/>
+                  </a:gs>
+                  <a:gs pos="60000">
+                    <a:schemeClr val="accent2">
+                      <a:alpha val="0"/>
+                    </a:schemeClr>
+                  </a:gs>
+                </a:gsLst>
+                <a:path path="circle">
+                  <a:fillToRect r="100000" b="100000"/>
+                </a:path>
+                <a:tileRect l="-100000" t="-100000"/>
+              </a:gradFill>
+              <a:ln w="12700" cap="flat" cmpd="sng" algn="ctr">
+                <a:noFill/>
+                <a:prstDash val="solid"/>
+                <a:miter lim="800000"/>
+              </a:ln>
+              <a:effectLst/>
+            </p:spPr>
+            <p:style>
+              <a:lnRef idx="2">
+                <a:schemeClr val="accent1">
+                  <a:shade val="50000"/>
+                </a:schemeClr>
+              </a:lnRef>
+              <a:fillRef idx="1">
+                <a:schemeClr val="accent1"/>
+              </a:fillRef>
+              <a:effectRef idx="0">
+                <a:schemeClr val="accent1"/>
+              </a:effectRef>
+              <a:fontRef idx="minor">
+                <a:schemeClr val="lt1"/>
+              </a:fontRef>
+            </p:style>
+            <p:txBody>
+              <a:bodyPr rtlCol="0" anchor="ctr"/>
+              <a:lstStyle/>
+              <a:p>
+                <a:pPr algn="r"/>
+                <a:endParaRPr lang="en-US"/>
+              </a:p>
+            </p:txBody>
+          </p:sp>
+          <p:sp>
+            <p:nvSpPr>
+              <p:cNvPr id="28" name="Rectangle 27">
+                <a:extLst>
+                  <a:ext uri="{FF2B5EF4-FFF2-40B4-BE49-F238E27FC236}">
+                    <a16:creationId xmlns:a16="http://schemas.microsoft.com/office/drawing/2014/main" id="{FE20B1E1-CE09-4C2A-A3FB-DB8026C54E98}"/>
+                  </a:ext>
+                  <a:ext uri="{C183D7F6-B498-43B3-948B-1728B52AA6E4}">
+                    <adec:decorative xmlns:adec="http://schemas.microsoft.com/office/drawing/2017/decorative" val="1"/>
+                  </a:ext>
+                </a:extLst>
+              </p:cNvPr>
+              <p:cNvSpPr/>
+              <p:nvPr>
+                <p:extLst>
+                  <p:ext uri="{386F3935-93C4-4BCD-93E2-E3B085C9AB24}">
+                    <p16:designElem xmlns:p16="http://schemas.microsoft.com/office/powerpoint/2015/main" val="1"/>
+                  </p:ext>
+                </p:extLst>
+              </p:nvPr>
+            </p:nvSpPr>
+            <p:spPr>
+              <a:xfrm flipH="1">
+                <a:off x="0" y="0"/>
+                <a:ext cx="1440000" cy="1440000"/>
+              </a:xfrm>
+              <a:prstGeom prst="rect">
+                <a:avLst/>
+              </a:prstGeom>
+              <a:gradFill flip="none" rotWithShape="1">
+                <a:gsLst>
+                  <a:gs pos="0">
+                    <a:schemeClr val="accent2"/>
+                  </a:gs>
+                  <a:gs pos="60000">
+                    <a:schemeClr val="accent2">
+                      <a:alpha val="0"/>
+                    </a:schemeClr>
+                  </a:gs>
+                </a:gsLst>
+                <a:path path="circle">
+                  <a:fillToRect r="100000" b="100000"/>
+                </a:path>
+                <a:tileRect l="-100000" t="-100000"/>
+              </a:gradFill>
+              <a:ln w="12700" cap="flat" cmpd="sng" algn="ctr">
+                <a:noFill/>
+                <a:prstDash val="solid"/>
+                <a:miter lim="800000"/>
+              </a:ln>
+              <a:effectLst/>
+            </p:spPr>
+            <p:style>
+              <a:lnRef idx="2">
+                <a:schemeClr val="accent1">
+                  <a:shade val="50000"/>
+                </a:schemeClr>
+              </a:lnRef>
+              <a:fillRef idx="1">
+                <a:schemeClr val="accent1"/>
+              </a:fillRef>
+              <a:effectRef idx="0">
+                <a:schemeClr val="accent1"/>
+              </a:effectRef>
+              <a:fontRef idx="minor">
+                <a:schemeClr val="lt1"/>
+              </a:fontRef>
+            </p:style>
+            <p:txBody>
+              <a:bodyPr rtlCol="0" anchor="ctr"/>
+              <a:lstStyle/>
+              <a:p>
+                <a:pPr algn="r"/>
+                <a:endParaRPr lang="en-US"/>
+              </a:p>
+            </p:txBody>
+          </p:sp>
+        </p:grpSp>
+        <p:sp>
+          <p:nvSpPr>
+            <p:cNvPr id="26" name="Rectangle 25">
+              <a:extLst>
+                <a:ext uri="{FF2B5EF4-FFF2-40B4-BE49-F238E27FC236}">
+                  <a16:creationId xmlns:a16="http://schemas.microsoft.com/office/drawing/2014/main" id="{0CB2405B-A907-48B3-906A-FB3573C0B282}"/>
+                </a:ext>
+                <a:ext uri="{C183D7F6-B498-43B3-948B-1728B52AA6E4}">
+                  <adec:decorative xmlns:adec="http://schemas.microsoft.com/office/drawing/2017/decorative" val="1"/>
+                </a:ext>
+              </a:extLst>
+            </p:cNvPr>
+            <p:cNvSpPr>
+              <a:spLocks noChangeAspect="1"/>
+            </p:cNvSpPr>
+            <p:nvPr>
+              <p:extLst>
+                <p:ext uri="{386F3935-93C4-4BCD-93E2-E3B085C9AB24}">
+                  <p16:designElem xmlns:p16="http://schemas.microsoft.com/office/powerpoint/2015/main" val="1"/>
+                </p:ext>
+              </p:extLst>
+            </p:nvPr>
+          </p:nvSpPr>
+          <p:spPr>
+            <a:xfrm rot="10800000">
+              <a:off x="5602287" y="271887"/>
+              <a:ext cx="6589713" cy="6589713"/>
+            </a:xfrm>
+            <a:prstGeom prst="rect">
+              <a:avLst/>
+            </a:prstGeom>
+            <a:gradFill flip="none" rotWithShape="1">
+              <a:gsLst>
+                <a:gs pos="0">
+                  <a:schemeClr val="accent3"/>
+                </a:gs>
+                <a:gs pos="60000">
+                  <a:schemeClr val="accent3">
+                    <a:alpha val="0"/>
+                  </a:schemeClr>
+                </a:gs>
+              </a:gsLst>
+              <a:path path="circle">
+                <a:fillToRect r="100000" b="100000"/>
+              </a:path>
+              <a:tileRect l="-100000" t="-100000"/>
+            </a:gradFill>
+            <a:ln w="12700" cap="flat" cmpd="sng" algn="ctr">
+              <a:noFill/>
+              <a:prstDash val="solid"/>
+              <a:miter lim="800000"/>
+            </a:ln>
+            <a:effectLst/>
+          </p:spPr>
+          <p:style>
+            <a:lnRef idx="2">
+              <a:schemeClr val="accent1">
+                <a:shade val="50000"/>
+              </a:schemeClr>
+            </a:lnRef>
+            <a:fillRef idx="1">
+              <a:schemeClr val="accent1"/>
+            </a:fillRef>
+            <a:effectRef idx="0">
+              <a:schemeClr val="accent1"/>
+            </a:effectRef>
+            <a:fontRef idx="minor">
+              <a:schemeClr val="lt1"/>
+            </a:fontRef>
+          </p:style>
+          <p:txBody>
+            <a:bodyPr rtlCol="0" anchor="ctr"/>
+            <a:lstStyle/>
+            <a:p>
+              <a:pPr algn="r"/>
+              <a:endParaRPr lang="en-US"/>
+            </a:p>
+          </p:txBody>
+        </p:sp>
+      </p:grpSp>
+      <p:sp>
+        <p:nvSpPr>
+          <p:cNvPr id="32" name="Rectangle 31">
+            <a:extLst>
+              <a:ext uri="{FF2B5EF4-FFF2-40B4-BE49-F238E27FC236}">
+                <a16:creationId xmlns:a16="http://schemas.microsoft.com/office/drawing/2014/main" id="{6DC8E2D9-6729-4614-8667-C1016D3182E4}"/>
+              </a:ext>
+              <a:ext uri="{C183D7F6-B498-43B3-948B-1728B52AA6E4}">
+                <adec:decorative xmlns:adec="http://schemas.microsoft.com/office/drawing/2017/decorative" val="1"/>
+              </a:ext>
+            </a:extLst>
+          </p:cNvPr>
+          <p:cNvSpPr>
+            <a:spLocks noGrp="1" noRot="1" noChangeAspect="1" noMove="1" noResize="1" noEditPoints="1" noAdjustHandles="1" noChangeArrowheads="1" noChangeShapeType="1" noTextEdit="1"/>
+          </p:cNvSpPr>
+          <p:nvPr>
+            <p:extLst>
+              <p:ext uri="{386F3935-93C4-4BCD-93E2-E3B085C9AB24}">
+                <p16:designElem xmlns:p16="http://schemas.microsoft.com/office/powerpoint/2015/main" val="1"/>
+              </p:ext>
+            </p:extLst>
+          </p:nvPr>
+        </p:nvSpPr>
+        <p:spPr>
+          <a:xfrm>
+            <a:off x="0" y="0"/>
+            <a:ext cx="12192000" cy="6858000"/>
+          </a:xfrm>
+          <a:prstGeom prst="rect">
+            <a:avLst/>
+          </a:prstGeom>
+          <a:solidFill>
+            <a:schemeClr val="bg2">
+              <a:alpha val="40000"/>
+            </a:schemeClr>
+          </a:solidFill>
+          <a:ln w="12700" cap="flat" cmpd="sng" algn="ctr">
+            <a:noFill/>
+            <a:prstDash val="solid"/>
+            <a:miter lim="800000"/>
+          </a:ln>
+          <a:effectLst/>
+        </p:spPr>
+        <p:style>
+          <a:lnRef idx="2">
+            <a:schemeClr val="accent1">
+              <a:shade val="50000"/>
+            </a:schemeClr>
+          </a:lnRef>
+          <a:fillRef idx="1">
+            <a:schemeClr val="accent1"/>
+          </a:fillRef>
+          <a:effectRef idx="0">
+            <a:schemeClr val="accent1"/>
+          </a:effectRef>
+          <a:fontRef idx="minor">
+            <a:schemeClr val="lt1"/>
+          </a:fontRef>
+        </p:style>
+        <p:txBody>
+          <a:bodyPr rtlCol="0" anchor="ctr"/>
+          <a:lstStyle/>
+          <a:p>
+            <a:pPr algn="r"/>
+            <a:endParaRPr lang="en-US" dirty="0"/>
+          </a:p>
+        </p:txBody>
+      </p:sp>
+      <p:sp useBgFill="1">
+        <p:nvSpPr>
+          <p:cNvPr id="34" name="Rectangle 33">
+            <a:extLst>
+              <a:ext uri="{FF2B5EF4-FFF2-40B4-BE49-F238E27FC236}">
+                <a16:creationId xmlns:a16="http://schemas.microsoft.com/office/drawing/2014/main" id="{9C51935E-4A08-4AE4-8E13-F40CD3C4F1C4}"/>
+              </a:ext>
+              <a:ext uri="{C183D7F6-B498-43B3-948B-1728B52AA6E4}">
+                <adec:decorative xmlns:adec="http://schemas.microsoft.com/office/drawing/2017/decorative" val="1"/>
+              </a:ext>
+            </a:extLst>
+          </p:cNvPr>
+          <p:cNvSpPr>
+            <a:spLocks noGrp="1" noRot="1" noChangeAspect="1" noMove="1" noResize="1" noEditPoints="1" noAdjustHandles="1" noChangeArrowheads="1" noChangeShapeType="1" noTextEdit="1"/>
+          </p:cNvSpPr>
+          <p:nvPr>
+            <p:extLst>
+              <p:ext uri="{386F3935-93C4-4BCD-93E2-E3B085C9AB24}">
+                <p16:designElem xmlns:p16="http://schemas.microsoft.com/office/powerpoint/2015/main" val="1"/>
+              </p:ext>
+            </p:extLst>
+          </p:nvPr>
+        </p:nvSpPr>
+        <p:spPr>
+          <a:xfrm>
+            <a:off x="0" y="0"/>
+            <a:ext cx="12192000" cy="6858000"/>
+          </a:xfrm>
+          <a:prstGeom prst="rect">
+            <a:avLst/>
+          </a:prstGeom>
+          <a:ln w="12700" cap="flat" cmpd="sng" algn="ctr">
+            <a:noFill/>
+            <a:prstDash val="solid"/>
+            <a:miter lim="800000"/>
+          </a:ln>
+          <a:effectLst/>
+          <a:extLst>
+            <a:ext uri="{91240B29-F687-4F45-9708-019B960494DF}">
+              <a14:hiddenLine xmlns:a14="http://schemas.microsoft.com/office/drawing/2010/main" w="12700" cap="flat" cmpd="sng" algn="ctr">
+                <a:solidFill>
+                  <a:schemeClr val="accent1">
+                    <a:shade val="50000"/>
+                  </a:schemeClr>
+                </a:solidFill>
+                <a:prstDash val="solid"/>
+                <a:miter lim="800000"/>
+              </a14:hiddenLine>
+            </a:ext>
+          </a:extLst>
+        </p:spPr>
+        <p:style>
+          <a:lnRef idx="2">
+            <a:schemeClr val="accent1">
+              <a:shade val="50000"/>
+            </a:schemeClr>
+          </a:lnRef>
+          <a:fillRef idx="1">
+            <a:schemeClr val="accent1"/>
+          </a:fillRef>
+          <a:effectRef idx="0">
+            <a:schemeClr val="accent1"/>
+          </a:effectRef>
+          <a:fontRef idx="minor">
+            <a:schemeClr val="lt1"/>
+          </a:fontRef>
+        </p:style>
+        <p:txBody>
+          <a:bodyPr rtlCol="0" anchor="ctr"/>
+          <a:lstStyle/>
+          <a:p>
+            <a:pPr algn="ctr"/>
+            <a:endParaRPr lang="en-US"/>
+          </a:p>
+        </p:txBody>
+      </p:sp>
+      <p:sp>
+        <p:nvSpPr>
+          <p:cNvPr id="2" name="Tytuł 1">
+            <a:extLst>
+              <a:ext uri="{FF2B5EF4-FFF2-40B4-BE49-F238E27FC236}">
+                <a16:creationId xmlns:a16="http://schemas.microsoft.com/office/drawing/2014/main" id="{D0F4B9AB-B87D-3F7C-A4A8-D97075A454AA}"/>
+              </a:ext>
+            </a:extLst>
+          </p:cNvPr>
+          <p:cNvSpPr>
+            <a:spLocks noGrp="1"/>
+          </p:cNvSpPr>
+          <p:nvPr>
+            <p:ph type="title"/>
+          </p:nvPr>
+        </p:nvSpPr>
+        <p:spPr>
+          <a:xfrm>
+            <a:off x="7153200" y="540000"/>
+            <a:ext cx="4500561" cy="4259814"/>
+          </a:xfrm>
+        </p:spPr>
+        <p:txBody>
+          <a:bodyPr vert="horz" lIns="91440" tIns="45720" rIns="91440" bIns="45720" rtlCol="0" anchor="b">
+            <a:normAutofit/>
+          </a:bodyPr>
+          <a:lstStyle/>
+          <a:p>
+            <a:r>
+              <a:rPr lang="en-US" sz="8800" dirty="0">
+                <a:latin typeface="Avenir Next LT Pro"/>
+              </a:rPr>
+              <a:t>Custom styling</a:t>
+            </a:r>
+          </a:p>
+        </p:txBody>
+      </p:sp>
+      <p:grpSp>
+        <p:nvGrpSpPr>
+          <p:cNvPr id="36" name="Group 35">
+            <a:extLst>
+              <a:ext uri="{FF2B5EF4-FFF2-40B4-BE49-F238E27FC236}">
+                <a16:creationId xmlns:a16="http://schemas.microsoft.com/office/drawing/2014/main" id="{4B7AF231-444C-44D0-B791-BAFE395E36AC}"/>
+              </a:ext>
+              <a:ext uri="{C183D7F6-B498-43B3-948B-1728B52AA6E4}">
+                <adec:decorative xmlns:adec="http://schemas.microsoft.com/office/drawing/2017/decorative" val="1"/>
+              </a:ext>
+            </a:extLst>
+          </p:cNvPr>
+          <p:cNvGrpSpPr>
+            <a:grpSpLocks noGrp="1" noUngrp="1" noRot="1" noChangeAspect="1" noMove="1" noResize="1"/>
+          </p:cNvGrpSpPr>
+          <p:nvPr>
+            <p:extLst>
+              <p:ext uri="{386F3935-93C4-4BCD-93E2-E3B085C9AB24}">
+                <p16:designElem xmlns:p16="http://schemas.microsoft.com/office/powerpoint/2015/main" val="1"/>
+              </p:ext>
+            </p:extLst>
+          </p:nvPr>
+        </p:nvGrpSpPr>
+        <p:grpSpPr>
+          <a:xfrm rot="10800000" flipH="1">
+            <a:off x="1" y="3600"/>
+            <a:ext cx="7266875" cy="6854400"/>
+            <a:chOff x="4925125" y="3600"/>
+            <a:chExt cx="7266875" cy="6854400"/>
+          </a:xfrm>
+        </p:grpSpPr>
+        <p:sp>
+          <p:nvSpPr>
+            <p:cNvPr id="37" name="Oval 36">
+              <a:extLst>
+                <a:ext uri="{FF2B5EF4-FFF2-40B4-BE49-F238E27FC236}">
+                  <a16:creationId xmlns:a16="http://schemas.microsoft.com/office/drawing/2014/main" id="{6152793A-5125-41FA-AEF6-96C5463D0A76}"/>
+                </a:ext>
+                <a:ext uri="{C183D7F6-B498-43B3-948B-1728B52AA6E4}">
+                  <adec:decorative xmlns:adec="http://schemas.microsoft.com/office/drawing/2017/decorative" val="1"/>
+                </a:ext>
+              </a:extLst>
+            </p:cNvPr>
+            <p:cNvSpPr>
+              <a:spLocks noChangeAspect="1"/>
+            </p:cNvSpPr>
+            <p:nvPr>
+              <p:extLst>
+                <p:ext uri="{386F3935-93C4-4BCD-93E2-E3B085C9AB24}">
+                  <p16:designElem xmlns:p16="http://schemas.microsoft.com/office/powerpoint/2015/main" val="1"/>
+                </p:ext>
+              </p:extLst>
+            </p:nvPr>
+          </p:nvSpPr>
+          <p:spPr>
+            <a:xfrm>
+              <a:off x="4925125" y="1098000"/>
+              <a:ext cx="5760000" cy="5760000"/>
+            </a:xfrm>
+            <a:prstGeom prst="ellipse">
+              <a:avLst/>
+            </a:prstGeom>
+            <a:solidFill>
+              <a:schemeClr val="accent1">
+                <a:alpha val="80000"/>
+              </a:schemeClr>
+            </a:solidFill>
+            <a:ln>
+              <a:noFill/>
+            </a:ln>
+            <a:effectLst>
+              <a:softEdge rad="1016000"/>
+            </a:effectLst>
+          </p:spPr>
+          <p:style>
+            <a:lnRef idx="2">
+              <a:schemeClr val="accent1">
+                <a:shade val="50000"/>
+              </a:schemeClr>
+            </a:lnRef>
+            <a:fillRef idx="1">
+              <a:schemeClr val="accent1"/>
+            </a:fillRef>
+            <a:effectRef idx="0">
+              <a:schemeClr val="accent1"/>
+            </a:effectRef>
+            <a:fontRef idx="minor">
+              <a:schemeClr val="lt1"/>
+            </a:fontRef>
+          </p:style>
+          <p:txBody>
+            <a:bodyPr rtlCol="0" anchor="ctr"/>
+            <a:lstStyle/>
+            <a:p>
+              <a:pPr algn="ctr"/>
+              <a:endParaRPr lang="en-US"/>
+            </a:p>
+          </p:txBody>
+        </p:sp>
+        <p:sp>
+          <p:nvSpPr>
+            <p:cNvPr id="38" name="Oval 37">
+              <a:extLst>
+                <a:ext uri="{FF2B5EF4-FFF2-40B4-BE49-F238E27FC236}">
+                  <a16:creationId xmlns:a16="http://schemas.microsoft.com/office/drawing/2014/main" id="{63C1632F-098D-4A05-B248-04B7ABFE0060}"/>
+                </a:ext>
+                <a:ext uri="{C183D7F6-B498-43B3-948B-1728B52AA6E4}">
+                  <adec:decorative xmlns:adec="http://schemas.microsoft.com/office/drawing/2017/decorative" val="1"/>
+                </a:ext>
+              </a:extLst>
+            </p:cNvPr>
+            <p:cNvSpPr>
+              <a:spLocks noChangeAspect="1"/>
+            </p:cNvSpPr>
+            <p:nvPr>
+              <p:extLst>
+                <p:ext uri="{386F3935-93C4-4BCD-93E2-E3B085C9AB24}">
+                  <p16:designElem xmlns:p16="http://schemas.microsoft.com/office/powerpoint/2015/main" val="1"/>
+                </p:ext>
+              </p:extLst>
+            </p:nvPr>
+          </p:nvSpPr>
+          <p:spPr>
+            <a:xfrm>
+              <a:off x="5105686" y="65314"/>
+              <a:ext cx="4320000" cy="4320000"/>
+            </a:xfrm>
+            <a:prstGeom prst="ellipse">
+              <a:avLst/>
+            </a:prstGeom>
+            <a:solidFill>
+              <a:schemeClr val="accent3"/>
+            </a:solidFill>
+            <a:ln>
+              <a:noFill/>
+            </a:ln>
+            <a:effectLst>
+              <a:softEdge rad="1016000"/>
+            </a:effectLst>
+          </p:spPr>
+          <p:style>
+            <a:lnRef idx="2">
+              <a:schemeClr val="accent1">
+                <a:shade val="50000"/>
+              </a:schemeClr>
+            </a:lnRef>
+            <a:fillRef idx="1">
+              <a:schemeClr val="accent1"/>
+            </a:fillRef>
+            <a:effectRef idx="0">
+              <a:schemeClr val="accent1"/>
+            </a:effectRef>
+            <a:fontRef idx="minor">
+              <a:schemeClr val="lt1"/>
+            </a:fontRef>
+          </p:style>
+          <p:txBody>
+            <a:bodyPr rtlCol="0" anchor="ctr"/>
+            <a:lstStyle/>
+            <a:p>
+              <a:pPr algn="ctr"/>
+              <a:endParaRPr lang="en-US"/>
+            </a:p>
+          </p:txBody>
+        </p:sp>
+        <p:sp>
+          <p:nvSpPr>
+            <p:cNvPr id="39" name="Oval 38">
+              <a:extLst>
+                <a:ext uri="{FF2B5EF4-FFF2-40B4-BE49-F238E27FC236}">
+                  <a16:creationId xmlns:a16="http://schemas.microsoft.com/office/drawing/2014/main" id="{0A85C0F5-DDEB-454E-A0E4-B6F0FB4CAB12}"/>
+                </a:ext>
+                <a:ext uri="{C183D7F6-B498-43B3-948B-1728B52AA6E4}">
+                  <adec:decorative xmlns:adec="http://schemas.microsoft.com/office/drawing/2017/decorative" val="1"/>
+                </a:ext>
+              </a:extLst>
+            </p:cNvPr>
+            <p:cNvSpPr>
+              <a:spLocks noChangeAspect="1"/>
+            </p:cNvSpPr>
+            <p:nvPr>
+              <p:extLst>
+                <p:ext uri="{386F3935-93C4-4BCD-93E2-E3B085C9AB24}">
+                  <p16:designElem xmlns:p16="http://schemas.microsoft.com/office/powerpoint/2015/main" val="1"/>
+                </p:ext>
+              </p:extLst>
+            </p:nvPr>
+          </p:nvSpPr>
+          <p:spPr>
+            <a:xfrm>
+              <a:off x="5337600" y="3600"/>
+              <a:ext cx="6854400" cy="6854400"/>
+            </a:xfrm>
+            <a:prstGeom prst="ellipse">
+              <a:avLst/>
+            </a:prstGeom>
+            <a:solidFill>
+              <a:schemeClr val="accent2">
+                <a:alpha val="60000"/>
+              </a:schemeClr>
+            </a:solidFill>
+            <a:ln>
+              <a:noFill/>
+            </a:ln>
+            <a:effectLst>
+              <a:softEdge rad="1270000"/>
+            </a:effectLst>
+          </p:spPr>
+          <p:style>
+            <a:lnRef idx="2">
+              <a:schemeClr val="accent1">
+                <a:shade val="50000"/>
+              </a:schemeClr>
+            </a:lnRef>
+            <a:fillRef idx="1">
+              <a:schemeClr val="accent1"/>
+            </a:fillRef>
+            <a:effectRef idx="0">
+              <a:schemeClr val="accent1"/>
+            </a:effectRef>
+            <a:fontRef idx="minor">
+              <a:schemeClr val="lt1"/>
+            </a:fontRef>
+          </p:style>
+          <p:txBody>
+            <a:bodyPr rtlCol="0" anchor="ctr"/>
+            <a:lstStyle/>
+            <a:p>
+              <a:pPr algn="ctr"/>
+              <a:endParaRPr lang="en-US" dirty="0"/>
+            </a:p>
+          </p:txBody>
+        </p:sp>
+      </p:grpSp>
+      <p:pic>
+        <p:nvPicPr>
+          <p:cNvPr id="5" name="Content Placeholder 4" descr="A screenshot of a computer screen&#10;&#10;Description automatically generated">
+            <a:extLst>
+              <a:ext uri="{FF2B5EF4-FFF2-40B4-BE49-F238E27FC236}">
+                <a16:creationId xmlns:a16="http://schemas.microsoft.com/office/drawing/2014/main" id="{D8966F63-83FC-6EBC-4601-4DA18AF35B11}"/>
+              </a:ext>
+            </a:extLst>
+          </p:cNvPr>
+          <p:cNvPicPr>
+            <a:picLocks noChangeAspect="1"/>
+          </p:cNvPicPr>
+          <p:nvPr/>
+        </p:nvPicPr>
+        <p:blipFill rotWithShape="1">
+          <a:blip r:embed="rId2">
+            <a:extLst>
+              <a:ext uri="{28A0092B-C50C-407E-A947-70E740481C1C}">
+                <a14:useLocalDpi xmlns:a14="http://schemas.microsoft.com/office/drawing/2010/main" val="0"/>
+              </a:ext>
+            </a:extLst>
+          </a:blip>
+          <a:srcRect t="12250" r="-2" b="-2"/>
+          <a:stretch/>
+        </p:blipFill>
+        <p:spPr>
+          <a:xfrm>
+            <a:off x="20" y="-1"/>
+            <a:ext cx="6857980" cy="6858000"/>
+          </a:xfrm>
+          <a:custGeom>
+            <a:avLst/>
+            <a:gdLst/>
+            <a:ahLst/>
+            <a:cxnLst/>
+            <a:rect l="l" t="t" r="r" b="b"/>
+            <a:pathLst>
+              <a:path w="6858000" h="6858000">
+                <a:moveTo>
+                  <a:pt x="3429001" y="0"/>
+                </a:moveTo>
+                <a:cubicBezTo>
+                  <a:pt x="5322784" y="0"/>
+                  <a:pt x="6858000" y="1535216"/>
+                  <a:pt x="6858000" y="3429001"/>
+                </a:cubicBezTo>
+                <a:cubicBezTo>
+                  <a:pt x="6858000" y="5322785"/>
+                  <a:pt x="5322784" y="6858000"/>
+                  <a:pt x="3429001" y="6858000"/>
+                </a:cubicBezTo>
+                <a:cubicBezTo>
+                  <a:pt x="1535216" y="6858000"/>
+                  <a:pt x="0" y="5322785"/>
+                  <a:pt x="0" y="3429001"/>
+                </a:cubicBezTo>
+                <a:cubicBezTo>
+                  <a:pt x="0" y="1535216"/>
+                  <a:pt x="1535216" y="0"/>
+                  <a:pt x="3429001" y="0"/>
+                </a:cubicBezTo>
+                <a:close/>
+              </a:path>
+            </a:pathLst>
+          </a:custGeom>
+          <a:effectLst>
+            <a:softEdge rad="1016000"/>
+          </a:effectLst>
+        </p:spPr>
+      </p:pic>
+    </p:spTree>
+    <p:extLst>
+      <p:ext uri="{BB962C8B-B14F-4D97-AF65-F5344CB8AC3E}">
+        <p14:creationId xmlns:p14="http://schemas.microsoft.com/office/powerpoint/2010/main" val="3521944483"/>
+      </p:ext>
+    </p:extLst>
+  </p:cSld>
+  <p:clrMapOvr>
+    <a:masterClrMapping/>
+  </p:clrMapOvr>
+</p:sld>
+</file>
+
+<file path=ppt/slides/slide8.xml><?xml version="1.0" encoding="utf-8"?>
+<p:sld xmlns:a="http://schemas.openxmlformats.org/drawingml/2006/main" xmlns:r="http://schemas.openxmlformats.org/officeDocument/2006/relationships" xmlns:p="http://schemas.openxmlformats.org/presentationml/2006/main">
+  <p:cSld>
+    <p:bg>
+      <p:bgPr>
+        <a:solidFill>
+          <a:schemeClr val="bg1"/>
+        </a:solidFill>
+        <a:effectLst/>
+      </p:bgPr>
+    </p:bg>
+    <p:spTree>
+      <p:nvGrpSpPr>
+        <p:cNvPr id="1" name=""/>
+        <p:cNvGrpSpPr/>
+        <p:nvPr/>
+      </p:nvGrpSpPr>
+      <p:grpSpPr>
+        <a:xfrm>
+          <a:off x="0" y="0"/>
+          <a:ext cx="0" cy="0"/>
+          <a:chOff x="0" y="0"/>
+          <a:chExt cx="0" cy="0"/>
+        </a:xfrm>
+      </p:grpSpPr>
       <p:sp useBgFill="1">
         <p:nvSpPr>
           <p:cNvPr id="17" name="Rectangle 16">
@@ -20263,7 +16655,7 @@
                 <a16:creationId xmlns:a16="http://schemas.microsoft.com/office/drawing/2014/main" id="{81C8C0F4-5C44-4C3F-B321-5CB3E2BABC2C}"/>
               </a:ext>
               <a:ext uri="{C183D7F6-B498-43B3-948B-1728B52AA6E4}">
-                <adec:decorative xmlns:adec="http://schemas.microsoft.com/office/drawing/2017/decorative" xmlns="" val="1"/>
+                <adec:decorative xmlns:adec="http://schemas.microsoft.com/office/drawing/2017/decorative" val="1"/>
               </a:ext>
             </a:extLst>
           </p:cNvPr>
@@ -20360,14 +16752,12 @@
           <a:lstStyle/>
           <a:p>
             <a:r>
-              <a:rPr lang="en-GB">
+              <a:rPr lang="en-GB" dirty="0">
                 <a:latin typeface="+mn-lt"/>
               </a:rPr>
-              <a:t>Line plot</a:t>
-            </a:r>
-            <a:endParaRPr lang="pl-PL">
-              <a:latin typeface="+mn-lt"/>
-            </a:endParaRPr>
+              <a:t>Libraries Used</a:t>
+            </a:r>
+            <a:endParaRPr lang="pl-PL" dirty="0"/>
           </a:p>
         </p:txBody>
       </p:sp>
@@ -20395,50 +16785,155 @@
         </p:spPr>
         <p:txBody>
           <a:bodyPr anchor="t">
-            <a:normAutofit/>
+            <a:normAutofit fontScale="85000" lnSpcReduction="20000"/>
           </a:bodyPr>
           <a:lstStyle/>
           <a:p>
             <a:pPr marL="269875" indent="-269875"/>
             <a:r>
-              <a:rPr lang="en-US">
+              <a:rPr lang="en-US" dirty="0">
                 <a:solidFill>
                   <a:srgbClr val="FFFFFF"/>
                 </a:solidFill>
                 <a:ea typeface="+mn-lt"/>
                 <a:cs typeface="+mn-lt"/>
               </a:rPr>
-              <a:t>showing overall trends or progress</a:t>
-            </a:r>
+              <a:t>shiny</a:t>
+            </a:r>
+            <a:endParaRPr lang="en-US" dirty="0">
+              <a:solidFill>
+                <a:srgbClr val="FFFFFF"/>
+              </a:solidFill>
+            </a:endParaRPr>
           </a:p>
           <a:p>
             <a:pPr marL="269875" indent="-269875"/>
             <a:r>
-              <a:rPr lang="en-US">
-                <a:solidFill>
-                  <a:srgbClr val="FFFFFF"/>
-                </a:solidFill>
-              </a:rPr>
-              <a:t>Interactive with </a:t>
-            </a:r>
-            <a:r>
-              <a:rPr lang="en-US">
+              <a:rPr lang="en-US" dirty="0" err="1">
                 <a:solidFill>
                   <a:srgbClr val="FFFFFF"/>
                 </a:solidFill>
                 <a:ea typeface="+mn-lt"/>
                 <a:cs typeface="+mn-lt"/>
               </a:rPr>
-              <a:t>dropdown menu</a:t>
-            </a:r>
-            <a:r>
-              <a:rPr lang="en-US">
+              <a:t>shinydashboard</a:t>
+            </a:r>
+            <a:endParaRPr lang="en-US" dirty="0" err="1"/>
+          </a:p>
+          <a:p>
+            <a:pPr marL="269875" indent="-269875"/>
+            <a:r>
+              <a:rPr lang="en-US" dirty="0" err="1">
                 <a:solidFill>
                   <a:srgbClr val="FFFFFF"/>
                 </a:solidFill>
+                <a:ea typeface="+mn-lt"/>
+                <a:cs typeface="+mn-lt"/>
               </a:rPr>
-              <a:t>(fields) showing mean salary of the field over the course of years</a:t>
-            </a:r>
+              <a:t>bslib</a:t>
+            </a:r>
+            <a:endParaRPr lang="en-US" dirty="0" err="1"/>
+          </a:p>
+          <a:p>
+            <a:pPr marL="269875" indent="-269875"/>
+            <a:r>
+              <a:rPr lang="en-US" dirty="0">
+                <a:solidFill>
+                  <a:srgbClr val="FFFFFF"/>
+                </a:solidFill>
+                <a:ea typeface="+mn-lt"/>
+                <a:cs typeface="+mn-lt"/>
+              </a:rPr>
+              <a:t>ggplot2</a:t>
+            </a:r>
+            <a:endParaRPr lang="en-US" dirty="0"/>
+          </a:p>
+          <a:p>
+            <a:pPr marL="269875" indent="-269875"/>
+            <a:r>
+              <a:rPr lang="en-US" dirty="0">
+                <a:solidFill>
+                  <a:srgbClr val="FFFFFF"/>
+                </a:solidFill>
+                <a:ea typeface="+mn-lt"/>
+                <a:cs typeface="+mn-lt"/>
+              </a:rPr>
+              <a:t>leaflet</a:t>
+            </a:r>
+            <a:endParaRPr lang="en-US" dirty="0"/>
+          </a:p>
+          <a:p>
+            <a:pPr marL="269875" indent="-269875"/>
+            <a:r>
+              <a:rPr lang="en-US" dirty="0" err="1">
+                <a:solidFill>
+                  <a:srgbClr val="FFFFFF"/>
+                </a:solidFill>
+                <a:ea typeface="+mn-lt"/>
+                <a:cs typeface="+mn-lt"/>
+              </a:rPr>
+              <a:t>shinythemes</a:t>
+            </a:r>
+            <a:endParaRPr lang="en-US" dirty="0" err="1"/>
+          </a:p>
+          <a:p>
+            <a:pPr marL="269875" indent="-269875"/>
+            <a:r>
+              <a:rPr lang="en-US" dirty="0">
+                <a:solidFill>
+                  <a:srgbClr val="FFFFFF"/>
+                </a:solidFill>
+                <a:ea typeface="+mn-lt"/>
+                <a:cs typeface="+mn-lt"/>
+              </a:rPr>
+              <a:t>DT</a:t>
+            </a:r>
+            <a:endParaRPr lang="en-US" dirty="0"/>
+          </a:p>
+          <a:p>
+            <a:pPr marL="269875" indent="-269875"/>
+            <a:r>
+              <a:rPr lang="en-US" err="1">
+                <a:solidFill>
+                  <a:srgbClr val="FFFFFF"/>
+                </a:solidFill>
+                <a:ea typeface="+mn-lt"/>
+                <a:cs typeface="+mn-lt"/>
+              </a:rPr>
+              <a:t>KableExtra</a:t>
+            </a:r>
+            <a:endParaRPr lang="en-US" dirty="0" err="1">
+              <a:solidFill>
+                <a:srgbClr val="FFFFFF"/>
+              </a:solidFill>
+              <a:ea typeface="+mn-lt"/>
+              <a:cs typeface="+mn-lt"/>
+            </a:endParaRPr>
+          </a:p>
+          <a:p>
+            <a:pPr marL="269875" indent="-269875"/>
+            <a:r>
+              <a:rPr lang="en-US" dirty="0" err="1">
+                <a:ea typeface="+mn-lt"/>
+                <a:cs typeface="+mn-lt"/>
+              </a:rPr>
+              <a:t>DescTools</a:t>
+            </a:r>
+            <a:r>
+              <a:rPr lang="en-US" dirty="0">
+                <a:ea typeface="+mn-lt"/>
+                <a:cs typeface="+mn-lt"/>
+              </a:rPr>
+              <a:t>::</a:t>
+            </a:r>
+            <a:r>
+              <a:rPr lang="en-US" dirty="0" err="1">
+                <a:ea typeface="+mn-lt"/>
+                <a:cs typeface="+mn-lt"/>
+              </a:rPr>
+              <a:t>d.countries</a:t>
+            </a:r>
+            <a:endParaRPr lang="en-US" dirty="0" err="1"/>
           </a:p>
         </p:txBody>
       </p:sp>
@@ -20450,7 +16945,7 @@
                 <a16:creationId xmlns:a16="http://schemas.microsoft.com/office/drawing/2014/main" id="{000A5F84-BD20-4A3E-81BA-9F4444101C16}"/>
               </a:ext>
               <a:ext uri="{C183D7F6-B498-43B3-948B-1728B52AA6E4}">
-                <adec:decorative xmlns:adec="http://schemas.microsoft.com/office/drawing/2017/decorative" xmlns="" val="1"/>
+                <adec:decorative xmlns:adec="http://schemas.microsoft.com/office/drawing/2017/decorative" val="1"/>
               </a:ext>
             </a:extLst>
           </p:cNvPr>
@@ -20481,7 +16976,7 @@
                   <a16:creationId xmlns:a16="http://schemas.microsoft.com/office/drawing/2014/main" id="{FF62F19C-23B5-44FC-88CF-01A430872686}"/>
                 </a:ext>
                 <a:ext uri="{C183D7F6-B498-43B3-948B-1728B52AA6E4}">
-                  <adec:decorative xmlns:adec="http://schemas.microsoft.com/office/drawing/2017/decorative" xmlns="" val="1"/>
+                  <adec:decorative xmlns:adec="http://schemas.microsoft.com/office/drawing/2017/decorative" val="1"/>
                 </a:ext>
               </a:extLst>
             </p:cNvPr>
@@ -20549,7 +17044,7 @@
                   <a16:creationId xmlns:a16="http://schemas.microsoft.com/office/drawing/2014/main" id="{C82D9667-DCFB-45CA-8EDC-7E5E0EE42AB3}"/>
                 </a:ext>
                 <a:ext uri="{C183D7F6-B498-43B3-948B-1728B52AA6E4}">
-                  <adec:decorative xmlns:adec="http://schemas.microsoft.com/office/drawing/2017/decorative" xmlns="" val="1"/>
+                  <adec:decorative xmlns:adec="http://schemas.microsoft.com/office/drawing/2017/decorative" val="1"/>
                 </a:ext>
               </a:extLst>
             </p:cNvPr>
@@ -20615,7 +17110,7 @@
                   <a16:creationId xmlns:a16="http://schemas.microsoft.com/office/drawing/2014/main" id="{CE8752FF-502D-43D5-9828-8C4216648319}"/>
                 </a:ext>
                 <a:ext uri="{C183D7F6-B498-43B3-948B-1728B52AA6E4}">
-                  <adec:decorative xmlns:adec="http://schemas.microsoft.com/office/drawing/2017/decorative" xmlns="" val="1"/>
+                  <adec:decorative xmlns:adec="http://schemas.microsoft.com/office/drawing/2017/decorative" val="1"/>
                 </a:ext>
               </a:extLst>
             </p:cNvPr>
@@ -20759,542 +17254,6 @@
 </p:sld>
 </file>
 
-<file path=ppt/slides/slide8.xml><?xml version="1.0" encoding="utf-8"?>
-<p:sld xmlns:a="http://schemas.openxmlformats.org/drawingml/2006/main" xmlns:r="http://schemas.openxmlformats.org/officeDocument/2006/relationships" xmlns:p="http://schemas.openxmlformats.org/presentationml/2006/main">
-  <p:cSld>
-    <p:bg>
-      <p:bgPr>
-        <a:solidFill>
-          <a:schemeClr val="bg1"/>
-        </a:solidFill>
-        <a:effectLst/>
-      </p:bgPr>
-    </p:bg>
-    <p:spTree>
-      <p:nvGrpSpPr>
-        <p:cNvPr id="1" name=""/>
-        <p:cNvGrpSpPr/>
-        <p:nvPr/>
-      </p:nvGrpSpPr>
-      <p:grpSpPr>
-        <a:xfrm>
-          <a:off x="0" y="0"/>
-          <a:ext cx="0" cy="0"/>
-          <a:chOff x="0" y="0"/>
-          <a:chExt cx="0" cy="0"/>
-        </a:xfrm>
-      </p:grpSpPr>
-      <p:sp useBgFill="1">
-        <p:nvSpPr>
-          <p:cNvPr id="32" name="Rectangle 10">
-            <a:extLst>
-              <a:ext uri="{FF2B5EF4-FFF2-40B4-BE49-F238E27FC236}">
-                <a16:creationId xmlns:a16="http://schemas.microsoft.com/office/drawing/2014/main" id="{81C8C0F4-5C44-4C3F-B321-5CB3E2BABC2C}"/>
-              </a:ext>
-              <a:ext uri="{C183D7F6-B498-43B3-948B-1728B52AA6E4}">
-                <adec:decorative xmlns:adec="http://schemas.microsoft.com/office/drawing/2017/decorative" xmlns="" val="1"/>
-              </a:ext>
-            </a:extLst>
-          </p:cNvPr>
-          <p:cNvSpPr>
-            <a:spLocks noGrp="1" noRot="1" noChangeAspect="1" noMove="1" noResize="1" noEditPoints="1" noAdjustHandles="1" noChangeArrowheads="1" noChangeShapeType="1" noTextEdit="1"/>
-          </p:cNvSpPr>
-          <p:nvPr>
-            <p:extLst>
-              <p:ext uri="{386F3935-93C4-4BCD-93E2-E3B085C9AB24}">
-                <p16:designElem xmlns:p16="http://schemas.microsoft.com/office/powerpoint/2015/main" val="1"/>
-              </p:ext>
-            </p:extLst>
-          </p:nvPr>
-        </p:nvSpPr>
-        <p:spPr>
-          <a:xfrm>
-            <a:off x="0" y="0"/>
-            <a:ext cx="12192000" cy="6858000"/>
-          </a:xfrm>
-          <a:prstGeom prst="rect">
-            <a:avLst/>
-          </a:prstGeom>
-          <a:ln w="12700" cap="flat" cmpd="sng" algn="ctr">
-            <a:noFill/>
-            <a:prstDash val="solid"/>
-            <a:miter lim="800000"/>
-          </a:ln>
-          <a:effectLst/>
-          <a:extLst>
-            <a:ext uri="{91240B29-F687-4F45-9708-019B960494DF}">
-              <a14:hiddenLine xmlns:a14="http://schemas.microsoft.com/office/drawing/2010/main" w="12700" cap="flat" cmpd="sng" algn="ctr">
-                <a:solidFill>
-                  <a:schemeClr val="accent1">
-                    <a:shade val="50000"/>
-                  </a:schemeClr>
-                </a:solidFill>
-                <a:prstDash val="solid"/>
-                <a:miter lim="800000"/>
-              </a14:hiddenLine>
-            </a:ext>
-          </a:extLst>
-        </p:spPr>
-        <p:style>
-          <a:lnRef idx="2">
-            <a:schemeClr val="accent1">
-              <a:shade val="50000"/>
-            </a:schemeClr>
-          </a:lnRef>
-          <a:fillRef idx="1">
-            <a:schemeClr val="accent1"/>
-          </a:fillRef>
-          <a:effectRef idx="0">
-            <a:schemeClr val="accent1"/>
-          </a:effectRef>
-          <a:fontRef idx="minor">
-            <a:schemeClr val="lt1"/>
-          </a:fontRef>
-        </p:style>
-        <p:txBody>
-          <a:bodyPr rtlCol="0" anchor="ctr"/>
-          <a:lstStyle/>
-          <a:p>
-            <a:pPr algn="ctr"/>
-            <a:endParaRPr lang="en-US"/>
-          </a:p>
-        </p:txBody>
-      </p:sp>
-      <p:sp>
-        <p:nvSpPr>
-          <p:cNvPr id="2" name="Tytuł 1">
-            <a:extLst>
-              <a:ext uri="{FF2B5EF4-FFF2-40B4-BE49-F238E27FC236}">
-                <a16:creationId xmlns:a16="http://schemas.microsoft.com/office/drawing/2014/main" id="{EDA58AB6-7C9F-5E3D-3E9E-59483AB1507B}"/>
-              </a:ext>
-            </a:extLst>
-          </p:cNvPr>
-          <p:cNvSpPr>
-            <a:spLocks noGrp="1"/>
-          </p:cNvSpPr>
-          <p:nvPr>
-            <p:ph type="title"/>
-          </p:nvPr>
-        </p:nvSpPr>
-        <p:spPr>
-          <a:xfrm>
-            <a:off x="540000" y="540000"/>
-            <a:ext cx="4500561" cy="2181946"/>
-          </a:xfrm>
-        </p:spPr>
-        <p:txBody>
-          <a:bodyPr anchor="t">
-            <a:normAutofit/>
-          </a:bodyPr>
-          <a:lstStyle/>
-          <a:p>
-            <a:r>
-              <a:rPr lang="pl-PL">
-                <a:latin typeface="Avenir Next LT Pro"/>
-              </a:rPr>
-              <a:t>Histogram</a:t>
-            </a:r>
-          </a:p>
-        </p:txBody>
-      </p:sp>
-      <p:sp>
-        <p:nvSpPr>
-          <p:cNvPr id="33" name="Content Placeholder 7">
-            <a:extLst>
-              <a:ext uri="{FF2B5EF4-FFF2-40B4-BE49-F238E27FC236}">
-                <a16:creationId xmlns:a16="http://schemas.microsoft.com/office/drawing/2014/main" id="{7B6D396F-01CE-4B9D-56CE-1E6B8C765740}"/>
-              </a:ext>
-            </a:extLst>
-          </p:cNvPr>
-          <p:cNvSpPr>
-            <a:spLocks noGrp="1"/>
-          </p:cNvSpPr>
-          <p:nvPr>
-            <p:ph idx="1"/>
-          </p:nvPr>
-        </p:nvSpPr>
-        <p:spPr>
-          <a:xfrm>
-            <a:off x="550863" y="2947121"/>
-            <a:ext cx="4500562" cy="3361604"/>
-          </a:xfrm>
-        </p:spPr>
-        <p:txBody>
-          <a:bodyPr anchor="t">
-            <a:normAutofit lnSpcReduction="10000"/>
-          </a:bodyPr>
-          <a:lstStyle/>
-          <a:p>
-            <a:pPr marL="269875" indent="-269875"/>
-            <a:r>
-              <a:rPr lang="en-US">
-                <a:solidFill>
-                  <a:srgbClr val="FFFFFF"/>
-                </a:solidFill>
-                <a:ea typeface="+mn-lt"/>
-                <a:cs typeface="+mn-lt"/>
-              </a:rPr>
-              <a:t>the numbers are grouped into ranges</a:t>
-            </a:r>
-          </a:p>
-          <a:p>
-            <a:pPr marL="269875" indent="-269875"/>
-            <a:r>
-              <a:rPr lang="en-US">
-                <a:solidFill>
-                  <a:srgbClr val="FFFFFF"/>
-                </a:solidFill>
-                <a:ea typeface="+mn-lt"/>
-                <a:cs typeface="+mn-lt"/>
-              </a:rPr>
-              <a:t>different heights correspond to the frequency of each group</a:t>
-            </a:r>
-          </a:p>
-          <a:p>
-            <a:pPr marL="269875" indent="-269875"/>
-            <a:r>
-              <a:rPr lang="en-US">
-                <a:solidFill>
-                  <a:srgbClr val="FFFFFF"/>
-                </a:solidFill>
-              </a:rPr>
-              <a:t>Showing number of employees falling into different salary groups</a:t>
-            </a:r>
-          </a:p>
-          <a:p>
-            <a:pPr marL="269875" indent="-269875"/>
-            <a:r>
-              <a:rPr lang="en-US">
-                <a:solidFill>
-                  <a:srgbClr val="FFFFFF"/>
-                </a:solidFill>
-              </a:rPr>
-              <a:t>??interactive option: </a:t>
-            </a:r>
-            <a:r>
-              <a:rPr lang="en-US">
-                <a:solidFill>
-                  <a:srgbClr val="FFFFFF"/>
-                </a:solidFill>
-                <a:ea typeface="+mn-lt"/>
-                <a:cs typeface="+mn-lt"/>
-              </a:rPr>
-              <a:t>dropdown menu – company_location/employee_residence??</a:t>
-            </a:r>
-          </a:p>
-        </p:txBody>
-      </p:sp>
-      <p:grpSp>
-        <p:nvGrpSpPr>
-          <p:cNvPr id="34" name="Group 12">
-            <a:extLst>
-              <a:ext uri="{FF2B5EF4-FFF2-40B4-BE49-F238E27FC236}">
-                <a16:creationId xmlns:a16="http://schemas.microsoft.com/office/drawing/2014/main" id="{000A5F84-BD20-4A3E-81BA-9F4444101C16}"/>
-              </a:ext>
-              <a:ext uri="{C183D7F6-B498-43B3-948B-1728B52AA6E4}">
-                <adec:decorative xmlns:adec="http://schemas.microsoft.com/office/drawing/2017/decorative" xmlns="" val="1"/>
-              </a:ext>
-            </a:extLst>
-          </p:cNvPr>
-          <p:cNvGrpSpPr>
-            <a:grpSpLocks noGrp="1" noUngrp="1" noRot="1" noChangeAspect="1" noMove="1" noResize="1"/>
-          </p:cNvGrpSpPr>
-          <p:nvPr>
-            <p:extLst>
-              <p:ext uri="{386F3935-93C4-4BCD-93E2-E3B085C9AB24}">
-                <p16:designElem xmlns:p16="http://schemas.microsoft.com/office/powerpoint/2015/main" val="1"/>
-              </p:ext>
-            </p:extLst>
-          </p:nvPr>
-        </p:nvGrpSpPr>
-        <p:grpSpPr>
-          <a:xfrm>
-            <a:off x="4925125" y="3600"/>
-            <a:ext cx="7266875" cy="6854400"/>
-            <a:chOff x="4925125" y="3600"/>
-            <a:chExt cx="7266875" cy="6854400"/>
-          </a:xfrm>
-        </p:grpSpPr>
-        <p:sp>
-          <p:nvSpPr>
-            <p:cNvPr id="14" name="Oval 13">
-              <a:extLst>
-                <a:ext uri="{FF2B5EF4-FFF2-40B4-BE49-F238E27FC236}">
-                  <a16:creationId xmlns:a16="http://schemas.microsoft.com/office/drawing/2014/main" id="{FF62F19C-23B5-44FC-88CF-01A430872686}"/>
-                </a:ext>
-                <a:ext uri="{C183D7F6-B498-43B3-948B-1728B52AA6E4}">
-                  <adec:decorative xmlns:adec="http://schemas.microsoft.com/office/drawing/2017/decorative" xmlns="" val="1"/>
-                </a:ext>
-              </a:extLst>
-            </p:cNvPr>
-            <p:cNvSpPr>
-              <a:spLocks noChangeAspect="1"/>
-            </p:cNvSpPr>
-            <p:nvPr>
-              <p:extLst>
-                <p:ext uri="{386F3935-93C4-4BCD-93E2-E3B085C9AB24}">
-                  <p16:designElem xmlns:p16="http://schemas.microsoft.com/office/powerpoint/2015/main" val="1"/>
-                </p:ext>
-              </p:extLst>
-            </p:nvPr>
-          </p:nvSpPr>
-          <p:spPr>
-            <a:xfrm>
-              <a:off x="4925125" y="1098000"/>
-              <a:ext cx="5760000" cy="5760000"/>
-            </a:xfrm>
-            <a:prstGeom prst="ellipse">
-              <a:avLst/>
-            </a:prstGeom>
-            <a:solidFill>
-              <a:schemeClr val="accent1">
-                <a:alpha val="80000"/>
-              </a:schemeClr>
-            </a:solidFill>
-            <a:ln>
-              <a:noFill/>
-            </a:ln>
-            <a:effectLst>
-              <a:softEdge rad="1016000"/>
-            </a:effectLst>
-          </p:spPr>
-          <p:style>
-            <a:lnRef idx="2">
-              <a:schemeClr val="accent1">
-                <a:shade val="50000"/>
-              </a:schemeClr>
-            </a:lnRef>
-            <a:fillRef idx="1">
-              <a:schemeClr val="accent1"/>
-            </a:fillRef>
-            <a:effectRef idx="0">
-              <a:schemeClr val="accent1"/>
-            </a:effectRef>
-            <a:fontRef idx="minor">
-              <a:schemeClr val="lt1"/>
-            </a:fontRef>
-          </p:style>
-          <p:txBody>
-            <a:bodyPr rtlCol="0" anchor="ctr"/>
-            <a:lstStyle/>
-            <a:p>
-              <a:pPr algn="ctr"/>
-              <a:endParaRPr lang="en-US"/>
-            </a:p>
-          </p:txBody>
-        </p:sp>
-        <p:sp>
-          <p:nvSpPr>
-            <p:cNvPr id="15" name="Oval 14">
-              <a:extLst>
-                <a:ext uri="{FF2B5EF4-FFF2-40B4-BE49-F238E27FC236}">
-                  <a16:creationId xmlns:a16="http://schemas.microsoft.com/office/drawing/2014/main" id="{C82D9667-DCFB-45CA-8EDC-7E5E0EE42AB3}"/>
-                </a:ext>
-                <a:ext uri="{C183D7F6-B498-43B3-948B-1728B52AA6E4}">
-                  <adec:decorative xmlns:adec="http://schemas.microsoft.com/office/drawing/2017/decorative" xmlns="" val="1"/>
-                </a:ext>
-              </a:extLst>
-            </p:cNvPr>
-            <p:cNvSpPr>
-              <a:spLocks noChangeAspect="1"/>
-            </p:cNvSpPr>
-            <p:nvPr>
-              <p:extLst>
-                <p:ext uri="{386F3935-93C4-4BCD-93E2-E3B085C9AB24}">
-                  <p16:designElem xmlns:p16="http://schemas.microsoft.com/office/powerpoint/2015/main" val="1"/>
-                </p:ext>
-              </p:extLst>
-            </p:nvPr>
-          </p:nvSpPr>
-          <p:spPr>
-            <a:xfrm>
-              <a:off x="5105686" y="65314"/>
-              <a:ext cx="4320000" cy="4320000"/>
-            </a:xfrm>
-            <a:prstGeom prst="ellipse">
-              <a:avLst/>
-            </a:prstGeom>
-            <a:solidFill>
-              <a:schemeClr val="accent3"/>
-            </a:solidFill>
-            <a:ln>
-              <a:noFill/>
-            </a:ln>
-            <a:effectLst>
-              <a:softEdge rad="1016000"/>
-            </a:effectLst>
-          </p:spPr>
-          <p:style>
-            <a:lnRef idx="2">
-              <a:schemeClr val="accent1">
-                <a:shade val="50000"/>
-              </a:schemeClr>
-            </a:lnRef>
-            <a:fillRef idx="1">
-              <a:schemeClr val="accent1"/>
-            </a:fillRef>
-            <a:effectRef idx="0">
-              <a:schemeClr val="accent1"/>
-            </a:effectRef>
-            <a:fontRef idx="minor">
-              <a:schemeClr val="lt1"/>
-            </a:fontRef>
-          </p:style>
-          <p:txBody>
-            <a:bodyPr rtlCol="0" anchor="ctr"/>
-            <a:lstStyle/>
-            <a:p>
-              <a:pPr algn="ctr"/>
-              <a:endParaRPr lang="en-US"/>
-            </a:p>
-          </p:txBody>
-        </p:sp>
-        <p:sp>
-          <p:nvSpPr>
-            <p:cNvPr id="16" name="Oval 15">
-              <a:extLst>
-                <a:ext uri="{FF2B5EF4-FFF2-40B4-BE49-F238E27FC236}">
-                  <a16:creationId xmlns:a16="http://schemas.microsoft.com/office/drawing/2014/main" id="{CE8752FF-502D-43D5-9828-8C4216648319}"/>
-                </a:ext>
-                <a:ext uri="{C183D7F6-B498-43B3-948B-1728B52AA6E4}">
-                  <adec:decorative xmlns:adec="http://schemas.microsoft.com/office/drawing/2017/decorative" xmlns="" val="1"/>
-                </a:ext>
-              </a:extLst>
-            </p:cNvPr>
-            <p:cNvSpPr>
-              <a:spLocks noChangeAspect="1"/>
-            </p:cNvSpPr>
-            <p:nvPr>
-              <p:extLst>
-                <p:ext uri="{386F3935-93C4-4BCD-93E2-E3B085C9AB24}">
-                  <p16:designElem xmlns:p16="http://schemas.microsoft.com/office/powerpoint/2015/main" val="1"/>
-                </p:ext>
-              </p:extLst>
-            </p:nvPr>
-          </p:nvSpPr>
-          <p:spPr>
-            <a:xfrm>
-              <a:off x="5337600" y="3600"/>
-              <a:ext cx="6854400" cy="6854400"/>
-            </a:xfrm>
-            <a:prstGeom prst="ellipse">
-              <a:avLst/>
-            </a:prstGeom>
-            <a:solidFill>
-              <a:schemeClr val="accent2">
-                <a:alpha val="60000"/>
-              </a:schemeClr>
-            </a:solidFill>
-            <a:ln>
-              <a:noFill/>
-            </a:ln>
-            <a:effectLst>
-              <a:softEdge rad="1270000"/>
-            </a:effectLst>
-          </p:spPr>
-          <p:style>
-            <a:lnRef idx="2">
-              <a:schemeClr val="accent1">
-                <a:shade val="50000"/>
-              </a:schemeClr>
-            </a:lnRef>
-            <a:fillRef idx="1">
-              <a:schemeClr val="accent1"/>
-            </a:fillRef>
-            <a:effectRef idx="0">
-              <a:schemeClr val="accent1"/>
-            </a:effectRef>
-            <a:fontRef idx="minor">
-              <a:schemeClr val="lt1"/>
-            </a:fontRef>
-          </p:style>
-          <p:txBody>
-            <a:bodyPr rtlCol="0" anchor="ctr"/>
-            <a:lstStyle/>
-            <a:p>
-              <a:pPr algn="ctr"/>
-              <a:endParaRPr lang="en-US"/>
-            </a:p>
-          </p:txBody>
-        </p:sp>
-      </p:grpSp>
-      <p:pic>
-        <p:nvPicPr>
-          <p:cNvPr id="4" name="Symbol zastępczy zawartości 3" descr="Histograms with SQL">
-            <a:extLst>
-              <a:ext uri="{FF2B5EF4-FFF2-40B4-BE49-F238E27FC236}">
-                <a16:creationId xmlns:a16="http://schemas.microsoft.com/office/drawing/2014/main" id="{1471DF14-A6A9-4915-3B0B-267FF6067FF2}"/>
-              </a:ext>
-            </a:extLst>
-          </p:cNvPr>
-          <p:cNvPicPr>
-            <a:picLocks noChangeAspect="1"/>
-          </p:cNvPicPr>
-          <p:nvPr/>
-        </p:nvPicPr>
-        <p:blipFill rotWithShape="1">
-          <a:blip r:embed="rId2"/>
-          <a:srcRect l="27929" r="5320" b="-2"/>
-          <a:stretch/>
-        </p:blipFill>
-        <p:spPr>
-          <a:xfrm>
-            <a:off x="4896763" y="-1"/>
-            <a:ext cx="6858000" cy="6858000"/>
-          </a:xfrm>
-          <a:custGeom>
-            <a:avLst/>
-            <a:gdLst/>
-            <a:ahLst/>
-            <a:cxnLst/>
-            <a:rect l="l" t="t" r="r" b="b"/>
-            <a:pathLst>
-              <a:path w="6858000" h="6858000">
-                <a:moveTo>
-                  <a:pt x="3429001" y="0"/>
-                </a:moveTo>
-                <a:cubicBezTo>
-                  <a:pt x="5322784" y="0"/>
-                  <a:pt x="6858000" y="1535216"/>
-                  <a:pt x="6858000" y="3429001"/>
-                </a:cubicBezTo>
-                <a:cubicBezTo>
-                  <a:pt x="6858000" y="5322785"/>
-                  <a:pt x="5322784" y="6858000"/>
-                  <a:pt x="3429001" y="6858000"/>
-                </a:cubicBezTo>
-                <a:cubicBezTo>
-                  <a:pt x="1535216" y="6858000"/>
-                  <a:pt x="0" y="5322785"/>
-                  <a:pt x="0" y="3429001"/>
-                </a:cubicBezTo>
-                <a:cubicBezTo>
-                  <a:pt x="0" y="1535216"/>
-                  <a:pt x="1535216" y="0"/>
-                  <a:pt x="3429001" y="0"/>
-                </a:cubicBezTo>
-                <a:close/>
-              </a:path>
-            </a:pathLst>
-          </a:custGeom>
-          <a:effectLst>
-            <a:softEdge rad="1016000"/>
-          </a:effectLst>
-        </p:spPr>
-      </p:pic>
-    </p:spTree>
-    <p:extLst>
-      <p:ext uri="{BB962C8B-B14F-4D97-AF65-F5344CB8AC3E}">
-        <p14:creationId xmlns:p14="http://schemas.microsoft.com/office/powerpoint/2010/main" val="3305670993"/>
-      </p:ext>
-    </p:extLst>
-  </p:cSld>
-  <p:clrMapOvr>
-    <a:masterClrMapping/>
-  </p:clrMapOvr>
-</p:sld>
-</file>
-
 <file path=ppt/slides/slide9.xml><?xml version="1.0" encoding="utf-8"?>
 <p:sld xmlns:a="http://schemas.openxmlformats.org/drawingml/2006/main" xmlns:r="http://schemas.openxmlformats.org/officeDocument/2006/relationships" xmlns:p="http://schemas.openxmlformats.org/presentationml/2006/main">
   <p:cSld>
@@ -21322,13 +17281,13 @@
       </p:grpSpPr>
       <p:grpSp>
         <p:nvGrpSpPr>
-          <p:cNvPr id="135" name="Group 134">
+          <p:cNvPr id="20" name="Group 8">
             <a:extLst>
               <a:ext uri="{FF2B5EF4-FFF2-40B4-BE49-F238E27FC236}">
                 <a16:creationId xmlns:a16="http://schemas.microsoft.com/office/drawing/2014/main" id="{BF4E480B-94D6-46F9-A2B6-B98D311FDC19}"/>
               </a:ext>
               <a:ext uri="{C183D7F6-B498-43B3-948B-1728B52AA6E4}">
-                <adec:decorative xmlns:adec="http://schemas.microsoft.com/office/drawing/2017/decorative" xmlns="" val="1"/>
+                <adec:decorative xmlns:adec="http://schemas.microsoft.com/office/drawing/2017/decorative" val="1"/>
               </a:ext>
             </a:extLst>
           </p:cNvPr>
@@ -21353,13 +17312,13 @@
         </p:grpSpPr>
         <p:sp>
           <p:nvSpPr>
-            <p:cNvPr id="136" name="Rectangle 135">
+            <p:cNvPr id="10" name="Rectangle 9">
               <a:extLst>
                 <a:ext uri="{FF2B5EF4-FFF2-40B4-BE49-F238E27FC236}">
                   <a16:creationId xmlns:a16="http://schemas.microsoft.com/office/drawing/2014/main" id="{07183CDE-91A1-40C3-8E80-66F89E1C2D53}"/>
                 </a:ext>
                 <a:ext uri="{C183D7F6-B498-43B3-948B-1728B52AA6E4}">
-                  <adec:decorative xmlns:adec="http://schemas.microsoft.com/office/drawing/2017/decorative" xmlns="" val="1"/>
+                  <adec:decorative xmlns:adec="http://schemas.microsoft.com/office/drawing/2017/decorative" val="1"/>
                 </a:ext>
               </a:extLst>
             </p:cNvPr>
@@ -21434,13 +17393,13 @@
         </p:sp>
         <p:sp>
           <p:nvSpPr>
-            <p:cNvPr id="137" name="Oval 136">
+            <p:cNvPr id="22" name="Oval 10">
               <a:extLst>
                 <a:ext uri="{FF2B5EF4-FFF2-40B4-BE49-F238E27FC236}">
                   <a16:creationId xmlns:a16="http://schemas.microsoft.com/office/drawing/2014/main" id="{A6756515-F9AA-46BD-8DD2-AA15BA492AC0}"/>
                 </a:ext>
                 <a:ext uri="{C183D7F6-B498-43B3-948B-1728B52AA6E4}">
-                  <adec:decorative xmlns:adec="http://schemas.microsoft.com/office/drawing/2017/decorative" xmlns="" val="1"/>
+                  <adec:decorative xmlns:adec="http://schemas.microsoft.com/office/drawing/2017/decorative" val="1"/>
                 </a:ext>
               </a:extLst>
             </p:cNvPr>
@@ -21502,13 +17461,13 @@
         </p:sp>
         <p:sp>
           <p:nvSpPr>
-            <p:cNvPr id="138" name="Oval 137">
+            <p:cNvPr id="12" name="Oval 11">
               <a:extLst>
                 <a:ext uri="{FF2B5EF4-FFF2-40B4-BE49-F238E27FC236}">
                   <a16:creationId xmlns:a16="http://schemas.microsoft.com/office/drawing/2014/main" id="{ABA365E2-8B71-408B-9092-0104216AC7AC}"/>
                 </a:ext>
                 <a:ext uri="{C183D7F6-B498-43B3-948B-1728B52AA6E4}">
-                  <adec:decorative xmlns:adec="http://schemas.microsoft.com/office/drawing/2017/decorative" xmlns="" val="1"/>
+                  <adec:decorative xmlns:adec="http://schemas.microsoft.com/office/drawing/2017/decorative" val="1"/>
                 </a:ext>
               </a:extLst>
             </p:cNvPr>
@@ -21564,19 +17523,19 @@
             <a:lstStyle/>
             <a:p>
               <a:pPr algn="r"/>
-              <a:endParaRPr lang="en-US"/>
+              <a:endParaRPr lang="en-US" dirty="0"/>
             </a:p>
           </p:txBody>
         </p:sp>
         <p:grpSp>
           <p:nvGrpSpPr>
-            <p:cNvPr id="116" name="Group 115">
+            <p:cNvPr id="13" name="Group 12">
               <a:extLst>
                 <a:ext uri="{FF2B5EF4-FFF2-40B4-BE49-F238E27FC236}">
                   <a16:creationId xmlns:a16="http://schemas.microsoft.com/office/drawing/2014/main" id="{BEDB8D7A-1BF6-4CDB-B93A-7736955F5043}"/>
                 </a:ext>
                 <a:ext uri="{C183D7F6-B498-43B3-948B-1728B52AA6E4}">
-                  <adec:decorative xmlns:adec="http://schemas.microsoft.com/office/drawing/2017/decorative" xmlns="" val="1"/>
+                  <adec:decorative xmlns:adec="http://schemas.microsoft.com/office/drawing/2017/decorative" val="1"/>
                 </a:ext>
               </a:extLst>
             </p:cNvPr>
@@ -21601,13 +17560,13 @@
           </p:grpSpPr>
           <p:sp>
             <p:nvSpPr>
-              <p:cNvPr id="139" name="Rectangle 138">
+              <p:cNvPr id="18" name="Rectangle 17">
                 <a:extLst>
                   <a:ext uri="{FF2B5EF4-FFF2-40B4-BE49-F238E27FC236}">
                     <a16:creationId xmlns:a16="http://schemas.microsoft.com/office/drawing/2014/main" id="{5AACD774-5167-46C7-8A62-6E2FE4BE9469}"/>
                   </a:ext>
                   <a:ext uri="{C183D7F6-B498-43B3-948B-1728B52AA6E4}">
-                    <adec:decorative xmlns:adec="http://schemas.microsoft.com/office/drawing/2017/decorative" xmlns="" val="1"/>
+                    <adec:decorative xmlns:adec="http://schemas.microsoft.com/office/drawing/2017/decorative" val="1"/>
                   </a:ext>
                 </a:extLst>
               </p:cNvPr>
@@ -21678,13 +17637,13 @@
           </p:sp>
           <p:sp>
             <p:nvSpPr>
-              <p:cNvPr id="140" name="Rectangle 139">
+              <p:cNvPr id="19" name="Rectangle 18">
                 <a:extLst>
                   <a:ext uri="{FF2B5EF4-FFF2-40B4-BE49-F238E27FC236}">
                     <a16:creationId xmlns:a16="http://schemas.microsoft.com/office/drawing/2014/main" id="{06E0F2D8-452E-48F9-9912-C47EAEAE1802}"/>
                   </a:ext>
                   <a:ext uri="{C183D7F6-B498-43B3-948B-1728B52AA6E4}">
-                    <adec:decorative xmlns:adec="http://schemas.microsoft.com/office/drawing/2017/decorative" xmlns="" val="1"/>
+                    <adec:decorative xmlns:adec="http://schemas.microsoft.com/office/drawing/2017/decorative" val="1"/>
                   </a:ext>
                 </a:extLst>
               </p:cNvPr>
@@ -21756,13 +17715,13 @@
         </p:grpSp>
         <p:grpSp>
           <p:nvGrpSpPr>
-            <p:cNvPr id="117" name="Group 116">
+            <p:cNvPr id="14" name="Group 13">
               <a:extLst>
                 <a:ext uri="{FF2B5EF4-FFF2-40B4-BE49-F238E27FC236}">
                   <a16:creationId xmlns:a16="http://schemas.microsoft.com/office/drawing/2014/main" id="{91FBBF95-430B-427C-A6E8-DB899217FC00}"/>
                 </a:ext>
                 <a:ext uri="{C183D7F6-B498-43B3-948B-1728B52AA6E4}">
-                  <adec:decorative xmlns:adec="http://schemas.microsoft.com/office/drawing/2017/decorative" xmlns="" val="1"/>
+                  <adec:decorative xmlns:adec="http://schemas.microsoft.com/office/drawing/2017/decorative" val="1"/>
                 </a:ext>
               </a:extLst>
             </p:cNvPr>
@@ -21787,13 +17746,13 @@
           </p:grpSpPr>
           <p:sp>
             <p:nvSpPr>
-              <p:cNvPr id="141" name="Rectangle 140">
+              <p:cNvPr id="16" name="Rectangle 15">
                 <a:extLst>
                   <a:ext uri="{FF2B5EF4-FFF2-40B4-BE49-F238E27FC236}">
                     <a16:creationId xmlns:a16="http://schemas.microsoft.com/office/drawing/2014/main" id="{BEE64698-3ED2-4395-B7FC-65248E437E0A}"/>
                   </a:ext>
                   <a:ext uri="{C183D7F6-B498-43B3-948B-1728B52AA6E4}">
-                    <adec:decorative xmlns:adec="http://schemas.microsoft.com/office/drawing/2017/decorative" xmlns="" val="1"/>
+                    <adec:decorative xmlns:adec="http://schemas.microsoft.com/office/drawing/2017/decorative" val="1"/>
                   </a:ext>
                 </a:extLst>
               </p:cNvPr>
@@ -21864,13 +17823,13 @@
           </p:sp>
           <p:sp>
             <p:nvSpPr>
-              <p:cNvPr id="142" name="Rectangle 141">
+              <p:cNvPr id="17" name="Rectangle 16">
                 <a:extLst>
                   <a:ext uri="{FF2B5EF4-FFF2-40B4-BE49-F238E27FC236}">
                     <a16:creationId xmlns:a16="http://schemas.microsoft.com/office/drawing/2014/main" id="{FE20B1E1-CE09-4C2A-A3FB-DB8026C54E98}"/>
                   </a:ext>
                   <a:ext uri="{C183D7F6-B498-43B3-948B-1728B52AA6E4}">
-                    <adec:decorative xmlns:adec="http://schemas.microsoft.com/office/drawing/2017/decorative" xmlns="" val="1"/>
+                    <adec:decorative xmlns:adec="http://schemas.microsoft.com/office/drawing/2017/decorative" val="1"/>
                   </a:ext>
                 </a:extLst>
               </p:cNvPr>
@@ -21942,13 +17901,13 @@
         </p:grpSp>
         <p:sp>
           <p:nvSpPr>
-            <p:cNvPr id="143" name="Rectangle 142">
+            <p:cNvPr id="15" name="Rectangle 14">
               <a:extLst>
                 <a:ext uri="{FF2B5EF4-FFF2-40B4-BE49-F238E27FC236}">
                   <a16:creationId xmlns:a16="http://schemas.microsoft.com/office/drawing/2014/main" id="{0CB2405B-A907-48B3-906A-FB3573C0B282}"/>
                 </a:ext>
                 <a:ext uri="{C183D7F6-B498-43B3-948B-1728B52AA6E4}">
-                  <adec:decorative xmlns:adec="http://schemas.microsoft.com/office/drawing/2017/decorative" xmlns="" val="1"/>
+                  <adec:decorative xmlns:adec="http://schemas.microsoft.com/office/drawing/2017/decorative" val="1"/>
                 </a:ext>
               </a:extLst>
             </p:cNvPr>
@@ -22022,13 +17981,13 @@
       </p:grpSp>
       <p:sp>
         <p:nvSpPr>
-          <p:cNvPr id="144" name="Rectangle 143">
+          <p:cNvPr id="21" name="Rectangle 20">
             <a:extLst>
               <a:ext uri="{FF2B5EF4-FFF2-40B4-BE49-F238E27FC236}">
                 <a16:creationId xmlns:a16="http://schemas.microsoft.com/office/drawing/2014/main" id="{6DC8E2D9-6729-4614-8667-C1016D3182E4}"/>
               </a:ext>
               <a:ext uri="{C183D7F6-B498-43B3-948B-1728B52AA6E4}">
-                <adec:decorative xmlns:adec="http://schemas.microsoft.com/office/drawing/2017/decorative" xmlns="" val="1"/>
+                <adec:decorative xmlns:adec="http://schemas.microsoft.com/office/drawing/2017/decorative" val="1"/>
               </a:ext>
             </a:extLst>
           </p:cNvPr>
@@ -22084,19 +18043,19 @@
           <a:lstStyle/>
           <a:p>
             <a:pPr algn="r"/>
-            <a:endParaRPr lang="en-US"/>
+            <a:endParaRPr lang="en-US" dirty="0"/>
           </a:p>
         </p:txBody>
       </p:sp>
       <p:sp useBgFill="1">
         <p:nvSpPr>
-          <p:cNvPr id="145" name="Rectangle 144">
+          <p:cNvPr id="23" name="Rectangle 22">
             <a:extLst>
               <a:ext uri="{FF2B5EF4-FFF2-40B4-BE49-F238E27FC236}">
                 <a16:creationId xmlns:a16="http://schemas.microsoft.com/office/drawing/2014/main" id="{9C51935E-4A08-4AE4-8E13-F40CD3C4F1C4}"/>
               </a:ext>
               <a:ext uri="{C183D7F6-B498-43B3-948B-1728B52AA6E4}">
-                <adec:decorative xmlns:adec="http://schemas.microsoft.com/office/drawing/2017/decorative" xmlns="" val="1"/>
+                <adec:decorative xmlns:adec="http://schemas.microsoft.com/office/drawing/2017/decorative" val="1"/>
               </a:ext>
             </a:extLst>
           </p:cNvPr>
@@ -22164,87 +18123,15 @@
           </a:p>
         </p:txBody>
       </p:sp>
-      <p:sp>
-        <p:nvSpPr>
-          <p:cNvPr id="2" name="Title 1">
+      <p:grpSp>
+        <p:nvGrpSpPr>
+          <p:cNvPr id="25" name="Group 24">
             <a:extLst>
               <a:ext uri="{FF2B5EF4-FFF2-40B4-BE49-F238E27FC236}">
-                <a16:creationId xmlns:a16="http://schemas.microsoft.com/office/drawing/2014/main" id="{F4E6133B-0F5E-EEF3-BB9A-43968FDFE255}"/>
-              </a:ext>
-            </a:extLst>
-          </p:cNvPr>
-          <p:cNvSpPr>
-            <a:spLocks noGrp="1"/>
-          </p:cNvSpPr>
-          <p:nvPr>
-            <p:ph type="title"/>
-          </p:nvPr>
-        </p:nvSpPr>
-        <p:spPr>
-          <a:xfrm>
-            <a:off x="7153200" y="540000"/>
-            <a:ext cx="4500561" cy="4259814"/>
-          </a:xfrm>
-        </p:spPr>
-        <p:txBody>
-          <a:bodyPr vert="horz" lIns="91440" tIns="45720" rIns="91440" bIns="45720" rtlCol="0" anchor="b">
-            <a:normAutofit/>
-          </a:bodyPr>
-          <a:lstStyle/>
-          <a:p>
-            <a:r>
-              <a:rPr lang="en-US" sz="8800">
-                <a:latin typeface="+mn-lt"/>
-              </a:rPr>
-              <a:t>Bar plot</a:t>
-            </a:r>
-          </a:p>
-        </p:txBody>
-      </p:sp>
-      <p:sp>
-        <p:nvSpPr>
-          <p:cNvPr id="22" name="Content Placeholder 8">
-            <a:extLst>
-              <a:ext uri="{FF2B5EF4-FFF2-40B4-BE49-F238E27FC236}">
-                <a16:creationId xmlns:a16="http://schemas.microsoft.com/office/drawing/2014/main" id="{0253D0DE-E02D-F908-5556-37B530B31E86}"/>
-              </a:ext>
-            </a:extLst>
-          </p:cNvPr>
-          <p:cNvSpPr>
-            <a:spLocks noGrp="1"/>
-          </p:cNvSpPr>
-          <p:nvPr>
-            <p:ph idx="1"/>
-          </p:nvPr>
-        </p:nvSpPr>
-        <p:spPr>
-          <a:xfrm>
-            <a:off x="7153200" y="4988476"/>
-            <a:ext cx="4500561" cy="1320249"/>
-          </a:xfrm>
-        </p:spPr>
-        <p:txBody>
-          <a:bodyPr vert="horz" lIns="91440" tIns="45720" rIns="91440" bIns="45720" rtlCol="0" anchor="t">
-            <a:normAutofit/>
-          </a:bodyPr>
-          <a:lstStyle/>
-          <a:p>
-            <a:pPr marL="0" indent="0">
-              <a:buNone/>
-            </a:pPr>
-            <a:endParaRPr lang="en-US" sz="1600" cap="all" spc="300"/>
-          </a:p>
-        </p:txBody>
-      </p:sp>
-      <p:grpSp>
-        <p:nvGrpSpPr>
-          <p:cNvPr id="146" name="Group 145">
-            <a:extLst>
-              <a:ext uri="{FF2B5EF4-FFF2-40B4-BE49-F238E27FC236}">
-                <a16:creationId xmlns:a16="http://schemas.microsoft.com/office/drawing/2014/main" id="{4B7AF231-444C-44D0-B791-BAFE395E36AC}"/>
+                <a16:creationId xmlns:a16="http://schemas.microsoft.com/office/drawing/2014/main" id="{6E2935B3-43F9-4F49-AEEE-A09015DDFF57}"/>
               </a:ext>
               <a:ext uri="{C183D7F6-B498-43B3-948B-1728B52AA6E4}">
-                <adec:decorative xmlns:adec="http://schemas.microsoft.com/office/drawing/2017/decorative" xmlns="" val="1"/>
+                <adec:decorative xmlns:adec="http://schemas.microsoft.com/office/drawing/2017/decorative" val="1"/>
               </a:ext>
             </a:extLst>
           </p:cNvPr>
@@ -22260,22 +18147,103 @@
           </p:nvPr>
         </p:nvGrpSpPr>
         <p:grpSpPr>
-          <a:xfrm rot="10800000" flipH="1">
-            <a:off x="1" y="3600"/>
-            <a:ext cx="7266875" cy="6854400"/>
-            <a:chOff x="4925125" y="3600"/>
-            <a:chExt cx="7266875" cy="6854400"/>
+          <a:xfrm>
+            <a:off x="1" y="0"/>
+            <a:ext cx="12191999" cy="6861600"/>
+            <a:chOff x="1" y="0"/>
+            <a:chExt cx="12191999" cy="6861600"/>
           </a:xfrm>
         </p:grpSpPr>
         <p:sp>
           <p:nvSpPr>
-            <p:cNvPr id="147" name="Oval 146">
+            <p:cNvPr id="26" name="Rectangle 25">
               <a:extLst>
                 <a:ext uri="{FF2B5EF4-FFF2-40B4-BE49-F238E27FC236}">
-                  <a16:creationId xmlns:a16="http://schemas.microsoft.com/office/drawing/2014/main" id="{6152793A-5125-41FA-AEF6-96C5463D0A76}"/>
+                  <a16:creationId xmlns:a16="http://schemas.microsoft.com/office/drawing/2014/main" id="{823C3E9F-031F-4D06-B2D1-FBDE7797AECC}"/>
                 </a:ext>
                 <a:ext uri="{C183D7F6-B498-43B3-948B-1728B52AA6E4}">
-                  <adec:decorative xmlns:adec="http://schemas.microsoft.com/office/drawing/2017/decorative" xmlns="" val="1"/>
+                  <adec:decorative xmlns:adec="http://schemas.microsoft.com/office/drawing/2017/decorative" val="1"/>
+                </a:ext>
+              </a:extLst>
+            </p:cNvPr>
+            <p:cNvSpPr>
+              <a:spLocks noChangeAspect="1"/>
+            </p:cNvSpPr>
+            <p:nvPr>
+              <p:extLst>
+                <p:ext uri="{386F3935-93C4-4BCD-93E2-E3B085C9AB24}">
+                  <p16:designElem xmlns:p16="http://schemas.microsoft.com/office/powerpoint/2015/main" val="1"/>
+                </p:ext>
+              </p:extLst>
+            </p:nvPr>
+          </p:nvSpPr>
+          <p:spPr>
+            <a:xfrm rot="16200000">
+              <a:off x="1" y="1640114"/>
+              <a:ext cx="5217886" cy="5217886"/>
+            </a:xfrm>
+            <a:prstGeom prst="rect">
+              <a:avLst/>
+            </a:prstGeom>
+            <a:gradFill flip="none" rotWithShape="1">
+              <a:gsLst>
+                <a:gs pos="0">
+                  <a:schemeClr val="accent2">
+                    <a:alpha val="60000"/>
+                  </a:schemeClr>
+                </a:gs>
+                <a:gs pos="60000">
+                  <a:schemeClr val="accent2">
+                    <a:alpha val="0"/>
+                  </a:schemeClr>
+                </a:gs>
+              </a:gsLst>
+              <a:path path="circle">
+                <a:fillToRect r="100000" b="100000"/>
+              </a:path>
+              <a:tileRect l="-100000" t="-100000"/>
+            </a:gradFill>
+            <a:ln w="12700" cap="flat" cmpd="sng" algn="ctr">
+              <a:noFill/>
+              <a:prstDash val="solid"/>
+              <a:miter lim="800000"/>
+            </a:ln>
+            <a:effectLst/>
+          </p:spPr>
+          <p:style>
+            <a:lnRef idx="2">
+              <a:schemeClr val="accent1">
+                <a:shade val="50000"/>
+              </a:schemeClr>
+            </a:lnRef>
+            <a:fillRef idx="1">
+              <a:schemeClr val="accent1"/>
+            </a:fillRef>
+            <a:effectRef idx="0">
+              <a:schemeClr val="accent1"/>
+            </a:effectRef>
+            <a:fontRef idx="minor">
+              <a:schemeClr val="lt1"/>
+            </a:fontRef>
+          </p:style>
+          <p:txBody>
+            <a:bodyPr rtlCol="0" anchor="ctr"/>
+            <a:lstStyle/>
+            <a:p>
+              <a:pPr algn="ctr"/>
+              <a:endParaRPr lang="en-US"/>
+            </a:p>
+          </p:txBody>
+        </p:sp>
+        <p:sp>
+          <p:nvSpPr>
+            <p:cNvPr id="27" name="Oval 26">
+              <a:extLst>
+                <a:ext uri="{FF2B5EF4-FFF2-40B4-BE49-F238E27FC236}">
+                  <a16:creationId xmlns:a16="http://schemas.microsoft.com/office/drawing/2014/main" id="{AD6B24CB-2D97-4762-B34A-9FE40CECA824}"/>
+                </a:ext>
+                <a:ext uri="{C183D7F6-B498-43B3-948B-1728B52AA6E4}">
+                  <adec:decorative xmlns:adec="http://schemas.microsoft.com/office/drawing/2017/decorative" val="1"/>
                 </a:ext>
               </a:extLst>
             </p:cNvPr>
@@ -22292,7 +18260,746 @@
           </p:nvSpPr>
           <p:spPr>
             <a:xfrm>
-              <a:off x="4925125" y="1098000"/>
+              <a:off x="6384514" y="0"/>
+              <a:ext cx="4320000" cy="4320000"/>
+            </a:xfrm>
+            <a:prstGeom prst="ellipse">
+              <a:avLst/>
+            </a:prstGeom>
+            <a:solidFill>
+              <a:schemeClr val="accent3">
+                <a:alpha val="96000"/>
+              </a:schemeClr>
+            </a:solidFill>
+            <a:ln>
+              <a:noFill/>
+            </a:ln>
+            <a:effectLst>
+              <a:softEdge rad="1016000"/>
+            </a:effectLst>
+          </p:spPr>
+          <p:style>
+            <a:lnRef idx="2">
+              <a:schemeClr val="accent1">
+                <a:shade val="50000"/>
+              </a:schemeClr>
+            </a:lnRef>
+            <a:fillRef idx="1">
+              <a:schemeClr val="accent1"/>
+            </a:fillRef>
+            <a:effectRef idx="0">
+              <a:schemeClr val="accent1"/>
+            </a:effectRef>
+            <a:fontRef idx="minor">
+              <a:schemeClr val="lt1"/>
+            </a:fontRef>
+          </p:style>
+          <p:txBody>
+            <a:bodyPr rtlCol="0" anchor="ctr"/>
+            <a:lstStyle/>
+            <a:p>
+              <a:pPr algn="ctr"/>
+              <a:endParaRPr lang="en-US"/>
+            </a:p>
+          </p:txBody>
+        </p:sp>
+        <p:sp>
+          <p:nvSpPr>
+            <p:cNvPr id="28" name="Oval 27">
+              <a:extLst>
+                <a:ext uri="{FF2B5EF4-FFF2-40B4-BE49-F238E27FC236}">
+                  <a16:creationId xmlns:a16="http://schemas.microsoft.com/office/drawing/2014/main" id="{72E85C82-5A92-4169-B806-F7A311C1C60E}"/>
+                </a:ext>
+                <a:ext uri="{C183D7F6-B498-43B3-948B-1728B52AA6E4}">
+                  <adec:decorative xmlns:adec="http://schemas.microsoft.com/office/drawing/2017/decorative" val="1"/>
+                </a:ext>
+              </a:extLst>
+            </p:cNvPr>
+            <p:cNvSpPr>
+              <a:spLocks noChangeAspect="1"/>
+            </p:cNvSpPr>
+            <p:nvPr>
+              <p:extLst>
+                <p:ext uri="{386F3935-93C4-4BCD-93E2-E3B085C9AB24}">
+                  <p16:designElem xmlns:p16="http://schemas.microsoft.com/office/powerpoint/2015/main" val="1"/>
+                </p:ext>
+              </p:extLst>
+            </p:nvPr>
+          </p:nvSpPr>
+          <p:spPr>
+            <a:xfrm>
+              <a:off x="6119057" y="1230054"/>
+              <a:ext cx="5506886" cy="5506886"/>
+            </a:xfrm>
+            <a:prstGeom prst="ellipse">
+              <a:avLst/>
+            </a:prstGeom>
+            <a:solidFill>
+              <a:schemeClr val="accent2">
+                <a:alpha val="60000"/>
+              </a:schemeClr>
+            </a:solidFill>
+            <a:ln>
+              <a:noFill/>
+            </a:ln>
+            <a:effectLst>
+              <a:softEdge rad="1270000"/>
+            </a:effectLst>
+          </p:spPr>
+          <p:style>
+            <a:lnRef idx="2">
+              <a:schemeClr val="accent1">
+                <a:shade val="50000"/>
+              </a:schemeClr>
+            </a:lnRef>
+            <a:fillRef idx="1">
+              <a:schemeClr val="accent1"/>
+            </a:fillRef>
+            <a:effectRef idx="0">
+              <a:schemeClr val="accent1"/>
+            </a:effectRef>
+            <a:fontRef idx="minor">
+              <a:schemeClr val="lt1"/>
+            </a:fontRef>
+          </p:style>
+          <p:txBody>
+            <a:bodyPr rtlCol="0" anchor="ctr"/>
+            <a:lstStyle/>
+            <a:p>
+              <a:pPr algn="ctr"/>
+              <a:endParaRPr lang="en-US" dirty="0"/>
+            </a:p>
+          </p:txBody>
+        </p:sp>
+        <p:grpSp>
+          <p:nvGrpSpPr>
+            <p:cNvPr id="29" name="Group 28">
+              <a:extLst>
+                <a:ext uri="{FF2B5EF4-FFF2-40B4-BE49-F238E27FC236}">
+                  <a16:creationId xmlns:a16="http://schemas.microsoft.com/office/drawing/2014/main" id="{536DD679-1C6F-4F84-9CA0-27B1ABCFD7D1}"/>
+                </a:ext>
+                <a:ext uri="{C183D7F6-B498-43B3-948B-1728B52AA6E4}">
+                  <adec:decorative xmlns:adec="http://schemas.microsoft.com/office/drawing/2017/decorative" val="1"/>
+                </a:ext>
+              </a:extLst>
+            </p:cNvPr>
+            <p:cNvGrpSpPr>
+              <a:grpSpLocks noChangeAspect="1"/>
+            </p:cNvGrpSpPr>
+            <p:nvPr>
+              <p:extLst>
+                <p:ext uri="{386F3935-93C4-4BCD-93E2-E3B085C9AB24}">
+                  <p16:designElem xmlns:p16="http://schemas.microsoft.com/office/powerpoint/2015/main" val="1"/>
+                </p:ext>
+              </p:extLst>
+            </p:nvPr>
+          </p:nvGrpSpPr>
+          <p:grpSpPr>
+            <a:xfrm>
+              <a:off x="690092" y="0"/>
+              <a:ext cx="10800000" cy="6858000"/>
+              <a:chOff x="2328000" y="0"/>
+              <a:chExt cx="2880000" cy="1440000"/>
+            </a:xfrm>
+          </p:grpSpPr>
+          <p:sp>
+            <p:nvSpPr>
+              <p:cNvPr id="34" name="Rectangle 33">
+                <a:extLst>
+                  <a:ext uri="{FF2B5EF4-FFF2-40B4-BE49-F238E27FC236}">
+                    <a16:creationId xmlns:a16="http://schemas.microsoft.com/office/drawing/2014/main" id="{90EBB60D-86C6-45E0-AB7B-8C952FEBDD97}"/>
+                  </a:ext>
+                  <a:ext uri="{C183D7F6-B498-43B3-948B-1728B52AA6E4}">
+                    <adec:decorative xmlns:adec="http://schemas.microsoft.com/office/drawing/2017/decorative" val="1"/>
+                  </a:ext>
+                </a:extLst>
+              </p:cNvPr>
+              <p:cNvSpPr/>
+              <p:nvPr>
+                <p:extLst>
+                  <p:ext uri="{386F3935-93C4-4BCD-93E2-E3B085C9AB24}">
+                    <p16:designElem xmlns:p16="http://schemas.microsoft.com/office/powerpoint/2015/main" val="1"/>
+                  </p:ext>
+                </p:extLst>
+              </p:nvPr>
+            </p:nvSpPr>
+            <p:spPr>
+              <a:xfrm>
+                <a:off x="3768000" y="0"/>
+                <a:ext cx="1440000" cy="1440000"/>
+              </a:xfrm>
+              <a:prstGeom prst="rect">
+                <a:avLst/>
+              </a:prstGeom>
+              <a:gradFill flip="none" rotWithShape="1">
+                <a:gsLst>
+                  <a:gs pos="0">
+                    <a:schemeClr val="accent1"/>
+                  </a:gs>
+                  <a:gs pos="60000">
+                    <a:schemeClr val="accent1">
+                      <a:alpha val="0"/>
+                    </a:schemeClr>
+                  </a:gs>
+                </a:gsLst>
+                <a:path path="circle">
+                  <a:fillToRect r="100000" b="100000"/>
+                </a:path>
+                <a:tileRect l="-100000" t="-100000"/>
+              </a:gradFill>
+              <a:ln w="12700" cap="flat" cmpd="sng" algn="ctr">
+                <a:noFill/>
+                <a:prstDash val="solid"/>
+                <a:miter lim="800000"/>
+              </a:ln>
+              <a:effectLst/>
+            </p:spPr>
+            <p:style>
+              <a:lnRef idx="2">
+                <a:schemeClr val="accent1">
+                  <a:shade val="50000"/>
+                </a:schemeClr>
+              </a:lnRef>
+              <a:fillRef idx="1">
+                <a:schemeClr val="accent1"/>
+              </a:fillRef>
+              <a:effectRef idx="0">
+                <a:schemeClr val="accent1"/>
+              </a:effectRef>
+              <a:fontRef idx="minor">
+                <a:schemeClr val="lt1"/>
+              </a:fontRef>
+            </p:style>
+            <p:txBody>
+              <a:bodyPr rtlCol="0" anchor="ctr"/>
+              <a:lstStyle/>
+              <a:p>
+                <a:pPr algn="ctr"/>
+                <a:endParaRPr lang="en-US"/>
+              </a:p>
+            </p:txBody>
+          </p:sp>
+          <p:sp>
+            <p:nvSpPr>
+              <p:cNvPr id="35" name="Rectangle 34">
+                <a:extLst>
+                  <a:ext uri="{FF2B5EF4-FFF2-40B4-BE49-F238E27FC236}">
+                    <a16:creationId xmlns:a16="http://schemas.microsoft.com/office/drawing/2014/main" id="{E06710FE-8C5F-4C9D-AF9E-1A7CDAE4C67E}"/>
+                  </a:ext>
+                  <a:ext uri="{C183D7F6-B498-43B3-948B-1728B52AA6E4}">
+                    <adec:decorative xmlns:adec="http://schemas.microsoft.com/office/drawing/2017/decorative" val="1"/>
+                  </a:ext>
+                </a:extLst>
+              </p:cNvPr>
+              <p:cNvSpPr/>
+              <p:nvPr>
+                <p:extLst>
+                  <p:ext uri="{386F3935-93C4-4BCD-93E2-E3B085C9AB24}">
+                    <p16:designElem xmlns:p16="http://schemas.microsoft.com/office/powerpoint/2015/main" val="1"/>
+                  </p:ext>
+                </p:extLst>
+              </p:nvPr>
+            </p:nvSpPr>
+            <p:spPr>
+              <a:xfrm flipH="1">
+                <a:off x="2328000" y="0"/>
+                <a:ext cx="1440000" cy="1440000"/>
+              </a:xfrm>
+              <a:prstGeom prst="rect">
+                <a:avLst/>
+              </a:prstGeom>
+              <a:gradFill flip="none" rotWithShape="1">
+                <a:gsLst>
+                  <a:gs pos="0">
+                    <a:schemeClr val="accent1"/>
+                  </a:gs>
+                  <a:gs pos="60000">
+                    <a:schemeClr val="accent1">
+                      <a:alpha val="0"/>
+                    </a:schemeClr>
+                  </a:gs>
+                </a:gsLst>
+                <a:path path="circle">
+                  <a:fillToRect r="100000" b="100000"/>
+                </a:path>
+                <a:tileRect l="-100000" t="-100000"/>
+              </a:gradFill>
+              <a:ln w="12700" cap="flat" cmpd="sng" algn="ctr">
+                <a:noFill/>
+                <a:prstDash val="solid"/>
+                <a:miter lim="800000"/>
+              </a:ln>
+              <a:effectLst/>
+            </p:spPr>
+            <p:style>
+              <a:lnRef idx="2">
+                <a:schemeClr val="accent1">
+                  <a:shade val="50000"/>
+                </a:schemeClr>
+              </a:lnRef>
+              <a:fillRef idx="1">
+                <a:schemeClr val="accent1"/>
+              </a:fillRef>
+              <a:effectRef idx="0">
+                <a:schemeClr val="accent1"/>
+              </a:effectRef>
+              <a:fontRef idx="minor">
+                <a:schemeClr val="lt1"/>
+              </a:fontRef>
+            </p:style>
+            <p:txBody>
+              <a:bodyPr rtlCol="0" anchor="ctr"/>
+              <a:lstStyle/>
+              <a:p>
+                <a:pPr algn="ctr"/>
+                <a:endParaRPr lang="en-US"/>
+              </a:p>
+            </p:txBody>
+          </p:sp>
+        </p:grpSp>
+        <p:grpSp>
+          <p:nvGrpSpPr>
+            <p:cNvPr id="30" name="Group 29">
+              <a:extLst>
+                <a:ext uri="{FF2B5EF4-FFF2-40B4-BE49-F238E27FC236}">
+                  <a16:creationId xmlns:a16="http://schemas.microsoft.com/office/drawing/2014/main" id="{38556C1B-E283-4483-ACD0-2808A242AC15}"/>
+                </a:ext>
+                <a:ext uri="{C183D7F6-B498-43B3-948B-1728B52AA6E4}">
+                  <adec:decorative xmlns:adec="http://schemas.microsoft.com/office/drawing/2017/decorative" val="1"/>
+                </a:ext>
+              </a:extLst>
+            </p:cNvPr>
+            <p:cNvGrpSpPr>
+              <a:grpSpLocks noChangeAspect="1"/>
+            </p:cNvGrpSpPr>
+            <p:nvPr>
+              <p:extLst>
+                <p:ext uri="{386F3935-93C4-4BCD-93E2-E3B085C9AB24}">
+                  <p16:designElem xmlns:p16="http://schemas.microsoft.com/office/powerpoint/2015/main" val="1"/>
+                </p:ext>
+              </p:extLst>
+            </p:nvPr>
+          </p:nvGrpSpPr>
+          <p:grpSpPr>
+            <a:xfrm rot="5400000">
+              <a:off x="7048499" y="1714500"/>
+              <a:ext cx="6858000" cy="3429000"/>
+              <a:chOff x="0" y="0"/>
+              <a:chExt cx="2880000" cy="1440000"/>
+            </a:xfrm>
+          </p:grpSpPr>
+          <p:sp>
+            <p:nvSpPr>
+              <p:cNvPr id="32" name="Rectangle 31">
+                <a:extLst>
+                  <a:ext uri="{FF2B5EF4-FFF2-40B4-BE49-F238E27FC236}">
+                    <a16:creationId xmlns:a16="http://schemas.microsoft.com/office/drawing/2014/main" id="{6575218D-6500-488D-AB87-B8B426C1CC5A}"/>
+                  </a:ext>
+                  <a:ext uri="{C183D7F6-B498-43B3-948B-1728B52AA6E4}">
+                    <adec:decorative xmlns:adec="http://schemas.microsoft.com/office/drawing/2017/decorative" val="1"/>
+                  </a:ext>
+                </a:extLst>
+              </p:cNvPr>
+              <p:cNvSpPr/>
+              <p:nvPr>
+                <p:extLst>
+                  <p:ext uri="{386F3935-93C4-4BCD-93E2-E3B085C9AB24}">
+                    <p16:designElem xmlns:p16="http://schemas.microsoft.com/office/powerpoint/2015/main" val="1"/>
+                  </p:ext>
+                </p:extLst>
+              </p:nvPr>
+            </p:nvSpPr>
+            <p:spPr>
+              <a:xfrm>
+                <a:off x="1440000" y="0"/>
+                <a:ext cx="1440000" cy="1440000"/>
+              </a:xfrm>
+              <a:prstGeom prst="rect">
+                <a:avLst/>
+              </a:prstGeom>
+              <a:gradFill flip="none" rotWithShape="1">
+                <a:gsLst>
+                  <a:gs pos="0">
+                    <a:schemeClr val="accent2"/>
+                  </a:gs>
+                  <a:gs pos="60000">
+                    <a:schemeClr val="accent2">
+                      <a:alpha val="0"/>
+                    </a:schemeClr>
+                  </a:gs>
+                </a:gsLst>
+                <a:path path="circle">
+                  <a:fillToRect r="100000" b="100000"/>
+                </a:path>
+                <a:tileRect l="-100000" t="-100000"/>
+              </a:gradFill>
+              <a:ln w="12700" cap="flat" cmpd="sng" algn="ctr">
+                <a:noFill/>
+                <a:prstDash val="solid"/>
+                <a:miter lim="800000"/>
+              </a:ln>
+              <a:effectLst/>
+            </p:spPr>
+            <p:style>
+              <a:lnRef idx="2">
+                <a:schemeClr val="accent1">
+                  <a:shade val="50000"/>
+                </a:schemeClr>
+              </a:lnRef>
+              <a:fillRef idx="1">
+                <a:schemeClr val="accent1"/>
+              </a:fillRef>
+              <a:effectRef idx="0">
+                <a:schemeClr val="accent1"/>
+              </a:effectRef>
+              <a:fontRef idx="minor">
+                <a:schemeClr val="lt1"/>
+              </a:fontRef>
+            </p:style>
+            <p:txBody>
+              <a:bodyPr rtlCol="0" anchor="ctr"/>
+              <a:lstStyle/>
+              <a:p>
+                <a:pPr algn="ctr"/>
+                <a:endParaRPr lang="en-US"/>
+              </a:p>
+            </p:txBody>
+          </p:sp>
+          <p:sp>
+            <p:nvSpPr>
+              <p:cNvPr id="33" name="Rectangle 32">
+                <a:extLst>
+                  <a:ext uri="{FF2B5EF4-FFF2-40B4-BE49-F238E27FC236}">
+                    <a16:creationId xmlns:a16="http://schemas.microsoft.com/office/drawing/2014/main" id="{0859891A-F84B-4F49-B829-12D780F42780}"/>
+                  </a:ext>
+                  <a:ext uri="{C183D7F6-B498-43B3-948B-1728B52AA6E4}">
+                    <adec:decorative xmlns:adec="http://schemas.microsoft.com/office/drawing/2017/decorative" val="1"/>
+                  </a:ext>
+                </a:extLst>
+              </p:cNvPr>
+              <p:cNvSpPr/>
+              <p:nvPr>
+                <p:extLst>
+                  <p:ext uri="{386F3935-93C4-4BCD-93E2-E3B085C9AB24}">
+                    <p16:designElem xmlns:p16="http://schemas.microsoft.com/office/powerpoint/2015/main" val="1"/>
+                  </p:ext>
+                </p:extLst>
+              </p:nvPr>
+            </p:nvSpPr>
+            <p:spPr>
+              <a:xfrm flipH="1">
+                <a:off x="0" y="0"/>
+                <a:ext cx="1440000" cy="1440000"/>
+              </a:xfrm>
+              <a:prstGeom prst="rect">
+                <a:avLst/>
+              </a:prstGeom>
+              <a:gradFill flip="none" rotWithShape="1">
+                <a:gsLst>
+                  <a:gs pos="0">
+                    <a:schemeClr val="accent2"/>
+                  </a:gs>
+                  <a:gs pos="60000">
+                    <a:schemeClr val="accent2">
+                      <a:alpha val="0"/>
+                    </a:schemeClr>
+                  </a:gs>
+                </a:gsLst>
+                <a:path path="circle">
+                  <a:fillToRect r="100000" b="100000"/>
+                </a:path>
+                <a:tileRect l="-100000" t="-100000"/>
+              </a:gradFill>
+              <a:ln w="12700" cap="flat" cmpd="sng" algn="ctr">
+                <a:noFill/>
+                <a:prstDash val="solid"/>
+                <a:miter lim="800000"/>
+              </a:ln>
+              <a:effectLst/>
+            </p:spPr>
+            <p:style>
+              <a:lnRef idx="2">
+                <a:schemeClr val="accent1">
+                  <a:shade val="50000"/>
+                </a:schemeClr>
+              </a:lnRef>
+              <a:fillRef idx="1">
+                <a:schemeClr val="accent1"/>
+              </a:fillRef>
+              <a:effectRef idx="0">
+                <a:schemeClr val="accent1"/>
+              </a:effectRef>
+              <a:fontRef idx="minor">
+                <a:schemeClr val="lt1"/>
+              </a:fontRef>
+            </p:style>
+            <p:txBody>
+              <a:bodyPr rtlCol="0" anchor="ctr"/>
+              <a:lstStyle/>
+              <a:p>
+                <a:pPr algn="ctr"/>
+                <a:endParaRPr lang="en-US"/>
+              </a:p>
+            </p:txBody>
+          </p:sp>
+        </p:grpSp>
+        <p:sp>
+          <p:nvSpPr>
+            <p:cNvPr id="31" name="Rectangle 30">
+              <a:extLst>
+                <a:ext uri="{FF2B5EF4-FFF2-40B4-BE49-F238E27FC236}">
+                  <a16:creationId xmlns:a16="http://schemas.microsoft.com/office/drawing/2014/main" id="{2A4DD948-16D9-47F3-880E-69BF40A2CFB1}"/>
+                </a:ext>
+                <a:ext uri="{C183D7F6-B498-43B3-948B-1728B52AA6E4}">
+                  <adec:decorative xmlns:adec="http://schemas.microsoft.com/office/drawing/2017/decorative" val="1"/>
+                </a:ext>
+              </a:extLst>
+            </p:cNvPr>
+            <p:cNvSpPr>
+              <a:spLocks noChangeAspect="1"/>
+            </p:cNvSpPr>
+            <p:nvPr>
+              <p:extLst>
+                <p:ext uri="{386F3935-93C4-4BCD-93E2-E3B085C9AB24}">
+                  <p16:designElem xmlns:p16="http://schemas.microsoft.com/office/powerpoint/2015/main" val="1"/>
+                </p:ext>
+              </p:extLst>
+            </p:nvPr>
+          </p:nvSpPr>
+          <p:spPr>
+            <a:xfrm rot="10800000">
+              <a:off x="5602287" y="271887"/>
+              <a:ext cx="6589713" cy="6589713"/>
+            </a:xfrm>
+            <a:prstGeom prst="rect">
+              <a:avLst/>
+            </a:prstGeom>
+            <a:gradFill flip="none" rotWithShape="1">
+              <a:gsLst>
+                <a:gs pos="0">
+                  <a:schemeClr val="accent3"/>
+                </a:gs>
+                <a:gs pos="60000">
+                  <a:schemeClr val="accent3">
+                    <a:alpha val="0"/>
+                  </a:schemeClr>
+                </a:gs>
+              </a:gsLst>
+              <a:path path="circle">
+                <a:fillToRect r="100000" b="100000"/>
+              </a:path>
+              <a:tileRect l="-100000" t="-100000"/>
+            </a:gradFill>
+            <a:ln w="12700" cap="flat" cmpd="sng" algn="ctr">
+              <a:noFill/>
+              <a:prstDash val="solid"/>
+              <a:miter lim="800000"/>
+            </a:ln>
+            <a:effectLst/>
+          </p:spPr>
+          <p:style>
+            <a:lnRef idx="2">
+              <a:schemeClr val="accent1">
+                <a:shade val="50000"/>
+              </a:schemeClr>
+            </a:lnRef>
+            <a:fillRef idx="1">
+              <a:schemeClr val="accent1"/>
+            </a:fillRef>
+            <a:effectRef idx="0">
+              <a:schemeClr val="accent1"/>
+            </a:effectRef>
+            <a:fontRef idx="minor">
+              <a:schemeClr val="lt1"/>
+            </a:fontRef>
+          </p:style>
+          <p:txBody>
+            <a:bodyPr rtlCol="0" anchor="ctr"/>
+            <a:lstStyle/>
+            <a:p>
+              <a:pPr algn="ctr"/>
+              <a:endParaRPr lang="en-US"/>
+            </a:p>
+          </p:txBody>
+        </p:sp>
+      </p:grpSp>
+      <p:sp>
+        <p:nvSpPr>
+          <p:cNvPr id="37" name="Rectangle 36">
+            <a:extLst>
+              <a:ext uri="{FF2B5EF4-FFF2-40B4-BE49-F238E27FC236}">
+                <a16:creationId xmlns:a16="http://schemas.microsoft.com/office/drawing/2014/main" id="{8CED433A-4441-4EF2-A360-2D5C19C7F3CD}"/>
+              </a:ext>
+              <a:ext uri="{C183D7F6-B498-43B3-948B-1728B52AA6E4}">
+                <adec:decorative xmlns:adec="http://schemas.microsoft.com/office/drawing/2017/decorative" val="1"/>
+              </a:ext>
+            </a:extLst>
+          </p:cNvPr>
+          <p:cNvSpPr>
+            <a:spLocks noGrp="1" noRot="1" noChangeAspect="1" noMove="1" noResize="1" noEditPoints="1" noAdjustHandles="1" noChangeArrowheads="1" noChangeShapeType="1" noTextEdit="1"/>
+          </p:cNvSpPr>
+          <p:nvPr>
+            <p:extLst>
+              <p:ext uri="{386F3935-93C4-4BCD-93E2-E3B085C9AB24}">
+                <p16:designElem xmlns:p16="http://schemas.microsoft.com/office/powerpoint/2015/main" val="1"/>
+              </p:ext>
+            </p:extLst>
+          </p:nvPr>
+        </p:nvSpPr>
+        <p:spPr>
+          <a:xfrm flipH="1">
+            <a:off x="0" y="0"/>
+            <a:ext cx="12192000" cy="6858000"/>
+          </a:xfrm>
+          <a:prstGeom prst="rect">
+            <a:avLst/>
+          </a:prstGeom>
+          <a:gradFill flip="none" rotWithShape="1">
+            <a:gsLst>
+              <a:gs pos="0">
+                <a:schemeClr val="bg2">
+                  <a:alpha val="60000"/>
+                </a:schemeClr>
+              </a:gs>
+              <a:gs pos="37000">
+                <a:schemeClr val="bg2">
+                  <a:alpha val="60000"/>
+                </a:schemeClr>
+              </a:gs>
+              <a:gs pos="79000">
+                <a:schemeClr val="bg2">
+                  <a:alpha val="0"/>
+                </a:schemeClr>
+              </a:gs>
+            </a:gsLst>
+            <a:lin ang="0" scaled="1"/>
+            <a:tileRect/>
+          </a:gradFill>
+          <a:ln w="12700" cap="flat" cmpd="sng" algn="ctr">
+            <a:noFill/>
+            <a:prstDash val="solid"/>
+            <a:miter lim="800000"/>
+          </a:ln>
+          <a:effectLst/>
+        </p:spPr>
+        <p:style>
+          <a:lnRef idx="2">
+            <a:schemeClr val="accent1">
+              <a:shade val="50000"/>
+            </a:schemeClr>
+          </a:lnRef>
+          <a:fillRef idx="1">
+            <a:schemeClr val="accent1"/>
+          </a:fillRef>
+          <a:effectRef idx="0">
+            <a:schemeClr val="accent1"/>
+          </a:effectRef>
+          <a:fontRef idx="minor">
+            <a:schemeClr val="lt1"/>
+          </a:fontRef>
+        </p:style>
+        <p:txBody>
+          <a:bodyPr rtlCol="0" anchor="ctr"/>
+          <a:lstStyle/>
+          <a:p>
+            <a:endParaRPr lang="en-US" dirty="0"/>
+          </a:p>
+        </p:txBody>
+      </p:sp>
+      <p:sp>
+        <p:nvSpPr>
+          <p:cNvPr id="2" name="Tytuł 1">
+            <a:extLst>
+              <a:ext uri="{FF2B5EF4-FFF2-40B4-BE49-F238E27FC236}">
+                <a16:creationId xmlns:a16="http://schemas.microsoft.com/office/drawing/2014/main" id="{416E01CF-2831-33F3-9360-A7C00FA0451C}"/>
+              </a:ext>
+            </a:extLst>
+          </p:cNvPr>
+          <p:cNvSpPr>
+            <a:spLocks noGrp="1"/>
+          </p:cNvSpPr>
+          <p:nvPr>
+            <p:ph type="title"/>
+          </p:nvPr>
+        </p:nvSpPr>
+        <p:spPr>
+          <a:xfrm>
+            <a:off x="7140575" y="540000"/>
+            <a:ext cx="4500561" cy="4259814"/>
+          </a:xfrm>
+        </p:spPr>
+        <p:txBody>
+          <a:bodyPr vert="horz" lIns="91440" tIns="45720" rIns="91440" bIns="45720" rtlCol="0" anchor="b">
+            <a:normAutofit/>
+          </a:bodyPr>
+          <a:lstStyle/>
+          <a:p>
+            <a:r>
+              <a:rPr lang="en-US" sz="5500" dirty="0">
+                <a:latin typeface="Avenir Next LT Pro"/>
+              </a:rPr>
+              <a:t>Insights from Visualizations</a:t>
+            </a:r>
+          </a:p>
+        </p:txBody>
+      </p:sp>
+      <p:grpSp>
+        <p:nvGrpSpPr>
+          <p:cNvPr id="39" name="Group 38">
+            <a:extLst>
+              <a:ext uri="{FF2B5EF4-FFF2-40B4-BE49-F238E27FC236}">
+                <a16:creationId xmlns:a16="http://schemas.microsoft.com/office/drawing/2014/main" id="{614A0AA1-C9DD-452F-AF3C-8231C0CD8325}"/>
+              </a:ext>
+              <a:ext uri="{C183D7F6-B498-43B3-948B-1728B52AA6E4}">
+                <adec:decorative xmlns:adec="http://schemas.microsoft.com/office/drawing/2017/decorative" val="1"/>
+              </a:ext>
+            </a:extLst>
+          </p:cNvPr>
+          <p:cNvGrpSpPr>
+            <a:grpSpLocks noGrp="1" noUngrp="1" noRot="1" noChangeAspect="1" noMove="1" noResize="1"/>
+          </p:cNvGrpSpPr>
+          <p:nvPr>
+            <p:extLst>
+              <p:ext uri="{386F3935-93C4-4BCD-93E2-E3B085C9AB24}">
+                <p16:designElem xmlns:p16="http://schemas.microsoft.com/office/powerpoint/2015/main" val="1"/>
+              </p:ext>
+            </p:extLst>
+          </p:nvPr>
+        </p:nvGrpSpPr>
+        <p:grpSpPr>
+          <a:xfrm rot="10800000">
+            <a:off x="1" y="3600"/>
+            <a:ext cx="6854400" cy="6854400"/>
+            <a:chOff x="0" y="3600"/>
+            <a:chExt cx="6854400" cy="6854400"/>
+          </a:xfrm>
+        </p:grpSpPr>
+        <p:sp>
+          <p:nvSpPr>
+            <p:cNvPr id="40" name="Oval 39">
+              <a:extLst>
+                <a:ext uri="{FF2B5EF4-FFF2-40B4-BE49-F238E27FC236}">
+                  <a16:creationId xmlns:a16="http://schemas.microsoft.com/office/drawing/2014/main" id="{081A3F73-01DC-494A-B9CC-582418F95AB1}"/>
+                </a:ext>
+                <a:ext uri="{C183D7F6-B498-43B3-948B-1728B52AA6E4}">
+                  <adec:decorative xmlns:adec="http://schemas.microsoft.com/office/drawing/2017/decorative" val="1"/>
+                </a:ext>
+              </a:extLst>
+            </p:cNvPr>
+            <p:cNvSpPr>
+              <a:spLocks noChangeAspect="1"/>
+            </p:cNvSpPr>
+            <p:nvPr>
+              <p:extLst>
+                <p:ext uri="{386F3935-93C4-4BCD-93E2-E3B085C9AB24}">
+                  <p16:designElem xmlns:p16="http://schemas.microsoft.com/office/powerpoint/2015/main" val="1"/>
+                </p:ext>
+              </p:extLst>
+            </p:nvPr>
+          </p:nvSpPr>
+          <p:spPr>
+            <a:xfrm rot="10800000">
+              <a:off x="1" y="3600"/>
               <a:ext cx="5760000" cy="5760000"/>
             </a:xfrm>
             <a:prstGeom prst="ellipse">
@@ -22337,13 +19044,13 @@
         </p:sp>
         <p:sp>
           <p:nvSpPr>
-            <p:cNvPr id="148" name="Oval 147">
+            <p:cNvPr id="41" name="Oval 40">
               <a:extLst>
                 <a:ext uri="{FF2B5EF4-FFF2-40B4-BE49-F238E27FC236}">
-                  <a16:creationId xmlns:a16="http://schemas.microsoft.com/office/drawing/2014/main" id="{63C1632F-098D-4A05-B248-04B7ABFE0060}"/>
+                  <a16:creationId xmlns:a16="http://schemas.microsoft.com/office/drawing/2014/main" id="{0C4A7316-203B-47F8-B448-E54B106DB1E5}"/>
                 </a:ext>
                 <a:ext uri="{C183D7F6-B498-43B3-948B-1728B52AA6E4}">
-                  <adec:decorative xmlns:adec="http://schemas.microsoft.com/office/drawing/2017/decorative" xmlns="" val="1"/>
+                  <adec:decorative xmlns:adec="http://schemas.microsoft.com/office/drawing/2017/decorative" val="1"/>
                 </a:ext>
               </a:extLst>
             </p:cNvPr>
@@ -22359,8 +19066,8 @@
             </p:nvPr>
           </p:nvSpPr>
           <p:spPr>
-            <a:xfrm>
-              <a:off x="5105686" y="65314"/>
+            <a:xfrm rot="10800000">
+              <a:off x="1" y="1992024"/>
               <a:ext cx="4320000" cy="4320000"/>
             </a:xfrm>
             <a:prstGeom prst="ellipse">
@@ -22403,13 +19110,13 @@
         </p:sp>
         <p:sp>
           <p:nvSpPr>
-            <p:cNvPr id="149" name="Oval 148">
+            <p:cNvPr id="42" name="Oval 41">
               <a:extLst>
                 <a:ext uri="{FF2B5EF4-FFF2-40B4-BE49-F238E27FC236}">
-                  <a16:creationId xmlns:a16="http://schemas.microsoft.com/office/drawing/2014/main" id="{0A85C0F5-DDEB-454E-A0E4-B6F0FB4CAB12}"/>
+                  <a16:creationId xmlns:a16="http://schemas.microsoft.com/office/drawing/2014/main" id="{2DFB6685-5F8D-4A29-9735-BF4667A59C0E}"/>
                 </a:ext>
                 <a:ext uri="{C183D7F6-B498-43B3-948B-1728B52AA6E4}">
-                  <adec:decorative xmlns:adec="http://schemas.microsoft.com/office/drawing/2017/decorative" xmlns="" val="1"/>
+                  <adec:decorative xmlns:adec="http://schemas.microsoft.com/office/drawing/2017/decorative" val="1"/>
                 </a:ext>
               </a:extLst>
             </p:cNvPr>
@@ -22425,8 +19132,8 @@
             </p:nvPr>
           </p:nvSpPr>
           <p:spPr>
-            <a:xfrm>
-              <a:off x="5337600" y="3600"/>
+            <a:xfrm rot="10800000">
+              <a:off x="0" y="3600"/>
               <a:ext cx="6854400" cy="6854400"/>
             </a:xfrm>
             <a:prstGeom prst="ellipse">
@@ -22465,17 +19172,17 @@
             <a:lstStyle/>
             <a:p>
               <a:pPr algn="ctr"/>
-              <a:endParaRPr lang="en-US"/>
+              <a:endParaRPr lang="en-US" dirty="0"/>
             </a:p>
           </p:txBody>
         </p:sp>
       </p:grpSp>
       <p:pic>
         <p:nvPicPr>
-          <p:cNvPr id="5" name="Content Placeholder 4" descr="A graph with different colored bars&#10;&#10;Description automatically generated">
+          <p:cNvPr id="24" name="Picture 4" descr="3D art of a person">
             <a:extLst>
               <a:ext uri="{FF2B5EF4-FFF2-40B4-BE49-F238E27FC236}">
-                <a16:creationId xmlns:a16="http://schemas.microsoft.com/office/drawing/2014/main" id="{75FC16BE-3E49-DED5-00CA-75FD30B8CD62}"/>
+                <a16:creationId xmlns:a16="http://schemas.microsoft.com/office/drawing/2014/main" id="{D597B13C-BB1B-2F86-2C2F-BFED778C1C8C}"/>
               </a:ext>
             </a:extLst>
           </p:cNvPr>
@@ -22485,14 +19192,8 @@
           <p:nvPr/>
         </p:nvPicPr>
         <p:blipFill rotWithShape="1">
-          <a:blip r:embed="rId2">
-            <a:extLst>
-              <a:ext uri="{28A0092B-C50C-407E-A947-70E740481C1C}">
-                <a14:useLocalDpi xmlns:a14="http://schemas.microsoft.com/office/drawing/2010/main" val="0"/>
-              </a:ext>
-            </a:extLst>
-          </a:blip>
-          <a:srcRect l="15892" r="12608"/>
+          <a:blip r:embed="rId2"/>
+          <a:srcRect r="11" b="11"/>
           <a:stretch/>
         </p:blipFill>
         <p:spPr>
@@ -22543,105 +19244,13 @@
     </p:spTree>
     <p:extLst>
       <p:ext uri="{BB962C8B-B14F-4D97-AF65-F5344CB8AC3E}">
-        <p14:creationId xmlns:p14="http://schemas.microsoft.com/office/powerpoint/2010/main" val="291198703"/>
+        <p14:creationId xmlns:p14="http://schemas.microsoft.com/office/powerpoint/2010/main" val="2789351032"/>
       </p:ext>
     </p:extLst>
   </p:cSld>
   <p:clrMapOvr>
     <a:masterClrMapping/>
   </p:clrMapOvr>
-  <p:timing>
-    <p:tnLst>
-      <p:par>
-        <p:cTn id="1" dur="indefinite" restart="never" nodeType="tmRoot">
-          <p:childTnLst>
-            <p:seq concurrent="1" nextAc="seek">
-              <p:cTn id="2" dur="indefinite" nodeType="mainSeq">
-                <p:childTnLst>
-                  <p:par>
-                    <p:cTn id="3" fill="hold">
-                      <p:stCondLst>
-                        <p:cond delay="indefinite"/>
-                        <p:cond evt="onBegin" delay="0">
-                          <p:tn val="2"/>
-                        </p:cond>
-                      </p:stCondLst>
-                      <p:childTnLst>
-                        <p:par>
-                          <p:cTn id="4" fill="hold">
-                            <p:stCondLst>
-                              <p:cond delay="0"/>
-                            </p:stCondLst>
-                            <p:childTnLst>
-                              <p:par>
-                                <p:cTn id="5" presetID="10" presetClass="entr" presetSubtype="0" fill="hold" grpId="0" nodeType="withEffect">
-                                  <p:stCondLst>
-                                    <p:cond delay="1000"/>
-                                  </p:stCondLst>
-                                  <p:iterate type="lt">
-                                    <p:tmPct val="10000"/>
-                                  </p:iterate>
-                                  <p:childTnLst>
-                                    <p:set>
-                                      <p:cBhvr>
-                                        <p:cTn id="6" dur="1" fill="hold">
-                                          <p:stCondLst>
-                                            <p:cond delay="0"/>
-                                          </p:stCondLst>
-                                        </p:cTn>
-                                        <p:tgtEl>
-                                          <p:spTgt spid="2"/>
-                                        </p:tgtEl>
-                                        <p:attrNameLst>
-                                          <p:attrName>style.visibility</p:attrName>
-                                        </p:attrNameLst>
-                                      </p:cBhvr>
-                                      <p:to>
-                                        <p:strVal val="visible"/>
-                                      </p:to>
-                                    </p:set>
-                                    <p:animEffect transition="in" filter="fade">
-                                      <p:cBhvr>
-                                        <p:cTn id="7" dur="400"/>
-                                        <p:tgtEl>
-                                          <p:spTgt spid="2"/>
-                                        </p:tgtEl>
-                                      </p:cBhvr>
-                                    </p:animEffect>
-                                  </p:childTnLst>
-                                </p:cTn>
-                              </p:par>
-                            </p:childTnLst>
-                          </p:cTn>
-                        </p:par>
-                      </p:childTnLst>
-                    </p:cTn>
-                  </p:par>
-                </p:childTnLst>
-              </p:cTn>
-              <p:prevCondLst>
-                <p:cond evt="onPrev" delay="0">
-                  <p:tgtEl>
-                    <p:sldTgt/>
-                  </p:tgtEl>
-                </p:cond>
-              </p:prevCondLst>
-              <p:nextCondLst>
-                <p:cond evt="onNext" delay="0">
-                  <p:tgtEl>
-                    <p:sldTgt/>
-                  </p:tgtEl>
-                </p:cond>
-              </p:nextCondLst>
-            </p:seq>
-          </p:childTnLst>
-        </p:cTn>
-      </p:par>
-    </p:tnLst>
-    <p:bldLst>
-      <p:bldP spid="2" grpId="0"/>
-    </p:bldLst>
-  </p:timing>
 </p:sld>
 </file>
 
